--- a/finalproject_화면설계.pptx
+++ b/finalproject_화면설계.pptx
@@ -5,7 +5,7 @@
     <p:sldMasterId id="2147483672" r:id="rId1"/>
   </p:sldMasterIdLst>
   <p:notesMasterIdLst>
-    <p:notesMasterId r:id="rId9"/>
+    <p:notesMasterId r:id="rId10"/>
   </p:notesMasterIdLst>
   <p:sldIdLst>
     <p:sldId id="256" r:id="rId2"/>
@@ -15,6 +15,7 @@
     <p:sldId id="292" r:id="rId6"/>
     <p:sldId id="294" r:id="rId7"/>
     <p:sldId id="321" r:id="rId8"/>
+    <p:sldId id="322" r:id="rId9"/>
   </p:sldIdLst>
   <p:sldSz cx="12192000" cy="6858000"/>
   <p:notesSz cx="6858000" cy="9144000"/>
@@ -133,6 +134,7 @@
             <p14:sldId id="292"/>
             <p14:sldId id="294"/>
             <p14:sldId id="321"/>
+            <p14:sldId id="322"/>
           </p14:sldIdLst>
         </p14:section>
       </p14:sectionLst>
@@ -150,6 +152,9 @@
           </p15:clr>
         </p15:guide>
       </p15:sldGuideLst>
+    </p:ext>
+    <p:ext uri="{2D200454-40CA-4A62-9FC3-DE9A4176ACB9}">
+      <p15:notesGuideLst xmlns:p15="http://schemas.microsoft.com/office/powerpoint/2012/main"/>
     </p:ext>
   </p:extLst>
 </p:presentation>
@@ -237,7 +242,7 @@
           <a:p>
             <a:fld id="{D44D9214-7E29-4B10-9A83-908F6CBD1823}" type="datetimeFigureOut">
               <a:rPr lang="ko-KR" altLang="en-US" smtClean="0"/>
-              <a:t>2022-11-21</a:t>
+              <a:t>2022. 11. 22.</a:t>
             </a:fld>
             <a:endParaRPr lang="ko-KR" altLang="en-US"/>
           </a:p>
@@ -635,7 +640,7 @@
           <a:p>
             <a:fld id="{1A8E0C46-E1C2-4F38-AD22-40F7D1A813C6}" type="datetimeFigureOut">
               <a:rPr lang="ko-KR" altLang="en-US" smtClean="0"/>
-              <a:t>2022-11-21</a:t>
+              <a:t>2022. 11. 22.</a:t>
             </a:fld>
             <a:endParaRPr lang="ko-KR" altLang="en-US"/>
           </a:p>
@@ -805,7 +810,7 @@
           <a:p>
             <a:fld id="{1A8E0C46-E1C2-4F38-AD22-40F7D1A813C6}" type="datetimeFigureOut">
               <a:rPr lang="ko-KR" altLang="en-US" smtClean="0"/>
-              <a:t>2022-11-21</a:t>
+              <a:t>2022. 11. 22.</a:t>
             </a:fld>
             <a:endParaRPr lang="ko-KR" altLang="en-US"/>
           </a:p>
@@ -985,7 +990,7 @@
           <a:p>
             <a:fld id="{1A8E0C46-E1C2-4F38-AD22-40F7D1A813C6}" type="datetimeFigureOut">
               <a:rPr lang="ko-KR" altLang="en-US" smtClean="0"/>
-              <a:t>2022-11-21</a:t>
+              <a:t>2022. 11. 22.</a:t>
             </a:fld>
             <a:endParaRPr lang="ko-KR" altLang="en-US"/>
           </a:p>
@@ -2092,7 +2097,7 @@
           <a:p>
             <a:fld id="{1A8E0C46-E1C2-4F38-AD22-40F7D1A813C6}" type="datetimeFigureOut">
               <a:rPr lang="ko-KR" altLang="en-US" smtClean="0"/>
-              <a:t>2022-11-21</a:t>
+              <a:t>2022. 11. 22.</a:t>
             </a:fld>
             <a:endParaRPr lang="ko-KR" altLang="en-US"/>
           </a:p>
@@ -2338,7 +2343,7 @@
           <a:p>
             <a:fld id="{1A8E0C46-E1C2-4F38-AD22-40F7D1A813C6}" type="datetimeFigureOut">
               <a:rPr lang="ko-KR" altLang="en-US" smtClean="0"/>
-              <a:t>2022-11-21</a:t>
+              <a:t>2022. 11. 22.</a:t>
             </a:fld>
             <a:endParaRPr lang="ko-KR" altLang="en-US"/>
           </a:p>
@@ -2570,7 +2575,7 @@
           <a:p>
             <a:fld id="{1A8E0C46-E1C2-4F38-AD22-40F7D1A813C6}" type="datetimeFigureOut">
               <a:rPr lang="ko-KR" altLang="en-US" smtClean="0"/>
-              <a:t>2022-11-21</a:t>
+              <a:t>2022. 11. 22.</a:t>
             </a:fld>
             <a:endParaRPr lang="ko-KR" altLang="en-US"/>
           </a:p>
@@ -2937,7 +2942,7 @@
           <a:p>
             <a:fld id="{1A8E0C46-E1C2-4F38-AD22-40F7D1A813C6}" type="datetimeFigureOut">
               <a:rPr lang="ko-KR" altLang="en-US" smtClean="0"/>
-              <a:t>2022-11-21</a:t>
+              <a:t>2022. 11. 22.</a:t>
             </a:fld>
             <a:endParaRPr lang="ko-KR" altLang="en-US"/>
           </a:p>
@@ -3055,7 +3060,7 @@
           <a:p>
             <a:fld id="{1A8E0C46-E1C2-4F38-AD22-40F7D1A813C6}" type="datetimeFigureOut">
               <a:rPr lang="ko-KR" altLang="en-US" smtClean="0"/>
-              <a:t>2022-11-21</a:t>
+              <a:t>2022. 11. 22.</a:t>
             </a:fld>
             <a:endParaRPr lang="ko-KR" altLang="en-US"/>
           </a:p>
@@ -3150,7 +3155,7 @@
           <a:p>
             <a:fld id="{1A8E0C46-E1C2-4F38-AD22-40F7D1A813C6}" type="datetimeFigureOut">
               <a:rPr lang="ko-KR" altLang="en-US" smtClean="0"/>
-              <a:t>2022-11-21</a:t>
+              <a:t>2022. 11. 22.</a:t>
             </a:fld>
             <a:endParaRPr lang="ko-KR" altLang="en-US"/>
           </a:p>
@@ -3427,7 +3432,7 @@
           <a:p>
             <a:fld id="{1A8E0C46-E1C2-4F38-AD22-40F7D1A813C6}" type="datetimeFigureOut">
               <a:rPr lang="ko-KR" altLang="en-US" smtClean="0"/>
-              <a:t>2022-11-21</a:t>
+              <a:t>2022. 11. 22.</a:t>
             </a:fld>
             <a:endParaRPr lang="ko-KR" altLang="en-US"/>
           </a:p>
@@ -3684,7 +3689,7 @@
           <a:p>
             <a:fld id="{1A8E0C46-E1C2-4F38-AD22-40F7D1A813C6}" type="datetimeFigureOut">
               <a:rPr lang="ko-KR" altLang="en-US" smtClean="0"/>
-              <a:t>2022-11-21</a:t>
+              <a:t>2022. 11. 22.</a:t>
             </a:fld>
             <a:endParaRPr lang="ko-KR" altLang="en-US"/>
           </a:p>
@@ -3897,7 +3902,7 @@
           <a:p>
             <a:fld id="{1A8E0C46-E1C2-4F38-AD22-40F7D1A813C6}" type="datetimeFigureOut">
               <a:rPr lang="ko-KR" altLang="en-US" smtClean="0"/>
-              <a:t>2022-11-21</a:t>
+              <a:t>2022. 11. 22.</a:t>
             </a:fld>
             <a:endParaRPr lang="ko-KR" altLang="en-US"/>
           </a:p>
@@ -6872,7 +6877,7 @@
           <p:nvPr>
             <p:extLst>
               <p:ext uri="{D42A27DB-BD31-4B8C-83A1-F6EECF244321}">
-                <p14:modId xmlns:p14="http://schemas.microsoft.com/office/powerpoint/2010/main" val="1306279615"/>
+                <p14:modId xmlns:p14="http://schemas.microsoft.com/office/powerpoint/2010/main" val="4044931855"/>
               </p:ext>
             </p:extLst>
           </p:nvPr>
@@ -7193,7 +7198,7 @@
                     <a:p>
                       <a:pPr latinLnBrk="1"/>
                       <a:r>
-                        <a:rPr lang="en-US" altLang="ko-KR" sz="800" baseline="0" dirty="0">
+                        <a:rPr lang="ko-KR" altLang="en-US" sz="800" baseline="0" dirty="0">
                           <a:solidFill>
                             <a:schemeClr val="tx1">
                               <a:lumMod val="75000"/>
@@ -7203,8 +7208,44 @@
                           <a:latin typeface="Noto Sans CJK KR Light" panose="020B0300000000000000" pitchFamily="34" charset="-127"/>
                           <a:ea typeface="Noto Sans CJK KR Light" panose="020B0300000000000000" pitchFamily="34" charset="-127"/>
                         </a:rPr>
-                        <a:t>Text Field</a:t>
+                        <a:t>로그인</a:t>
                       </a:r>
+                      <a:endParaRPr lang="en-US" altLang="ko-KR" sz="800" baseline="0" dirty="0">
+                        <a:solidFill>
+                          <a:schemeClr val="tx1">
+                            <a:lumMod val="75000"/>
+                            <a:lumOff val="25000"/>
+                          </a:schemeClr>
+                        </a:solidFill>
+                        <a:latin typeface="Noto Sans CJK KR Light" panose="020B0300000000000000" pitchFamily="34" charset="-127"/>
+                        <a:ea typeface="Noto Sans CJK KR Light" panose="020B0300000000000000" pitchFamily="34" charset="-127"/>
+                      </a:endParaRPr>
+                    </a:p>
+                    <a:p>
+                      <a:pPr latinLnBrk="1"/>
+                      <a:r>
+                        <a:rPr lang="ko-KR" altLang="en-US" sz="800" baseline="0" dirty="0">
+                          <a:solidFill>
+                            <a:schemeClr val="tx1">
+                              <a:lumMod val="75000"/>
+                              <a:lumOff val="25000"/>
+                            </a:schemeClr>
+                          </a:solidFill>
+                          <a:latin typeface="Noto Sans CJK KR Light" panose="020B0300000000000000" pitchFamily="34" charset="-127"/>
+                          <a:ea typeface="Noto Sans CJK KR Light" panose="020B0300000000000000" pitchFamily="34" charset="-127"/>
+                        </a:rPr>
+                        <a:t>입력</a:t>
+                      </a:r>
+                      <a:endParaRPr lang="en-US" altLang="ko-KR" sz="800" baseline="0" dirty="0">
+                        <a:solidFill>
+                          <a:schemeClr val="tx1">
+                            <a:lumMod val="75000"/>
+                            <a:lumOff val="25000"/>
+                          </a:schemeClr>
+                        </a:solidFill>
+                        <a:latin typeface="Noto Sans CJK KR Light" panose="020B0300000000000000" pitchFamily="34" charset="-127"/>
+                        <a:ea typeface="Noto Sans CJK KR Light" panose="020B0300000000000000" pitchFamily="34" charset="-127"/>
+                      </a:endParaRPr>
                     </a:p>
                   </a:txBody>
                   <a:tcPr marL="54000" marR="54000" marT="36000" marB="36000">
@@ -9719,19 +9760,6 @@
                     <a:lstStyle/>
                     <a:p>
                       <a:pPr latinLnBrk="1"/>
-                      <a:r>
-                        <a:rPr lang="ko-KR" altLang="en-US" sz="800" baseline="0" dirty="0">
-                          <a:solidFill>
-                            <a:schemeClr val="tx1">
-                              <a:lumMod val="75000"/>
-                              <a:lumOff val="25000"/>
-                            </a:schemeClr>
-                          </a:solidFill>
-                          <a:latin typeface="Noto Sans CJK KR Light" panose="020B0300000000000000" pitchFamily="34" charset="-127"/>
-                          <a:ea typeface="Noto Sans CJK KR Light" panose="020B0300000000000000" pitchFamily="34" charset="-127"/>
-                        </a:rPr>
-                        <a:t>다음 페이지에서 계속</a:t>
-                      </a:r>
                       <a:endParaRPr lang="en-US" altLang="ko-KR" sz="800" baseline="0" dirty="0">
                         <a:solidFill>
                           <a:schemeClr val="tx1">
@@ -11036,6 +11064,6303 @@
         </p:nvSpPr>
         <p:spPr>
           <a:xfrm>
+            <a:off x="4420304" y="630335"/>
+            <a:ext cx="3351392" cy="5805376"/>
+          </a:xfrm>
+          <a:prstGeom prst="rect">
+            <a:avLst/>
+          </a:prstGeom>
+          <a:solidFill>
+            <a:schemeClr val="bg1"/>
+          </a:solidFill>
+          <a:ln w="3175">
+            <a:solidFill>
+              <a:schemeClr val="bg1">
+                <a:lumMod val="85000"/>
+              </a:schemeClr>
+            </a:solidFill>
+          </a:ln>
+          <a:effectLst/>
+        </p:spPr>
+        <p:style>
+          <a:lnRef idx="1">
+            <a:schemeClr val="accent1"/>
+          </a:lnRef>
+          <a:fillRef idx="0">
+            <a:schemeClr val="accent1"/>
+          </a:fillRef>
+          <a:effectRef idx="0">
+            <a:schemeClr val="accent1"/>
+          </a:effectRef>
+          <a:fontRef idx="minor">
+            <a:schemeClr val="tx1"/>
+          </a:fontRef>
+        </p:style>
+        <p:txBody>
+          <a:bodyPr rot="0" spcFirstLastPara="0" vertOverflow="overflow" horzOverflow="overflow" vert="horz" wrap="square" lIns="91440" tIns="45720" rIns="91440" bIns="45720" numCol="1" spcCol="0" rtlCol="0" fromWordArt="0" anchor="ctr" anchorCtr="0" forceAA="0" compatLnSpc="1">
+            <a:prstTxWarp prst="textNoShape">
+              <a:avLst/>
+            </a:prstTxWarp>
+            <a:noAutofit/>
+          </a:bodyPr>
+          <a:lstStyle/>
+          <a:p>
+            <a:pPr algn="ctr"/>
+            <a:endParaRPr lang="ko-KR" altLang="en-US" sz="1000"/>
+          </a:p>
+        </p:txBody>
+      </p:sp>
+      <p:sp>
+        <p:nvSpPr>
+          <p:cNvPr id="7" name="TextBox 6"/>
+          <p:cNvSpPr txBox="1"/>
+          <p:nvPr/>
+        </p:nvSpPr>
+        <p:spPr>
+          <a:xfrm>
+            <a:off x="639583" y="31366"/>
+            <a:ext cx="670376" cy="276999"/>
+          </a:xfrm>
+          <a:prstGeom prst="rect">
+            <a:avLst/>
+          </a:prstGeom>
+          <a:noFill/>
+        </p:spPr>
+        <p:txBody>
+          <a:bodyPr wrap="none" rtlCol="0">
+            <a:spAutoFit/>
+          </a:bodyPr>
+          <a:lstStyle/>
+          <a:p>
+            <a:r>
+              <a:rPr lang="en-US" altLang="ko-KR" sz="1200" dirty="0"/>
+              <a:t>SIGNUP</a:t>
+            </a:r>
+            <a:endParaRPr lang="ko-KR" altLang="en-US" sz="1200" dirty="0"/>
+          </a:p>
+        </p:txBody>
+      </p:sp>
+      <p:graphicFrame>
+        <p:nvGraphicFramePr>
+          <p:cNvPr id="2" name="표 1">
+            <a:extLst>
+              <a:ext uri="{FF2B5EF4-FFF2-40B4-BE49-F238E27FC236}">
+                <a16:creationId xmlns:a16="http://schemas.microsoft.com/office/drawing/2014/main" id="{CD4564B6-D1DF-1673-5A1D-609D38909DA4}"/>
+              </a:ext>
+            </a:extLst>
+          </p:cNvPr>
+          <p:cNvGraphicFramePr>
+            <a:graphicFrameLocks noGrp="1"/>
+          </p:cNvGraphicFramePr>
+          <p:nvPr>
+            <p:extLst>
+              <p:ext uri="{D42A27DB-BD31-4B8C-83A1-F6EECF244321}">
+                <p14:modId xmlns:p14="http://schemas.microsoft.com/office/powerpoint/2010/main" val="353234207"/>
+              </p:ext>
+            </p:extLst>
+          </p:nvPr>
+        </p:nvGraphicFramePr>
+        <p:xfrm>
+          <a:off x="8743476" y="384630"/>
+          <a:ext cx="3255177" cy="6275642"/>
+        </p:xfrm>
+        <a:graphic>
+          <a:graphicData uri="http://schemas.openxmlformats.org/drawingml/2006/table">
+            <a:tbl>
+              <a:tblPr firstRow="1" bandRow="1">
+                <a:tableStyleId>{5C22544A-7EE6-4342-B048-85BDC9FD1C3A}</a:tableStyleId>
+              </a:tblPr>
+              <a:tblGrid>
+                <a:gridCol w="226613">
+                  <a:extLst>
+                    <a:ext uri="{9D8B030D-6E8A-4147-A177-3AD203B41FA5}">
+                      <a16:colId xmlns:a16="http://schemas.microsoft.com/office/drawing/2014/main" val="20000"/>
+                    </a:ext>
+                  </a:extLst>
+                </a:gridCol>
+                <a:gridCol w="889138">
+                  <a:extLst>
+                    <a:ext uri="{9D8B030D-6E8A-4147-A177-3AD203B41FA5}">
+                      <a16:colId xmlns:a16="http://schemas.microsoft.com/office/drawing/2014/main" val="20001"/>
+                    </a:ext>
+                  </a:extLst>
+                </a:gridCol>
+                <a:gridCol w="2139426">
+                  <a:extLst>
+                    <a:ext uri="{9D8B030D-6E8A-4147-A177-3AD203B41FA5}">
+                      <a16:colId xmlns:a16="http://schemas.microsoft.com/office/drawing/2014/main" val="20002"/>
+                    </a:ext>
+                  </a:extLst>
+                </a:gridCol>
+              </a:tblGrid>
+              <a:tr h="0">
+                <a:tc>
+                  <a:txBody>
+                    <a:bodyPr/>
+                    <a:lstStyle/>
+                    <a:p>
+                      <a:pPr latinLnBrk="1"/>
+                      <a:r>
+                        <a:rPr lang="en-US" altLang="ko-KR" sz="700" b="0" dirty="0">
+                          <a:solidFill>
+                            <a:schemeClr val="tx1">
+                              <a:lumMod val="75000"/>
+                              <a:lumOff val="25000"/>
+                            </a:schemeClr>
+                          </a:solidFill>
+                          <a:latin typeface="Noto Sans CJK KR DemiLight" panose="020B0400000000000000" pitchFamily="34" charset="-127"/>
+                          <a:ea typeface="Noto Sans CJK KR DemiLight" panose="020B0400000000000000" pitchFamily="34" charset="-127"/>
+                        </a:rPr>
+                        <a:t>No.</a:t>
+                      </a:r>
+                      <a:endParaRPr lang="ko-KR" altLang="en-US" sz="700" b="0" dirty="0">
+                        <a:solidFill>
+                          <a:schemeClr val="tx1">
+                            <a:lumMod val="75000"/>
+                            <a:lumOff val="25000"/>
+                          </a:schemeClr>
+                        </a:solidFill>
+                        <a:latin typeface="Noto Sans CJK KR DemiLight" panose="020B0400000000000000" pitchFamily="34" charset="-127"/>
+                        <a:ea typeface="Noto Sans CJK KR DemiLight" panose="020B0400000000000000" pitchFamily="34" charset="-127"/>
+                      </a:endParaRPr>
+                    </a:p>
+                  </a:txBody>
+                  <a:tcPr marL="54000" marR="54000" marT="36000" marB="36000" anchor="b">
+                    <a:lnL w="3175" cap="flat" cmpd="sng" algn="ctr">
+                      <a:noFill/>
+                      <a:prstDash val="solid"/>
+                      <a:round/>
+                      <a:headEnd type="none" w="med" len="med"/>
+                      <a:tailEnd type="none" w="med" len="med"/>
+                    </a:lnL>
+                    <a:lnR w="3175" cap="flat" cmpd="sng" algn="ctr">
+                      <a:solidFill>
+                        <a:schemeClr val="bg1">
+                          <a:lumMod val="75000"/>
+                        </a:schemeClr>
+                      </a:solidFill>
+                      <a:prstDash val="solid"/>
+                      <a:round/>
+                      <a:headEnd type="none" w="med" len="med"/>
+                      <a:tailEnd type="none" w="med" len="med"/>
+                    </a:lnR>
+                    <a:lnT w="3175" cap="flat" cmpd="sng" algn="ctr">
+                      <a:solidFill>
+                        <a:schemeClr val="bg1">
+                          <a:lumMod val="75000"/>
+                        </a:schemeClr>
+                      </a:solidFill>
+                      <a:prstDash val="solid"/>
+                      <a:round/>
+                      <a:headEnd type="none" w="med" len="med"/>
+                      <a:tailEnd type="none" w="med" len="med"/>
+                    </a:lnT>
+                    <a:lnB w="3175" cap="flat" cmpd="sng" algn="ctr">
+                      <a:solidFill>
+                        <a:schemeClr val="bg1">
+                          <a:lumMod val="75000"/>
+                        </a:schemeClr>
+                      </a:solidFill>
+                      <a:prstDash val="solid"/>
+                      <a:round/>
+                      <a:headEnd type="none" w="med" len="med"/>
+                      <a:tailEnd type="none" w="med" len="med"/>
+                    </a:lnB>
+                    <a:lnTlToBr w="12700" cmpd="sng">
+                      <a:noFill/>
+                      <a:prstDash val="solid"/>
+                    </a:lnTlToBr>
+                    <a:lnBlToTr w="12700" cmpd="sng">
+                      <a:noFill/>
+                      <a:prstDash val="solid"/>
+                    </a:lnBlToTr>
+                    <a:solidFill>
+                      <a:schemeClr val="bg1">
+                        <a:lumMod val="95000"/>
+                      </a:schemeClr>
+                    </a:solidFill>
+                  </a:tcPr>
+                </a:tc>
+                <a:tc gridSpan="2">
+                  <a:txBody>
+                    <a:bodyPr/>
+                    <a:lstStyle/>
+                    <a:p>
+                      <a:pPr latinLnBrk="1"/>
+                      <a:r>
+                        <a:rPr lang="en-US" altLang="ko-KR" sz="700" b="0" dirty="0">
+                          <a:solidFill>
+                            <a:schemeClr val="tx1">
+                              <a:lumMod val="75000"/>
+                              <a:lumOff val="25000"/>
+                            </a:schemeClr>
+                          </a:solidFill>
+                          <a:latin typeface="Noto Sans CJK KR DemiLight" panose="020B0400000000000000" pitchFamily="34" charset="-127"/>
+                          <a:ea typeface="Noto Sans CJK KR DemiLight" panose="020B0400000000000000" pitchFamily="34" charset="-127"/>
+                        </a:rPr>
+                        <a:t>Description</a:t>
+                      </a:r>
+                      <a:endParaRPr lang="ko-KR" altLang="en-US" sz="700" b="0" dirty="0">
+                        <a:solidFill>
+                          <a:schemeClr val="tx1">
+                            <a:lumMod val="75000"/>
+                            <a:lumOff val="25000"/>
+                          </a:schemeClr>
+                        </a:solidFill>
+                        <a:latin typeface="Noto Sans CJK KR DemiLight" panose="020B0400000000000000" pitchFamily="34" charset="-127"/>
+                        <a:ea typeface="Noto Sans CJK KR DemiLight" panose="020B0400000000000000" pitchFamily="34" charset="-127"/>
+                      </a:endParaRPr>
+                    </a:p>
+                  </a:txBody>
+                  <a:tcPr marL="54000" marR="54000" marT="36000" marB="36000" anchor="b">
+                    <a:lnL w="3175" cap="flat" cmpd="sng" algn="ctr">
+                      <a:solidFill>
+                        <a:schemeClr val="bg1">
+                          <a:lumMod val="75000"/>
+                        </a:schemeClr>
+                      </a:solidFill>
+                      <a:prstDash val="solid"/>
+                      <a:round/>
+                      <a:headEnd type="none" w="med" len="med"/>
+                      <a:tailEnd type="none" w="med" len="med"/>
+                    </a:lnL>
+                    <a:lnR w="3175" cap="flat" cmpd="sng" algn="ctr">
+                      <a:noFill/>
+                      <a:prstDash val="solid"/>
+                      <a:round/>
+                      <a:headEnd type="none" w="med" len="med"/>
+                      <a:tailEnd type="none" w="med" len="med"/>
+                    </a:lnR>
+                    <a:lnT w="3175" cap="flat" cmpd="sng" algn="ctr">
+                      <a:solidFill>
+                        <a:schemeClr val="bg1">
+                          <a:lumMod val="75000"/>
+                        </a:schemeClr>
+                      </a:solidFill>
+                      <a:prstDash val="solid"/>
+                      <a:round/>
+                      <a:headEnd type="none" w="med" len="med"/>
+                      <a:tailEnd type="none" w="med" len="med"/>
+                    </a:lnT>
+                    <a:lnB w="3175" cap="flat" cmpd="sng" algn="ctr">
+                      <a:solidFill>
+                        <a:schemeClr val="bg1">
+                          <a:lumMod val="75000"/>
+                        </a:schemeClr>
+                      </a:solidFill>
+                      <a:prstDash val="solid"/>
+                      <a:round/>
+                      <a:headEnd type="none" w="med" len="med"/>
+                      <a:tailEnd type="none" w="med" len="med"/>
+                    </a:lnB>
+                    <a:lnTlToBr w="12700" cmpd="sng">
+                      <a:noFill/>
+                      <a:prstDash val="solid"/>
+                    </a:lnTlToBr>
+                    <a:lnBlToTr w="12700" cmpd="sng">
+                      <a:noFill/>
+                      <a:prstDash val="solid"/>
+                    </a:lnBlToTr>
+                    <a:solidFill>
+                      <a:schemeClr val="bg1">
+                        <a:lumMod val="95000"/>
+                      </a:schemeClr>
+                    </a:solidFill>
+                  </a:tcPr>
+                </a:tc>
+                <a:tc hMerge="1">
+                  <a:txBody>
+                    <a:bodyPr/>
+                    <a:lstStyle/>
+                    <a:p>
+                      <a:pPr latinLnBrk="1"/>
+                      <a:endParaRPr lang="ko-KR" altLang="en-US"/>
+                    </a:p>
+                  </a:txBody>
+                  <a:tcPr/>
+                </a:tc>
+                <a:extLst>
+                  <a:ext uri="{0D108BD9-81ED-4DB2-BD59-A6C34878D82A}">
+                    <a16:rowId xmlns:a16="http://schemas.microsoft.com/office/drawing/2014/main" val="10000"/>
+                  </a:ext>
+                </a:extLst>
+              </a:tr>
+              <a:tr h="0">
+                <a:tc>
+                  <a:txBody>
+                    <a:bodyPr/>
+                    <a:lstStyle/>
+                    <a:p>
+                      <a:pPr latinLnBrk="1"/>
+                      <a:r>
+                        <a:rPr lang="en-US" altLang="ko-KR" sz="800" dirty="0">
+                          <a:solidFill>
+                            <a:schemeClr val="tx1">
+                              <a:lumMod val="75000"/>
+                              <a:lumOff val="25000"/>
+                            </a:schemeClr>
+                          </a:solidFill>
+                          <a:latin typeface="Noto Sans CJK KR Light" panose="020B0300000000000000" pitchFamily="34" charset="-127"/>
+                          <a:ea typeface="Noto Sans CJK KR Light" panose="020B0300000000000000" pitchFamily="34" charset="-127"/>
+                        </a:rPr>
+                        <a:t>1</a:t>
+                      </a:r>
+                      <a:endParaRPr lang="ko-KR" altLang="en-US" sz="800" dirty="0">
+                        <a:solidFill>
+                          <a:schemeClr val="tx1">
+                            <a:lumMod val="75000"/>
+                            <a:lumOff val="25000"/>
+                          </a:schemeClr>
+                        </a:solidFill>
+                        <a:latin typeface="Noto Sans CJK KR Light" panose="020B0300000000000000" pitchFamily="34" charset="-127"/>
+                        <a:ea typeface="Noto Sans CJK KR Light" panose="020B0300000000000000" pitchFamily="34" charset="-127"/>
+                      </a:endParaRPr>
+                    </a:p>
+                  </a:txBody>
+                  <a:tcPr marL="54000" marR="54000" marT="36000" marB="36000">
+                    <a:lnL w="3175" cap="flat" cmpd="sng" algn="ctr">
+                      <a:noFill/>
+                      <a:prstDash val="solid"/>
+                      <a:round/>
+                      <a:headEnd type="none" w="med" len="med"/>
+                      <a:tailEnd type="none" w="med" len="med"/>
+                    </a:lnL>
+                    <a:lnR w="3175" cap="flat" cmpd="sng" algn="ctr">
+                      <a:solidFill>
+                        <a:schemeClr val="bg1">
+                          <a:lumMod val="75000"/>
+                        </a:schemeClr>
+                      </a:solidFill>
+                      <a:prstDash val="solid"/>
+                      <a:round/>
+                      <a:headEnd type="none" w="med" len="med"/>
+                      <a:tailEnd type="none" w="med" len="med"/>
+                    </a:lnR>
+                    <a:lnT w="3175" cap="flat" cmpd="sng" algn="ctr">
+                      <a:solidFill>
+                        <a:schemeClr val="bg1">
+                          <a:lumMod val="75000"/>
+                        </a:schemeClr>
+                      </a:solidFill>
+                      <a:prstDash val="solid"/>
+                      <a:round/>
+                      <a:headEnd type="none" w="med" len="med"/>
+                      <a:tailEnd type="none" w="med" len="med"/>
+                    </a:lnT>
+                    <a:lnB w="3175" cap="flat" cmpd="sng" algn="ctr">
+                      <a:solidFill>
+                        <a:schemeClr val="bg1">
+                          <a:lumMod val="75000"/>
+                        </a:schemeClr>
+                      </a:solidFill>
+                      <a:prstDash val="solid"/>
+                      <a:round/>
+                      <a:headEnd type="none" w="med" len="med"/>
+                      <a:tailEnd type="none" w="med" len="med"/>
+                    </a:lnB>
+                    <a:lnTlToBr w="12700" cmpd="sng">
+                      <a:noFill/>
+                      <a:prstDash val="solid"/>
+                    </a:lnTlToBr>
+                    <a:lnBlToTr w="12700" cmpd="sng">
+                      <a:noFill/>
+                      <a:prstDash val="solid"/>
+                    </a:lnBlToTr>
+                    <a:noFill/>
+                  </a:tcPr>
+                </a:tc>
+                <a:tc>
+                  <a:txBody>
+                    <a:bodyPr/>
+                    <a:lstStyle/>
+                    <a:p>
+                      <a:pPr latinLnBrk="1"/>
+                      <a:r>
+                        <a:rPr lang="ko-KR" altLang="en-US" sz="800" baseline="0" dirty="0">
+                          <a:solidFill>
+                            <a:schemeClr val="tx1">
+                              <a:lumMod val="75000"/>
+                              <a:lumOff val="25000"/>
+                            </a:schemeClr>
+                          </a:solidFill>
+                          <a:latin typeface="Noto Sans CJK KR Light" panose="020B0300000000000000" pitchFamily="34" charset="-127"/>
+                          <a:ea typeface="Noto Sans CJK KR Light" panose="020B0300000000000000" pitchFamily="34" charset="-127"/>
+                        </a:rPr>
+                        <a:t>회원가입</a:t>
+                      </a:r>
+                      <a:endParaRPr lang="en-US" altLang="ko-KR" sz="800" baseline="0" dirty="0">
+                        <a:solidFill>
+                          <a:schemeClr val="tx1">
+                            <a:lumMod val="75000"/>
+                            <a:lumOff val="25000"/>
+                          </a:schemeClr>
+                        </a:solidFill>
+                        <a:latin typeface="Noto Sans CJK KR Light" panose="020B0300000000000000" pitchFamily="34" charset="-127"/>
+                        <a:ea typeface="Noto Sans CJK KR Light" panose="020B0300000000000000" pitchFamily="34" charset="-127"/>
+                      </a:endParaRPr>
+                    </a:p>
+                    <a:p>
+                      <a:pPr latinLnBrk="1"/>
+                      <a:r>
+                        <a:rPr lang="ko-KR" altLang="en-US" sz="800" baseline="0" dirty="0">
+                          <a:solidFill>
+                            <a:schemeClr val="tx1">
+                              <a:lumMod val="75000"/>
+                              <a:lumOff val="25000"/>
+                            </a:schemeClr>
+                          </a:solidFill>
+                          <a:latin typeface="Noto Sans CJK KR Light" panose="020B0300000000000000" pitchFamily="34" charset="-127"/>
+                          <a:ea typeface="Noto Sans CJK KR Light" panose="020B0300000000000000" pitchFamily="34" charset="-127"/>
+                        </a:rPr>
+                        <a:t>입력 폼</a:t>
+                      </a:r>
+                      <a:endParaRPr lang="en-US" altLang="ko-KR" sz="800" baseline="0" dirty="0">
+                        <a:solidFill>
+                          <a:schemeClr val="tx1">
+                            <a:lumMod val="75000"/>
+                            <a:lumOff val="25000"/>
+                          </a:schemeClr>
+                        </a:solidFill>
+                        <a:latin typeface="Noto Sans CJK KR Light" panose="020B0300000000000000" pitchFamily="34" charset="-127"/>
+                        <a:ea typeface="Noto Sans CJK KR Light" panose="020B0300000000000000" pitchFamily="34" charset="-127"/>
+                      </a:endParaRPr>
+                    </a:p>
+                    <a:p>
+                      <a:pPr latinLnBrk="1"/>
+                      <a:endParaRPr lang="en-US" altLang="ko-KR" sz="800" baseline="0" dirty="0">
+                        <a:solidFill>
+                          <a:schemeClr val="tx1">
+                            <a:lumMod val="75000"/>
+                            <a:lumOff val="25000"/>
+                          </a:schemeClr>
+                        </a:solidFill>
+                        <a:latin typeface="Noto Sans CJK KR Light" panose="020B0300000000000000" pitchFamily="34" charset="-127"/>
+                        <a:ea typeface="Noto Sans CJK KR Light" panose="020B0300000000000000" pitchFamily="34" charset="-127"/>
+                      </a:endParaRPr>
+                    </a:p>
+                  </a:txBody>
+                  <a:tcPr marL="54000" marR="54000" marT="36000" marB="36000">
+                    <a:lnL w="3175" cap="flat" cmpd="sng" algn="ctr">
+                      <a:solidFill>
+                        <a:schemeClr val="bg1">
+                          <a:lumMod val="75000"/>
+                        </a:schemeClr>
+                      </a:solidFill>
+                      <a:prstDash val="solid"/>
+                      <a:round/>
+                      <a:headEnd type="none" w="med" len="med"/>
+                      <a:tailEnd type="none" w="med" len="med"/>
+                    </a:lnL>
+                    <a:lnR w="3175" cap="flat" cmpd="sng" algn="ctr">
+                      <a:noFill/>
+                      <a:prstDash val="solid"/>
+                      <a:round/>
+                      <a:headEnd type="none" w="med" len="med"/>
+                      <a:tailEnd type="none" w="med" len="med"/>
+                    </a:lnR>
+                    <a:lnT w="3175" cap="flat" cmpd="sng" algn="ctr">
+                      <a:solidFill>
+                        <a:schemeClr val="bg1">
+                          <a:lumMod val="75000"/>
+                        </a:schemeClr>
+                      </a:solidFill>
+                      <a:prstDash val="solid"/>
+                      <a:round/>
+                      <a:headEnd type="none" w="med" len="med"/>
+                      <a:tailEnd type="none" w="med" len="med"/>
+                    </a:lnT>
+                    <a:lnB w="3175" cap="flat" cmpd="sng" algn="ctr">
+                      <a:solidFill>
+                        <a:schemeClr val="bg1">
+                          <a:lumMod val="75000"/>
+                        </a:schemeClr>
+                      </a:solidFill>
+                      <a:prstDash val="solid"/>
+                      <a:round/>
+                      <a:headEnd type="none" w="med" len="med"/>
+                      <a:tailEnd type="none" w="med" len="med"/>
+                    </a:lnB>
+                    <a:lnTlToBr w="12700" cmpd="sng">
+                      <a:noFill/>
+                      <a:prstDash val="solid"/>
+                    </a:lnTlToBr>
+                    <a:lnBlToTr w="12700" cmpd="sng">
+                      <a:noFill/>
+                      <a:prstDash val="solid"/>
+                    </a:lnBlToTr>
+                    <a:noFill/>
+                  </a:tcPr>
+                </a:tc>
+                <a:tc>
+                  <a:txBody>
+                    <a:bodyPr/>
+                    <a:lstStyle/>
+                    <a:p>
+                      <a:pPr marL="0" marR="0" lvl="0" indent="0" algn="l" defTabSz="914400" rtl="0" eaLnBrk="1" fontAlgn="auto" latinLnBrk="1" hangingPunct="1">
+                        <a:lnSpc>
+                          <a:spcPct val="100000"/>
+                        </a:lnSpc>
+                        <a:spcBef>
+                          <a:spcPts val="0"/>
+                        </a:spcBef>
+                        <a:spcAft>
+                          <a:spcPts val="0"/>
+                        </a:spcAft>
+                        <a:buClrTx/>
+                        <a:buSzTx/>
+                        <a:buFontTx/>
+                        <a:buNone/>
+                        <a:tabLst/>
+                        <a:defRPr/>
+                      </a:pPr>
+                      <a:r>
+                        <a:rPr lang="en-US" altLang="ko-KR" sz="800" baseline="0" dirty="0">
+                          <a:solidFill>
+                            <a:schemeClr val="tx1">
+                              <a:lumMod val="75000"/>
+                              <a:lumOff val="25000"/>
+                            </a:schemeClr>
+                          </a:solidFill>
+                          <a:latin typeface="Noto Sans CJK KR Light" panose="020B0300000000000000" pitchFamily="34" charset="-127"/>
+                          <a:ea typeface="Noto Sans CJK KR Light" panose="020B0300000000000000" pitchFamily="34" charset="-127"/>
+                        </a:rPr>
+                        <a:t>1-1) </a:t>
+                      </a:r>
+                      <a:r>
+                        <a:rPr lang="ko-KR" altLang="en-US" sz="800" baseline="0" dirty="0">
+                          <a:solidFill>
+                            <a:schemeClr val="tx1">
+                              <a:lumMod val="75000"/>
+                              <a:lumOff val="25000"/>
+                            </a:schemeClr>
+                          </a:solidFill>
+                          <a:latin typeface="Noto Sans CJK KR Light" panose="020B0300000000000000" pitchFamily="34" charset="-127"/>
+                          <a:ea typeface="Noto Sans CJK KR Light" panose="020B0300000000000000" pitchFamily="34" charset="-127"/>
+                        </a:rPr>
+                        <a:t>닉네임 입력 폼</a:t>
+                      </a:r>
+                      <a:endParaRPr lang="en-US" altLang="ko-KR" sz="800" baseline="0" dirty="0">
+                        <a:solidFill>
+                          <a:schemeClr val="tx1">
+                            <a:lumMod val="75000"/>
+                            <a:lumOff val="25000"/>
+                          </a:schemeClr>
+                        </a:solidFill>
+                        <a:latin typeface="Noto Sans CJK KR Light" panose="020B0300000000000000" pitchFamily="34" charset="-127"/>
+                        <a:ea typeface="Noto Sans CJK KR Light" panose="020B0300000000000000" pitchFamily="34" charset="-127"/>
+                      </a:endParaRPr>
+                    </a:p>
+                    <a:p>
+                      <a:pPr marL="171450" marR="0" lvl="0" indent="-171450" algn="l" defTabSz="914400" rtl="0" eaLnBrk="1" fontAlgn="auto" latinLnBrk="1" hangingPunct="1">
+                        <a:lnSpc>
+                          <a:spcPct val="100000"/>
+                        </a:lnSpc>
+                        <a:spcBef>
+                          <a:spcPts val="0"/>
+                        </a:spcBef>
+                        <a:spcAft>
+                          <a:spcPts val="0"/>
+                        </a:spcAft>
+                        <a:buClrTx/>
+                        <a:buSzTx/>
+                        <a:buFontTx/>
+                        <a:buChar char="-"/>
+                        <a:tabLst/>
+                        <a:defRPr/>
+                      </a:pPr>
+                      <a:r>
+                        <a:rPr lang="en-US" altLang="ko-KR" sz="800" baseline="0" dirty="0">
+                          <a:solidFill>
+                            <a:schemeClr val="tx1">
+                              <a:lumMod val="75000"/>
+                              <a:lumOff val="25000"/>
+                            </a:schemeClr>
+                          </a:solidFill>
+                          <a:latin typeface="Noto Sans CJK KR Light" panose="020B0300000000000000" pitchFamily="34" charset="-127"/>
+                          <a:ea typeface="Noto Sans CJK KR Light" panose="020B0300000000000000" pitchFamily="34" charset="-127"/>
+                        </a:rPr>
+                        <a:t>Input type : text</a:t>
+                      </a:r>
+                    </a:p>
+                    <a:p>
+                      <a:pPr marL="171450" marR="0" lvl="0" indent="-171450" algn="l" defTabSz="914400" rtl="0" eaLnBrk="1" fontAlgn="auto" latinLnBrk="1" hangingPunct="1">
+                        <a:lnSpc>
+                          <a:spcPct val="100000"/>
+                        </a:lnSpc>
+                        <a:spcBef>
+                          <a:spcPts val="0"/>
+                        </a:spcBef>
+                        <a:spcAft>
+                          <a:spcPts val="0"/>
+                        </a:spcAft>
+                        <a:buClrTx/>
+                        <a:buSzTx/>
+                        <a:buFontTx/>
+                        <a:buChar char="-"/>
+                        <a:tabLst/>
+                        <a:defRPr/>
+                      </a:pPr>
+                      <a:r>
+                        <a:rPr lang="en-US" altLang="ko-KR" sz="800" baseline="0" dirty="0">
+                          <a:solidFill>
+                            <a:schemeClr val="tx1">
+                              <a:lumMod val="75000"/>
+                              <a:lumOff val="25000"/>
+                            </a:schemeClr>
+                          </a:solidFill>
+                          <a:latin typeface="Noto Sans CJK KR Light" panose="020B0300000000000000" pitchFamily="34" charset="-127"/>
+                          <a:ea typeface="Noto Sans CJK KR Light" panose="020B0300000000000000" pitchFamily="34" charset="-127"/>
+                        </a:rPr>
+                        <a:t>Placeholder : ”</a:t>
+                      </a:r>
+                      <a:r>
+                        <a:rPr lang="ko-KR" altLang="en-US" sz="800" baseline="0" dirty="0">
+                          <a:solidFill>
+                            <a:schemeClr val="tx1">
+                              <a:lumMod val="75000"/>
+                              <a:lumOff val="25000"/>
+                            </a:schemeClr>
+                          </a:solidFill>
+                          <a:latin typeface="Noto Sans CJK KR Light" panose="020B0300000000000000" pitchFamily="34" charset="-127"/>
+                          <a:ea typeface="Noto Sans CJK KR Light" panose="020B0300000000000000" pitchFamily="34" charset="-127"/>
+                        </a:rPr>
+                        <a:t>닉네임을 입력해주세요</a:t>
+                      </a:r>
+                      <a:r>
+                        <a:rPr lang="en-US" altLang="ko-KR" sz="800" baseline="0" dirty="0">
+                          <a:solidFill>
+                            <a:schemeClr val="tx1">
+                              <a:lumMod val="75000"/>
+                              <a:lumOff val="25000"/>
+                            </a:schemeClr>
+                          </a:solidFill>
+                          <a:latin typeface="Noto Sans CJK KR Light" panose="020B0300000000000000" pitchFamily="34" charset="-127"/>
+                          <a:ea typeface="Noto Sans CJK KR Light" panose="020B0300000000000000" pitchFamily="34" charset="-127"/>
+                        </a:rPr>
+                        <a:t>”</a:t>
+                      </a:r>
+                    </a:p>
+                    <a:p>
+                      <a:pPr marL="171450" marR="0" lvl="0" indent="-171450" algn="l" defTabSz="914400" rtl="0" eaLnBrk="1" fontAlgn="auto" latinLnBrk="1" hangingPunct="1">
+                        <a:lnSpc>
+                          <a:spcPct val="100000"/>
+                        </a:lnSpc>
+                        <a:spcBef>
+                          <a:spcPts val="0"/>
+                        </a:spcBef>
+                        <a:spcAft>
+                          <a:spcPts val="0"/>
+                        </a:spcAft>
+                        <a:buClrTx/>
+                        <a:buSzTx/>
+                        <a:buFontTx/>
+                        <a:buChar char="-"/>
+                        <a:tabLst/>
+                        <a:defRPr/>
+                      </a:pPr>
+                      <a:endParaRPr lang="en-US" altLang="ko-KR" sz="800" baseline="0" dirty="0">
+                        <a:solidFill>
+                          <a:schemeClr val="tx1">
+                            <a:lumMod val="75000"/>
+                            <a:lumOff val="25000"/>
+                          </a:schemeClr>
+                        </a:solidFill>
+                        <a:latin typeface="Noto Sans CJK KR Light" panose="020B0300000000000000" pitchFamily="34" charset="-127"/>
+                        <a:ea typeface="Noto Sans CJK KR Light" panose="020B0300000000000000" pitchFamily="34" charset="-127"/>
+                      </a:endParaRPr>
+                    </a:p>
+                    <a:p>
+                      <a:pPr marL="0" marR="0" lvl="0" indent="0" algn="l" defTabSz="914400" rtl="0" eaLnBrk="1" fontAlgn="auto" latinLnBrk="1" hangingPunct="1">
+                        <a:lnSpc>
+                          <a:spcPct val="100000"/>
+                        </a:lnSpc>
+                        <a:spcBef>
+                          <a:spcPts val="0"/>
+                        </a:spcBef>
+                        <a:spcAft>
+                          <a:spcPts val="0"/>
+                        </a:spcAft>
+                        <a:buClrTx/>
+                        <a:buSzTx/>
+                        <a:buFontTx/>
+                        <a:buNone/>
+                        <a:tabLst/>
+                        <a:defRPr/>
+                      </a:pPr>
+                      <a:r>
+                        <a:rPr lang="en-US" altLang="ko-KR" sz="800" baseline="0" dirty="0">
+                          <a:solidFill>
+                            <a:schemeClr val="tx1">
+                              <a:lumMod val="75000"/>
+                              <a:lumOff val="25000"/>
+                            </a:schemeClr>
+                          </a:solidFill>
+                          <a:latin typeface="Noto Sans CJK KR Light" panose="020B0300000000000000" pitchFamily="34" charset="-127"/>
+                          <a:ea typeface="Noto Sans CJK KR Light" panose="020B0300000000000000" pitchFamily="34" charset="-127"/>
+                        </a:rPr>
+                        <a:t>1-2) </a:t>
+                      </a:r>
+                      <a:r>
+                        <a:rPr lang="ko-KR" altLang="en-US" sz="800" baseline="0" dirty="0">
+                          <a:solidFill>
+                            <a:schemeClr val="tx1">
+                              <a:lumMod val="75000"/>
+                              <a:lumOff val="25000"/>
+                            </a:schemeClr>
+                          </a:solidFill>
+                          <a:latin typeface="Noto Sans CJK KR Light" panose="020B0300000000000000" pitchFamily="34" charset="-127"/>
+                          <a:ea typeface="Noto Sans CJK KR Light" panose="020B0300000000000000" pitchFamily="34" charset="-127"/>
+                        </a:rPr>
+                        <a:t>아이디 입력 폼</a:t>
+                      </a:r>
+                      <a:endParaRPr lang="en-US" altLang="ko-KR" sz="800" baseline="0" dirty="0">
+                        <a:solidFill>
+                          <a:schemeClr val="tx1">
+                            <a:lumMod val="75000"/>
+                            <a:lumOff val="25000"/>
+                          </a:schemeClr>
+                        </a:solidFill>
+                        <a:latin typeface="Noto Sans CJK KR Light" panose="020B0300000000000000" pitchFamily="34" charset="-127"/>
+                        <a:ea typeface="Noto Sans CJK KR Light" panose="020B0300000000000000" pitchFamily="34" charset="-127"/>
+                      </a:endParaRPr>
+                    </a:p>
+                    <a:p>
+                      <a:pPr marL="171450" marR="0" lvl="0" indent="-171450" algn="l" defTabSz="914400" rtl="0" eaLnBrk="1" fontAlgn="auto" latinLnBrk="1" hangingPunct="1">
+                        <a:lnSpc>
+                          <a:spcPct val="100000"/>
+                        </a:lnSpc>
+                        <a:spcBef>
+                          <a:spcPts val="0"/>
+                        </a:spcBef>
+                        <a:spcAft>
+                          <a:spcPts val="0"/>
+                        </a:spcAft>
+                        <a:buClrTx/>
+                        <a:buSzTx/>
+                        <a:buFontTx/>
+                        <a:buChar char="-"/>
+                        <a:tabLst/>
+                        <a:defRPr/>
+                      </a:pPr>
+                      <a:r>
+                        <a:rPr lang="en-US" altLang="ko-KR" sz="800" baseline="0" dirty="0">
+                          <a:solidFill>
+                            <a:schemeClr val="tx1">
+                              <a:lumMod val="75000"/>
+                              <a:lumOff val="25000"/>
+                            </a:schemeClr>
+                          </a:solidFill>
+                          <a:latin typeface="Noto Sans CJK KR Light" panose="020B0300000000000000" pitchFamily="34" charset="-127"/>
+                          <a:ea typeface="Noto Sans CJK KR Light" panose="020B0300000000000000" pitchFamily="34" charset="-127"/>
+                        </a:rPr>
+                        <a:t>Input type: text </a:t>
+                      </a:r>
+                    </a:p>
+                    <a:p>
+                      <a:pPr marL="171450" marR="0" lvl="0" indent="-171450" algn="l" defTabSz="914400" rtl="0" eaLnBrk="1" fontAlgn="auto" latinLnBrk="1" hangingPunct="1">
+                        <a:lnSpc>
+                          <a:spcPct val="100000"/>
+                        </a:lnSpc>
+                        <a:spcBef>
+                          <a:spcPts val="0"/>
+                        </a:spcBef>
+                        <a:spcAft>
+                          <a:spcPts val="0"/>
+                        </a:spcAft>
+                        <a:buClrTx/>
+                        <a:buSzTx/>
+                        <a:buFontTx/>
+                        <a:buChar char="-"/>
+                        <a:tabLst/>
+                        <a:defRPr/>
+                      </a:pPr>
+                      <a:r>
+                        <a:rPr lang="en-US" altLang="ko-KR" sz="800" baseline="0" dirty="0">
+                          <a:solidFill>
+                            <a:schemeClr val="tx1">
+                              <a:lumMod val="75000"/>
+                              <a:lumOff val="25000"/>
+                            </a:schemeClr>
+                          </a:solidFill>
+                          <a:latin typeface="Noto Sans CJK KR Light" panose="020B0300000000000000" pitchFamily="34" charset="-127"/>
+                          <a:ea typeface="Noto Sans CJK KR Light" panose="020B0300000000000000" pitchFamily="34" charset="-127"/>
+                        </a:rPr>
+                        <a:t>Placeholder : “</a:t>
+                      </a:r>
+                      <a:r>
+                        <a:rPr lang="ko-KR" altLang="en-US" sz="800" baseline="0" dirty="0">
+                          <a:solidFill>
+                            <a:schemeClr val="tx1">
+                              <a:lumMod val="75000"/>
+                              <a:lumOff val="25000"/>
+                            </a:schemeClr>
+                          </a:solidFill>
+                          <a:latin typeface="Noto Sans CJK KR Light" panose="020B0300000000000000" pitchFamily="34" charset="-127"/>
+                          <a:ea typeface="Noto Sans CJK KR Light" panose="020B0300000000000000" pitchFamily="34" charset="-127"/>
+                        </a:rPr>
+                        <a:t>아이디를 입력해주세요</a:t>
+                      </a:r>
+                      <a:endParaRPr lang="en-US" altLang="ko-KR" sz="800" baseline="0" dirty="0">
+                        <a:solidFill>
+                          <a:schemeClr val="tx1">
+                            <a:lumMod val="75000"/>
+                            <a:lumOff val="25000"/>
+                          </a:schemeClr>
+                        </a:solidFill>
+                        <a:latin typeface="Noto Sans CJK KR Light" panose="020B0300000000000000" pitchFamily="34" charset="-127"/>
+                        <a:ea typeface="Noto Sans CJK KR Light" panose="020B0300000000000000" pitchFamily="34" charset="-127"/>
+                      </a:endParaRPr>
+                    </a:p>
+                    <a:p>
+                      <a:pPr marL="171450" marR="0" lvl="0" indent="-171450" algn="l" defTabSz="914400" rtl="0" eaLnBrk="1" fontAlgn="auto" latinLnBrk="1" hangingPunct="1">
+                        <a:lnSpc>
+                          <a:spcPct val="100000"/>
+                        </a:lnSpc>
+                        <a:spcBef>
+                          <a:spcPts val="0"/>
+                        </a:spcBef>
+                        <a:spcAft>
+                          <a:spcPts val="0"/>
+                        </a:spcAft>
+                        <a:buClrTx/>
+                        <a:buSzTx/>
+                        <a:buFontTx/>
+                        <a:buChar char="-"/>
+                        <a:tabLst/>
+                        <a:defRPr/>
+                      </a:pPr>
+                      <a:endParaRPr lang="en-US" altLang="ko-KR" sz="800" baseline="0" dirty="0">
+                        <a:solidFill>
+                          <a:schemeClr val="tx1">
+                            <a:lumMod val="75000"/>
+                            <a:lumOff val="25000"/>
+                          </a:schemeClr>
+                        </a:solidFill>
+                        <a:latin typeface="Noto Sans CJK KR Light" panose="020B0300000000000000" pitchFamily="34" charset="-127"/>
+                        <a:ea typeface="Noto Sans CJK KR Light" panose="020B0300000000000000" pitchFamily="34" charset="-127"/>
+                      </a:endParaRPr>
+                    </a:p>
+                    <a:p>
+                      <a:pPr marL="0" marR="0" lvl="0" indent="0" algn="l" defTabSz="914400" rtl="0" eaLnBrk="1" fontAlgn="auto" latinLnBrk="1" hangingPunct="1">
+                        <a:lnSpc>
+                          <a:spcPct val="100000"/>
+                        </a:lnSpc>
+                        <a:spcBef>
+                          <a:spcPts val="0"/>
+                        </a:spcBef>
+                        <a:spcAft>
+                          <a:spcPts val="0"/>
+                        </a:spcAft>
+                        <a:buClrTx/>
+                        <a:buSzTx/>
+                        <a:buFontTx/>
+                        <a:buNone/>
+                        <a:tabLst/>
+                        <a:defRPr/>
+                      </a:pPr>
+                      <a:r>
+                        <a:rPr lang="en-US" altLang="ko-KR" sz="800" baseline="0" dirty="0">
+                          <a:solidFill>
+                            <a:schemeClr val="tx1">
+                              <a:lumMod val="75000"/>
+                              <a:lumOff val="25000"/>
+                            </a:schemeClr>
+                          </a:solidFill>
+                          <a:latin typeface="Noto Sans CJK KR Light" panose="020B0300000000000000" pitchFamily="34" charset="-127"/>
+                          <a:ea typeface="Noto Sans CJK KR Light" panose="020B0300000000000000" pitchFamily="34" charset="-127"/>
+                        </a:rPr>
+                        <a:t>1-3) </a:t>
+                      </a:r>
+                      <a:r>
+                        <a:rPr lang="ko-KR" altLang="en-US" sz="800" baseline="0" dirty="0">
+                          <a:solidFill>
+                            <a:schemeClr val="tx1">
+                              <a:lumMod val="75000"/>
+                              <a:lumOff val="25000"/>
+                            </a:schemeClr>
+                          </a:solidFill>
+                          <a:latin typeface="Noto Sans CJK KR Light" panose="020B0300000000000000" pitchFamily="34" charset="-127"/>
+                          <a:ea typeface="Noto Sans CJK KR Light" panose="020B0300000000000000" pitchFamily="34" charset="-127"/>
+                        </a:rPr>
+                        <a:t>비밀번호 입력 폼</a:t>
+                      </a:r>
+                      <a:endParaRPr lang="en-US" altLang="ko-KR" sz="800" baseline="0" dirty="0">
+                        <a:solidFill>
+                          <a:schemeClr val="tx1">
+                            <a:lumMod val="75000"/>
+                            <a:lumOff val="25000"/>
+                          </a:schemeClr>
+                        </a:solidFill>
+                        <a:latin typeface="Noto Sans CJK KR Light" panose="020B0300000000000000" pitchFamily="34" charset="-127"/>
+                        <a:ea typeface="Noto Sans CJK KR Light" panose="020B0300000000000000" pitchFamily="34" charset="-127"/>
+                      </a:endParaRPr>
+                    </a:p>
+                    <a:p>
+                      <a:pPr marL="171450" marR="0" lvl="0" indent="-171450" algn="l" defTabSz="914400" rtl="0" eaLnBrk="1" fontAlgn="auto" latinLnBrk="1" hangingPunct="1">
+                        <a:lnSpc>
+                          <a:spcPct val="100000"/>
+                        </a:lnSpc>
+                        <a:spcBef>
+                          <a:spcPts val="0"/>
+                        </a:spcBef>
+                        <a:spcAft>
+                          <a:spcPts val="0"/>
+                        </a:spcAft>
+                        <a:buClrTx/>
+                        <a:buSzTx/>
+                        <a:buFontTx/>
+                        <a:buChar char="-"/>
+                        <a:tabLst/>
+                        <a:defRPr/>
+                      </a:pPr>
+                      <a:r>
+                        <a:rPr lang="en-US" altLang="ko-KR" sz="800" baseline="0" dirty="0">
+                          <a:solidFill>
+                            <a:schemeClr val="tx1">
+                              <a:lumMod val="75000"/>
+                              <a:lumOff val="25000"/>
+                            </a:schemeClr>
+                          </a:solidFill>
+                          <a:latin typeface="Noto Sans CJK KR Light" panose="020B0300000000000000" pitchFamily="34" charset="-127"/>
+                          <a:ea typeface="Noto Sans CJK KR Light" panose="020B0300000000000000" pitchFamily="34" charset="-127"/>
+                        </a:rPr>
+                        <a:t>Input type: password</a:t>
+                      </a:r>
+                    </a:p>
+                    <a:p>
+                      <a:pPr marL="171450" marR="0" lvl="0" indent="-171450" algn="l" defTabSz="914400" rtl="0" eaLnBrk="1" fontAlgn="auto" latinLnBrk="1" hangingPunct="1">
+                        <a:lnSpc>
+                          <a:spcPct val="100000"/>
+                        </a:lnSpc>
+                        <a:spcBef>
+                          <a:spcPts val="0"/>
+                        </a:spcBef>
+                        <a:spcAft>
+                          <a:spcPts val="0"/>
+                        </a:spcAft>
+                        <a:buClrTx/>
+                        <a:buSzTx/>
+                        <a:buFontTx/>
+                        <a:buChar char="-"/>
+                        <a:tabLst/>
+                        <a:defRPr/>
+                      </a:pPr>
+                      <a:r>
+                        <a:rPr lang="en-US" altLang="ko-KR" sz="800" baseline="0" dirty="0">
+                          <a:solidFill>
+                            <a:schemeClr val="tx1">
+                              <a:lumMod val="75000"/>
+                              <a:lumOff val="25000"/>
+                            </a:schemeClr>
+                          </a:solidFill>
+                          <a:latin typeface="Noto Sans CJK KR Light" panose="020B0300000000000000" pitchFamily="34" charset="-127"/>
+                          <a:ea typeface="Noto Sans CJK KR Light" panose="020B0300000000000000" pitchFamily="34" charset="-127"/>
+                        </a:rPr>
+                        <a:t>Placeholder : “</a:t>
+                      </a:r>
+                      <a:r>
+                        <a:rPr lang="ko-KR" altLang="en-US" sz="800" baseline="0" dirty="0">
+                          <a:solidFill>
+                            <a:schemeClr val="tx1">
+                              <a:lumMod val="75000"/>
+                              <a:lumOff val="25000"/>
+                            </a:schemeClr>
+                          </a:solidFill>
+                          <a:latin typeface="Noto Sans CJK KR Light" panose="020B0300000000000000" pitchFamily="34" charset="-127"/>
+                          <a:ea typeface="Noto Sans CJK KR Light" panose="020B0300000000000000" pitchFamily="34" charset="-127"/>
+                        </a:rPr>
+                        <a:t>비밀번호를 입력해주세요</a:t>
+                      </a:r>
+                      <a:endParaRPr lang="en-US" altLang="ko-KR" sz="800" baseline="0" dirty="0">
+                        <a:solidFill>
+                          <a:schemeClr val="tx1">
+                            <a:lumMod val="75000"/>
+                            <a:lumOff val="25000"/>
+                          </a:schemeClr>
+                        </a:solidFill>
+                        <a:latin typeface="Noto Sans CJK KR Light" panose="020B0300000000000000" pitchFamily="34" charset="-127"/>
+                        <a:ea typeface="Noto Sans CJK KR Light" panose="020B0300000000000000" pitchFamily="34" charset="-127"/>
+                      </a:endParaRPr>
+                    </a:p>
+                    <a:p>
+                      <a:pPr marL="171450" marR="0" lvl="0" indent="-171450" algn="l" defTabSz="914400" rtl="0" eaLnBrk="1" fontAlgn="auto" latinLnBrk="1" hangingPunct="1">
+                        <a:lnSpc>
+                          <a:spcPct val="100000"/>
+                        </a:lnSpc>
+                        <a:spcBef>
+                          <a:spcPts val="0"/>
+                        </a:spcBef>
+                        <a:spcAft>
+                          <a:spcPts val="0"/>
+                        </a:spcAft>
+                        <a:buClrTx/>
+                        <a:buSzTx/>
+                        <a:buFontTx/>
+                        <a:buChar char="-"/>
+                        <a:tabLst/>
+                        <a:defRPr/>
+                      </a:pPr>
+                      <a:endParaRPr lang="en-US" altLang="ko-KR" sz="800" baseline="0" dirty="0">
+                        <a:solidFill>
+                          <a:schemeClr val="tx1">
+                            <a:lumMod val="75000"/>
+                            <a:lumOff val="25000"/>
+                          </a:schemeClr>
+                        </a:solidFill>
+                        <a:latin typeface="Noto Sans CJK KR Light" panose="020B0300000000000000" pitchFamily="34" charset="-127"/>
+                        <a:ea typeface="Noto Sans CJK KR Light" panose="020B0300000000000000" pitchFamily="34" charset="-127"/>
+                      </a:endParaRPr>
+                    </a:p>
+                  </a:txBody>
+                  <a:tcPr marL="54000" marR="54000" marT="36000" marB="36000">
+                    <a:lnL w="3175" cap="flat" cmpd="sng" algn="ctr">
+                      <a:noFill/>
+                      <a:prstDash val="solid"/>
+                      <a:round/>
+                      <a:headEnd type="none" w="med" len="med"/>
+                      <a:tailEnd type="none" w="med" len="med"/>
+                    </a:lnL>
+                    <a:lnR w="3175" cap="flat" cmpd="sng" algn="ctr">
+                      <a:noFill/>
+                      <a:prstDash val="solid"/>
+                      <a:round/>
+                      <a:headEnd type="none" w="med" len="med"/>
+                      <a:tailEnd type="none" w="med" len="med"/>
+                    </a:lnR>
+                    <a:lnT w="3175" cap="flat" cmpd="sng" algn="ctr">
+                      <a:solidFill>
+                        <a:schemeClr val="bg1">
+                          <a:lumMod val="75000"/>
+                        </a:schemeClr>
+                      </a:solidFill>
+                      <a:prstDash val="solid"/>
+                      <a:round/>
+                      <a:headEnd type="none" w="med" len="med"/>
+                      <a:tailEnd type="none" w="med" len="med"/>
+                    </a:lnT>
+                    <a:lnB w="3175" cap="flat" cmpd="sng" algn="ctr">
+                      <a:solidFill>
+                        <a:schemeClr val="bg1">
+                          <a:lumMod val="75000"/>
+                        </a:schemeClr>
+                      </a:solidFill>
+                      <a:prstDash val="solid"/>
+                      <a:round/>
+                      <a:headEnd type="none" w="med" len="med"/>
+                      <a:tailEnd type="none" w="med" len="med"/>
+                    </a:lnB>
+                    <a:lnTlToBr w="12700" cmpd="sng">
+                      <a:noFill/>
+                      <a:prstDash val="solid"/>
+                    </a:lnTlToBr>
+                    <a:lnBlToTr w="12700" cmpd="sng">
+                      <a:noFill/>
+                      <a:prstDash val="solid"/>
+                    </a:lnBlToTr>
+                    <a:noFill/>
+                  </a:tcPr>
+                </a:tc>
+                <a:extLst>
+                  <a:ext uri="{0D108BD9-81ED-4DB2-BD59-A6C34878D82A}">
+                    <a16:rowId xmlns:a16="http://schemas.microsoft.com/office/drawing/2014/main" val="10001"/>
+                  </a:ext>
+                </a:extLst>
+              </a:tr>
+              <a:tr h="279840">
+                <a:tc>
+                  <a:txBody>
+                    <a:bodyPr/>
+                    <a:lstStyle/>
+                    <a:p>
+                      <a:pPr latinLnBrk="1"/>
+                      <a:r>
+                        <a:rPr lang="en-US" altLang="ko-KR" sz="800" b="0" dirty="0">
+                          <a:solidFill>
+                            <a:schemeClr val="tx1">
+                              <a:lumMod val="75000"/>
+                              <a:lumOff val="25000"/>
+                            </a:schemeClr>
+                          </a:solidFill>
+                          <a:latin typeface="Noto Sans CJK KR Light" panose="020B0300000000000000" pitchFamily="34" charset="-127"/>
+                          <a:ea typeface="Noto Sans CJK KR Light" panose="020B0300000000000000" pitchFamily="34" charset="-127"/>
+                        </a:rPr>
+                        <a:t>2</a:t>
+                      </a:r>
+                      <a:endParaRPr lang="ko-KR" altLang="en-US" sz="800" b="0" dirty="0">
+                        <a:solidFill>
+                          <a:schemeClr val="tx1">
+                            <a:lumMod val="75000"/>
+                            <a:lumOff val="25000"/>
+                          </a:schemeClr>
+                        </a:solidFill>
+                        <a:latin typeface="Noto Sans CJK KR Light" panose="020B0300000000000000" pitchFamily="34" charset="-127"/>
+                        <a:ea typeface="Noto Sans CJK KR Light" panose="020B0300000000000000" pitchFamily="34" charset="-127"/>
+                      </a:endParaRPr>
+                    </a:p>
+                  </a:txBody>
+                  <a:tcPr marL="54000" marR="54000" marT="36000" marB="36000">
+                    <a:lnL w="3175" cap="flat" cmpd="sng" algn="ctr">
+                      <a:noFill/>
+                      <a:prstDash val="solid"/>
+                      <a:round/>
+                      <a:headEnd type="none" w="med" len="med"/>
+                      <a:tailEnd type="none" w="med" len="med"/>
+                    </a:lnL>
+                    <a:lnR w="3175" cap="flat" cmpd="sng" algn="ctr">
+                      <a:solidFill>
+                        <a:schemeClr val="bg1">
+                          <a:lumMod val="75000"/>
+                        </a:schemeClr>
+                      </a:solidFill>
+                      <a:prstDash val="solid"/>
+                      <a:round/>
+                      <a:headEnd type="none" w="med" len="med"/>
+                      <a:tailEnd type="none" w="med" len="med"/>
+                    </a:lnR>
+                    <a:lnT w="3175" cap="flat" cmpd="sng" algn="ctr">
+                      <a:solidFill>
+                        <a:schemeClr val="bg1">
+                          <a:lumMod val="75000"/>
+                        </a:schemeClr>
+                      </a:solidFill>
+                      <a:prstDash val="solid"/>
+                      <a:round/>
+                      <a:headEnd type="none" w="med" len="med"/>
+                      <a:tailEnd type="none" w="med" len="med"/>
+                    </a:lnT>
+                    <a:lnB w="3175" cap="flat" cmpd="sng" algn="ctr">
+                      <a:solidFill>
+                        <a:schemeClr val="bg1">
+                          <a:lumMod val="75000"/>
+                        </a:schemeClr>
+                      </a:solidFill>
+                      <a:prstDash val="solid"/>
+                      <a:round/>
+                      <a:headEnd type="none" w="med" len="med"/>
+                      <a:tailEnd type="none" w="med" len="med"/>
+                    </a:lnB>
+                    <a:lnTlToBr w="12700" cmpd="sng">
+                      <a:noFill/>
+                      <a:prstDash val="solid"/>
+                    </a:lnTlToBr>
+                    <a:lnBlToTr w="12700" cmpd="sng">
+                      <a:noFill/>
+                      <a:prstDash val="solid"/>
+                    </a:lnBlToTr>
+                    <a:noFill/>
+                  </a:tcPr>
+                </a:tc>
+                <a:tc>
+                  <a:txBody>
+                    <a:bodyPr/>
+                    <a:lstStyle/>
+                    <a:p>
+                      <a:pPr marL="0" algn="l" rtl="0" eaLnBrk="1" fontAlgn="t" latinLnBrk="1" hangingPunct="1">
+                        <a:spcBef>
+                          <a:spcPts val="0"/>
+                        </a:spcBef>
+                        <a:spcAft>
+                          <a:spcPts val="0"/>
+                        </a:spcAft>
+                      </a:pPr>
+                      <a:r>
+                        <a:rPr lang="en-US" altLang="ko-Kore-KR" sz="800" b="0" i="0" u="none" strike="noStrike" kern="1200" dirty="0">
+                          <a:solidFill>
+                            <a:srgbClr val="404040"/>
+                          </a:solidFill>
+                          <a:effectLst/>
+                          <a:latin typeface="Arial" panose="020B0604020202020204" pitchFamily="34" charset="0"/>
+                          <a:ea typeface="Noto Sans CJK KR Light" panose="020B0300000000000000"/>
+                        </a:rPr>
+                        <a:t>Sign up </a:t>
+                      </a:r>
+                      <a:r>
+                        <a:rPr lang="en-US" altLang="ko-Kore-KR" sz="800" b="0" i="0" u="none" strike="noStrike" kern="1200" dirty="0" err="1">
+                          <a:solidFill>
+                            <a:srgbClr val="404040"/>
+                          </a:solidFill>
+                          <a:effectLst/>
+                          <a:latin typeface="Arial" panose="020B0604020202020204" pitchFamily="34" charset="0"/>
+                          <a:ea typeface="Noto Sans CJK KR Light" panose="020B0300000000000000"/>
+                        </a:rPr>
+                        <a:t>btn</a:t>
+                      </a:r>
+                      <a:endParaRPr lang="en-US" altLang="ko-Kore-KR" sz="1800" b="0" i="0" u="none" strike="noStrike" dirty="0">
+                        <a:effectLst/>
+                        <a:latin typeface="Arial" panose="020B0604020202020204" pitchFamily="34" charset="0"/>
+                      </a:endParaRPr>
+                    </a:p>
+                  </a:txBody>
+                  <a:tcPr marL="53975" marR="53975" marT="35941" marB="35941">
+                    <a:lnL w="3175" cap="flat" cmpd="sng" algn="ctr">
+                      <a:solidFill>
+                        <a:schemeClr val="bg1">
+                          <a:lumMod val="75000"/>
+                        </a:schemeClr>
+                      </a:solidFill>
+                      <a:prstDash val="solid"/>
+                      <a:round/>
+                      <a:headEnd type="none" w="med" len="med"/>
+                      <a:tailEnd type="none" w="med" len="med"/>
+                    </a:lnL>
+                    <a:lnR w="3175" cap="flat" cmpd="sng" algn="ctr">
+                      <a:noFill/>
+                      <a:prstDash val="solid"/>
+                      <a:round/>
+                      <a:headEnd type="none" w="med" len="med"/>
+                      <a:tailEnd type="none" w="med" len="med"/>
+                    </a:lnR>
+                    <a:lnT w="3175" cap="flat" cmpd="sng" algn="ctr">
+                      <a:solidFill>
+                        <a:schemeClr val="bg1">
+                          <a:lumMod val="75000"/>
+                        </a:schemeClr>
+                      </a:solidFill>
+                      <a:prstDash val="solid"/>
+                      <a:round/>
+                      <a:headEnd type="none" w="med" len="med"/>
+                      <a:tailEnd type="none" w="med" len="med"/>
+                    </a:lnT>
+                    <a:lnB w="3175" cap="flat" cmpd="sng" algn="ctr">
+                      <a:solidFill>
+                        <a:schemeClr val="bg1">
+                          <a:lumMod val="75000"/>
+                        </a:schemeClr>
+                      </a:solidFill>
+                      <a:prstDash val="solid"/>
+                      <a:round/>
+                      <a:headEnd type="none" w="med" len="med"/>
+                      <a:tailEnd type="none" w="med" len="med"/>
+                    </a:lnB>
+                    <a:lnTlToBr w="12700" cmpd="sng">
+                      <a:noFill/>
+                      <a:prstDash val="solid"/>
+                    </a:lnTlToBr>
+                    <a:lnBlToTr w="12700" cmpd="sng">
+                      <a:noFill/>
+                      <a:prstDash val="solid"/>
+                    </a:lnBlToTr>
+                    <a:noFill/>
+                  </a:tcPr>
+                </a:tc>
+                <a:tc>
+                  <a:txBody>
+                    <a:bodyPr/>
+                    <a:lstStyle/>
+                    <a:p>
+                      <a:pPr marL="0" marR="0" indent="0" algn="l" rtl="0" eaLnBrk="1" fontAlgn="auto" latinLnBrk="1" hangingPunct="1">
+                        <a:spcBef>
+                          <a:spcPts val="0"/>
+                        </a:spcBef>
+                        <a:spcAft>
+                          <a:spcPts val="0"/>
+                        </a:spcAft>
+                      </a:pPr>
+                      <a:r>
+                        <a:rPr lang="ko-Kore-KR" altLang="en-US" sz="800" b="0" i="0" u="none" strike="noStrike" kern="1200" dirty="0">
+                          <a:solidFill>
+                            <a:srgbClr val="404040"/>
+                          </a:solidFill>
+                          <a:effectLst/>
+                          <a:latin typeface="Arial" panose="020B0604020202020204" pitchFamily="34" charset="0"/>
+                          <a:ea typeface="Noto Sans CJK KR Light" panose="020B0300000000000000"/>
+                        </a:rPr>
+                        <a:t>클릭 시 문제가 없을 경우 회원 가입 완료</a:t>
+                      </a:r>
+                      <a:endParaRPr lang="en-US" altLang="ko-Kore-KR" sz="800" b="0" i="0" u="none" strike="noStrike" kern="1200" dirty="0">
+                        <a:solidFill>
+                          <a:srgbClr val="404040"/>
+                        </a:solidFill>
+                        <a:effectLst/>
+                        <a:latin typeface="Arial" panose="020B0604020202020204" pitchFamily="34" charset="0"/>
+                        <a:ea typeface="Noto Sans CJK KR Light" panose="020B0300000000000000"/>
+                      </a:endParaRPr>
+                    </a:p>
+                    <a:p>
+                      <a:pPr marL="0" marR="0" indent="0" algn="l" rtl="0" eaLnBrk="1" fontAlgn="auto" latinLnBrk="1" hangingPunct="1">
+                        <a:spcBef>
+                          <a:spcPts val="0"/>
+                        </a:spcBef>
+                        <a:spcAft>
+                          <a:spcPts val="0"/>
+                        </a:spcAft>
+                      </a:pPr>
+                      <a:r>
+                        <a:rPr lang="ko-Kore-KR" altLang="en-US" sz="800" b="0" i="0" u="none" strike="noStrike" kern="1200" dirty="0">
+                          <a:solidFill>
+                            <a:srgbClr val="404040"/>
+                          </a:solidFill>
+                          <a:effectLst/>
+                          <a:latin typeface="Arial" panose="020B0604020202020204" pitchFamily="34" charset="0"/>
+                          <a:ea typeface="Noto Sans CJK KR Light" panose="020B0300000000000000"/>
+                        </a:rPr>
+                        <a:t>데이터 베이스 업로드 후 </a:t>
+                      </a:r>
+                      <a:r>
+                        <a:rPr lang="en-US" altLang="ko-Kore-KR" sz="800" b="0" i="0" u="none" strike="noStrike" kern="1200" dirty="0" err="1">
+                          <a:solidFill>
+                            <a:srgbClr val="404040"/>
+                          </a:solidFill>
+                          <a:effectLst/>
+                          <a:latin typeface="Arial" panose="020B0604020202020204" pitchFamily="34" charset="0"/>
+                          <a:ea typeface="Noto Sans CJK KR Light" panose="020B0300000000000000"/>
+                        </a:rPr>
+                        <a:t>login.html</a:t>
+                      </a:r>
+                      <a:r>
+                        <a:rPr lang="en-US" altLang="ko-Kore-KR" sz="800" b="0" i="0" u="none" strike="noStrike" kern="1200" dirty="0">
+                          <a:solidFill>
+                            <a:srgbClr val="404040"/>
+                          </a:solidFill>
+                          <a:effectLst/>
+                          <a:latin typeface="Arial" panose="020B0604020202020204" pitchFamily="34" charset="0"/>
+                          <a:ea typeface="Noto Sans CJK KR Light" panose="020B0300000000000000"/>
+                        </a:rPr>
+                        <a:t> </a:t>
+                      </a:r>
+                      <a:r>
+                        <a:rPr lang="ko-Kore-KR" altLang="en-US" sz="800" b="0" i="0" u="none" strike="noStrike" kern="1200" dirty="0">
+                          <a:solidFill>
+                            <a:srgbClr val="404040"/>
+                          </a:solidFill>
+                          <a:effectLst/>
+                          <a:latin typeface="Arial" panose="020B0604020202020204" pitchFamily="34" charset="0"/>
+                          <a:ea typeface="Noto Sans CJK KR Light" panose="020B0300000000000000"/>
+                        </a:rPr>
+                        <a:t>로 이동</a:t>
+                      </a:r>
+                      <a:endParaRPr lang="en-US" altLang="ko-Kore-KR" sz="800" b="0" i="0" u="none" strike="noStrike" kern="1200" dirty="0">
+                        <a:solidFill>
+                          <a:srgbClr val="404040"/>
+                        </a:solidFill>
+                        <a:effectLst/>
+                        <a:latin typeface="Arial" panose="020B0604020202020204" pitchFamily="34" charset="0"/>
+                        <a:ea typeface="Noto Sans CJK KR Light" panose="020B0300000000000000"/>
+                      </a:endParaRPr>
+                    </a:p>
+                    <a:p>
+                      <a:pPr marL="0" marR="0" indent="0" algn="l" rtl="0" eaLnBrk="1" fontAlgn="auto" latinLnBrk="1" hangingPunct="1">
+                        <a:spcBef>
+                          <a:spcPts val="0"/>
+                        </a:spcBef>
+                        <a:spcAft>
+                          <a:spcPts val="0"/>
+                        </a:spcAft>
+                      </a:pPr>
+                      <a:endParaRPr lang="en-US" altLang="ko-Kore-KR" sz="800" b="0" i="0" u="none" strike="noStrike" kern="1200" dirty="0">
+                        <a:solidFill>
+                          <a:srgbClr val="404040"/>
+                        </a:solidFill>
+                        <a:effectLst/>
+                        <a:latin typeface="Arial" panose="020B0604020202020204" pitchFamily="34" charset="0"/>
+                        <a:ea typeface="Noto Sans CJK KR Light" panose="020B0300000000000000"/>
+                      </a:endParaRPr>
+                    </a:p>
+                    <a:p>
+                      <a:pPr marL="0" marR="0" lvl="0" indent="0" algn="l" defTabSz="914400" rtl="0" eaLnBrk="1" fontAlgn="auto" latinLnBrk="1" hangingPunct="1">
+                        <a:lnSpc>
+                          <a:spcPct val="100000"/>
+                        </a:lnSpc>
+                        <a:spcBef>
+                          <a:spcPts val="0"/>
+                        </a:spcBef>
+                        <a:spcAft>
+                          <a:spcPts val="0"/>
+                        </a:spcAft>
+                        <a:buClrTx/>
+                        <a:buSzTx/>
+                        <a:buFontTx/>
+                        <a:buNone/>
+                        <a:tabLst/>
+                        <a:defRPr/>
+                      </a:pPr>
+                      <a:r>
+                        <a:rPr lang="en-US" altLang="ko-KR" sz="800" b="0" baseline="0" dirty="0">
+                          <a:solidFill>
+                            <a:schemeClr val="tx1">
+                              <a:lumMod val="75000"/>
+                              <a:lumOff val="25000"/>
+                            </a:schemeClr>
+                          </a:solidFill>
+                          <a:latin typeface="Noto Sans CJK KR Light" panose="020B0300000000000000" pitchFamily="34" charset="-127"/>
+                          <a:ea typeface="Noto Sans CJK KR Light" panose="020B0300000000000000" pitchFamily="34" charset="-127"/>
+                        </a:rPr>
+                        <a:t>※ </a:t>
+                      </a:r>
+                      <a:r>
+                        <a:rPr lang="ko-Kore-KR" altLang="en-US" sz="800" b="0" baseline="0" dirty="0">
+                          <a:solidFill>
+                            <a:schemeClr val="tx1">
+                              <a:lumMod val="75000"/>
+                              <a:lumOff val="25000"/>
+                            </a:schemeClr>
+                          </a:solidFill>
+                          <a:latin typeface="Noto Sans CJK KR Light" panose="020B0300000000000000" pitchFamily="34" charset="-127"/>
+                          <a:ea typeface="Noto Sans CJK KR Light" panose="020B0300000000000000" pitchFamily="34" charset="-127"/>
+                        </a:rPr>
+                        <a:t>입력 오류가 있는 경우 </a:t>
+                      </a:r>
+                      <a:r>
+                        <a:rPr lang="en-US" altLang="ko-Kore-KR" sz="800" b="0" baseline="0" dirty="0">
+                          <a:solidFill>
+                            <a:schemeClr val="tx1">
+                              <a:lumMod val="75000"/>
+                              <a:lumOff val="25000"/>
+                            </a:schemeClr>
+                          </a:solidFill>
+                          <a:latin typeface="Noto Sans CJK KR Light" panose="020B0300000000000000" pitchFamily="34" charset="-127"/>
+                          <a:ea typeface="Noto Sans CJK KR Light" panose="020B0300000000000000" pitchFamily="34" charset="-127"/>
+                        </a:rPr>
+                        <a:t>1</a:t>
+                      </a:r>
+                      <a:r>
+                        <a:rPr lang="en-US" altLang="ko-KR" sz="800" b="0" baseline="0" dirty="0">
+                          <a:solidFill>
+                            <a:schemeClr val="tx1">
+                              <a:lumMod val="75000"/>
+                              <a:lumOff val="25000"/>
+                            </a:schemeClr>
+                          </a:solidFill>
+                          <a:latin typeface="Noto Sans CJK KR Light" panose="020B0300000000000000" pitchFamily="34" charset="-127"/>
+                          <a:ea typeface="Noto Sans CJK KR Light" panose="020B0300000000000000" pitchFamily="34" charset="-127"/>
+                        </a:rPr>
+                        <a:t>-5) </a:t>
+                      </a:r>
+                      <a:r>
+                        <a:rPr lang="ko-KR" altLang="en-US" sz="800" b="0" baseline="0" dirty="0">
+                          <a:solidFill>
+                            <a:schemeClr val="tx1">
+                              <a:lumMod val="75000"/>
+                              <a:lumOff val="25000"/>
+                            </a:schemeClr>
+                          </a:solidFill>
+                          <a:latin typeface="Noto Sans CJK KR Light" panose="020B0300000000000000" pitchFamily="34" charset="-127"/>
+                          <a:ea typeface="Noto Sans CJK KR Light" panose="020B0300000000000000" pitchFamily="34" charset="-127"/>
+                        </a:rPr>
+                        <a:t>와 같이</a:t>
+                      </a:r>
+                      <a:endParaRPr lang="en-US" altLang="ko-KR" sz="800" b="0" baseline="0" dirty="0">
+                        <a:solidFill>
+                          <a:schemeClr val="tx1">
+                            <a:lumMod val="75000"/>
+                            <a:lumOff val="25000"/>
+                          </a:schemeClr>
+                        </a:solidFill>
+                        <a:latin typeface="Noto Sans CJK KR Light" panose="020B0300000000000000" pitchFamily="34" charset="-127"/>
+                        <a:ea typeface="Noto Sans CJK KR Light" panose="020B0300000000000000" pitchFamily="34" charset="-127"/>
+                      </a:endParaRPr>
+                    </a:p>
+                    <a:p>
+                      <a:pPr marL="0" marR="0" lvl="0" indent="0" algn="l" defTabSz="914400" rtl="0" eaLnBrk="1" fontAlgn="auto" latinLnBrk="1" hangingPunct="1">
+                        <a:lnSpc>
+                          <a:spcPct val="100000"/>
+                        </a:lnSpc>
+                        <a:spcBef>
+                          <a:spcPts val="0"/>
+                        </a:spcBef>
+                        <a:spcAft>
+                          <a:spcPts val="0"/>
+                        </a:spcAft>
+                        <a:buClrTx/>
+                        <a:buSzTx/>
+                        <a:buFontTx/>
+                        <a:buNone/>
+                        <a:tabLst/>
+                        <a:defRPr/>
+                      </a:pPr>
+                      <a:r>
+                        <a:rPr lang="ko-KR" altLang="en-US" sz="800" b="0" i="0" u="none" strike="noStrike" kern="1200" baseline="0" dirty="0">
+                          <a:solidFill>
+                            <a:schemeClr val="tx1">
+                              <a:lumMod val="75000"/>
+                              <a:lumOff val="25000"/>
+                            </a:schemeClr>
+                          </a:solidFill>
+                          <a:effectLst/>
+                          <a:latin typeface="Arial" panose="020B0604020202020204" pitchFamily="34" charset="0"/>
+                          <a:ea typeface="Noto Sans CJK KR Light" panose="020B0300000000000000" pitchFamily="34" charset="-127"/>
+                        </a:rPr>
+                        <a:t>경고 폰트로 문구 알림</a:t>
+                      </a:r>
+                      <a:endParaRPr lang="en-US" altLang="ko-KR" sz="800" b="0" i="0" u="none" strike="noStrike" kern="1200" baseline="0" dirty="0">
+                        <a:solidFill>
+                          <a:schemeClr val="tx1">
+                            <a:lumMod val="75000"/>
+                            <a:lumOff val="25000"/>
+                          </a:schemeClr>
+                        </a:solidFill>
+                        <a:effectLst/>
+                        <a:latin typeface="Arial" panose="020B0604020202020204" pitchFamily="34" charset="0"/>
+                        <a:ea typeface="Noto Sans CJK KR Light" panose="020B0300000000000000" pitchFamily="34" charset="-127"/>
+                      </a:endParaRPr>
+                    </a:p>
+                    <a:p>
+                      <a:pPr marL="0" marR="0" lvl="0" indent="0" algn="l" defTabSz="914400" rtl="0" eaLnBrk="1" fontAlgn="auto" latinLnBrk="1" hangingPunct="1">
+                        <a:lnSpc>
+                          <a:spcPct val="100000"/>
+                        </a:lnSpc>
+                        <a:spcBef>
+                          <a:spcPts val="0"/>
+                        </a:spcBef>
+                        <a:spcAft>
+                          <a:spcPts val="0"/>
+                        </a:spcAft>
+                        <a:buClrTx/>
+                        <a:buSzTx/>
+                        <a:buFontTx/>
+                        <a:buNone/>
+                        <a:tabLst/>
+                        <a:defRPr/>
+                      </a:pPr>
+                      <a:endParaRPr lang="en-US" altLang="ko-Kore-KR" sz="800" b="0" i="0" u="none" strike="noStrike" kern="1200" baseline="0" dirty="0">
+                        <a:solidFill>
+                          <a:schemeClr val="tx1">
+                            <a:lumMod val="75000"/>
+                            <a:lumOff val="25000"/>
+                          </a:schemeClr>
+                        </a:solidFill>
+                        <a:effectLst/>
+                        <a:latin typeface="Arial" panose="020B0604020202020204" pitchFamily="34" charset="0"/>
+                        <a:ea typeface="Noto Sans CJK KR Light" panose="020B0300000000000000" pitchFamily="34" charset="-127"/>
+                      </a:endParaRPr>
+                    </a:p>
+                    <a:p>
+                      <a:pPr marL="0" marR="0" lvl="0" indent="0" algn="l" defTabSz="914400" rtl="0" eaLnBrk="1" fontAlgn="auto" latinLnBrk="1" hangingPunct="1">
+                        <a:lnSpc>
+                          <a:spcPct val="100000"/>
+                        </a:lnSpc>
+                        <a:spcBef>
+                          <a:spcPts val="0"/>
+                        </a:spcBef>
+                        <a:spcAft>
+                          <a:spcPts val="0"/>
+                        </a:spcAft>
+                        <a:buClrTx/>
+                        <a:buSzTx/>
+                        <a:buFontTx/>
+                        <a:buNone/>
+                        <a:tabLst/>
+                        <a:defRPr/>
+                      </a:pPr>
+                      <a:r>
+                        <a:rPr lang="en-US" altLang="ko-KR" sz="800" b="0" i="0" u="none" strike="noStrike" kern="1200" baseline="0" dirty="0">
+                          <a:solidFill>
+                            <a:schemeClr val="tx1">
+                              <a:lumMod val="75000"/>
+                              <a:lumOff val="25000"/>
+                            </a:schemeClr>
+                          </a:solidFill>
+                          <a:effectLst/>
+                          <a:latin typeface="Arial" panose="020B0604020202020204" pitchFamily="34" charset="0"/>
+                          <a:ea typeface="Noto Sans CJK KR Light" panose="020B0300000000000000" pitchFamily="34" charset="-127"/>
+                        </a:rPr>
+                        <a:t>1. </a:t>
+                      </a:r>
+                      <a:r>
+                        <a:rPr lang="ko-KR" altLang="en-US" sz="800" b="0" i="0" u="none" strike="noStrike" kern="1200" baseline="0" dirty="0" err="1">
+                          <a:solidFill>
+                            <a:schemeClr val="tx1">
+                              <a:lumMod val="75000"/>
+                              <a:lumOff val="25000"/>
+                            </a:schemeClr>
+                          </a:solidFill>
+                          <a:effectLst/>
+                          <a:latin typeface="Arial" panose="020B0604020202020204" pitchFamily="34" charset="0"/>
+                          <a:ea typeface="Noto Sans CJK KR Light" panose="020B0300000000000000" pitchFamily="34" charset="-127"/>
+                        </a:rPr>
+                        <a:t>아이디값이</a:t>
+                      </a:r>
+                      <a:r>
+                        <a:rPr lang="ko-KR" altLang="en-US" sz="800" b="0" i="0" u="none" strike="noStrike" kern="1200" baseline="0" dirty="0">
+                          <a:solidFill>
+                            <a:schemeClr val="tx1">
+                              <a:lumMod val="75000"/>
+                              <a:lumOff val="25000"/>
+                            </a:schemeClr>
+                          </a:solidFill>
+                          <a:effectLst/>
+                          <a:latin typeface="Arial" panose="020B0604020202020204" pitchFamily="34" charset="0"/>
+                          <a:ea typeface="Noto Sans CJK KR Light" panose="020B0300000000000000" pitchFamily="34" charset="-127"/>
+                        </a:rPr>
+                        <a:t> </a:t>
+                      </a:r>
+                      <a:r>
+                        <a:rPr lang="en-US" altLang="ko-KR" sz="800" b="0" i="0" u="none" strike="noStrike" kern="1200" baseline="0" dirty="0">
+                          <a:solidFill>
+                            <a:schemeClr val="tx1">
+                              <a:lumMod val="75000"/>
+                              <a:lumOff val="25000"/>
+                            </a:schemeClr>
+                          </a:solidFill>
+                          <a:effectLst/>
+                          <a:latin typeface="Arial" panose="020B0604020202020204" pitchFamily="34" charset="0"/>
+                          <a:ea typeface="Noto Sans CJK KR Light" panose="020B0300000000000000" pitchFamily="34" charset="-127"/>
+                        </a:rPr>
+                        <a:t>11</a:t>
+                      </a:r>
+                      <a:r>
+                        <a:rPr lang="ko-KR" altLang="en-US" sz="800" b="0" i="0" u="none" strike="noStrike" kern="1200" baseline="0" dirty="0">
+                          <a:solidFill>
+                            <a:schemeClr val="tx1">
+                              <a:lumMod val="75000"/>
+                              <a:lumOff val="25000"/>
+                            </a:schemeClr>
+                          </a:solidFill>
+                          <a:effectLst/>
+                          <a:latin typeface="Arial" panose="020B0604020202020204" pitchFamily="34" charset="0"/>
+                          <a:ea typeface="Noto Sans CJK KR Light" panose="020B0300000000000000" pitchFamily="34" charset="-127"/>
+                        </a:rPr>
+                        <a:t>자 이상일 경우</a:t>
+                      </a:r>
+                      <a:endParaRPr lang="en-US" altLang="ko-KR" sz="800" b="0" i="0" u="none" strike="noStrike" kern="1200" baseline="0" dirty="0">
+                        <a:solidFill>
+                          <a:schemeClr val="tx1">
+                            <a:lumMod val="75000"/>
+                            <a:lumOff val="25000"/>
+                          </a:schemeClr>
+                        </a:solidFill>
+                        <a:effectLst/>
+                        <a:latin typeface="Arial" panose="020B0604020202020204" pitchFamily="34" charset="0"/>
+                        <a:ea typeface="Noto Sans CJK KR Light" panose="020B0300000000000000" pitchFamily="34" charset="-127"/>
+                      </a:endParaRPr>
+                    </a:p>
+                    <a:p>
+                      <a:pPr marL="0" marR="0" lvl="0" indent="0" algn="l" defTabSz="914400" rtl="0" eaLnBrk="1" fontAlgn="auto" latinLnBrk="1" hangingPunct="1">
+                        <a:lnSpc>
+                          <a:spcPct val="100000"/>
+                        </a:lnSpc>
+                        <a:spcBef>
+                          <a:spcPts val="0"/>
+                        </a:spcBef>
+                        <a:spcAft>
+                          <a:spcPts val="0"/>
+                        </a:spcAft>
+                        <a:buClrTx/>
+                        <a:buSzTx/>
+                        <a:buFontTx/>
+                        <a:buNone/>
+                        <a:tabLst/>
+                        <a:defRPr/>
+                      </a:pPr>
+                      <a:r>
+                        <a:rPr lang="en-US" altLang="ko-KR" sz="800" b="0" i="0" u="none" strike="noStrike" kern="1200" baseline="0" dirty="0">
+                          <a:solidFill>
+                            <a:schemeClr val="tx1">
+                              <a:lumMod val="75000"/>
+                              <a:lumOff val="25000"/>
+                            </a:schemeClr>
+                          </a:solidFill>
+                          <a:effectLst/>
+                          <a:latin typeface="Arial" panose="020B0604020202020204" pitchFamily="34" charset="0"/>
+                          <a:ea typeface="Noto Sans CJK KR Light" panose="020B0300000000000000" pitchFamily="34" charset="-127"/>
+                        </a:rPr>
+                        <a:t>“</a:t>
+                      </a:r>
+                      <a:r>
+                        <a:rPr lang="ko-KR" altLang="en-US" sz="800" b="0" i="0" u="none" strike="noStrike" kern="1200" baseline="0" dirty="0">
+                          <a:solidFill>
+                            <a:schemeClr val="tx1">
+                              <a:lumMod val="75000"/>
+                              <a:lumOff val="25000"/>
+                            </a:schemeClr>
+                          </a:solidFill>
+                          <a:effectLst/>
+                          <a:latin typeface="Arial" panose="020B0604020202020204" pitchFamily="34" charset="0"/>
+                          <a:ea typeface="Noto Sans CJK KR Light" panose="020B0300000000000000" pitchFamily="34" charset="-127"/>
+                        </a:rPr>
+                        <a:t>아이디는 </a:t>
+                      </a:r>
+                      <a:r>
+                        <a:rPr lang="en-US" altLang="ko-KR" sz="800" b="0" i="0" u="none" strike="noStrike" kern="1200" baseline="0" dirty="0">
+                          <a:solidFill>
+                            <a:schemeClr val="tx1">
+                              <a:lumMod val="75000"/>
+                              <a:lumOff val="25000"/>
+                            </a:schemeClr>
+                          </a:solidFill>
+                          <a:effectLst/>
+                          <a:latin typeface="Arial" panose="020B0604020202020204" pitchFamily="34" charset="0"/>
+                          <a:ea typeface="Noto Sans CJK KR Light" panose="020B0300000000000000" pitchFamily="34" charset="-127"/>
+                        </a:rPr>
+                        <a:t>10</a:t>
+                      </a:r>
+                      <a:r>
+                        <a:rPr lang="ko-KR" altLang="en-US" sz="800" b="0" i="0" u="none" strike="noStrike" kern="1200" baseline="0" dirty="0">
+                          <a:solidFill>
+                            <a:schemeClr val="tx1">
+                              <a:lumMod val="75000"/>
+                              <a:lumOff val="25000"/>
+                            </a:schemeClr>
+                          </a:solidFill>
+                          <a:effectLst/>
+                          <a:latin typeface="Arial" panose="020B0604020202020204" pitchFamily="34" charset="0"/>
+                          <a:ea typeface="Noto Sans CJK KR Light" panose="020B0300000000000000" pitchFamily="34" charset="-127"/>
+                        </a:rPr>
+                        <a:t>자 이하로 입력해주세요</a:t>
+                      </a:r>
+                      <a:r>
+                        <a:rPr lang="en-US" altLang="ko-KR" sz="800" b="0" i="0" u="none" strike="noStrike" kern="1200" baseline="0" dirty="0">
+                          <a:solidFill>
+                            <a:schemeClr val="tx1">
+                              <a:lumMod val="75000"/>
+                              <a:lumOff val="25000"/>
+                            </a:schemeClr>
+                          </a:solidFill>
+                          <a:effectLst/>
+                          <a:latin typeface="Arial" panose="020B0604020202020204" pitchFamily="34" charset="0"/>
+                          <a:ea typeface="Noto Sans CJK KR Light" panose="020B0300000000000000" pitchFamily="34" charset="-127"/>
+                        </a:rPr>
+                        <a:t>”</a:t>
+                      </a:r>
+                    </a:p>
+                    <a:p>
+                      <a:pPr marL="0" marR="0" lvl="0" indent="0" algn="l" defTabSz="914400" rtl="0" eaLnBrk="1" fontAlgn="auto" latinLnBrk="1" hangingPunct="1">
+                        <a:lnSpc>
+                          <a:spcPct val="100000"/>
+                        </a:lnSpc>
+                        <a:spcBef>
+                          <a:spcPts val="0"/>
+                        </a:spcBef>
+                        <a:spcAft>
+                          <a:spcPts val="0"/>
+                        </a:spcAft>
+                        <a:buClrTx/>
+                        <a:buSzTx/>
+                        <a:buFontTx/>
+                        <a:buNone/>
+                        <a:tabLst/>
+                        <a:defRPr/>
+                      </a:pPr>
+                      <a:endParaRPr lang="en-US" altLang="ko-Kore-KR" sz="800" b="0" i="0" u="none" strike="noStrike" kern="1200" baseline="0" dirty="0">
+                        <a:solidFill>
+                          <a:schemeClr val="tx1">
+                            <a:lumMod val="75000"/>
+                            <a:lumOff val="25000"/>
+                          </a:schemeClr>
+                        </a:solidFill>
+                        <a:effectLst/>
+                        <a:latin typeface="Arial" panose="020B0604020202020204" pitchFamily="34" charset="0"/>
+                        <a:ea typeface="Noto Sans CJK KR Light" panose="020B0300000000000000" pitchFamily="34" charset="-127"/>
+                      </a:endParaRPr>
+                    </a:p>
+                    <a:p>
+                      <a:pPr marL="0" marR="0" lvl="0" indent="0" algn="l" defTabSz="914400" rtl="0" eaLnBrk="1" fontAlgn="auto" latinLnBrk="1" hangingPunct="1">
+                        <a:lnSpc>
+                          <a:spcPct val="100000"/>
+                        </a:lnSpc>
+                        <a:spcBef>
+                          <a:spcPts val="0"/>
+                        </a:spcBef>
+                        <a:spcAft>
+                          <a:spcPts val="0"/>
+                        </a:spcAft>
+                        <a:buClrTx/>
+                        <a:buSzTx/>
+                        <a:buFontTx/>
+                        <a:buNone/>
+                        <a:tabLst/>
+                        <a:defRPr/>
+                      </a:pPr>
+                      <a:r>
+                        <a:rPr lang="en-US" altLang="ko-KR" sz="800" b="0" i="0" u="none" strike="noStrike" kern="1200" baseline="0" dirty="0">
+                          <a:solidFill>
+                            <a:schemeClr val="tx1">
+                              <a:lumMod val="75000"/>
+                              <a:lumOff val="25000"/>
+                            </a:schemeClr>
+                          </a:solidFill>
+                          <a:effectLst/>
+                          <a:latin typeface="Arial" panose="020B0604020202020204" pitchFamily="34" charset="0"/>
+                          <a:ea typeface="Noto Sans CJK KR Light" panose="020B0300000000000000" pitchFamily="34" charset="-127"/>
+                        </a:rPr>
+                        <a:t>2. </a:t>
+                      </a:r>
+                      <a:r>
+                        <a:rPr lang="ko-KR" altLang="en-US" sz="800" b="0" i="0" u="none" strike="noStrike" kern="1200" baseline="0" dirty="0" err="1">
+                          <a:solidFill>
+                            <a:schemeClr val="tx1">
+                              <a:lumMod val="75000"/>
+                              <a:lumOff val="25000"/>
+                            </a:schemeClr>
+                          </a:solidFill>
+                          <a:effectLst/>
+                          <a:latin typeface="Arial" panose="020B0604020202020204" pitchFamily="34" charset="0"/>
+                          <a:ea typeface="Noto Sans CJK KR Light" panose="020B0300000000000000" pitchFamily="34" charset="-127"/>
+                        </a:rPr>
+                        <a:t>아이디값에</a:t>
+                      </a:r>
+                      <a:r>
+                        <a:rPr lang="ko-KR" altLang="en-US" sz="800" b="0" i="0" u="none" strike="noStrike" kern="1200" baseline="0" dirty="0">
+                          <a:solidFill>
+                            <a:schemeClr val="tx1">
+                              <a:lumMod val="75000"/>
+                              <a:lumOff val="25000"/>
+                            </a:schemeClr>
+                          </a:solidFill>
+                          <a:effectLst/>
+                          <a:latin typeface="Arial" panose="020B0604020202020204" pitchFamily="34" charset="0"/>
+                          <a:ea typeface="Noto Sans CJK KR Light" panose="020B0300000000000000" pitchFamily="34" charset="-127"/>
+                        </a:rPr>
+                        <a:t> 특수문자 및 공백이 포함되었을 경우 </a:t>
+                      </a:r>
+                      <a:r>
+                        <a:rPr lang="en-US" altLang="ko-KR" sz="800" b="0" i="0" u="none" strike="noStrike" kern="1200" baseline="0" dirty="0">
+                          <a:solidFill>
+                            <a:schemeClr val="tx1">
+                              <a:lumMod val="75000"/>
+                              <a:lumOff val="25000"/>
+                            </a:schemeClr>
+                          </a:solidFill>
+                          <a:effectLst/>
+                          <a:latin typeface="Arial" panose="020B0604020202020204" pitchFamily="34" charset="0"/>
+                          <a:ea typeface="Noto Sans CJK KR Light" panose="020B0300000000000000" pitchFamily="34" charset="-127"/>
+                        </a:rPr>
+                        <a:t>(</a:t>
+                      </a:r>
+                      <a:r>
+                        <a:rPr lang="ko-KR" altLang="en-US" sz="800" b="0" i="0" u="none" strike="noStrike" kern="1200" baseline="0" dirty="0">
+                          <a:solidFill>
+                            <a:schemeClr val="tx1">
+                              <a:lumMod val="75000"/>
+                              <a:lumOff val="25000"/>
+                            </a:schemeClr>
+                          </a:solidFill>
+                          <a:effectLst/>
+                          <a:latin typeface="Arial" panose="020B0604020202020204" pitchFamily="34" charset="0"/>
+                          <a:ea typeface="Noto Sans CJK KR Light" panose="020B0300000000000000" pitchFamily="34" charset="-127"/>
+                        </a:rPr>
+                        <a:t>한글 포함</a:t>
+                      </a:r>
+                      <a:r>
+                        <a:rPr lang="en-US" altLang="ko-KR" sz="800" b="0" i="0" u="none" strike="noStrike" kern="1200" baseline="0" dirty="0">
+                          <a:solidFill>
+                            <a:schemeClr val="tx1">
+                              <a:lumMod val="75000"/>
+                              <a:lumOff val="25000"/>
+                            </a:schemeClr>
+                          </a:solidFill>
+                          <a:effectLst/>
+                          <a:latin typeface="Arial" panose="020B0604020202020204" pitchFamily="34" charset="0"/>
+                          <a:ea typeface="Noto Sans CJK KR Light" panose="020B0300000000000000" pitchFamily="34" charset="-127"/>
+                        </a:rPr>
+                        <a:t>)</a:t>
+                      </a:r>
+                      <a:endParaRPr lang="en-US" altLang="ko-Kore-KR" sz="800" b="0" i="0" u="none" strike="noStrike" kern="1200" baseline="0" dirty="0">
+                        <a:solidFill>
+                          <a:schemeClr val="tx1">
+                            <a:lumMod val="75000"/>
+                            <a:lumOff val="25000"/>
+                          </a:schemeClr>
+                        </a:solidFill>
+                        <a:effectLst/>
+                        <a:latin typeface="Arial" panose="020B0604020202020204" pitchFamily="34" charset="0"/>
+                        <a:ea typeface="Noto Sans CJK KR Light" panose="020B0300000000000000" pitchFamily="34" charset="-127"/>
+                      </a:endParaRPr>
+                    </a:p>
+                    <a:p>
+                      <a:pPr marL="0" marR="0" lvl="0" indent="0" algn="l" defTabSz="914400" rtl="0" eaLnBrk="1" fontAlgn="auto" latinLnBrk="1" hangingPunct="1">
+                        <a:lnSpc>
+                          <a:spcPct val="100000"/>
+                        </a:lnSpc>
+                        <a:spcBef>
+                          <a:spcPts val="0"/>
+                        </a:spcBef>
+                        <a:spcAft>
+                          <a:spcPts val="0"/>
+                        </a:spcAft>
+                        <a:buClrTx/>
+                        <a:buSzTx/>
+                        <a:buFontTx/>
+                        <a:buNone/>
+                        <a:tabLst/>
+                        <a:defRPr/>
+                      </a:pPr>
+                      <a:r>
+                        <a:rPr lang="en-US" altLang="ko-KR" sz="800" b="0" i="0" u="none" strike="noStrike" kern="1200" baseline="0" dirty="0">
+                          <a:solidFill>
+                            <a:schemeClr val="tx1">
+                              <a:lumMod val="75000"/>
+                              <a:lumOff val="25000"/>
+                            </a:schemeClr>
+                          </a:solidFill>
+                          <a:effectLst/>
+                          <a:latin typeface="Arial" panose="020B0604020202020204" pitchFamily="34" charset="0"/>
+                          <a:ea typeface="Noto Sans CJK KR Light" panose="020B0300000000000000" pitchFamily="34" charset="-127"/>
+                        </a:rPr>
+                        <a:t>“</a:t>
+                      </a:r>
+                      <a:r>
+                        <a:rPr lang="ko-KR" altLang="en-US" sz="800" b="0" i="0" u="none" strike="noStrike" kern="1200" baseline="0" dirty="0">
+                          <a:solidFill>
+                            <a:schemeClr val="tx1">
+                              <a:lumMod val="75000"/>
+                              <a:lumOff val="25000"/>
+                            </a:schemeClr>
+                          </a:solidFill>
+                          <a:effectLst/>
+                          <a:latin typeface="Arial" panose="020B0604020202020204" pitchFamily="34" charset="0"/>
+                          <a:ea typeface="Noto Sans CJK KR Light" panose="020B0300000000000000" pitchFamily="34" charset="-127"/>
+                        </a:rPr>
+                        <a:t>아이디는 특수문자 및 공백을 포함 할 수 없습니다</a:t>
+                      </a:r>
+                      <a:r>
+                        <a:rPr lang="en-US" altLang="ko-KR" sz="800" b="0" i="0" u="none" strike="noStrike" kern="1200" baseline="0" dirty="0">
+                          <a:solidFill>
+                            <a:schemeClr val="tx1">
+                              <a:lumMod val="75000"/>
+                              <a:lumOff val="25000"/>
+                            </a:schemeClr>
+                          </a:solidFill>
+                          <a:effectLst/>
+                          <a:latin typeface="Arial" panose="020B0604020202020204" pitchFamily="34" charset="0"/>
+                          <a:ea typeface="Noto Sans CJK KR Light" panose="020B0300000000000000" pitchFamily="34" charset="-127"/>
+                        </a:rPr>
+                        <a:t>”</a:t>
+                      </a:r>
+                    </a:p>
+                    <a:p>
+                      <a:pPr marL="0" marR="0" lvl="0" indent="0" algn="l" defTabSz="914400" rtl="0" eaLnBrk="1" fontAlgn="auto" latinLnBrk="1" hangingPunct="1">
+                        <a:lnSpc>
+                          <a:spcPct val="100000"/>
+                        </a:lnSpc>
+                        <a:spcBef>
+                          <a:spcPts val="0"/>
+                        </a:spcBef>
+                        <a:spcAft>
+                          <a:spcPts val="0"/>
+                        </a:spcAft>
+                        <a:buClrTx/>
+                        <a:buSzTx/>
+                        <a:buFontTx/>
+                        <a:buNone/>
+                        <a:tabLst/>
+                        <a:defRPr/>
+                      </a:pPr>
+                      <a:endParaRPr lang="en-US" altLang="ko-Kore-KR" sz="800" b="0" i="0" u="none" strike="noStrike" kern="1200" baseline="0" dirty="0">
+                        <a:solidFill>
+                          <a:schemeClr val="tx1">
+                            <a:lumMod val="75000"/>
+                            <a:lumOff val="25000"/>
+                          </a:schemeClr>
+                        </a:solidFill>
+                        <a:effectLst/>
+                        <a:latin typeface="Arial" panose="020B0604020202020204" pitchFamily="34" charset="0"/>
+                        <a:ea typeface="Noto Sans CJK KR Light" panose="020B0300000000000000" pitchFamily="34" charset="-127"/>
+                      </a:endParaRPr>
+                    </a:p>
+                    <a:p>
+                      <a:pPr marL="0" marR="0" lvl="0" indent="0" algn="l" defTabSz="914400" rtl="0" eaLnBrk="1" fontAlgn="auto" latinLnBrk="1" hangingPunct="1">
+                        <a:lnSpc>
+                          <a:spcPct val="100000"/>
+                        </a:lnSpc>
+                        <a:spcBef>
+                          <a:spcPts val="0"/>
+                        </a:spcBef>
+                        <a:spcAft>
+                          <a:spcPts val="0"/>
+                        </a:spcAft>
+                        <a:buClrTx/>
+                        <a:buSzTx/>
+                        <a:buFontTx/>
+                        <a:buNone/>
+                        <a:tabLst/>
+                        <a:defRPr/>
+                      </a:pPr>
+                      <a:r>
+                        <a:rPr lang="en-US" altLang="ko-KR" sz="800" b="0" i="0" u="none" strike="noStrike" kern="1200" baseline="0" dirty="0">
+                          <a:solidFill>
+                            <a:schemeClr val="tx1">
+                              <a:lumMod val="75000"/>
+                              <a:lumOff val="25000"/>
+                            </a:schemeClr>
+                          </a:solidFill>
+                          <a:effectLst/>
+                          <a:latin typeface="Arial" panose="020B0604020202020204" pitchFamily="34" charset="0"/>
+                          <a:ea typeface="Noto Sans CJK KR Light" panose="020B0300000000000000" pitchFamily="34" charset="-127"/>
+                        </a:rPr>
+                        <a:t>3. </a:t>
+                      </a:r>
+                      <a:r>
+                        <a:rPr lang="ko-KR" altLang="en-US" sz="800" b="0" i="0" u="none" strike="noStrike" kern="1200" baseline="0" dirty="0">
+                          <a:solidFill>
+                            <a:schemeClr val="tx1">
+                              <a:lumMod val="75000"/>
+                              <a:lumOff val="25000"/>
+                            </a:schemeClr>
+                          </a:solidFill>
+                          <a:effectLst/>
+                          <a:latin typeface="Arial" panose="020B0604020202020204" pitchFamily="34" charset="0"/>
+                          <a:ea typeface="Noto Sans CJK KR Light" panose="020B0300000000000000" pitchFamily="34" charset="-127"/>
+                        </a:rPr>
+                        <a:t>비밀번호가 </a:t>
+                      </a:r>
+                      <a:r>
+                        <a:rPr lang="en-US" altLang="ko-KR" sz="800" b="0" i="0" u="none" strike="noStrike" kern="1200" baseline="0" dirty="0">
+                          <a:solidFill>
+                            <a:schemeClr val="tx1">
+                              <a:lumMod val="75000"/>
+                              <a:lumOff val="25000"/>
+                            </a:schemeClr>
+                          </a:solidFill>
+                          <a:effectLst/>
+                          <a:latin typeface="Arial" panose="020B0604020202020204" pitchFamily="34" charset="0"/>
+                          <a:ea typeface="Noto Sans CJK KR Light" panose="020B0300000000000000" pitchFamily="34" charset="-127"/>
+                        </a:rPr>
+                        <a:t>8~15</a:t>
+                      </a:r>
+                      <a:r>
+                        <a:rPr lang="ko-KR" altLang="en-US" sz="800" b="0" i="0" u="none" strike="noStrike" kern="1200" baseline="0" dirty="0">
+                          <a:solidFill>
+                            <a:schemeClr val="tx1">
+                              <a:lumMod val="75000"/>
+                              <a:lumOff val="25000"/>
+                            </a:schemeClr>
+                          </a:solidFill>
+                          <a:effectLst/>
+                          <a:latin typeface="Arial" panose="020B0604020202020204" pitchFamily="34" charset="0"/>
+                          <a:ea typeface="Noto Sans CJK KR Light" panose="020B0300000000000000" pitchFamily="34" charset="-127"/>
+                        </a:rPr>
+                        <a:t>자리에 맞지 않는 경우</a:t>
+                      </a:r>
+                      <a:endParaRPr lang="en-US" altLang="ko-Kore-KR" sz="800" b="0" i="0" u="none" strike="noStrike" kern="1200" baseline="0" dirty="0">
+                        <a:solidFill>
+                          <a:schemeClr val="tx1">
+                            <a:lumMod val="75000"/>
+                            <a:lumOff val="25000"/>
+                          </a:schemeClr>
+                        </a:solidFill>
+                        <a:effectLst/>
+                        <a:latin typeface="Arial" panose="020B0604020202020204" pitchFamily="34" charset="0"/>
+                        <a:ea typeface="Noto Sans CJK KR Light" panose="020B0300000000000000" pitchFamily="34" charset="-127"/>
+                      </a:endParaRPr>
+                    </a:p>
+                    <a:p>
+                      <a:pPr marL="0" marR="0" lvl="0" indent="0" algn="l" defTabSz="914400" rtl="0" eaLnBrk="1" fontAlgn="auto" latinLnBrk="1" hangingPunct="1">
+                        <a:lnSpc>
+                          <a:spcPct val="100000"/>
+                        </a:lnSpc>
+                        <a:spcBef>
+                          <a:spcPts val="0"/>
+                        </a:spcBef>
+                        <a:spcAft>
+                          <a:spcPts val="0"/>
+                        </a:spcAft>
+                        <a:buClrTx/>
+                        <a:buSzTx/>
+                        <a:buFontTx/>
+                        <a:buNone/>
+                        <a:tabLst/>
+                        <a:defRPr/>
+                      </a:pPr>
+                      <a:r>
+                        <a:rPr lang="en-US" altLang="ko-KR" sz="800" b="0" i="0" u="none" strike="noStrike" kern="1200" baseline="0" dirty="0">
+                          <a:solidFill>
+                            <a:schemeClr val="tx1">
+                              <a:lumMod val="75000"/>
+                              <a:lumOff val="25000"/>
+                            </a:schemeClr>
+                          </a:solidFill>
+                          <a:effectLst/>
+                          <a:latin typeface="Arial" panose="020B0604020202020204" pitchFamily="34" charset="0"/>
+                          <a:ea typeface="Noto Sans CJK KR Light" panose="020B0300000000000000" pitchFamily="34" charset="-127"/>
+                        </a:rPr>
+                        <a:t>“</a:t>
+                      </a:r>
+                      <a:r>
+                        <a:rPr lang="ko-KR" altLang="en-US" sz="800" b="0" i="0" u="none" strike="noStrike" kern="1200" baseline="0" dirty="0">
+                          <a:solidFill>
+                            <a:schemeClr val="tx1">
+                              <a:lumMod val="75000"/>
+                              <a:lumOff val="25000"/>
+                            </a:schemeClr>
+                          </a:solidFill>
+                          <a:effectLst/>
+                          <a:latin typeface="Arial" panose="020B0604020202020204" pitchFamily="34" charset="0"/>
+                          <a:ea typeface="Noto Sans CJK KR Light" panose="020B0300000000000000" pitchFamily="34" charset="-127"/>
+                        </a:rPr>
+                        <a:t>비밀번호는 </a:t>
+                      </a:r>
+                      <a:r>
+                        <a:rPr lang="en-US" altLang="ko-KR" sz="800" b="0" i="0" u="none" strike="noStrike" kern="1200" baseline="0" dirty="0">
+                          <a:solidFill>
+                            <a:schemeClr val="tx1">
+                              <a:lumMod val="75000"/>
+                              <a:lumOff val="25000"/>
+                            </a:schemeClr>
+                          </a:solidFill>
+                          <a:effectLst/>
+                          <a:latin typeface="Arial" panose="020B0604020202020204" pitchFamily="34" charset="0"/>
+                          <a:ea typeface="Noto Sans CJK KR Light" panose="020B0300000000000000" pitchFamily="34" charset="-127"/>
+                        </a:rPr>
+                        <a:t>8~15</a:t>
+                      </a:r>
+                      <a:r>
+                        <a:rPr lang="ko-KR" altLang="en-US" sz="800" b="0" i="0" u="none" strike="noStrike" kern="1200" baseline="0" dirty="0">
+                          <a:solidFill>
+                            <a:schemeClr val="tx1">
+                              <a:lumMod val="75000"/>
+                              <a:lumOff val="25000"/>
+                            </a:schemeClr>
+                          </a:solidFill>
+                          <a:effectLst/>
+                          <a:latin typeface="Arial" panose="020B0604020202020204" pitchFamily="34" charset="0"/>
+                          <a:ea typeface="Noto Sans CJK KR Light" panose="020B0300000000000000" pitchFamily="34" charset="-127"/>
+                        </a:rPr>
+                        <a:t>자리로 입력해주세요</a:t>
+                      </a:r>
+                      <a:r>
+                        <a:rPr lang="en-US" altLang="ko-KR" sz="800" b="0" i="0" u="none" strike="noStrike" kern="1200" baseline="0" dirty="0">
+                          <a:solidFill>
+                            <a:schemeClr val="tx1">
+                              <a:lumMod val="75000"/>
+                              <a:lumOff val="25000"/>
+                            </a:schemeClr>
+                          </a:solidFill>
+                          <a:effectLst/>
+                          <a:latin typeface="Arial" panose="020B0604020202020204" pitchFamily="34" charset="0"/>
+                          <a:ea typeface="Noto Sans CJK KR Light" panose="020B0300000000000000" pitchFamily="34" charset="-127"/>
+                        </a:rPr>
+                        <a:t>”</a:t>
+                      </a:r>
+                    </a:p>
+                    <a:p>
+                      <a:pPr marL="0" marR="0" lvl="0" indent="0" algn="l" defTabSz="914400" rtl="0" eaLnBrk="1" fontAlgn="auto" latinLnBrk="1" hangingPunct="1">
+                        <a:lnSpc>
+                          <a:spcPct val="100000"/>
+                        </a:lnSpc>
+                        <a:spcBef>
+                          <a:spcPts val="0"/>
+                        </a:spcBef>
+                        <a:spcAft>
+                          <a:spcPts val="0"/>
+                        </a:spcAft>
+                        <a:buClrTx/>
+                        <a:buSzTx/>
+                        <a:buFontTx/>
+                        <a:buNone/>
+                        <a:tabLst/>
+                        <a:defRPr/>
+                      </a:pPr>
+                      <a:endParaRPr lang="en-US" altLang="ko-Kore-KR" sz="800" b="0" i="0" u="sng" strike="noStrike" kern="1200" baseline="0" dirty="0">
+                        <a:solidFill>
+                          <a:schemeClr val="tx1">
+                            <a:lumMod val="75000"/>
+                            <a:lumOff val="25000"/>
+                          </a:schemeClr>
+                        </a:solidFill>
+                        <a:effectLst/>
+                        <a:latin typeface="Arial" panose="020B0604020202020204" pitchFamily="34" charset="0"/>
+                        <a:ea typeface="Noto Sans CJK KR Light" panose="020B0300000000000000" pitchFamily="34" charset="-127"/>
+                      </a:endParaRPr>
+                    </a:p>
+                    <a:p>
+                      <a:pPr marL="0" marR="0" lvl="0" indent="0" algn="l" defTabSz="914400" rtl="0" eaLnBrk="1" fontAlgn="auto" latinLnBrk="1" hangingPunct="1">
+                        <a:lnSpc>
+                          <a:spcPct val="100000"/>
+                        </a:lnSpc>
+                        <a:spcBef>
+                          <a:spcPts val="0"/>
+                        </a:spcBef>
+                        <a:spcAft>
+                          <a:spcPts val="0"/>
+                        </a:spcAft>
+                        <a:buClrTx/>
+                        <a:buSzTx/>
+                        <a:buFontTx/>
+                        <a:buNone/>
+                        <a:tabLst/>
+                        <a:defRPr/>
+                      </a:pPr>
+                      <a:r>
+                        <a:rPr lang="en-US" altLang="ko-KR" sz="800" b="0" i="0" u="none" strike="noStrike" kern="1200" baseline="0" dirty="0">
+                          <a:solidFill>
+                            <a:schemeClr val="tx1">
+                              <a:lumMod val="75000"/>
+                              <a:lumOff val="25000"/>
+                            </a:schemeClr>
+                          </a:solidFill>
+                          <a:effectLst/>
+                          <a:latin typeface="Arial" panose="020B0604020202020204" pitchFamily="34" charset="0"/>
+                          <a:ea typeface="Noto Sans CJK KR Light" panose="020B0300000000000000" pitchFamily="34" charset="-127"/>
+                        </a:rPr>
+                        <a:t>4. </a:t>
+                      </a:r>
+                      <a:r>
+                        <a:rPr lang="ko-KR" altLang="en-US" sz="800" b="0" i="0" u="none" strike="noStrike" kern="1200" baseline="0" dirty="0">
+                          <a:solidFill>
+                            <a:schemeClr val="tx1">
+                              <a:lumMod val="75000"/>
+                              <a:lumOff val="25000"/>
+                            </a:schemeClr>
+                          </a:solidFill>
+                          <a:effectLst/>
+                          <a:latin typeface="Arial" panose="020B0604020202020204" pitchFamily="34" charset="0"/>
+                          <a:ea typeface="Noto Sans CJK KR Light" panose="020B0300000000000000" pitchFamily="34" charset="-127"/>
+                        </a:rPr>
+                        <a:t>입력하지 않았을 경우</a:t>
+                      </a:r>
+                      <a:endParaRPr lang="en-US" altLang="ko-KR" sz="800" b="0" i="0" u="none" strike="noStrike" kern="1200" baseline="0" dirty="0">
+                        <a:solidFill>
+                          <a:schemeClr val="tx1">
+                            <a:lumMod val="75000"/>
+                            <a:lumOff val="25000"/>
+                          </a:schemeClr>
+                        </a:solidFill>
+                        <a:effectLst/>
+                        <a:latin typeface="Arial" panose="020B0604020202020204" pitchFamily="34" charset="0"/>
+                        <a:ea typeface="Noto Sans CJK KR Light" panose="020B0300000000000000" pitchFamily="34" charset="-127"/>
+                      </a:endParaRPr>
+                    </a:p>
+                    <a:p>
+                      <a:pPr marL="0" marR="0" lvl="0" indent="0" algn="l" defTabSz="914400" rtl="0" eaLnBrk="1" fontAlgn="auto" latinLnBrk="1" hangingPunct="1">
+                        <a:lnSpc>
+                          <a:spcPct val="100000"/>
+                        </a:lnSpc>
+                        <a:spcBef>
+                          <a:spcPts val="0"/>
+                        </a:spcBef>
+                        <a:spcAft>
+                          <a:spcPts val="0"/>
+                        </a:spcAft>
+                        <a:buClrTx/>
+                        <a:buSzTx/>
+                        <a:buFontTx/>
+                        <a:buNone/>
+                        <a:tabLst/>
+                        <a:defRPr/>
+                      </a:pPr>
+                      <a:r>
+                        <a:rPr lang="en-US" altLang="ko-KR" sz="800" b="0" i="0" u="none" strike="noStrike" kern="1200" baseline="0" dirty="0">
+                          <a:solidFill>
+                            <a:schemeClr val="tx1">
+                              <a:lumMod val="75000"/>
+                              <a:lumOff val="25000"/>
+                            </a:schemeClr>
+                          </a:solidFill>
+                          <a:effectLst/>
+                          <a:latin typeface="Arial" panose="020B0604020202020204" pitchFamily="34" charset="0"/>
+                          <a:ea typeface="Noto Sans CJK KR Light" panose="020B0300000000000000" pitchFamily="34" charset="-127"/>
+                        </a:rPr>
+                        <a:t>- </a:t>
+                      </a:r>
+                      <a:r>
+                        <a:rPr lang="ko-KR" altLang="en-US" sz="800" b="0" i="0" u="none" strike="noStrike" kern="1200" baseline="0" dirty="0">
+                          <a:solidFill>
+                            <a:schemeClr val="tx1">
+                              <a:lumMod val="75000"/>
+                              <a:lumOff val="25000"/>
+                            </a:schemeClr>
+                          </a:solidFill>
+                          <a:effectLst/>
+                          <a:latin typeface="Arial" panose="020B0604020202020204" pitchFamily="34" charset="0"/>
+                          <a:ea typeface="Noto Sans CJK KR Light" panose="020B0300000000000000" pitchFamily="34" charset="-127"/>
+                        </a:rPr>
+                        <a:t>순차적으로 문구 노출</a:t>
+                      </a:r>
+                      <a:endParaRPr lang="en-US" altLang="ko-KR" sz="800" b="0" i="0" u="none" strike="noStrike" kern="1200" baseline="0" dirty="0">
+                        <a:solidFill>
+                          <a:schemeClr val="tx1">
+                            <a:lumMod val="75000"/>
+                            <a:lumOff val="25000"/>
+                          </a:schemeClr>
+                        </a:solidFill>
+                        <a:effectLst/>
+                        <a:latin typeface="Arial" panose="020B0604020202020204" pitchFamily="34" charset="0"/>
+                        <a:ea typeface="Noto Sans CJK KR Light" panose="020B0300000000000000" pitchFamily="34" charset="-127"/>
+                      </a:endParaRPr>
+                    </a:p>
+                    <a:p>
+                      <a:pPr marL="0" marR="0" lvl="0" indent="0" algn="l" defTabSz="914400" rtl="0" eaLnBrk="1" fontAlgn="auto" latinLnBrk="1" hangingPunct="1">
+                        <a:lnSpc>
+                          <a:spcPct val="100000"/>
+                        </a:lnSpc>
+                        <a:spcBef>
+                          <a:spcPts val="0"/>
+                        </a:spcBef>
+                        <a:spcAft>
+                          <a:spcPts val="0"/>
+                        </a:spcAft>
+                        <a:buClrTx/>
+                        <a:buSzTx/>
+                        <a:buFontTx/>
+                        <a:buNone/>
+                        <a:tabLst/>
+                        <a:defRPr/>
+                      </a:pPr>
+                      <a:endParaRPr lang="en-US" altLang="ko-KR" sz="800" b="0" i="0" u="none" strike="noStrike" kern="1200" baseline="0" dirty="0">
+                        <a:solidFill>
+                          <a:schemeClr val="tx1">
+                            <a:lumMod val="75000"/>
+                            <a:lumOff val="25000"/>
+                          </a:schemeClr>
+                        </a:solidFill>
+                        <a:effectLst/>
+                        <a:latin typeface="Arial" panose="020B0604020202020204" pitchFamily="34" charset="0"/>
+                        <a:ea typeface="Noto Sans CJK KR Light" panose="020B0300000000000000" pitchFamily="34" charset="-127"/>
+                      </a:endParaRPr>
+                    </a:p>
+                    <a:p>
+                      <a:pPr marL="0" marR="0" lvl="0" indent="0" algn="l" defTabSz="914400" rtl="0" eaLnBrk="1" fontAlgn="auto" latinLnBrk="1" hangingPunct="1">
+                        <a:lnSpc>
+                          <a:spcPct val="100000"/>
+                        </a:lnSpc>
+                        <a:spcBef>
+                          <a:spcPts val="0"/>
+                        </a:spcBef>
+                        <a:spcAft>
+                          <a:spcPts val="0"/>
+                        </a:spcAft>
+                        <a:buClrTx/>
+                        <a:buSzTx/>
+                        <a:buFontTx/>
+                        <a:buNone/>
+                        <a:tabLst/>
+                        <a:defRPr/>
+                      </a:pPr>
+                      <a:r>
+                        <a:rPr lang="ko-KR" altLang="en-US" sz="800" b="0" i="0" u="none" strike="noStrike" kern="1200" baseline="0" dirty="0">
+                          <a:solidFill>
+                            <a:schemeClr val="tx1">
+                              <a:lumMod val="75000"/>
+                              <a:lumOff val="25000"/>
+                            </a:schemeClr>
+                          </a:solidFill>
+                          <a:effectLst/>
+                          <a:latin typeface="Arial" panose="020B0604020202020204" pitchFamily="34" charset="0"/>
+                          <a:ea typeface="Noto Sans CJK KR Light" panose="020B0300000000000000" pitchFamily="34" charset="-127"/>
+                        </a:rPr>
+                        <a:t>닉네임</a:t>
+                      </a:r>
+                      <a:br>
+                        <a:rPr lang="en-US" altLang="ko-KR" sz="800" b="0" i="0" u="none" strike="noStrike" kern="1200" baseline="0" dirty="0">
+                          <a:solidFill>
+                            <a:schemeClr val="tx1">
+                              <a:lumMod val="75000"/>
+                              <a:lumOff val="25000"/>
+                            </a:schemeClr>
+                          </a:solidFill>
+                          <a:effectLst/>
+                          <a:latin typeface="Arial" panose="020B0604020202020204" pitchFamily="34" charset="0"/>
+                          <a:ea typeface="Noto Sans CJK KR Light" panose="020B0300000000000000" pitchFamily="34" charset="-127"/>
+                        </a:rPr>
+                      </a:br>
+                      <a:r>
+                        <a:rPr lang="en-US" altLang="ko-KR" sz="800" b="0" i="0" u="none" strike="noStrike" kern="1200" baseline="0" dirty="0">
+                          <a:solidFill>
+                            <a:schemeClr val="tx1">
+                              <a:lumMod val="75000"/>
+                              <a:lumOff val="25000"/>
+                            </a:schemeClr>
+                          </a:solidFill>
+                          <a:effectLst/>
+                          <a:latin typeface="Arial" panose="020B0604020202020204" pitchFamily="34" charset="0"/>
+                          <a:ea typeface="Noto Sans CJK KR Light" panose="020B0300000000000000" pitchFamily="34" charset="-127"/>
+                        </a:rPr>
+                        <a:t>”</a:t>
+                      </a:r>
+                      <a:r>
+                        <a:rPr lang="ko-KR" altLang="en-US" sz="800" b="0" i="0" u="none" strike="noStrike" kern="1200" baseline="0" dirty="0">
+                          <a:solidFill>
+                            <a:schemeClr val="tx1">
+                              <a:lumMod val="75000"/>
+                              <a:lumOff val="25000"/>
+                            </a:schemeClr>
+                          </a:solidFill>
+                          <a:effectLst/>
+                          <a:latin typeface="Arial" panose="020B0604020202020204" pitchFamily="34" charset="0"/>
+                          <a:ea typeface="Noto Sans CJK KR Light" panose="020B0300000000000000" pitchFamily="34" charset="-127"/>
+                        </a:rPr>
+                        <a:t>닉네임을 입력해주세요</a:t>
+                      </a:r>
+                      <a:r>
+                        <a:rPr lang="en-US" altLang="ko-KR" sz="800" b="0" i="0" u="none" strike="noStrike" kern="1200" baseline="0" dirty="0">
+                          <a:solidFill>
+                            <a:schemeClr val="tx1">
+                              <a:lumMod val="75000"/>
+                              <a:lumOff val="25000"/>
+                            </a:schemeClr>
+                          </a:solidFill>
+                          <a:effectLst/>
+                          <a:latin typeface="Arial" panose="020B0604020202020204" pitchFamily="34" charset="0"/>
+                          <a:ea typeface="Noto Sans CJK KR Light" panose="020B0300000000000000" pitchFamily="34" charset="-127"/>
+                        </a:rPr>
+                        <a:t>”</a:t>
+                      </a:r>
+                    </a:p>
+                    <a:p>
+                      <a:pPr marL="0" marR="0" lvl="0" indent="0" algn="l" defTabSz="914400" rtl="0" eaLnBrk="1" fontAlgn="auto" latinLnBrk="1" hangingPunct="1">
+                        <a:lnSpc>
+                          <a:spcPct val="100000"/>
+                        </a:lnSpc>
+                        <a:spcBef>
+                          <a:spcPts val="0"/>
+                        </a:spcBef>
+                        <a:spcAft>
+                          <a:spcPts val="0"/>
+                        </a:spcAft>
+                        <a:buClrTx/>
+                        <a:buSzTx/>
+                        <a:buFontTx/>
+                        <a:buNone/>
+                        <a:tabLst/>
+                        <a:defRPr/>
+                      </a:pPr>
+                      <a:endParaRPr lang="en-US" altLang="ko-KR" sz="800" b="0" i="0" u="none" strike="noStrike" kern="1200" baseline="0" dirty="0">
+                        <a:solidFill>
+                          <a:schemeClr val="tx1">
+                            <a:lumMod val="75000"/>
+                            <a:lumOff val="25000"/>
+                          </a:schemeClr>
+                        </a:solidFill>
+                        <a:effectLst/>
+                        <a:latin typeface="Arial" panose="020B0604020202020204" pitchFamily="34" charset="0"/>
+                        <a:ea typeface="Noto Sans CJK KR Light" panose="020B0300000000000000" pitchFamily="34" charset="-127"/>
+                      </a:endParaRPr>
+                    </a:p>
+                    <a:p>
+                      <a:pPr marL="0" marR="0" lvl="0" indent="0" algn="l" defTabSz="914400" rtl="0" eaLnBrk="1" fontAlgn="auto" latinLnBrk="1" hangingPunct="1">
+                        <a:lnSpc>
+                          <a:spcPct val="100000"/>
+                        </a:lnSpc>
+                        <a:spcBef>
+                          <a:spcPts val="0"/>
+                        </a:spcBef>
+                        <a:spcAft>
+                          <a:spcPts val="0"/>
+                        </a:spcAft>
+                        <a:buClrTx/>
+                        <a:buSzTx/>
+                        <a:buFontTx/>
+                        <a:buNone/>
+                        <a:tabLst/>
+                        <a:defRPr/>
+                      </a:pPr>
+                      <a:r>
+                        <a:rPr lang="ko-KR" altLang="en-US" sz="800" b="0" i="0" u="none" strike="noStrike" kern="1200" baseline="0" dirty="0">
+                          <a:solidFill>
+                            <a:schemeClr val="tx1">
+                              <a:lumMod val="75000"/>
+                              <a:lumOff val="25000"/>
+                            </a:schemeClr>
+                          </a:solidFill>
+                          <a:effectLst/>
+                          <a:latin typeface="Arial" panose="020B0604020202020204" pitchFamily="34" charset="0"/>
+                          <a:ea typeface="Noto Sans CJK KR Light" panose="020B0300000000000000" pitchFamily="34" charset="-127"/>
+                        </a:rPr>
+                        <a:t>아이디</a:t>
+                      </a:r>
+                      <a:endParaRPr lang="en-US" altLang="ko-KR" sz="800" b="0" i="0" u="none" strike="noStrike" kern="1200" baseline="0" dirty="0">
+                        <a:solidFill>
+                          <a:schemeClr val="tx1">
+                            <a:lumMod val="75000"/>
+                            <a:lumOff val="25000"/>
+                          </a:schemeClr>
+                        </a:solidFill>
+                        <a:effectLst/>
+                        <a:latin typeface="Arial" panose="020B0604020202020204" pitchFamily="34" charset="0"/>
+                        <a:ea typeface="Noto Sans CJK KR Light" panose="020B0300000000000000" pitchFamily="34" charset="-127"/>
+                      </a:endParaRPr>
+                    </a:p>
+                    <a:p>
+                      <a:pPr marL="0" marR="0" lvl="0" indent="0" algn="l" defTabSz="914400" rtl="0" eaLnBrk="1" fontAlgn="auto" latinLnBrk="1" hangingPunct="1">
+                        <a:lnSpc>
+                          <a:spcPct val="100000"/>
+                        </a:lnSpc>
+                        <a:spcBef>
+                          <a:spcPts val="0"/>
+                        </a:spcBef>
+                        <a:spcAft>
+                          <a:spcPts val="0"/>
+                        </a:spcAft>
+                        <a:buClrTx/>
+                        <a:buSzTx/>
+                        <a:buFontTx/>
+                        <a:buNone/>
+                        <a:tabLst/>
+                        <a:defRPr/>
+                      </a:pPr>
+                      <a:r>
+                        <a:rPr lang="en-US" altLang="ko-KR" sz="800" b="0" i="0" u="none" strike="noStrike" kern="1200" baseline="0" dirty="0">
+                          <a:solidFill>
+                            <a:schemeClr val="tx1">
+                              <a:lumMod val="75000"/>
+                              <a:lumOff val="25000"/>
+                            </a:schemeClr>
+                          </a:solidFill>
+                          <a:effectLst/>
+                          <a:latin typeface="Arial" panose="020B0604020202020204" pitchFamily="34" charset="0"/>
+                          <a:ea typeface="Noto Sans CJK KR Light" panose="020B0300000000000000" pitchFamily="34" charset="-127"/>
+                        </a:rPr>
+                        <a:t>“</a:t>
+                      </a:r>
+                      <a:r>
+                        <a:rPr lang="ko-KR" altLang="en-US" sz="800" b="0" i="0" u="none" strike="noStrike" kern="1200" baseline="0" dirty="0">
+                          <a:solidFill>
+                            <a:schemeClr val="tx1">
+                              <a:lumMod val="75000"/>
+                              <a:lumOff val="25000"/>
+                            </a:schemeClr>
+                          </a:solidFill>
+                          <a:effectLst/>
+                          <a:latin typeface="Arial" panose="020B0604020202020204" pitchFamily="34" charset="0"/>
+                          <a:ea typeface="Noto Sans CJK KR Light" panose="020B0300000000000000" pitchFamily="34" charset="-127"/>
+                        </a:rPr>
+                        <a:t>아이디를 입력해주세요</a:t>
+                      </a:r>
+                      <a:r>
+                        <a:rPr lang="en-US" altLang="ko-KR" sz="800" b="0" i="0" u="none" strike="noStrike" kern="1200" baseline="0" dirty="0">
+                          <a:solidFill>
+                            <a:schemeClr val="tx1">
+                              <a:lumMod val="75000"/>
+                              <a:lumOff val="25000"/>
+                            </a:schemeClr>
+                          </a:solidFill>
+                          <a:effectLst/>
+                          <a:latin typeface="Arial" panose="020B0604020202020204" pitchFamily="34" charset="0"/>
+                          <a:ea typeface="Noto Sans CJK KR Light" panose="020B0300000000000000" pitchFamily="34" charset="-127"/>
+                        </a:rPr>
+                        <a:t>”</a:t>
+                      </a:r>
+                    </a:p>
+                    <a:p>
+                      <a:pPr marL="0" marR="0" lvl="0" indent="0" algn="l" defTabSz="914400" rtl="0" eaLnBrk="1" fontAlgn="auto" latinLnBrk="1" hangingPunct="1">
+                        <a:lnSpc>
+                          <a:spcPct val="100000"/>
+                        </a:lnSpc>
+                        <a:spcBef>
+                          <a:spcPts val="0"/>
+                        </a:spcBef>
+                        <a:spcAft>
+                          <a:spcPts val="0"/>
+                        </a:spcAft>
+                        <a:buClrTx/>
+                        <a:buSzTx/>
+                        <a:buFontTx/>
+                        <a:buNone/>
+                        <a:tabLst/>
+                        <a:defRPr/>
+                      </a:pPr>
+                      <a:endParaRPr lang="en-US" altLang="ko-KR" sz="800" b="0" i="0" u="none" strike="noStrike" kern="1200" baseline="0" dirty="0">
+                        <a:solidFill>
+                          <a:schemeClr val="tx1">
+                            <a:lumMod val="75000"/>
+                            <a:lumOff val="25000"/>
+                          </a:schemeClr>
+                        </a:solidFill>
+                        <a:effectLst/>
+                        <a:latin typeface="Arial" panose="020B0604020202020204" pitchFamily="34" charset="0"/>
+                        <a:ea typeface="Noto Sans CJK KR Light" panose="020B0300000000000000" pitchFamily="34" charset="-127"/>
+                      </a:endParaRPr>
+                    </a:p>
+                    <a:p>
+                      <a:pPr marL="0" marR="0" lvl="0" indent="0" algn="l" defTabSz="914400" rtl="0" eaLnBrk="1" fontAlgn="auto" latinLnBrk="1" hangingPunct="1">
+                        <a:lnSpc>
+                          <a:spcPct val="100000"/>
+                        </a:lnSpc>
+                        <a:spcBef>
+                          <a:spcPts val="0"/>
+                        </a:spcBef>
+                        <a:spcAft>
+                          <a:spcPts val="0"/>
+                        </a:spcAft>
+                        <a:buClrTx/>
+                        <a:buSzTx/>
+                        <a:buFontTx/>
+                        <a:buNone/>
+                        <a:tabLst/>
+                        <a:defRPr/>
+                      </a:pPr>
+                      <a:r>
+                        <a:rPr lang="ko-KR" altLang="en-US" sz="800" b="0" i="0" u="none" strike="noStrike" kern="1200" baseline="0" dirty="0">
+                          <a:solidFill>
+                            <a:schemeClr val="tx1">
+                              <a:lumMod val="75000"/>
+                              <a:lumOff val="25000"/>
+                            </a:schemeClr>
+                          </a:solidFill>
+                          <a:effectLst/>
+                          <a:latin typeface="Arial" panose="020B0604020202020204" pitchFamily="34" charset="0"/>
+                          <a:ea typeface="Noto Sans CJK KR Light" panose="020B0300000000000000" pitchFamily="34" charset="-127"/>
+                        </a:rPr>
+                        <a:t>비밀번호</a:t>
+                      </a:r>
+                      <a:endParaRPr lang="en-US" altLang="ko-KR" sz="800" b="0" i="0" u="none" strike="noStrike" kern="1200" baseline="0" dirty="0">
+                        <a:solidFill>
+                          <a:schemeClr val="tx1">
+                            <a:lumMod val="75000"/>
+                            <a:lumOff val="25000"/>
+                          </a:schemeClr>
+                        </a:solidFill>
+                        <a:effectLst/>
+                        <a:latin typeface="Arial" panose="020B0604020202020204" pitchFamily="34" charset="0"/>
+                        <a:ea typeface="Noto Sans CJK KR Light" panose="020B0300000000000000" pitchFamily="34" charset="-127"/>
+                      </a:endParaRPr>
+                    </a:p>
+                    <a:p>
+                      <a:pPr marL="0" marR="0" lvl="0" indent="0" algn="l" defTabSz="914400" rtl="0" eaLnBrk="1" fontAlgn="auto" latinLnBrk="1" hangingPunct="1">
+                        <a:lnSpc>
+                          <a:spcPct val="100000"/>
+                        </a:lnSpc>
+                        <a:spcBef>
+                          <a:spcPts val="0"/>
+                        </a:spcBef>
+                        <a:spcAft>
+                          <a:spcPts val="0"/>
+                        </a:spcAft>
+                        <a:buClrTx/>
+                        <a:buSzTx/>
+                        <a:buFontTx/>
+                        <a:buNone/>
+                        <a:tabLst/>
+                        <a:defRPr/>
+                      </a:pPr>
+                      <a:r>
+                        <a:rPr lang="en-US" altLang="ko-KR" sz="800" b="0" i="0" u="none" strike="noStrike" kern="1200" baseline="0" dirty="0">
+                          <a:solidFill>
+                            <a:schemeClr val="tx1">
+                              <a:lumMod val="75000"/>
+                              <a:lumOff val="25000"/>
+                            </a:schemeClr>
+                          </a:solidFill>
+                          <a:effectLst/>
+                          <a:latin typeface="Arial" panose="020B0604020202020204" pitchFamily="34" charset="0"/>
+                          <a:ea typeface="Noto Sans CJK KR Light" panose="020B0300000000000000" pitchFamily="34" charset="-127"/>
+                        </a:rPr>
+                        <a:t>“</a:t>
+                      </a:r>
+                      <a:r>
+                        <a:rPr lang="ko-KR" altLang="en-US" sz="800" b="0" i="0" u="none" strike="noStrike" kern="1200" baseline="0" dirty="0">
+                          <a:solidFill>
+                            <a:schemeClr val="tx1">
+                              <a:lumMod val="75000"/>
+                              <a:lumOff val="25000"/>
+                            </a:schemeClr>
+                          </a:solidFill>
+                          <a:effectLst/>
+                          <a:latin typeface="Arial" panose="020B0604020202020204" pitchFamily="34" charset="0"/>
+                          <a:ea typeface="Noto Sans CJK KR Light" panose="020B0300000000000000" pitchFamily="34" charset="-127"/>
+                        </a:rPr>
+                        <a:t>비밀번호를 입력해주세요</a:t>
+                      </a:r>
+                      <a:r>
+                        <a:rPr lang="en-US" altLang="ko-KR" sz="800" b="0" i="0" u="none" strike="noStrike" kern="1200" baseline="0" dirty="0">
+                          <a:solidFill>
+                            <a:schemeClr val="tx1">
+                              <a:lumMod val="75000"/>
+                              <a:lumOff val="25000"/>
+                            </a:schemeClr>
+                          </a:solidFill>
+                          <a:effectLst/>
+                          <a:latin typeface="Arial" panose="020B0604020202020204" pitchFamily="34" charset="0"/>
+                          <a:ea typeface="Noto Sans CJK KR Light" panose="020B0300000000000000" pitchFamily="34" charset="-127"/>
+                        </a:rPr>
+                        <a:t>”</a:t>
+                      </a:r>
+                    </a:p>
+                  </a:txBody>
+                  <a:tcPr marL="53975" marR="53975" marT="35941" marB="35941">
+                    <a:lnL w="3175" cap="flat" cmpd="sng" algn="ctr">
+                      <a:noFill/>
+                      <a:prstDash val="solid"/>
+                      <a:round/>
+                      <a:headEnd type="none" w="med" len="med"/>
+                      <a:tailEnd type="none" w="med" len="med"/>
+                    </a:lnL>
+                    <a:lnR w="3175" cap="flat" cmpd="sng" algn="ctr">
+                      <a:noFill/>
+                      <a:prstDash val="solid"/>
+                      <a:round/>
+                      <a:headEnd type="none" w="med" len="med"/>
+                      <a:tailEnd type="none" w="med" len="med"/>
+                    </a:lnR>
+                    <a:lnT w="3175" cap="flat" cmpd="sng" algn="ctr">
+                      <a:solidFill>
+                        <a:schemeClr val="bg1">
+                          <a:lumMod val="75000"/>
+                        </a:schemeClr>
+                      </a:solidFill>
+                      <a:prstDash val="solid"/>
+                      <a:round/>
+                      <a:headEnd type="none" w="med" len="med"/>
+                      <a:tailEnd type="none" w="med" len="med"/>
+                    </a:lnT>
+                    <a:lnB w="3175" cap="flat" cmpd="sng" algn="ctr">
+                      <a:solidFill>
+                        <a:schemeClr val="bg1">
+                          <a:lumMod val="75000"/>
+                        </a:schemeClr>
+                      </a:solidFill>
+                      <a:prstDash val="solid"/>
+                      <a:round/>
+                      <a:headEnd type="none" w="med" len="med"/>
+                      <a:tailEnd type="none" w="med" len="med"/>
+                    </a:lnB>
+                    <a:lnTlToBr w="12700" cmpd="sng">
+                      <a:noFill/>
+                      <a:prstDash val="solid"/>
+                    </a:lnTlToBr>
+                    <a:lnBlToTr w="12700" cmpd="sng">
+                      <a:noFill/>
+                      <a:prstDash val="solid"/>
+                    </a:lnBlToTr>
+                    <a:noFill/>
+                  </a:tcPr>
+                </a:tc>
+                <a:extLst>
+                  <a:ext uri="{0D108BD9-81ED-4DB2-BD59-A6C34878D82A}">
+                    <a16:rowId xmlns:a16="http://schemas.microsoft.com/office/drawing/2014/main" val="10002"/>
+                  </a:ext>
+                </a:extLst>
+              </a:tr>
+              <a:tr h="157920">
+                <a:tc>
+                  <a:txBody>
+                    <a:bodyPr/>
+                    <a:lstStyle/>
+                    <a:p>
+                      <a:pPr latinLnBrk="1"/>
+                      <a:endParaRPr lang="ko-KR" altLang="en-US" sz="800" dirty="0">
+                        <a:solidFill>
+                          <a:schemeClr val="tx1">
+                            <a:lumMod val="75000"/>
+                            <a:lumOff val="25000"/>
+                          </a:schemeClr>
+                        </a:solidFill>
+                        <a:latin typeface="Noto Sans CJK KR Light" panose="020B0300000000000000" pitchFamily="34" charset="-127"/>
+                        <a:ea typeface="Noto Sans CJK KR Light" panose="020B0300000000000000" pitchFamily="34" charset="-127"/>
+                      </a:endParaRPr>
+                    </a:p>
+                  </a:txBody>
+                  <a:tcPr marL="54000" marR="54000" marT="36000" marB="36000">
+                    <a:lnL w="3175" cap="flat" cmpd="sng" algn="ctr">
+                      <a:noFill/>
+                      <a:prstDash val="solid"/>
+                      <a:round/>
+                      <a:headEnd type="none" w="med" len="med"/>
+                      <a:tailEnd type="none" w="med" len="med"/>
+                    </a:lnL>
+                    <a:lnR w="3175" cap="flat" cmpd="sng" algn="ctr">
+                      <a:solidFill>
+                        <a:schemeClr val="bg1">
+                          <a:lumMod val="75000"/>
+                        </a:schemeClr>
+                      </a:solidFill>
+                      <a:prstDash val="solid"/>
+                      <a:round/>
+                      <a:headEnd type="none" w="med" len="med"/>
+                      <a:tailEnd type="none" w="med" len="med"/>
+                    </a:lnR>
+                    <a:lnT w="3175" cap="flat" cmpd="sng" algn="ctr">
+                      <a:solidFill>
+                        <a:schemeClr val="bg1">
+                          <a:lumMod val="75000"/>
+                        </a:schemeClr>
+                      </a:solidFill>
+                      <a:prstDash val="solid"/>
+                      <a:round/>
+                      <a:headEnd type="none" w="med" len="med"/>
+                      <a:tailEnd type="none" w="med" len="med"/>
+                    </a:lnT>
+                    <a:lnB w="3175" cap="flat" cmpd="sng" algn="ctr">
+                      <a:solidFill>
+                        <a:schemeClr val="bg1">
+                          <a:lumMod val="75000"/>
+                        </a:schemeClr>
+                      </a:solidFill>
+                      <a:prstDash val="solid"/>
+                      <a:round/>
+                      <a:headEnd type="none" w="med" len="med"/>
+                      <a:tailEnd type="none" w="med" len="med"/>
+                    </a:lnB>
+                    <a:lnTlToBr w="12700" cmpd="sng">
+                      <a:noFill/>
+                      <a:prstDash val="solid"/>
+                    </a:lnTlToBr>
+                    <a:lnBlToTr w="12700" cmpd="sng">
+                      <a:noFill/>
+                      <a:prstDash val="solid"/>
+                    </a:lnBlToTr>
+                    <a:noFill/>
+                  </a:tcPr>
+                </a:tc>
+                <a:tc>
+                  <a:txBody>
+                    <a:bodyPr/>
+                    <a:lstStyle/>
+                    <a:p>
+                      <a:pPr marL="0" marR="0" lvl="0" indent="0" algn="l" defTabSz="914400" rtl="0" eaLnBrk="1" fontAlgn="auto" latinLnBrk="1" hangingPunct="1">
+                        <a:lnSpc>
+                          <a:spcPct val="100000"/>
+                        </a:lnSpc>
+                        <a:spcBef>
+                          <a:spcPts val="0"/>
+                        </a:spcBef>
+                        <a:spcAft>
+                          <a:spcPts val="0"/>
+                        </a:spcAft>
+                        <a:buClrTx/>
+                        <a:buSzTx/>
+                        <a:buFontTx/>
+                        <a:buNone/>
+                        <a:tabLst/>
+                        <a:defRPr/>
+                      </a:pPr>
+                      <a:endParaRPr lang="en-US" altLang="ko-KR" sz="800" baseline="0" dirty="0">
+                        <a:solidFill>
+                          <a:schemeClr val="tx1">
+                            <a:lumMod val="75000"/>
+                            <a:lumOff val="25000"/>
+                          </a:schemeClr>
+                        </a:solidFill>
+                        <a:latin typeface="Noto Sans CJK KR Light" panose="020B0300000000000000" pitchFamily="34" charset="-127"/>
+                        <a:ea typeface="Noto Sans CJK KR Light" panose="020B0300000000000000" pitchFamily="34" charset="-127"/>
+                      </a:endParaRPr>
+                    </a:p>
+                  </a:txBody>
+                  <a:tcPr marL="54000" marR="54000" marT="36000" marB="36000">
+                    <a:lnL w="3175" cap="flat" cmpd="sng" algn="ctr">
+                      <a:solidFill>
+                        <a:schemeClr val="bg1">
+                          <a:lumMod val="75000"/>
+                        </a:schemeClr>
+                      </a:solidFill>
+                      <a:prstDash val="solid"/>
+                      <a:round/>
+                      <a:headEnd type="none" w="med" len="med"/>
+                      <a:tailEnd type="none" w="med" len="med"/>
+                    </a:lnL>
+                    <a:lnR w="3175" cap="flat" cmpd="sng" algn="ctr">
+                      <a:noFill/>
+                      <a:prstDash val="solid"/>
+                      <a:round/>
+                      <a:headEnd type="none" w="med" len="med"/>
+                      <a:tailEnd type="none" w="med" len="med"/>
+                    </a:lnR>
+                    <a:lnT w="3175" cap="flat" cmpd="sng" algn="ctr">
+                      <a:solidFill>
+                        <a:schemeClr val="bg1">
+                          <a:lumMod val="75000"/>
+                        </a:schemeClr>
+                      </a:solidFill>
+                      <a:prstDash val="solid"/>
+                      <a:round/>
+                      <a:headEnd type="none" w="med" len="med"/>
+                      <a:tailEnd type="none" w="med" len="med"/>
+                    </a:lnT>
+                    <a:lnB w="3175" cap="flat" cmpd="sng" algn="ctr">
+                      <a:solidFill>
+                        <a:schemeClr val="bg1">
+                          <a:lumMod val="75000"/>
+                        </a:schemeClr>
+                      </a:solidFill>
+                      <a:prstDash val="solid"/>
+                      <a:round/>
+                      <a:headEnd type="none" w="med" len="med"/>
+                      <a:tailEnd type="none" w="med" len="med"/>
+                    </a:lnB>
+                    <a:lnTlToBr w="12700" cmpd="sng">
+                      <a:noFill/>
+                      <a:prstDash val="solid"/>
+                    </a:lnTlToBr>
+                    <a:lnBlToTr w="12700" cmpd="sng">
+                      <a:noFill/>
+                      <a:prstDash val="solid"/>
+                    </a:lnBlToTr>
+                    <a:noFill/>
+                  </a:tcPr>
+                </a:tc>
+                <a:tc>
+                  <a:txBody>
+                    <a:bodyPr/>
+                    <a:lstStyle/>
+                    <a:p>
+                      <a:pPr marL="0" marR="0" lvl="0" indent="0" algn="l" defTabSz="914400" rtl="0" eaLnBrk="1" fontAlgn="auto" latinLnBrk="1" hangingPunct="1">
+                        <a:lnSpc>
+                          <a:spcPct val="100000"/>
+                        </a:lnSpc>
+                        <a:spcBef>
+                          <a:spcPts val="0"/>
+                        </a:spcBef>
+                        <a:spcAft>
+                          <a:spcPts val="0"/>
+                        </a:spcAft>
+                        <a:buClrTx/>
+                        <a:buSzTx/>
+                        <a:buFontTx/>
+                        <a:buNone/>
+                        <a:tabLst/>
+                        <a:defRPr/>
+                      </a:pPr>
+                      <a:endParaRPr lang="en-US" altLang="ko-KR" sz="800" dirty="0">
+                        <a:solidFill>
+                          <a:schemeClr val="tx1">
+                            <a:lumMod val="75000"/>
+                            <a:lumOff val="25000"/>
+                          </a:schemeClr>
+                        </a:solidFill>
+                        <a:latin typeface="Noto Sans CJK KR Light" panose="020B0300000000000000" pitchFamily="34" charset="-127"/>
+                        <a:ea typeface="Noto Sans CJK KR Light" panose="020B0300000000000000" pitchFamily="34" charset="-127"/>
+                      </a:endParaRPr>
+                    </a:p>
+                  </a:txBody>
+                  <a:tcPr marL="54000" marR="54000" marT="36000" marB="36000">
+                    <a:lnL w="3175" cap="flat" cmpd="sng" algn="ctr">
+                      <a:noFill/>
+                      <a:prstDash val="solid"/>
+                      <a:round/>
+                      <a:headEnd type="none" w="med" len="med"/>
+                      <a:tailEnd type="none" w="med" len="med"/>
+                    </a:lnL>
+                    <a:lnR w="3175" cap="flat" cmpd="sng" algn="ctr">
+                      <a:noFill/>
+                      <a:prstDash val="solid"/>
+                      <a:round/>
+                      <a:headEnd type="none" w="med" len="med"/>
+                      <a:tailEnd type="none" w="med" len="med"/>
+                    </a:lnR>
+                    <a:lnT w="3175" cap="flat" cmpd="sng" algn="ctr">
+                      <a:solidFill>
+                        <a:schemeClr val="bg1">
+                          <a:lumMod val="75000"/>
+                        </a:schemeClr>
+                      </a:solidFill>
+                      <a:prstDash val="solid"/>
+                      <a:round/>
+                      <a:headEnd type="none" w="med" len="med"/>
+                      <a:tailEnd type="none" w="med" len="med"/>
+                    </a:lnT>
+                    <a:lnB w="3175" cap="flat" cmpd="sng" algn="ctr">
+                      <a:solidFill>
+                        <a:schemeClr val="bg1">
+                          <a:lumMod val="75000"/>
+                        </a:schemeClr>
+                      </a:solidFill>
+                      <a:prstDash val="solid"/>
+                      <a:round/>
+                      <a:headEnd type="none" w="med" len="med"/>
+                      <a:tailEnd type="none" w="med" len="med"/>
+                    </a:lnB>
+                    <a:lnTlToBr w="12700" cmpd="sng">
+                      <a:noFill/>
+                      <a:prstDash val="solid"/>
+                    </a:lnTlToBr>
+                    <a:lnBlToTr w="12700" cmpd="sng">
+                      <a:noFill/>
+                      <a:prstDash val="solid"/>
+                    </a:lnBlToTr>
+                    <a:noFill/>
+                  </a:tcPr>
+                </a:tc>
+                <a:extLst>
+                  <a:ext uri="{0D108BD9-81ED-4DB2-BD59-A6C34878D82A}">
+                    <a16:rowId xmlns:a16="http://schemas.microsoft.com/office/drawing/2014/main" val="10004"/>
+                  </a:ext>
+                </a:extLst>
+              </a:tr>
+              <a:tr h="0">
+                <a:tc>
+                  <a:txBody>
+                    <a:bodyPr/>
+                    <a:lstStyle/>
+                    <a:p>
+                      <a:pPr latinLnBrk="1"/>
+                      <a:endParaRPr lang="ko-KR" altLang="en-US" sz="800" dirty="0">
+                        <a:solidFill>
+                          <a:schemeClr val="tx1">
+                            <a:lumMod val="75000"/>
+                            <a:lumOff val="25000"/>
+                          </a:schemeClr>
+                        </a:solidFill>
+                        <a:latin typeface="Noto Sans CJK KR Light" panose="020B0300000000000000" pitchFamily="34" charset="-127"/>
+                        <a:ea typeface="Noto Sans CJK KR Light" panose="020B0300000000000000" pitchFamily="34" charset="-127"/>
+                      </a:endParaRPr>
+                    </a:p>
+                  </a:txBody>
+                  <a:tcPr marL="54000" marR="54000" marT="36000" marB="36000">
+                    <a:lnL w="3175" cap="flat" cmpd="sng" algn="ctr">
+                      <a:noFill/>
+                      <a:prstDash val="solid"/>
+                      <a:round/>
+                      <a:headEnd type="none" w="med" len="med"/>
+                      <a:tailEnd type="none" w="med" len="med"/>
+                    </a:lnL>
+                    <a:lnR w="3175" cap="flat" cmpd="sng" algn="ctr">
+                      <a:solidFill>
+                        <a:schemeClr val="bg1">
+                          <a:lumMod val="75000"/>
+                        </a:schemeClr>
+                      </a:solidFill>
+                      <a:prstDash val="solid"/>
+                      <a:round/>
+                      <a:headEnd type="none" w="med" len="med"/>
+                      <a:tailEnd type="none" w="med" len="med"/>
+                    </a:lnR>
+                    <a:lnT w="3175" cap="flat" cmpd="sng" algn="ctr">
+                      <a:solidFill>
+                        <a:schemeClr val="bg1">
+                          <a:lumMod val="75000"/>
+                        </a:schemeClr>
+                      </a:solidFill>
+                      <a:prstDash val="solid"/>
+                      <a:round/>
+                      <a:headEnd type="none" w="med" len="med"/>
+                      <a:tailEnd type="none" w="med" len="med"/>
+                    </a:lnT>
+                    <a:lnB w="3175" cap="flat" cmpd="sng" algn="ctr">
+                      <a:solidFill>
+                        <a:schemeClr val="bg1">
+                          <a:lumMod val="75000"/>
+                        </a:schemeClr>
+                      </a:solidFill>
+                      <a:prstDash val="solid"/>
+                      <a:round/>
+                      <a:headEnd type="none" w="med" len="med"/>
+                      <a:tailEnd type="none" w="med" len="med"/>
+                    </a:lnB>
+                    <a:lnTlToBr w="12700" cmpd="sng">
+                      <a:noFill/>
+                      <a:prstDash val="solid"/>
+                    </a:lnTlToBr>
+                    <a:lnBlToTr w="12700" cmpd="sng">
+                      <a:noFill/>
+                      <a:prstDash val="solid"/>
+                    </a:lnBlToTr>
+                    <a:noFill/>
+                  </a:tcPr>
+                </a:tc>
+                <a:tc>
+                  <a:txBody>
+                    <a:bodyPr/>
+                    <a:lstStyle/>
+                    <a:p>
+                      <a:pPr marL="0" marR="0" lvl="0" indent="0" algn="l" defTabSz="914400" rtl="0" eaLnBrk="1" fontAlgn="auto" latinLnBrk="1" hangingPunct="1">
+                        <a:lnSpc>
+                          <a:spcPct val="100000"/>
+                        </a:lnSpc>
+                        <a:spcBef>
+                          <a:spcPts val="0"/>
+                        </a:spcBef>
+                        <a:spcAft>
+                          <a:spcPts val="0"/>
+                        </a:spcAft>
+                        <a:buClrTx/>
+                        <a:buSzTx/>
+                        <a:buFontTx/>
+                        <a:buNone/>
+                        <a:tabLst/>
+                        <a:defRPr/>
+                      </a:pPr>
+                      <a:endParaRPr lang="en-US" altLang="ko-KR" sz="800" dirty="0">
+                        <a:solidFill>
+                          <a:schemeClr val="tx1">
+                            <a:lumMod val="75000"/>
+                            <a:lumOff val="25000"/>
+                          </a:schemeClr>
+                        </a:solidFill>
+                        <a:latin typeface="Noto Sans CJK KR Light" panose="020B0300000000000000" pitchFamily="34" charset="-127"/>
+                        <a:ea typeface="Noto Sans CJK KR Light" panose="020B0300000000000000" pitchFamily="34" charset="-127"/>
+                      </a:endParaRPr>
+                    </a:p>
+                  </a:txBody>
+                  <a:tcPr marL="54000" marR="54000" marT="36000" marB="36000">
+                    <a:lnL w="3175" cap="flat" cmpd="sng" algn="ctr">
+                      <a:solidFill>
+                        <a:schemeClr val="bg1">
+                          <a:lumMod val="75000"/>
+                        </a:schemeClr>
+                      </a:solidFill>
+                      <a:prstDash val="solid"/>
+                      <a:round/>
+                      <a:headEnd type="none" w="med" len="med"/>
+                      <a:tailEnd type="none" w="med" len="med"/>
+                    </a:lnL>
+                    <a:lnR w="3175" cap="flat" cmpd="sng" algn="ctr">
+                      <a:noFill/>
+                      <a:prstDash val="solid"/>
+                      <a:round/>
+                      <a:headEnd type="none" w="med" len="med"/>
+                      <a:tailEnd type="none" w="med" len="med"/>
+                    </a:lnR>
+                    <a:lnT w="3175" cap="flat" cmpd="sng" algn="ctr">
+                      <a:solidFill>
+                        <a:schemeClr val="bg1">
+                          <a:lumMod val="75000"/>
+                        </a:schemeClr>
+                      </a:solidFill>
+                      <a:prstDash val="solid"/>
+                      <a:round/>
+                      <a:headEnd type="none" w="med" len="med"/>
+                      <a:tailEnd type="none" w="med" len="med"/>
+                    </a:lnT>
+                    <a:lnB w="3175" cap="flat" cmpd="sng" algn="ctr">
+                      <a:solidFill>
+                        <a:schemeClr val="bg1">
+                          <a:lumMod val="75000"/>
+                        </a:schemeClr>
+                      </a:solidFill>
+                      <a:prstDash val="solid"/>
+                      <a:round/>
+                      <a:headEnd type="none" w="med" len="med"/>
+                      <a:tailEnd type="none" w="med" len="med"/>
+                    </a:lnB>
+                    <a:lnTlToBr w="12700" cmpd="sng">
+                      <a:noFill/>
+                      <a:prstDash val="solid"/>
+                    </a:lnTlToBr>
+                    <a:lnBlToTr w="12700" cmpd="sng">
+                      <a:noFill/>
+                      <a:prstDash val="solid"/>
+                    </a:lnBlToTr>
+                    <a:noFill/>
+                  </a:tcPr>
+                </a:tc>
+                <a:tc>
+                  <a:txBody>
+                    <a:bodyPr/>
+                    <a:lstStyle/>
+                    <a:p>
+                      <a:pPr marL="0" marR="0" lvl="0" indent="0" algn="l" defTabSz="914400" rtl="0" eaLnBrk="1" fontAlgn="auto" latinLnBrk="1" hangingPunct="1">
+                        <a:lnSpc>
+                          <a:spcPct val="100000"/>
+                        </a:lnSpc>
+                        <a:spcBef>
+                          <a:spcPts val="0"/>
+                        </a:spcBef>
+                        <a:spcAft>
+                          <a:spcPts val="0"/>
+                        </a:spcAft>
+                        <a:buClrTx/>
+                        <a:buSzTx/>
+                        <a:buFontTx/>
+                        <a:buNone/>
+                        <a:tabLst/>
+                        <a:defRPr/>
+                      </a:pPr>
+                      <a:endParaRPr lang="en-US" altLang="ko-KR" sz="800" dirty="0">
+                        <a:solidFill>
+                          <a:schemeClr val="tx1">
+                            <a:lumMod val="75000"/>
+                            <a:lumOff val="25000"/>
+                          </a:schemeClr>
+                        </a:solidFill>
+                        <a:latin typeface="Noto Sans CJK KR Light" panose="020B0300000000000000" pitchFamily="34" charset="-127"/>
+                        <a:ea typeface="Noto Sans CJK KR Light" panose="020B0300000000000000" pitchFamily="34" charset="-127"/>
+                      </a:endParaRPr>
+                    </a:p>
+                  </a:txBody>
+                  <a:tcPr marL="54000" marR="54000" marT="36000" marB="36000">
+                    <a:lnL w="3175" cap="flat" cmpd="sng" algn="ctr">
+                      <a:noFill/>
+                      <a:prstDash val="solid"/>
+                      <a:round/>
+                      <a:headEnd type="none" w="med" len="med"/>
+                      <a:tailEnd type="none" w="med" len="med"/>
+                    </a:lnL>
+                    <a:lnR w="3175" cap="flat" cmpd="sng" algn="ctr">
+                      <a:noFill/>
+                      <a:prstDash val="solid"/>
+                      <a:round/>
+                      <a:headEnd type="none" w="med" len="med"/>
+                      <a:tailEnd type="none" w="med" len="med"/>
+                    </a:lnR>
+                    <a:lnT w="3175" cap="flat" cmpd="sng" algn="ctr">
+                      <a:solidFill>
+                        <a:schemeClr val="bg1">
+                          <a:lumMod val="75000"/>
+                        </a:schemeClr>
+                      </a:solidFill>
+                      <a:prstDash val="solid"/>
+                      <a:round/>
+                      <a:headEnd type="none" w="med" len="med"/>
+                      <a:tailEnd type="none" w="med" len="med"/>
+                    </a:lnT>
+                    <a:lnB w="3175" cap="flat" cmpd="sng" algn="ctr">
+                      <a:solidFill>
+                        <a:schemeClr val="bg1">
+                          <a:lumMod val="75000"/>
+                        </a:schemeClr>
+                      </a:solidFill>
+                      <a:prstDash val="solid"/>
+                      <a:round/>
+                      <a:headEnd type="none" w="med" len="med"/>
+                      <a:tailEnd type="none" w="med" len="med"/>
+                    </a:lnB>
+                    <a:lnTlToBr w="12700" cmpd="sng">
+                      <a:noFill/>
+                      <a:prstDash val="solid"/>
+                    </a:lnTlToBr>
+                    <a:lnBlToTr w="12700" cmpd="sng">
+                      <a:noFill/>
+                      <a:prstDash val="solid"/>
+                    </a:lnBlToTr>
+                    <a:noFill/>
+                  </a:tcPr>
+                </a:tc>
+                <a:extLst>
+                  <a:ext uri="{0D108BD9-81ED-4DB2-BD59-A6C34878D82A}">
+                    <a16:rowId xmlns:a16="http://schemas.microsoft.com/office/drawing/2014/main" val="10005"/>
+                  </a:ext>
+                </a:extLst>
+              </a:tr>
+              <a:tr h="0">
+                <a:tc>
+                  <a:txBody>
+                    <a:bodyPr/>
+                    <a:lstStyle/>
+                    <a:p>
+                      <a:pPr latinLnBrk="1"/>
+                      <a:endParaRPr lang="ko-KR" altLang="en-US" sz="800" dirty="0">
+                        <a:solidFill>
+                          <a:schemeClr val="tx1">
+                            <a:lumMod val="75000"/>
+                            <a:lumOff val="25000"/>
+                          </a:schemeClr>
+                        </a:solidFill>
+                        <a:latin typeface="Noto Sans CJK KR Light" panose="020B0300000000000000" pitchFamily="34" charset="-127"/>
+                        <a:ea typeface="Noto Sans CJK KR Light" panose="020B0300000000000000" pitchFamily="34" charset="-127"/>
+                      </a:endParaRPr>
+                    </a:p>
+                  </a:txBody>
+                  <a:tcPr marL="54000" marR="54000" marT="36000" marB="36000">
+                    <a:lnL w="3175" cap="flat" cmpd="sng" algn="ctr">
+                      <a:noFill/>
+                      <a:prstDash val="solid"/>
+                      <a:round/>
+                      <a:headEnd type="none" w="med" len="med"/>
+                      <a:tailEnd type="none" w="med" len="med"/>
+                    </a:lnL>
+                    <a:lnR w="3175" cap="flat" cmpd="sng" algn="ctr">
+                      <a:solidFill>
+                        <a:schemeClr val="bg1">
+                          <a:lumMod val="75000"/>
+                        </a:schemeClr>
+                      </a:solidFill>
+                      <a:prstDash val="solid"/>
+                      <a:round/>
+                      <a:headEnd type="none" w="med" len="med"/>
+                      <a:tailEnd type="none" w="med" len="med"/>
+                    </a:lnR>
+                    <a:lnT w="3175" cap="flat" cmpd="sng" algn="ctr">
+                      <a:solidFill>
+                        <a:schemeClr val="bg1">
+                          <a:lumMod val="75000"/>
+                        </a:schemeClr>
+                      </a:solidFill>
+                      <a:prstDash val="solid"/>
+                      <a:round/>
+                      <a:headEnd type="none" w="med" len="med"/>
+                      <a:tailEnd type="none" w="med" len="med"/>
+                    </a:lnT>
+                    <a:lnB w="3175" cap="flat" cmpd="sng" algn="ctr">
+                      <a:solidFill>
+                        <a:schemeClr val="bg1">
+                          <a:lumMod val="75000"/>
+                        </a:schemeClr>
+                      </a:solidFill>
+                      <a:prstDash val="solid"/>
+                      <a:round/>
+                      <a:headEnd type="none" w="med" len="med"/>
+                      <a:tailEnd type="none" w="med" len="med"/>
+                    </a:lnB>
+                    <a:lnTlToBr w="12700" cmpd="sng">
+                      <a:noFill/>
+                      <a:prstDash val="solid"/>
+                    </a:lnTlToBr>
+                    <a:lnBlToTr w="12700" cmpd="sng">
+                      <a:noFill/>
+                      <a:prstDash val="solid"/>
+                    </a:lnBlToTr>
+                    <a:noFill/>
+                  </a:tcPr>
+                </a:tc>
+                <a:tc>
+                  <a:txBody>
+                    <a:bodyPr/>
+                    <a:lstStyle/>
+                    <a:p>
+                      <a:pPr latinLnBrk="1"/>
+                      <a:endParaRPr lang="en-US" altLang="ko-KR" sz="800" dirty="0">
+                        <a:solidFill>
+                          <a:schemeClr val="tx1">
+                            <a:lumMod val="75000"/>
+                            <a:lumOff val="25000"/>
+                          </a:schemeClr>
+                        </a:solidFill>
+                        <a:latin typeface="Noto Sans CJK KR Light" panose="020B0300000000000000" pitchFamily="34" charset="-127"/>
+                        <a:ea typeface="Noto Sans CJK KR Light" panose="020B0300000000000000" pitchFamily="34" charset="-127"/>
+                      </a:endParaRPr>
+                    </a:p>
+                  </a:txBody>
+                  <a:tcPr marL="54000" marR="54000" marT="36000" marB="36000">
+                    <a:lnL w="3175" cap="flat" cmpd="sng" algn="ctr">
+                      <a:solidFill>
+                        <a:schemeClr val="bg1">
+                          <a:lumMod val="75000"/>
+                        </a:schemeClr>
+                      </a:solidFill>
+                      <a:prstDash val="solid"/>
+                      <a:round/>
+                      <a:headEnd type="none" w="med" len="med"/>
+                      <a:tailEnd type="none" w="med" len="med"/>
+                    </a:lnL>
+                    <a:lnR w="3175" cap="flat" cmpd="sng" algn="ctr">
+                      <a:noFill/>
+                      <a:prstDash val="solid"/>
+                      <a:round/>
+                      <a:headEnd type="none" w="med" len="med"/>
+                      <a:tailEnd type="none" w="med" len="med"/>
+                    </a:lnR>
+                    <a:lnT w="3175" cap="flat" cmpd="sng" algn="ctr">
+                      <a:solidFill>
+                        <a:schemeClr val="bg1">
+                          <a:lumMod val="75000"/>
+                        </a:schemeClr>
+                      </a:solidFill>
+                      <a:prstDash val="solid"/>
+                      <a:round/>
+                      <a:headEnd type="none" w="med" len="med"/>
+                      <a:tailEnd type="none" w="med" len="med"/>
+                    </a:lnT>
+                    <a:lnB w="3175" cap="flat" cmpd="sng" algn="ctr">
+                      <a:solidFill>
+                        <a:schemeClr val="bg1">
+                          <a:lumMod val="75000"/>
+                        </a:schemeClr>
+                      </a:solidFill>
+                      <a:prstDash val="solid"/>
+                      <a:round/>
+                      <a:headEnd type="none" w="med" len="med"/>
+                      <a:tailEnd type="none" w="med" len="med"/>
+                    </a:lnB>
+                    <a:lnTlToBr w="12700" cmpd="sng">
+                      <a:noFill/>
+                      <a:prstDash val="solid"/>
+                    </a:lnTlToBr>
+                    <a:lnBlToTr w="12700" cmpd="sng">
+                      <a:noFill/>
+                      <a:prstDash val="solid"/>
+                    </a:lnBlToTr>
+                    <a:noFill/>
+                  </a:tcPr>
+                </a:tc>
+                <a:tc>
+                  <a:txBody>
+                    <a:bodyPr/>
+                    <a:lstStyle/>
+                    <a:p>
+                      <a:pPr marL="0" marR="0" lvl="0" indent="0" algn="l" defTabSz="914400" rtl="0" eaLnBrk="1" fontAlgn="auto" latinLnBrk="1" hangingPunct="1">
+                        <a:lnSpc>
+                          <a:spcPct val="100000"/>
+                        </a:lnSpc>
+                        <a:spcBef>
+                          <a:spcPts val="0"/>
+                        </a:spcBef>
+                        <a:spcAft>
+                          <a:spcPts val="0"/>
+                        </a:spcAft>
+                        <a:buClrTx/>
+                        <a:buSzTx/>
+                        <a:buFontTx/>
+                        <a:buNone/>
+                        <a:tabLst/>
+                        <a:defRPr/>
+                      </a:pPr>
+                      <a:endParaRPr lang="en-US" altLang="ko-KR" sz="800" dirty="0">
+                        <a:solidFill>
+                          <a:schemeClr val="tx1">
+                            <a:lumMod val="75000"/>
+                            <a:lumOff val="25000"/>
+                          </a:schemeClr>
+                        </a:solidFill>
+                        <a:latin typeface="Noto Sans CJK KR Light" panose="020B0300000000000000" pitchFamily="34" charset="-127"/>
+                        <a:ea typeface="Noto Sans CJK KR Light" panose="020B0300000000000000" pitchFamily="34" charset="-127"/>
+                      </a:endParaRPr>
+                    </a:p>
+                  </a:txBody>
+                  <a:tcPr marL="54000" marR="54000" marT="36000" marB="36000">
+                    <a:lnL w="3175" cap="flat" cmpd="sng" algn="ctr">
+                      <a:noFill/>
+                      <a:prstDash val="solid"/>
+                      <a:round/>
+                      <a:headEnd type="none" w="med" len="med"/>
+                      <a:tailEnd type="none" w="med" len="med"/>
+                    </a:lnL>
+                    <a:lnR w="3175" cap="flat" cmpd="sng" algn="ctr">
+                      <a:noFill/>
+                      <a:prstDash val="solid"/>
+                      <a:round/>
+                      <a:headEnd type="none" w="med" len="med"/>
+                      <a:tailEnd type="none" w="med" len="med"/>
+                    </a:lnR>
+                    <a:lnT w="3175" cap="flat" cmpd="sng" algn="ctr">
+                      <a:solidFill>
+                        <a:schemeClr val="bg1">
+                          <a:lumMod val="75000"/>
+                        </a:schemeClr>
+                      </a:solidFill>
+                      <a:prstDash val="solid"/>
+                      <a:round/>
+                      <a:headEnd type="none" w="med" len="med"/>
+                      <a:tailEnd type="none" w="med" len="med"/>
+                    </a:lnT>
+                    <a:lnB w="3175" cap="flat" cmpd="sng" algn="ctr">
+                      <a:solidFill>
+                        <a:schemeClr val="bg1">
+                          <a:lumMod val="75000"/>
+                        </a:schemeClr>
+                      </a:solidFill>
+                      <a:prstDash val="solid"/>
+                      <a:round/>
+                      <a:headEnd type="none" w="med" len="med"/>
+                      <a:tailEnd type="none" w="med" len="med"/>
+                    </a:lnB>
+                    <a:lnTlToBr w="12700" cmpd="sng">
+                      <a:noFill/>
+                      <a:prstDash val="solid"/>
+                    </a:lnTlToBr>
+                    <a:lnBlToTr w="12700" cmpd="sng">
+                      <a:noFill/>
+                      <a:prstDash val="solid"/>
+                    </a:lnBlToTr>
+                    <a:noFill/>
+                  </a:tcPr>
+                </a:tc>
+                <a:extLst>
+                  <a:ext uri="{0D108BD9-81ED-4DB2-BD59-A6C34878D82A}">
+                    <a16:rowId xmlns:a16="http://schemas.microsoft.com/office/drawing/2014/main" val="10006"/>
+                  </a:ext>
+                </a:extLst>
+              </a:tr>
+              <a:tr h="0">
+                <a:tc>
+                  <a:txBody>
+                    <a:bodyPr/>
+                    <a:lstStyle/>
+                    <a:p>
+                      <a:pPr latinLnBrk="1"/>
+                      <a:endParaRPr lang="ko-KR" altLang="en-US" sz="800" dirty="0">
+                        <a:solidFill>
+                          <a:schemeClr val="tx1">
+                            <a:lumMod val="75000"/>
+                            <a:lumOff val="25000"/>
+                          </a:schemeClr>
+                        </a:solidFill>
+                        <a:latin typeface="Noto Sans CJK KR Light" panose="020B0300000000000000" pitchFamily="34" charset="-127"/>
+                        <a:ea typeface="Noto Sans CJK KR Light" panose="020B0300000000000000" pitchFamily="34" charset="-127"/>
+                      </a:endParaRPr>
+                    </a:p>
+                  </a:txBody>
+                  <a:tcPr marL="54000" marR="54000" marT="36000" marB="36000">
+                    <a:lnL w="3175" cap="flat" cmpd="sng" algn="ctr">
+                      <a:noFill/>
+                      <a:prstDash val="solid"/>
+                      <a:round/>
+                      <a:headEnd type="none" w="med" len="med"/>
+                      <a:tailEnd type="none" w="med" len="med"/>
+                    </a:lnL>
+                    <a:lnR w="3175" cap="flat" cmpd="sng" algn="ctr">
+                      <a:solidFill>
+                        <a:schemeClr val="bg1">
+                          <a:lumMod val="75000"/>
+                        </a:schemeClr>
+                      </a:solidFill>
+                      <a:prstDash val="solid"/>
+                      <a:round/>
+                      <a:headEnd type="none" w="med" len="med"/>
+                      <a:tailEnd type="none" w="med" len="med"/>
+                    </a:lnR>
+                    <a:lnT w="3175" cap="flat" cmpd="sng" algn="ctr">
+                      <a:solidFill>
+                        <a:schemeClr val="bg1">
+                          <a:lumMod val="75000"/>
+                        </a:schemeClr>
+                      </a:solidFill>
+                      <a:prstDash val="solid"/>
+                      <a:round/>
+                      <a:headEnd type="none" w="med" len="med"/>
+                      <a:tailEnd type="none" w="med" len="med"/>
+                    </a:lnT>
+                    <a:lnB w="3175" cap="flat" cmpd="sng" algn="ctr">
+                      <a:solidFill>
+                        <a:schemeClr val="bg1">
+                          <a:lumMod val="75000"/>
+                        </a:schemeClr>
+                      </a:solidFill>
+                      <a:prstDash val="solid"/>
+                      <a:round/>
+                      <a:headEnd type="none" w="med" len="med"/>
+                      <a:tailEnd type="none" w="med" len="med"/>
+                    </a:lnB>
+                    <a:lnTlToBr w="12700" cmpd="sng">
+                      <a:noFill/>
+                      <a:prstDash val="solid"/>
+                    </a:lnTlToBr>
+                    <a:lnBlToTr w="12700" cmpd="sng">
+                      <a:noFill/>
+                      <a:prstDash val="solid"/>
+                    </a:lnBlToTr>
+                    <a:noFill/>
+                  </a:tcPr>
+                </a:tc>
+                <a:tc>
+                  <a:txBody>
+                    <a:bodyPr/>
+                    <a:lstStyle/>
+                    <a:p>
+                      <a:pPr latinLnBrk="1"/>
+                      <a:endParaRPr lang="en-US" altLang="ko-KR" sz="800" dirty="0">
+                        <a:solidFill>
+                          <a:schemeClr val="tx1">
+                            <a:lumMod val="75000"/>
+                            <a:lumOff val="25000"/>
+                          </a:schemeClr>
+                        </a:solidFill>
+                        <a:latin typeface="Noto Sans CJK KR Light" panose="020B0300000000000000" pitchFamily="34" charset="-127"/>
+                        <a:ea typeface="Noto Sans CJK KR Light" panose="020B0300000000000000" pitchFamily="34" charset="-127"/>
+                      </a:endParaRPr>
+                    </a:p>
+                  </a:txBody>
+                  <a:tcPr marL="54000" marR="54000" marT="36000" marB="36000">
+                    <a:lnL w="3175" cap="flat" cmpd="sng" algn="ctr">
+                      <a:solidFill>
+                        <a:schemeClr val="bg1">
+                          <a:lumMod val="75000"/>
+                        </a:schemeClr>
+                      </a:solidFill>
+                      <a:prstDash val="solid"/>
+                      <a:round/>
+                      <a:headEnd type="none" w="med" len="med"/>
+                      <a:tailEnd type="none" w="med" len="med"/>
+                    </a:lnL>
+                    <a:lnR w="3175" cap="flat" cmpd="sng" algn="ctr">
+                      <a:noFill/>
+                      <a:prstDash val="solid"/>
+                      <a:round/>
+                      <a:headEnd type="none" w="med" len="med"/>
+                      <a:tailEnd type="none" w="med" len="med"/>
+                    </a:lnR>
+                    <a:lnT w="3175" cap="flat" cmpd="sng" algn="ctr">
+                      <a:solidFill>
+                        <a:schemeClr val="bg1">
+                          <a:lumMod val="75000"/>
+                        </a:schemeClr>
+                      </a:solidFill>
+                      <a:prstDash val="solid"/>
+                      <a:round/>
+                      <a:headEnd type="none" w="med" len="med"/>
+                      <a:tailEnd type="none" w="med" len="med"/>
+                    </a:lnT>
+                    <a:lnB w="3175" cap="flat" cmpd="sng" algn="ctr">
+                      <a:solidFill>
+                        <a:schemeClr val="bg1">
+                          <a:lumMod val="75000"/>
+                        </a:schemeClr>
+                      </a:solidFill>
+                      <a:prstDash val="solid"/>
+                      <a:round/>
+                      <a:headEnd type="none" w="med" len="med"/>
+                      <a:tailEnd type="none" w="med" len="med"/>
+                    </a:lnB>
+                    <a:lnTlToBr w="12700" cmpd="sng">
+                      <a:noFill/>
+                      <a:prstDash val="solid"/>
+                    </a:lnTlToBr>
+                    <a:lnBlToTr w="12700" cmpd="sng">
+                      <a:noFill/>
+                      <a:prstDash val="solid"/>
+                    </a:lnBlToTr>
+                    <a:noFill/>
+                  </a:tcPr>
+                </a:tc>
+                <a:tc>
+                  <a:txBody>
+                    <a:bodyPr/>
+                    <a:lstStyle/>
+                    <a:p>
+                      <a:pPr latinLnBrk="1"/>
+                      <a:endParaRPr lang="en-US" altLang="ko-KR" sz="800" dirty="0">
+                        <a:solidFill>
+                          <a:schemeClr val="tx1">
+                            <a:lumMod val="75000"/>
+                            <a:lumOff val="25000"/>
+                          </a:schemeClr>
+                        </a:solidFill>
+                        <a:latin typeface="Noto Sans CJK KR Light" panose="020B0300000000000000" pitchFamily="34" charset="-127"/>
+                        <a:ea typeface="Noto Sans CJK KR Light" panose="020B0300000000000000" pitchFamily="34" charset="-127"/>
+                      </a:endParaRPr>
+                    </a:p>
+                  </a:txBody>
+                  <a:tcPr marL="54000" marR="54000" marT="36000" marB="36000">
+                    <a:lnL w="3175" cap="flat" cmpd="sng" algn="ctr">
+                      <a:noFill/>
+                      <a:prstDash val="solid"/>
+                      <a:round/>
+                      <a:headEnd type="none" w="med" len="med"/>
+                      <a:tailEnd type="none" w="med" len="med"/>
+                    </a:lnL>
+                    <a:lnR w="3175" cap="flat" cmpd="sng" algn="ctr">
+                      <a:noFill/>
+                      <a:prstDash val="solid"/>
+                      <a:round/>
+                      <a:headEnd type="none" w="med" len="med"/>
+                      <a:tailEnd type="none" w="med" len="med"/>
+                    </a:lnR>
+                    <a:lnT w="3175" cap="flat" cmpd="sng" algn="ctr">
+                      <a:solidFill>
+                        <a:schemeClr val="bg1">
+                          <a:lumMod val="75000"/>
+                        </a:schemeClr>
+                      </a:solidFill>
+                      <a:prstDash val="solid"/>
+                      <a:round/>
+                      <a:headEnd type="none" w="med" len="med"/>
+                      <a:tailEnd type="none" w="med" len="med"/>
+                    </a:lnT>
+                    <a:lnB w="3175" cap="flat" cmpd="sng" algn="ctr">
+                      <a:solidFill>
+                        <a:schemeClr val="bg1">
+                          <a:lumMod val="75000"/>
+                        </a:schemeClr>
+                      </a:solidFill>
+                      <a:prstDash val="solid"/>
+                      <a:round/>
+                      <a:headEnd type="none" w="med" len="med"/>
+                      <a:tailEnd type="none" w="med" len="med"/>
+                    </a:lnB>
+                    <a:lnTlToBr w="12700" cmpd="sng">
+                      <a:noFill/>
+                      <a:prstDash val="solid"/>
+                    </a:lnTlToBr>
+                    <a:lnBlToTr w="12700" cmpd="sng">
+                      <a:noFill/>
+                      <a:prstDash val="solid"/>
+                    </a:lnBlToTr>
+                    <a:noFill/>
+                  </a:tcPr>
+                </a:tc>
+                <a:extLst>
+                  <a:ext uri="{0D108BD9-81ED-4DB2-BD59-A6C34878D82A}">
+                    <a16:rowId xmlns:a16="http://schemas.microsoft.com/office/drawing/2014/main" val="10007"/>
+                  </a:ext>
+                </a:extLst>
+              </a:tr>
+              <a:tr h="0">
+                <a:tc gridSpan="3">
+                  <a:txBody>
+                    <a:bodyPr/>
+                    <a:lstStyle/>
+                    <a:p>
+                      <a:pPr latinLnBrk="1"/>
+                      <a:r>
+                        <a:rPr lang="ko-KR" altLang="en-US" sz="800" baseline="0" dirty="0">
+                          <a:solidFill>
+                            <a:schemeClr val="tx1">
+                              <a:lumMod val="75000"/>
+                              <a:lumOff val="25000"/>
+                            </a:schemeClr>
+                          </a:solidFill>
+                          <a:latin typeface="Noto Sans CJK KR Light" panose="020B0300000000000000" pitchFamily="34" charset="-127"/>
+                          <a:ea typeface="Noto Sans CJK KR Light" panose="020B0300000000000000" pitchFamily="34" charset="-127"/>
+                        </a:rPr>
+                        <a:t>다음 페이지에서 계속</a:t>
+                      </a:r>
+                      <a:endParaRPr lang="en-US" altLang="ko-KR" sz="800" baseline="0" dirty="0">
+                        <a:solidFill>
+                          <a:schemeClr val="tx1">
+                            <a:lumMod val="75000"/>
+                            <a:lumOff val="25000"/>
+                          </a:schemeClr>
+                        </a:solidFill>
+                        <a:latin typeface="Noto Sans CJK KR Light" panose="020B0300000000000000" pitchFamily="34" charset="-127"/>
+                        <a:ea typeface="Noto Sans CJK KR Light" panose="020B0300000000000000" pitchFamily="34" charset="-127"/>
+                      </a:endParaRPr>
+                    </a:p>
+                  </a:txBody>
+                  <a:tcPr marL="54000" marR="54000" marT="36000" marB="36000">
+                    <a:lnL w="3175" cap="flat" cmpd="sng" algn="ctr">
+                      <a:noFill/>
+                      <a:prstDash val="solid"/>
+                      <a:round/>
+                      <a:headEnd type="none" w="med" len="med"/>
+                      <a:tailEnd type="none" w="med" len="med"/>
+                    </a:lnL>
+                    <a:lnR w="3175" cap="flat" cmpd="sng" algn="ctr">
+                      <a:noFill/>
+                      <a:prstDash val="solid"/>
+                      <a:round/>
+                      <a:headEnd type="none" w="med" len="med"/>
+                      <a:tailEnd type="none" w="med" len="med"/>
+                    </a:lnR>
+                    <a:lnT w="3175" cap="flat" cmpd="sng" algn="ctr">
+                      <a:solidFill>
+                        <a:schemeClr val="bg1">
+                          <a:lumMod val="75000"/>
+                        </a:schemeClr>
+                      </a:solidFill>
+                      <a:prstDash val="solid"/>
+                      <a:round/>
+                      <a:headEnd type="none" w="med" len="med"/>
+                      <a:tailEnd type="none" w="med" len="med"/>
+                    </a:lnT>
+                    <a:lnB w="3175" cap="flat" cmpd="sng" algn="ctr">
+                      <a:solidFill>
+                        <a:schemeClr val="bg1">
+                          <a:lumMod val="75000"/>
+                        </a:schemeClr>
+                      </a:solidFill>
+                      <a:prstDash val="solid"/>
+                      <a:round/>
+                      <a:headEnd type="none" w="med" len="med"/>
+                      <a:tailEnd type="none" w="med" len="med"/>
+                    </a:lnB>
+                    <a:lnTlToBr w="12700" cmpd="sng">
+                      <a:noFill/>
+                      <a:prstDash val="solid"/>
+                    </a:lnTlToBr>
+                    <a:lnBlToTr w="12700" cmpd="sng">
+                      <a:noFill/>
+                      <a:prstDash val="solid"/>
+                    </a:lnBlToTr>
+                    <a:noFill/>
+                  </a:tcPr>
+                </a:tc>
+                <a:tc hMerge="1">
+                  <a:txBody>
+                    <a:bodyPr/>
+                    <a:lstStyle/>
+                    <a:p>
+                      <a:pPr latinLnBrk="1"/>
+                      <a:endParaRPr lang="en-US" altLang="ko-KR" sz="800" baseline="0" dirty="0">
+                        <a:solidFill>
+                          <a:schemeClr val="tx1">
+                            <a:lumMod val="75000"/>
+                            <a:lumOff val="25000"/>
+                          </a:schemeClr>
+                        </a:solidFill>
+                        <a:latin typeface="Noto Sans CJK KR Light" panose="020B0300000000000000" pitchFamily="34" charset="-127"/>
+                        <a:ea typeface="Noto Sans CJK KR Light" panose="020B0300000000000000" pitchFamily="34" charset="-127"/>
+                      </a:endParaRPr>
+                    </a:p>
+                  </a:txBody>
+                  <a:tcPr marL="54000" marR="54000" marT="36000" marB="36000">
+                    <a:lnL w="3175" cap="flat" cmpd="sng" algn="ctr">
+                      <a:solidFill>
+                        <a:schemeClr val="bg1">
+                          <a:lumMod val="75000"/>
+                        </a:schemeClr>
+                      </a:solidFill>
+                      <a:prstDash val="solid"/>
+                      <a:round/>
+                      <a:headEnd type="none" w="med" len="med"/>
+                      <a:tailEnd type="none" w="med" len="med"/>
+                    </a:lnL>
+                    <a:lnR w="3175" cap="flat" cmpd="sng" algn="ctr">
+                      <a:noFill/>
+                      <a:prstDash val="solid"/>
+                      <a:round/>
+                      <a:headEnd type="none" w="med" len="med"/>
+                      <a:tailEnd type="none" w="med" len="med"/>
+                    </a:lnR>
+                    <a:lnT w="3175" cap="flat" cmpd="sng" algn="ctr">
+                      <a:solidFill>
+                        <a:schemeClr val="bg1">
+                          <a:lumMod val="75000"/>
+                        </a:schemeClr>
+                      </a:solidFill>
+                      <a:prstDash val="solid"/>
+                      <a:round/>
+                      <a:headEnd type="none" w="med" len="med"/>
+                      <a:tailEnd type="none" w="med" len="med"/>
+                    </a:lnT>
+                    <a:lnB w="3175" cap="flat" cmpd="sng" algn="ctr">
+                      <a:solidFill>
+                        <a:schemeClr val="bg1">
+                          <a:lumMod val="75000"/>
+                        </a:schemeClr>
+                      </a:solidFill>
+                      <a:prstDash val="solid"/>
+                      <a:round/>
+                      <a:headEnd type="none" w="med" len="med"/>
+                      <a:tailEnd type="none" w="med" len="med"/>
+                    </a:lnB>
+                    <a:lnTlToBr w="12700" cmpd="sng">
+                      <a:noFill/>
+                      <a:prstDash val="solid"/>
+                    </a:lnTlToBr>
+                    <a:lnBlToTr w="12700" cmpd="sng">
+                      <a:noFill/>
+                      <a:prstDash val="solid"/>
+                    </a:lnBlToTr>
+                    <a:noFill/>
+                  </a:tcPr>
+                </a:tc>
+                <a:tc hMerge="1">
+                  <a:txBody>
+                    <a:bodyPr/>
+                    <a:lstStyle/>
+                    <a:p>
+                      <a:pPr latinLnBrk="1"/>
+                      <a:endParaRPr lang="ko-KR" altLang="en-US"/>
+                    </a:p>
+                  </a:txBody>
+                  <a:tcPr/>
+                </a:tc>
+                <a:extLst>
+                  <a:ext uri="{0D108BD9-81ED-4DB2-BD59-A6C34878D82A}">
+                    <a16:rowId xmlns:a16="http://schemas.microsoft.com/office/drawing/2014/main" val="10008"/>
+                  </a:ext>
+                </a:extLst>
+              </a:tr>
+            </a:tbl>
+          </a:graphicData>
+        </a:graphic>
+      </p:graphicFrame>
+      <p:sp>
+        <p:nvSpPr>
+          <p:cNvPr id="3" name="TextBox 2">
+            <a:extLst>
+              <a:ext uri="{FF2B5EF4-FFF2-40B4-BE49-F238E27FC236}">
+                <a16:creationId xmlns:a16="http://schemas.microsoft.com/office/drawing/2014/main" id="{2409E8E3-68FC-78BE-3965-BB9C2AFA4322}"/>
+              </a:ext>
+            </a:extLst>
+          </p:cNvPr>
+          <p:cNvSpPr txBox="1"/>
+          <p:nvPr/>
+        </p:nvSpPr>
+        <p:spPr>
+          <a:xfrm>
+            <a:off x="4076203" y="31366"/>
+            <a:ext cx="920637" cy="276999"/>
+          </a:xfrm>
+          <a:prstGeom prst="rect">
+            <a:avLst/>
+          </a:prstGeom>
+          <a:noFill/>
+        </p:spPr>
+        <p:txBody>
+          <a:bodyPr wrap="none" rtlCol="0">
+            <a:spAutoFit/>
+          </a:bodyPr>
+          <a:lstStyle/>
+          <a:p>
+            <a:r>
+              <a:rPr lang="en-US" altLang="ko-KR" sz="1200" dirty="0"/>
+              <a:t>signup.html</a:t>
+            </a:r>
+            <a:endParaRPr lang="ko-KR" altLang="en-US" sz="1200" dirty="0"/>
+          </a:p>
+        </p:txBody>
+      </p:sp>
+      <p:sp>
+        <p:nvSpPr>
+          <p:cNvPr id="4" name="TextBox 3">
+            <a:extLst>
+              <a:ext uri="{FF2B5EF4-FFF2-40B4-BE49-F238E27FC236}">
+                <a16:creationId xmlns:a16="http://schemas.microsoft.com/office/drawing/2014/main" id="{1A0570B0-AFA1-B015-4422-87A77F423BAC}"/>
+              </a:ext>
+            </a:extLst>
+          </p:cNvPr>
+          <p:cNvSpPr txBox="1"/>
+          <p:nvPr/>
+        </p:nvSpPr>
+        <p:spPr>
+          <a:xfrm>
+            <a:off x="9798823" y="31366"/>
+            <a:ext cx="740716" cy="276999"/>
+          </a:xfrm>
+          <a:prstGeom prst="rect">
+            <a:avLst/>
+          </a:prstGeom>
+          <a:noFill/>
+        </p:spPr>
+        <p:txBody>
+          <a:bodyPr wrap="none" rtlCol="0">
+            <a:spAutoFit/>
+          </a:bodyPr>
+          <a:lstStyle/>
+          <a:p>
+            <a:r>
+              <a:rPr lang="en-US" altLang="ko-KR" sz="1200" dirty="0"/>
+              <a:t>LOGIN01</a:t>
+            </a:r>
+            <a:endParaRPr lang="ko-KR" altLang="en-US" sz="1200" dirty="0"/>
+          </a:p>
+        </p:txBody>
+      </p:sp>
+      <p:pic>
+        <p:nvPicPr>
+          <p:cNvPr id="9" name="그림 8">
+            <a:extLst>
+              <a:ext uri="{FF2B5EF4-FFF2-40B4-BE49-F238E27FC236}">
+                <a16:creationId xmlns:a16="http://schemas.microsoft.com/office/drawing/2014/main" id="{01FC0BC0-F402-3C36-CAF5-1B8C669FB146}"/>
+              </a:ext>
+            </a:extLst>
+          </p:cNvPr>
+          <p:cNvPicPr>
+            <a:picLocks noChangeAspect="1"/>
+          </p:cNvPicPr>
+          <p:nvPr/>
+        </p:nvPicPr>
+        <p:blipFill>
+          <a:blip r:embed="rId2"/>
+          <a:stretch>
+            <a:fillRect/>
+          </a:stretch>
+        </p:blipFill>
+        <p:spPr>
+          <a:xfrm>
+            <a:off x="5836974" y="773226"/>
+            <a:ext cx="586570" cy="347965"/>
+          </a:xfrm>
+          <a:prstGeom prst="rect">
+            <a:avLst/>
+          </a:prstGeom>
+        </p:spPr>
+      </p:pic>
+      <p:cxnSp>
+        <p:nvCxnSpPr>
+          <p:cNvPr id="15" name="직선 연결선 14">
+            <a:extLst>
+              <a:ext uri="{FF2B5EF4-FFF2-40B4-BE49-F238E27FC236}">
+                <a16:creationId xmlns:a16="http://schemas.microsoft.com/office/drawing/2014/main" id="{FC03B540-657F-AE40-1073-728B2CD5FB43}"/>
+              </a:ext>
+            </a:extLst>
+          </p:cNvPr>
+          <p:cNvCxnSpPr>
+            <a:cxnSpLocks/>
+          </p:cNvCxnSpPr>
+          <p:nvPr/>
+        </p:nvCxnSpPr>
+        <p:spPr>
+          <a:xfrm>
+            <a:off x="4633571" y="3104014"/>
+            <a:ext cx="2995249" cy="0"/>
+          </a:xfrm>
+          <a:prstGeom prst="line">
+            <a:avLst/>
+          </a:prstGeom>
+        </p:spPr>
+        <p:style>
+          <a:lnRef idx="1">
+            <a:schemeClr val="dk1"/>
+          </a:lnRef>
+          <a:fillRef idx="0">
+            <a:schemeClr val="dk1"/>
+          </a:fillRef>
+          <a:effectRef idx="0">
+            <a:schemeClr val="dk1"/>
+          </a:effectRef>
+          <a:fontRef idx="minor">
+            <a:schemeClr val="tx1"/>
+          </a:fontRef>
+        </p:style>
+      </p:cxnSp>
+      <p:sp>
+        <p:nvSpPr>
+          <p:cNvPr id="17" name="TextBox 16">
+            <a:extLst>
+              <a:ext uri="{FF2B5EF4-FFF2-40B4-BE49-F238E27FC236}">
+                <a16:creationId xmlns:a16="http://schemas.microsoft.com/office/drawing/2014/main" id="{59C75ED0-8823-976B-A17F-A060A7BBACA3}"/>
+              </a:ext>
+            </a:extLst>
+          </p:cNvPr>
+          <p:cNvSpPr txBox="1"/>
+          <p:nvPr/>
+        </p:nvSpPr>
+        <p:spPr>
+          <a:xfrm>
+            <a:off x="4522735" y="2804530"/>
+            <a:ext cx="646331" cy="276999"/>
+          </a:xfrm>
+          <a:prstGeom prst="rect">
+            <a:avLst/>
+          </a:prstGeom>
+          <a:noFill/>
+        </p:spPr>
+        <p:txBody>
+          <a:bodyPr wrap="none" rtlCol="0">
+            <a:spAutoFit/>
+          </a:bodyPr>
+          <a:lstStyle/>
+          <a:p>
+            <a:r>
+              <a:rPr lang="ko-KR" altLang="en-US" sz="1200" dirty="0"/>
+              <a:t>아이디</a:t>
+            </a:r>
+          </a:p>
+        </p:txBody>
+      </p:sp>
+      <p:sp>
+        <p:nvSpPr>
+          <p:cNvPr id="20" name="TextBox 19">
+            <a:extLst>
+              <a:ext uri="{FF2B5EF4-FFF2-40B4-BE49-F238E27FC236}">
+                <a16:creationId xmlns:a16="http://schemas.microsoft.com/office/drawing/2014/main" id="{7B3F896E-7DB8-8FAE-6EE6-313E8313E2DE}"/>
+              </a:ext>
+            </a:extLst>
+          </p:cNvPr>
+          <p:cNvSpPr txBox="1"/>
+          <p:nvPr/>
+        </p:nvSpPr>
+        <p:spPr>
+          <a:xfrm>
+            <a:off x="5353917" y="2816071"/>
+            <a:ext cx="1592103" cy="253916"/>
+          </a:xfrm>
+          <a:prstGeom prst="rect">
+            <a:avLst/>
+          </a:prstGeom>
+          <a:noFill/>
+        </p:spPr>
+        <p:txBody>
+          <a:bodyPr wrap="none" rtlCol="0">
+            <a:spAutoFit/>
+          </a:bodyPr>
+          <a:lstStyle/>
+          <a:p>
+            <a:r>
+              <a:rPr lang="ko-KR" altLang="en-US" sz="1050" dirty="0">
+                <a:solidFill>
+                  <a:schemeClr val="bg1">
+                    <a:lumMod val="75000"/>
+                  </a:schemeClr>
+                </a:solidFill>
+              </a:rPr>
+              <a:t>아이디를 입력해주세요</a:t>
+            </a:r>
+          </a:p>
+        </p:txBody>
+      </p:sp>
+      <p:sp>
+        <p:nvSpPr>
+          <p:cNvPr id="22" name="사각형: 둥근 모서리 21">
+            <a:extLst>
+              <a:ext uri="{FF2B5EF4-FFF2-40B4-BE49-F238E27FC236}">
+                <a16:creationId xmlns:a16="http://schemas.microsoft.com/office/drawing/2014/main" id="{A9126A00-5361-F057-694A-791CB0980388}"/>
+              </a:ext>
+            </a:extLst>
+          </p:cNvPr>
+          <p:cNvSpPr/>
+          <p:nvPr/>
+        </p:nvSpPr>
+        <p:spPr>
+          <a:xfrm>
+            <a:off x="4913572" y="5080427"/>
+            <a:ext cx="2314303" cy="352527"/>
+          </a:xfrm>
+          <a:prstGeom prst="roundRect">
+            <a:avLst>
+              <a:gd name="adj" fmla="val 50000"/>
+            </a:avLst>
+          </a:prstGeom>
+        </p:spPr>
+        <p:style>
+          <a:lnRef idx="2">
+            <a:schemeClr val="dk1">
+              <a:shade val="50000"/>
+            </a:schemeClr>
+          </a:lnRef>
+          <a:fillRef idx="1">
+            <a:schemeClr val="dk1"/>
+          </a:fillRef>
+          <a:effectRef idx="0">
+            <a:schemeClr val="dk1"/>
+          </a:effectRef>
+          <a:fontRef idx="minor">
+            <a:schemeClr val="lt1"/>
+          </a:fontRef>
+        </p:style>
+        <p:txBody>
+          <a:bodyPr rtlCol="0" anchor="ctr"/>
+          <a:lstStyle/>
+          <a:p>
+            <a:pPr algn="ctr"/>
+            <a:endParaRPr lang="ko-KR" altLang="en-US"/>
+          </a:p>
+        </p:txBody>
+      </p:sp>
+      <p:sp>
+        <p:nvSpPr>
+          <p:cNvPr id="19" name="TextBox 18">
+            <a:extLst>
+              <a:ext uri="{FF2B5EF4-FFF2-40B4-BE49-F238E27FC236}">
+                <a16:creationId xmlns:a16="http://schemas.microsoft.com/office/drawing/2014/main" id="{F431F595-9A11-BF6E-D814-1BDBE5AFD79B}"/>
+              </a:ext>
+            </a:extLst>
+          </p:cNvPr>
+          <p:cNvSpPr txBox="1"/>
+          <p:nvPr/>
+        </p:nvSpPr>
+        <p:spPr>
+          <a:xfrm>
+            <a:off x="5804189" y="5102913"/>
+            <a:ext cx="670376" cy="276999"/>
+          </a:xfrm>
+          <a:prstGeom prst="rect">
+            <a:avLst/>
+          </a:prstGeom>
+          <a:noFill/>
+        </p:spPr>
+        <p:txBody>
+          <a:bodyPr wrap="none" rtlCol="0">
+            <a:spAutoFit/>
+          </a:bodyPr>
+          <a:lstStyle/>
+          <a:p>
+            <a:r>
+              <a:rPr lang="en-US" altLang="ko-KR" sz="1200" dirty="0">
+                <a:solidFill>
+                  <a:schemeClr val="bg1"/>
+                </a:solidFill>
+              </a:rPr>
+              <a:t>SIGNUP</a:t>
+            </a:r>
+            <a:endParaRPr lang="ko-KR" altLang="en-US" sz="1200" dirty="0">
+              <a:solidFill>
+                <a:schemeClr val="bg1"/>
+              </a:solidFill>
+            </a:endParaRPr>
+          </a:p>
+        </p:txBody>
+      </p:sp>
+      <p:sp>
+        <p:nvSpPr>
+          <p:cNvPr id="5" name="TextBox 4">
+            <a:extLst>
+              <a:ext uri="{FF2B5EF4-FFF2-40B4-BE49-F238E27FC236}">
+                <a16:creationId xmlns:a16="http://schemas.microsoft.com/office/drawing/2014/main" id="{BD813177-552B-DC9B-1FF7-9E6EC2BBC874}"/>
+              </a:ext>
+            </a:extLst>
+          </p:cNvPr>
+          <p:cNvSpPr txBox="1"/>
+          <p:nvPr/>
+        </p:nvSpPr>
+        <p:spPr>
+          <a:xfrm>
+            <a:off x="4522735" y="1322390"/>
+            <a:ext cx="800219" cy="276999"/>
+          </a:xfrm>
+          <a:prstGeom prst="rect">
+            <a:avLst/>
+          </a:prstGeom>
+          <a:noFill/>
+        </p:spPr>
+        <p:txBody>
+          <a:bodyPr wrap="none" rtlCol="0">
+            <a:spAutoFit/>
+          </a:bodyPr>
+          <a:lstStyle/>
+          <a:p>
+            <a:r>
+              <a:rPr lang="ko-KR" altLang="en-US" sz="1200" b="1" dirty="0"/>
+              <a:t>회원가입</a:t>
+            </a:r>
+          </a:p>
+        </p:txBody>
+      </p:sp>
+      <p:cxnSp>
+        <p:nvCxnSpPr>
+          <p:cNvPr id="25" name="직선 연결선 24">
+            <a:extLst>
+              <a:ext uri="{FF2B5EF4-FFF2-40B4-BE49-F238E27FC236}">
+                <a16:creationId xmlns:a16="http://schemas.microsoft.com/office/drawing/2014/main" id="{4DD37EAE-201B-24ED-07CD-FCE0E16FFD2A}"/>
+              </a:ext>
+            </a:extLst>
+          </p:cNvPr>
+          <p:cNvCxnSpPr>
+            <a:cxnSpLocks/>
+          </p:cNvCxnSpPr>
+          <p:nvPr/>
+        </p:nvCxnSpPr>
+        <p:spPr>
+          <a:xfrm>
+            <a:off x="4633571" y="2681604"/>
+            <a:ext cx="2995249" cy="0"/>
+          </a:xfrm>
+          <a:prstGeom prst="line">
+            <a:avLst/>
+          </a:prstGeom>
+        </p:spPr>
+        <p:style>
+          <a:lnRef idx="1">
+            <a:schemeClr val="dk1"/>
+          </a:lnRef>
+          <a:fillRef idx="0">
+            <a:schemeClr val="dk1"/>
+          </a:fillRef>
+          <a:effectRef idx="0">
+            <a:schemeClr val="dk1"/>
+          </a:effectRef>
+          <a:fontRef idx="minor">
+            <a:schemeClr val="tx1"/>
+          </a:fontRef>
+        </p:style>
+      </p:cxnSp>
+      <p:sp>
+        <p:nvSpPr>
+          <p:cNvPr id="26" name="TextBox 25">
+            <a:extLst>
+              <a:ext uri="{FF2B5EF4-FFF2-40B4-BE49-F238E27FC236}">
+                <a16:creationId xmlns:a16="http://schemas.microsoft.com/office/drawing/2014/main" id="{AD1B6665-8DB8-23B8-445D-AB0E86158736}"/>
+              </a:ext>
+            </a:extLst>
+          </p:cNvPr>
+          <p:cNvSpPr txBox="1"/>
+          <p:nvPr/>
+        </p:nvSpPr>
+        <p:spPr>
+          <a:xfrm>
+            <a:off x="4522735" y="2382120"/>
+            <a:ext cx="646331" cy="276999"/>
+          </a:xfrm>
+          <a:prstGeom prst="rect">
+            <a:avLst/>
+          </a:prstGeom>
+          <a:noFill/>
+        </p:spPr>
+        <p:txBody>
+          <a:bodyPr wrap="none" rtlCol="0">
+            <a:spAutoFit/>
+          </a:bodyPr>
+          <a:lstStyle/>
+          <a:p>
+            <a:r>
+              <a:rPr lang="ko-KR" altLang="en-US" sz="1200" dirty="0"/>
+              <a:t>닉네임</a:t>
+            </a:r>
+          </a:p>
+        </p:txBody>
+      </p:sp>
+      <p:sp>
+        <p:nvSpPr>
+          <p:cNvPr id="27" name="TextBox 26">
+            <a:extLst>
+              <a:ext uri="{FF2B5EF4-FFF2-40B4-BE49-F238E27FC236}">
+                <a16:creationId xmlns:a16="http://schemas.microsoft.com/office/drawing/2014/main" id="{E259A6B5-A49A-C0C6-6538-25F1730E1705}"/>
+              </a:ext>
+            </a:extLst>
+          </p:cNvPr>
+          <p:cNvSpPr txBox="1"/>
+          <p:nvPr/>
+        </p:nvSpPr>
+        <p:spPr>
+          <a:xfrm>
+            <a:off x="5353917" y="2393661"/>
+            <a:ext cx="1592103" cy="253916"/>
+          </a:xfrm>
+          <a:prstGeom prst="rect">
+            <a:avLst/>
+          </a:prstGeom>
+          <a:noFill/>
+        </p:spPr>
+        <p:txBody>
+          <a:bodyPr wrap="none" rtlCol="0">
+            <a:spAutoFit/>
+          </a:bodyPr>
+          <a:lstStyle/>
+          <a:p>
+            <a:r>
+              <a:rPr lang="ko-KR" altLang="en-US" sz="1050" dirty="0">
+                <a:solidFill>
+                  <a:schemeClr val="bg1">
+                    <a:lumMod val="75000"/>
+                  </a:schemeClr>
+                </a:solidFill>
+              </a:rPr>
+              <a:t>닉네임을 입력해주세요</a:t>
+            </a:r>
+          </a:p>
+        </p:txBody>
+      </p:sp>
+      <p:cxnSp>
+        <p:nvCxnSpPr>
+          <p:cNvPr id="28" name="직선 연결선 27">
+            <a:extLst>
+              <a:ext uri="{FF2B5EF4-FFF2-40B4-BE49-F238E27FC236}">
+                <a16:creationId xmlns:a16="http://schemas.microsoft.com/office/drawing/2014/main" id="{39F3FBCD-C1F9-A728-6795-7ECB46803E2A}"/>
+              </a:ext>
+            </a:extLst>
+          </p:cNvPr>
+          <p:cNvCxnSpPr>
+            <a:cxnSpLocks/>
+          </p:cNvCxnSpPr>
+          <p:nvPr/>
+        </p:nvCxnSpPr>
+        <p:spPr>
+          <a:xfrm>
+            <a:off x="4633571" y="4071904"/>
+            <a:ext cx="2995249" cy="0"/>
+          </a:xfrm>
+          <a:prstGeom prst="line">
+            <a:avLst/>
+          </a:prstGeom>
+        </p:spPr>
+        <p:style>
+          <a:lnRef idx="1">
+            <a:schemeClr val="dk1"/>
+          </a:lnRef>
+          <a:fillRef idx="0">
+            <a:schemeClr val="dk1"/>
+          </a:fillRef>
+          <a:effectRef idx="0">
+            <a:schemeClr val="dk1"/>
+          </a:effectRef>
+          <a:fontRef idx="minor">
+            <a:schemeClr val="tx1"/>
+          </a:fontRef>
+        </p:style>
+      </p:cxnSp>
+      <p:sp>
+        <p:nvSpPr>
+          <p:cNvPr id="29" name="TextBox 28">
+            <a:extLst>
+              <a:ext uri="{FF2B5EF4-FFF2-40B4-BE49-F238E27FC236}">
+                <a16:creationId xmlns:a16="http://schemas.microsoft.com/office/drawing/2014/main" id="{B26A5FDD-2958-F811-CE99-6B76B366713F}"/>
+              </a:ext>
+            </a:extLst>
+          </p:cNvPr>
+          <p:cNvSpPr txBox="1"/>
+          <p:nvPr/>
+        </p:nvSpPr>
+        <p:spPr>
+          <a:xfrm>
+            <a:off x="4522735" y="3772420"/>
+            <a:ext cx="800219" cy="276999"/>
+          </a:xfrm>
+          <a:prstGeom prst="rect">
+            <a:avLst/>
+          </a:prstGeom>
+          <a:noFill/>
+        </p:spPr>
+        <p:txBody>
+          <a:bodyPr wrap="none" rtlCol="0">
+            <a:spAutoFit/>
+          </a:bodyPr>
+          <a:lstStyle/>
+          <a:p>
+            <a:r>
+              <a:rPr lang="ko-KR" altLang="en-US" sz="1200" dirty="0"/>
+              <a:t>비밀번호</a:t>
+            </a:r>
+          </a:p>
+        </p:txBody>
+      </p:sp>
+      <p:sp>
+        <p:nvSpPr>
+          <p:cNvPr id="30" name="TextBox 29">
+            <a:extLst>
+              <a:ext uri="{FF2B5EF4-FFF2-40B4-BE49-F238E27FC236}">
+                <a16:creationId xmlns:a16="http://schemas.microsoft.com/office/drawing/2014/main" id="{3B305E8D-2381-9818-5FEF-7D6212022688}"/>
+              </a:ext>
+            </a:extLst>
+          </p:cNvPr>
+          <p:cNvSpPr txBox="1"/>
+          <p:nvPr/>
+        </p:nvSpPr>
+        <p:spPr>
+          <a:xfrm>
+            <a:off x="5353917" y="3783961"/>
+            <a:ext cx="1726755" cy="253916"/>
+          </a:xfrm>
+          <a:prstGeom prst="rect">
+            <a:avLst/>
+          </a:prstGeom>
+          <a:noFill/>
+        </p:spPr>
+        <p:txBody>
+          <a:bodyPr wrap="none" rtlCol="0">
+            <a:spAutoFit/>
+          </a:bodyPr>
+          <a:lstStyle/>
+          <a:p>
+            <a:r>
+              <a:rPr lang="ko-KR" altLang="en-US" sz="1050" dirty="0">
+                <a:solidFill>
+                  <a:schemeClr val="bg1">
+                    <a:lumMod val="75000"/>
+                  </a:schemeClr>
+                </a:solidFill>
+              </a:rPr>
+              <a:t>비밀번호를 입력해주세요</a:t>
+            </a:r>
+          </a:p>
+        </p:txBody>
+      </p:sp>
+      <p:sp>
+        <p:nvSpPr>
+          <p:cNvPr id="31" name="TextBox 30">
+            <a:extLst>
+              <a:ext uri="{FF2B5EF4-FFF2-40B4-BE49-F238E27FC236}">
+                <a16:creationId xmlns:a16="http://schemas.microsoft.com/office/drawing/2014/main" id="{2C58A943-FA6F-8392-029F-BF576623EE40}"/>
+              </a:ext>
+            </a:extLst>
+          </p:cNvPr>
+          <p:cNvSpPr txBox="1"/>
+          <p:nvPr/>
+        </p:nvSpPr>
+        <p:spPr>
+          <a:xfrm>
+            <a:off x="4633571" y="4163043"/>
+            <a:ext cx="2191626" cy="230832"/>
+          </a:xfrm>
+          <a:prstGeom prst="rect">
+            <a:avLst/>
+          </a:prstGeom>
+          <a:noFill/>
+        </p:spPr>
+        <p:txBody>
+          <a:bodyPr wrap="none" rtlCol="0">
+            <a:spAutoFit/>
+          </a:bodyPr>
+          <a:lstStyle/>
+          <a:p>
+            <a:r>
+              <a:rPr lang="en-US" altLang="ko-KR" sz="900" dirty="0">
+                <a:solidFill>
+                  <a:srgbClr val="FF0000"/>
+                </a:solidFill>
+              </a:rPr>
+              <a:t>* </a:t>
+            </a:r>
+            <a:r>
+              <a:rPr lang="ko-KR" altLang="en-US" sz="900" dirty="0">
+                <a:solidFill>
+                  <a:srgbClr val="FF0000"/>
+                </a:solidFill>
+              </a:rPr>
+              <a:t>비밀번호는 </a:t>
+            </a:r>
+            <a:r>
+              <a:rPr lang="en-US" altLang="ko-KR" sz="900" dirty="0">
+                <a:solidFill>
+                  <a:srgbClr val="FF0000"/>
+                </a:solidFill>
+              </a:rPr>
+              <a:t>8~15</a:t>
+            </a:r>
+            <a:r>
+              <a:rPr lang="ko-KR" altLang="en-US" sz="900" dirty="0">
+                <a:solidFill>
+                  <a:srgbClr val="FF0000"/>
+                </a:solidFill>
+              </a:rPr>
+              <a:t>자리로 입력해주세요</a:t>
+            </a:r>
+          </a:p>
+        </p:txBody>
+      </p:sp>
+      <p:sp>
+        <p:nvSpPr>
+          <p:cNvPr id="32" name="TextBox 31">
+            <a:extLst>
+              <a:ext uri="{FF2B5EF4-FFF2-40B4-BE49-F238E27FC236}">
+                <a16:creationId xmlns:a16="http://schemas.microsoft.com/office/drawing/2014/main" id="{0DC6F4EC-1555-867A-6619-C1648D2D4D95}"/>
+              </a:ext>
+            </a:extLst>
+          </p:cNvPr>
+          <p:cNvSpPr txBox="1"/>
+          <p:nvPr/>
+        </p:nvSpPr>
+        <p:spPr>
+          <a:xfrm>
+            <a:off x="4633571" y="3162127"/>
+            <a:ext cx="2730235" cy="369332"/>
+          </a:xfrm>
+          <a:prstGeom prst="rect">
+            <a:avLst/>
+          </a:prstGeom>
+          <a:noFill/>
+        </p:spPr>
+        <p:txBody>
+          <a:bodyPr wrap="none" rtlCol="0">
+            <a:spAutoFit/>
+          </a:bodyPr>
+          <a:lstStyle/>
+          <a:p>
+            <a:r>
+              <a:rPr lang="en-US" altLang="ko-KR" sz="900" dirty="0">
+                <a:solidFill>
+                  <a:srgbClr val="FF0000"/>
+                </a:solidFill>
+              </a:rPr>
+              <a:t>* </a:t>
+            </a:r>
+            <a:r>
+              <a:rPr lang="ko-KR" altLang="en-US" sz="900" dirty="0">
+                <a:solidFill>
+                  <a:srgbClr val="FF0000"/>
+                </a:solidFill>
+              </a:rPr>
+              <a:t>아이디는 특수문자 및 공백을 포함 할 수 없습니다</a:t>
+            </a:r>
+            <a:endParaRPr lang="en-US" altLang="ko-KR" sz="900" dirty="0">
+              <a:solidFill>
+                <a:srgbClr val="FF0000"/>
+              </a:solidFill>
+            </a:endParaRPr>
+          </a:p>
+          <a:p>
+            <a:r>
+              <a:rPr lang="en-US" altLang="ko-KR" sz="900" dirty="0">
+                <a:solidFill>
+                  <a:srgbClr val="FF0000"/>
+                </a:solidFill>
+              </a:rPr>
+              <a:t>* </a:t>
+            </a:r>
+            <a:r>
+              <a:rPr lang="ko-KR" altLang="en-US" sz="900" dirty="0">
+                <a:solidFill>
+                  <a:srgbClr val="FF0000"/>
+                </a:solidFill>
+              </a:rPr>
+              <a:t>아이디는 </a:t>
+            </a:r>
+            <a:r>
+              <a:rPr lang="en-US" altLang="ko-KR" sz="900" dirty="0">
+                <a:solidFill>
+                  <a:srgbClr val="FF0000"/>
+                </a:solidFill>
+              </a:rPr>
+              <a:t>10</a:t>
+            </a:r>
+            <a:r>
+              <a:rPr lang="ko-KR" altLang="en-US" sz="900" dirty="0">
+                <a:solidFill>
+                  <a:srgbClr val="FF0000"/>
+                </a:solidFill>
+              </a:rPr>
+              <a:t>자 이하로 입력해주세요</a:t>
+            </a:r>
+          </a:p>
+        </p:txBody>
+      </p:sp>
+      <p:grpSp>
+        <p:nvGrpSpPr>
+          <p:cNvPr id="39" name="그룹 38">
+            <a:extLst>
+              <a:ext uri="{FF2B5EF4-FFF2-40B4-BE49-F238E27FC236}">
+                <a16:creationId xmlns:a16="http://schemas.microsoft.com/office/drawing/2014/main" id="{B00B5E80-0A2C-AB22-E29D-69D01A47B113}"/>
+              </a:ext>
+            </a:extLst>
+          </p:cNvPr>
+          <p:cNvGrpSpPr/>
+          <p:nvPr/>
+        </p:nvGrpSpPr>
+        <p:grpSpPr>
+          <a:xfrm>
+            <a:off x="6615324" y="3346679"/>
+            <a:ext cx="335348" cy="230832"/>
+            <a:chOff x="3382027" y="2856232"/>
+            <a:chExt cx="335348" cy="230832"/>
+          </a:xfrm>
+        </p:grpSpPr>
+        <p:sp>
+          <p:nvSpPr>
+            <p:cNvPr id="40" name="타원 39">
+              <a:extLst>
+                <a:ext uri="{FF2B5EF4-FFF2-40B4-BE49-F238E27FC236}">
+                  <a16:creationId xmlns:a16="http://schemas.microsoft.com/office/drawing/2014/main" id="{EEE52723-D59D-D6B9-F83F-4DBA72C4B9A3}"/>
+                </a:ext>
+              </a:extLst>
+            </p:cNvPr>
+            <p:cNvSpPr/>
+            <p:nvPr/>
+          </p:nvSpPr>
+          <p:spPr>
+            <a:xfrm>
+              <a:off x="3447155" y="2871896"/>
+              <a:ext cx="199505" cy="199505"/>
+            </a:xfrm>
+            <a:prstGeom prst="ellipse">
+              <a:avLst/>
+            </a:prstGeom>
+            <a:solidFill>
+              <a:srgbClr val="FF0000"/>
+            </a:solidFill>
+            <a:ln w="3175">
+              <a:noFill/>
+            </a:ln>
+          </p:spPr>
+          <p:style>
+            <a:lnRef idx="1">
+              <a:schemeClr val="accent1"/>
+            </a:lnRef>
+            <a:fillRef idx="0">
+              <a:schemeClr val="accent1"/>
+            </a:fillRef>
+            <a:effectRef idx="0">
+              <a:schemeClr val="accent1"/>
+            </a:effectRef>
+            <a:fontRef idx="minor">
+              <a:schemeClr val="tx1"/>
+            </a:fontRef>
+          </p:style>
+          <p:txBody>
+            <a:bodyPr rtlCol="0" anchor="ctr"/>
+            <a:lstStyle/>
+            <a:p>
+              <a:pPr algn="ctr"/>
+              <a:endParaRPr lang="ko-KR" altLang="en-US" sz="1100" dirty="0">
+                <a:solidFill>
+                  <a:schemeClr val="bg1"/>
+                </a:solidFill>
+                <a:latin typeface="Noto Sans CJK KR Bold" panose="020B0800000000000000" pitchFamily="34" charset="-127"/>
+                <a:ea typeface="Noto Sans CJK KR Bold" panose="020B0800000000000000" pitchFamily="34" charset="-127"/>
+              </a:endParaRPr>
+            </a:p>
+          </p:txBody>
+        </p:sp>
+        <p:sp>
+          <p:nvSpPr>
+            <p:cNvPr id="41" name="TextBox 40">
+              <a:extLst>
+                <a:ext uri="{FF2B5EF4-FFF2-40B4-BE49-F238E27FC236}">
+                  <a16:creationId xmlns:a16="http://schemas.microsoft.com/office/drawing/2014/main" id="{FC95FA18-1BBF-9251-0A8B-178CE7A4F126}"/>
+                </a:ext>
+              </a:extLst>
+            </p:cNvPr>
+            <p:cNvSpPr txBox="1"/>
+            <p:nvPr/>
+          </p:nvSpPr>
+          <p:spPr>
+            <a:xfrm>
+              <a:off x="3382027" y="2856232"/>
+              <a:ext cx="335348" cy="230832"/>
+            </a:xfrm>
+            <a:prstGeom prst="rect">
+              <a:avLst/>
+            </a:prstGeom>
+            <a:noFill/>
+          </p:spPr>
+          <p:txBody>
+            <a:bodyPr wrap="none" rtlCol="0">
+              <a:spAutoFit/>
+            </a:bodyPr>
+            <a:lstStyle/>
+            <a:p>
+              <a:r>
+                <a:rPr lang="en-US" altLang="ko-KR" sz="900" dirty="0">
+                  <a:solidFill>
+                    <a:schemeClr val="bg1"/>
+                  </a:solidFill>
+                </a:rPr>
+                <a:t>1-5</a:t>
+              </a:r>
+            </a:p>
+          </p:txBody>
+        </p:sp>
+      </p:grpSp>
+      <p:grpSp>
+        <p:nvGrpSpPr>
+          <p:cNvPr id="45" name="그룹 44">
+            <a:extLst>
+              <a:ext uri="{FF2B5EF4-FFF2-40B4-BE49-F238E27FC236}">
+                <a16:creationId xmlns:a16="http://schemas.microsoft.com/office/drawing/2014/main" id="{F6783637-A565-8700-6B3F-EF933C5CCAEA}"/>
+              </a:ext>
+            </a:extLst>
+          </p:cNvPr>
+          <p:cNvGrpSpPr/>
+          <p:nvPr/>
+        </p:nvGrpSpPr>
+        <p:grpSpPr>
+          <a:xfrm>
+            <a:off x="7070902" y="2820333"/>
+            <a:ext cx="824163" cy="200055"/>
+            <a:chOff x="4465334" y="3383128"/>
+            <a:chExt cx="824163" cy="200055"/>
+          </a:xfrm>
+        </p:grpSpPr>
+        <p:sp>
+          <p:nvSpPr>
+            <p:cNvPr id="42" name="사각형: 둥근 모서리 21">
+              <a:extLst>
+                <a:ext uri="{FF2B5EF4-FFF2-40B4-BE49-F238E27FC236}">
+                  <a16:creationId xmlns:a16="http://schemas.microsoft.com/office/drawing/2014/main" id="{EAA2E858-B542-9603-2B0D-C5F089E55945}"/>
+                </a:ext>
+              </a:extLst>
+            </p:cNvPr>
+            <p:cNvSpPr/>
+            <p:nvPr/>
+          </p:nvSpPr>
+          <p:spPr>
+            <a:xfrm>
+              <a:off x="4465334" y="3391252"/>
+              <a:ext cx="578772" cy="174140"/>
+            </a:xfrm>
+            <a:prstGeom prst="roundRect">
+              <a:avLst>
+                <a:gd name="adj" fmla="val 50000"/>
+              </a:avLst>
+            </a:prstGeom>
+          </p:spPr>
+          <p:style>
+            <a:lnRef idx="2">
+              <a:schemeClr val="dk1">
+                <a:shade val="50000"/>
+              </a:schemeClr>
+            </a:lnRef>
+            <a:fillRef idx="1">
+              <a:schemeClr val="dk1"/>
+            </a:fillRef>
+            <a:effectRef idx="0">
+              <a:schemeClr val="dk1"/>
+            </a:effectRef>
+            <a:fontRef idx="minor">
+              <a:schemeClr val="lt1"/>
+            </a:fontRef>
+          </p:style>
+          <p:txBody>
+            <a:bodyPr rtlCol="0" anchor="ctr"/>
+            <a:lstStyle/>
+            <a:p>
+              <a:pPr algn="ctr"/>
+              <a:endParaRPr lang="ko-KR" altLang="en-US"/>
+            </a:p>
+          </p:txBody>
+        </p:sp>
+        <p:sp>
+          <p:nvSpPr>
+            <p:cNvPr id="43" name="TextBox 42">
+              <a:extLst>
+                <a:ext uri="{FF2B5EF4-FFF2-40B4-BE49-F238E27FC236}">
+                  <a16:creationId xmlns:a16="http://schemas.microsoft.com/office/drawing/2014/main" id="{3C21CA9C-006A-34D6-3A41-43ACC6F03E51}"/>
+                </a:ext>
+              </a:extLst>
+            </p:cNvPr>
+            <p:cNvSpPr txBox="1"/>
+            <p:nvPr/>
+          </p:nvSpPr>
+          <p:spPr>
+            <a:xfrm>
+              <a:off x="4489278" y="3383128"/>
+              <a:ext cx="800219" cy="200055"/>
+            </a:xfrm>
+            <a:prstGeom prst="rect">
+              <a:avLst/>
+            </a:prstGeom>
+            <a:noFill/>
+          </p:spPr>
+          <p:txBody>
+            <a:bodyPr wrap="square" rtlCol="0">
+              <a:spAutoFit/>
+            </a:bodyPr>
+            <a:lstStyle/>
+            <a:p>
+              <a:r>
+                <a:rPr lang="ko-KR" altLang="en-US" sz="700" dirty="0">
+                  <a:solidFill>
+                    <a:schemeClr val="bg1"/>
+                  </a:solidFill>
+                </a:rPr>
+                <a:t>중복확인</a:t>
+              </a:r>
+            </a:p>
+          </p:txBody>
+        </p:sp>
+      </p:grpSp>
+      <p:sp>
+        <p:nvSpPr>
+          <p:cNvPr id="64" name="TextBox 63">
+            <a:extLst>
+              <a:ext uri="{FF2B5EF4-FFF2-40B4-BE49-F238E27FC236}">
+                <a16:creationId xmlns:a16="http://schemas.microsoft.com/office/drawing/2014/main" id="{65A5C828-8D06-5479-0395-7719AEA8EE38}"/>
+              </a:ext>
+            </a:extLst>
+          </p:cNvPr>
+          <p:cNvSpPr txBox="1"/>
+          <p:nvPr/>
+        </p:nvSpPr>
+        <p:spPr>
+          <a:xfrm>
+            <a:off x="4502737" y="1625927"/>
+            <a:ext cx="2108269" cy="369332"/>
+          </a:xfrm>
+          <a:prstGeom prst="rect">
+            <a:avLst/>
+          </a:prstGeom>
+          <a:noFill/>
+        </p:spPr>
+        <p:txBody>
+          <a:bodyPr wrap="none" rtlCol="0">
+            <a:spAutoFit/>
+          </a:bodyPr>
+          <a:lstStyle/>
+          <a:p>
+            <a:r>
+              <a:rPr lang="ko-KR" altLang="en-US" sz="900" dirty="0"/>
+              <a:t>아이디는 </a:t>
+            </a:r>
+            <a:r>
+              <a:rPr lang="en-US" altLang="ko-KR" sz="900" dirty="0"/>
+              <a:t>10</a:t>
+            </a:r>
+            <a:r>
+              <a:rPr lang="ko-KR" altLang="en-US" sz="900" dirty="0"/>
+              <a:t>자 이하로 입력해주세요</a:t>
+            </a:r>
+            <a:endParaRPr lang="en-US" altLang="ko-KR" sz="900" dirty="0"/>
+          </a:p>
+          <a:p>
+            <a:r>
+              <a:rPr lang="ko-KR" altLang="en-US" sz="900" dirty="0"/>
+              <a:t>비밀번호는 </a:t>
+            </a:r>
+            <a:r>
+              <a:rPr lang="en-US" altLang="ko-KR" sz="900" dirty="0"/>
+              <a:t>8~15</a:t>
+            </a:r>
+            <a:r>
+              <a:rPr lang="ko-KR" altLang="en-US" sz="900" dirty="0"/>
+              <a:t>자리로 입력해주세요</a:t>
+            </a:r>
+          </a:p>
+        </p:txBody>
+      </p:sp>
+      <p:sp>
+        <p:nvSpPr>
+          <p:cNvPr id="65" name="직사각형 64">
+            <a:extLst>
+              <a:ext uri="{FF2B5EF4-FFF2-40B4-BE49-F238E27FC236}">
+                <a16:creationId xmlns:a16="http://schemas.microsoft.com/office/drawing/2014/main" id="{F104DB28-E820-53DB-AAC1-6B258797CFD4}"/>
+              </a:ext>
+            </a:extLst>
+          </p:cNvPr>
+          <p:cNvSpPr/>
+          <p:nvPr/>
+        </p:nvSpPr>
+        <p:spPr>
+          <a:xfrm>
+            <a:off x="773336" y="630335"/>
+            <a:ext cx="3351392" cy="5805376"/>
+          </a:xfrm>
+          <a:prstGeom prst="rect">
+            <a:avLst/>
+          </a:prstGeom>
+          <a:solidFill>
+            <a:schemeClr val="bg1"/>
+          </a:solidFill>
+          <a:ln w="3175">
+            <a:solidFill>
+              <a:schemeClr val="bg1">
+                <a:lumMod val="85000"/>
+              </a:schemeClr>
+            </a:solidFill>
+          </a:ln>
+          <a:effectLst/>
+        </p:spPr>
+        <p:style>
+          <a:lnRef idx="1">
+            <a:schemeClr val="accent1"/>
+          </a:lnRef>
+          <a:fillRef idx="0">
+            <a:schemeClr val="accent1"/>
+          </a:fillRef>
+          <a:effectRef idx="0">
+            <a:schemeClr val="accent1"/>
+          </a:effectRef>
+          <a:fontRef idx="minor">
+            <a:schemeClr val="tx1"/>
+          </a:fontRef>
+        </p:style>
+        <p:txBody>
+          <a:bodyPr rot="0" spcFirstLastPara="0" vertOverflow="overflow" horzOverflow="overflow" vert="horz" wrap="square" lIns="91440" tIns="45720" rIns="91440" bIns="45720" numCol="1" spcCol="0" rtlCol="0" fromWordArt="0" anchor="ctr" anchorCtr="0" forceAA="0" compatLnSpc="1">
+            <a:prstTxWarp prst="textNoShape">
+              <a:avLst/>
+            </a:prstTxWarp>
+            <a:noAutofit/>
+          </a:bodyPr>
+          <a:lstStyle/>
+          <a:p>
+            <a:pPr algn="ctr"/>
+            <a:endParaRPr lang="ko-KR" altLang="en-US" sz="1000"/>
+          </a:p>
+        </p:txBody>
+      </p:sp>
+      <p:pic>
+        <p:nvPicPr>
+          <p:cNvPr id="66" name="그림 65">
+            <a:extLst>
+              <a:ext uri="{FF2B5EF4-FFF2-40B4-BE49-F238E27FC236}">
+                <a16:creationId xmlns:a16="http://schemas.microsoft.com/office/drawing/2014/main" id="{B2A7C6DF-EE0C-0715-EC72-13864F6789CE}"/>
+              </a:ext>
+            </a:extLst>
+          </p:cNvPr>
+          <p:cNvPicPr>
+            <a:picLocks noChangeAspect="1"/>
+          </p:cNvPicPr>
+          <p:nvPr/>
+        </p:nvPicPr>
+        <p:blipFill>
+          <a:blip r:embed="rId2"/>
+          <a:stretch>
+            <a:fillRect/>
+          </a:stretch>
+        </p:blipFill>
+        <p:spPr>
+          <a:xfrm>
+            <a:off x="2190006" y="773226"/>
+            <a:ext cx="586570" cy="347965"/>
+          </a:xfrm>
+          <a:prstGeom prst="rect">
+            <a:avLst/>
+          </a:prstGeom>
+        </p:spPr>
+      </p:pic>
+      <p:cxnSp>
+        <p:nvCxnSpPr>
+          <p:cNvPr id="67" name="직선 연결선 14">
+            <a:extLst>
+              <a:ext uri="{FF2B5EF4-FFF2-40B4-BE49-F238E27FC236}">
+                <a16:creationId xmlns:a16="http://schemas.microsoft.com/office/drawing/2014/main" id="{8FC0CBCC-E47B-1AB7-F546-24C3B4F267F8}"/>
+              </a:ext>
+            </a:extLst>
+          </p:cNvPr>
+          <p:cNvCxnSpPr>
+            <a:cxnSpLocks/>
+          </p:cNvCxnSpPr>
+          <p:nvPr/>
+        </p:nvCxnSpPr>
+        <p:spPr>
+          <a:xfrm>
+            <a:off x="986603" y="3104014"/>
+            <a:ext cx="2995249" cy="0"/>
+          </a:xfrm>
+          <a:prstGeom prst="line">
+            <a:avLst/>
+          </a:prstGeom>
+        </p:spPr>
+        <p:style>
+          <a:lnRef idx="1">
+            <a:schemeClr val="dk1"/>
+          </a:lnRef>
+          <a:fillRef idx="0">
+            <a:schemeClr val="dk1"/>
+          </a:fillRef>
+          <a:effectRef idx="0">
+            <a:schemeClr val="dk1"/>
+          </a:effectRef>
+          <a:fontRef idx="minor">
+            <a:schemeClr val="tx1"/>
+          </a:fontRef>
+        </p:style>
+      </p:cxnSp>
+      <p:sp>
+        <p:nvSpPr>
+          <p:cNvPr id="68" name="TextBox 67">
+            <a:extLst>
+              <a:ext uri="{FF2B5EF4-FFF2-40B4-BE49-F238E27FC236}">
+                <a16:creationId xmlns:a16="http://schemas.microsoft.com/office/drawing/2014/main" id="{4FF014AF-0064-FBE1-54BD-067543EFCE5E}"/>
+              </a:ext>
+            </a:extLst>
+          </p:cNvPr>
+          <p:cNvSpPr txBox="1"/>
+          <p:nvPr/>
+        </p:nvSpPr>
+        <p:spPr>
+          <a:xfrm>
+            <a:off x="875767" y="2804530"/>
+            <a:ext cx="646331" cy="276999"/>
+          </a:xfrm>
+          <a:prstGeom prst="rect">
+            <a:avLst/>
+          </a:prstGeom>
+          <a:noFill/>
+        </p:spPr>
+        <p:txBody>
+          <a:bodyPr wrap="none" rtlCol="0">
+            <a:spAutoFit/>
+          </a:bodyPr>
+          <a:lstStyle/>
+          <a:p>
+            <a:r>
+              <a:rPr lang="ko-KR" altLang="en-US" sz="1200" dirty="0"/>
+              <a:t>아이디</a:t>
+            </a:r>
+          </a:p>
+        </p:txBody>
+      </p:sp>
+      <p:sp>
+        <p:nvSpPr>
+          <p:cNvPr id="69" name="TextBox 68">
+            <a:extLst>
+              <a:ext uri="{FF2B5EF4-FFF2-40B4-BE49-F238E27FC236}">
+                <a16:creationId xmlns:a16="http://schemas.microsoft.com/office/drawing/2014/main" id="{6A5FF591-DFCA-382F-F94D-6107E82BAB4D}"/>
+              </a:ext>
+            </a:extLst>
+          </p:cNvPr>
+          <p:cNvSpPr txBox="1"/>
+          <p:nvPr/>
+        </p:nvSpPr>
+        <p:spPr>
+          <a:xfrm>
+            <a:off x="1706949" y="2816071"/>
+            <a:ext cx="1592103" cy="253916"/>
+          </a:xfrm>
+          <a:prstGeom prst="rect">
+            <a:avLst/>
+          </a:prstGeom>
+          <a:noFill/>
+        </p:spPr>
+        <p:txBody>
+          <a:bodyPr wrap="none" rtlCol="0">
+            <a:spAutoFit/>
+          </a:bodyPr>
+          <a:lstStyle/>
+          <a:p>
+            <a:r>
+              <a:rPr lang="ko-KR" altLang="en-US" sz="1050" dirty="0">
+                <a:solidFill>
+                  <a:schemeClr val="bg1">
+                    <a:lumMod val="75000"/>
+                  </a:schemeClr>
+                </a:solidFill>
+              </a:rPr>
+              <a:t>아이디를 입력해주세요</a:t>
+            </a:r>
+          </a:p>
+        </p:txBody>
+      </p:sp>
+      <p:sp>
+        <p:nvSpPr>
+          <p:cNvPr id="70" name="사각형: 둥근 모서리 21">
+            <a:extLst>
+              <a:ext uri="{FF2B5EF4-FFF2-40B4-BE49-F238E27FC236}">
+                <a16:creationId xmlns:a16="http://schemas.microsoft.com/office/drawing/2014/main" id="{FB2591CE-E654-4834-B515-92331A3A61C0}"/>
+              </a:ext>
+            </a:extLst>
+          </p:cNvPr>
+          <p:cNvSpPr/>
+          <p:nvPr/>
+        </p:nvSpPr>
+        <p:spPr>
+          <a:xfrm>
+            <a:off x="1266604" y="5080427"/>
+            <a:ext cx="2314303" cy="352527"/>
+          </a:xfrm>
+          <a:prstGeom prst="roundRect">
+            <a:avLst>
+              <a:gd name="adj" fmla="val 50000"/>
+            </a:avLst>
+          </a:prstGeom>
+        </p:spPr>
+        <p:style>
+          <a:lnRef idx="2">
+            <a:schemeClr val="dk1">
+              <a:shade val="50000"/>
+            </a:schemeClr>
+          </a:lnRef>
+          <a:fillRef idx="1">
+            <a:schemeClr val="dk1"/>
+          </a:fillRef>
+          <a:effectRef idx="0">
+            <a:schemeClr val="dk1"/>
+          </a:effectRef>
+          <a:fontRef idx="minor">
+            <a:schemeClr val="lt1"/>
+          </a:fontRef>
+        </p:style>
+        <p:txBody>
+          <a:bodyPr rtlCol="0" anchor="ctr"/>
+          <a:lstStyle/>
+          <a:p>
+            <a:pPr algn="ctr"/>
+            <a:endParaRPr lang="ko-KR" altLang="en-US"/>
+          </a:p>
+        </p:txBody>
+      </p:sp>
+      <p:sp>
+        <p:nvSpPr>
+          <p:cNvPr id="71" name="TextBox 70">
+            <a:extLst>
+              <a:ext uri="{FF2B5EF4-FFF2-40B4-BE49-F238E27FC236}">
+                <a16:creationId xmlns:a16="http://schemas.microsoft.com/office/drawing/2014/main" id="{0D147358-5997-812D-656B-17B598CAD3B0}"/>
+              </a:ext>
+            </a:extLst>
+          </p:cNvPr>
+          <p:cNvSpPr txBox="1"/>
+          <p:nvPr/>
+        </p:nvSpPr>
+        <p:spPr>
+          <a:xfrm>
+            <a:off x="2157221" y="5102913"/>
+            <a:ext cx="670376" cy="276999"/>
+          </a:xfrm>
+          <a:prstGeom prst="rect">
+            <a:avLst/>
+          </a:prstGeom>
+          <a:noFill/>
+        </p:spPr>
+        <p:txBody>
+          <a:bodyPr wrap="none" rtlCol="0">
+            <a:spAutoFit/>
+          </a:bodyPr>
+          <a:lstStyle/>
+          <a:p>
+            <a:r>
+              <a:rPr lang="en-US" altLang="ko-KR" sz="1200" dirty="0">
+                <a:solidFill>
+                  <a:schemeClr val="bg1"/>
+                </a:solidFill>
+              </a:rPr>
+              <a:t>SIGNUP</a:t>
+            </a:r>
+            <a:endParaRPr lang="ko-KR" altLang="en-US" sz="1200" dirty="0">
+              <a:solidFill>
+                <a:schemeClr val="bg1"/>
+              </a:solidFill>
+            </a:endParaRPr>
+          </a:p>
+        </p:txBody>
+      </p:sp>
+      <p:sp>
+        <p:nvSpPr>
+          <p:cNvPr id="72" name="타원 71">
+            <a:extLst>
+              <a:ext uri="{FF2B5EF4-FFF2-40B4-BE49-F238E27FC236}">
+                <a16:creationId xmlns:a16="http://schemas.microsoft.com/office/drawing/2014/main" id="{C2EEA6C7-D77D-5E45-4188-40BB44A7D3FB}"/>
+              </a:ext>
+            </a:extLst>
+          </p:cNvPr>
+          <p:cNvSpPr/>
+          <p:nvPr/>
+        </p:nvSpPr>
+        <p:spPr>
+          <a:xfrm>
+            <a:off x="1607196" y="1325522"/>
+            <a:ext cx="199505" cy="199505"/>
+          </a:xfrm>
+          <a:prstGeom prst="ellipse">
+            <a:avLst/>
+          </a:prstGeom>
+          <a:solidFill>
+            <a:srgbClr val="FF0000"/>
+          </a:solidFill>
+          <a:ln w="3175">
+            <a:noFill/>
+          </a:ln>
+        </p:spPr>
+        <p:style>
+          <a:lnRef idx="1">
+            <a:schemeClr val="accent1"/>
+          </a:lnRef>
+          <a:fillRef idx="0">
+            <a:schemeClr val="accent1"/>
+          </a:fillRef>
+          <a:effectRef idx="0">
+            <a:schemeClr val="accent1"/>
+          </a:effectRef>
+          <a:fontRef idx="minor">
+            <a:schemeClr val="tx1"/>
+          </a:fontRef>
+        </p:style>
+        <p:txBody>
+          <a:bodyPr rtlCol="0" anchor="ctr"/>
+          <a:lstStyle/>
+          <a:p>
+            <a:pPr algn="ctr"/>
+            <a:r>
+              <a:rPr lang="en-US" altLang="ko-KR" sz="1200" dirty="0">
+                <a:solidFill>
+                  <a:schemeClr val="bg1"/>
+                </a:solidFill>
+                <a:latin typeface="Noto Sans CJK KR Bold" panose="020B0800000000000000" pitchFamily="34" charset="-127"/>
+                <a:ea typeface="Noto Sans CJK KR Bold" panose="020B0800000000000000" pitchFamily="34" charset="-127"/>
+              </a:rPr>
+              <a:t>1</a:t>
+            </a:r>
+            <a:endParaRPr lang="ko-KR" altLang="en-US" sz="1200" dirty="0">
+              <a:solidFill>
+                <a:schemeClr val="bg1"/>
+              </a:solidFill>
+              <a:latin typeface="Noto Sans CJK KR Bold" panose="020B0800000000000000" pitchFamily="34" charset="-127"/>
+              <a:ea typeface="Noto Sans CJK KR Bold" panose="020B0800000000000000" pitchFamily="34" charset="-127"/>
+            </a:endParaRPr>
+          </a:p>
+        </p:txBody>
+      </p:sp>
+      <p:sp>
+        <p:nvSpPr>
+          <p:cNvPr id="74" name="TextBox 73">
+            <a:extLst>
+              <a:ext uri="{FF2B5EF4-FFF2-40B4-BE49-F238E27FC236}">
+                <a16:creationId xmlns:a16="http://schemas.microsoft.com/office/drawing/2014/main" id="{BDA6040C-6AD4-1F50-6C68-CD5B2181F248}"/>
+              </a:ext>
+            </a:extLst>
+          </p:cNvPr>
+          <p:cNvSpPr txBox="1"/>
+          <p:nvPr/>
+        </p:nvSpPr>
+        <p:spPr>
+          <a:xfrm>
+            <a:off x="875767" y="1322390"/>
+            <a:ext cx="800219" cy="276999"/>
+          </a:xfrm>
+          <a:prstGeom prst="rect">
+            <a:avLst/>
+          </a:prstGeom>
+          <a:noFill/>
+        </p:spPr>
+        <p:txBody>
+          <a:bodyPr wrap="none" rtlCol="0">
+            <a:spAutoFit/>
+          </a:bodyPr>
+          <a:lstStyle/>
+          <a:p>
+            <a:r>
+              <a:rPr lang="ko-KR" altLang="en-US" sz="1200" b="1" dirty="0"/>
+              <a:t>회원가입</a:t>
+            </a:r>
+          </a:p>
+        </p:txBody>
+      </p:sp>
+      <p:cxnSp>
+        <p:nvCxnSpPr>
+          <p:cNvPr id="75" name="직선 연결선 24">
+            <a:extLst>
+              <a:ext uri="{FF2B5EF4-FFF2-40B4-BE49-F238E27FC236}">
+                <a16:creationId xmlns:a16="http://schemas.microsoft.com/office/drawing/2014/main" id="{64FB6B42-946A-0FBA-597A-C98212362C2E}"/>
+              </a:ext>
+            </a:extLst>
+          </p:cNvPr>
+          <p:cNvCxnSpPr>
+            <a:cxnSpLocks/>
+          </p:cNvCxnSpPr>
+          <p:nvPr/>
+        </p:nvCxnSpPr>
+        <p:spPr>
+          <a:xfrm>
+            <a:off x="986603" y="2681604"/>
+            <a:ext cx="2995249" cy="0"/>
+          </a:xfrm>
+          <a:prstGeom prst="line">
+            <a:avLst/>
+          </a:prstGeom>
+        </p:spPr>
+        <p:style>
+          <a:lnRef idx="1">
+            <a:schemeClr val="dk1"/>
+          </a:lnRef>
+          <a:fillRef idx="0">
+            <a:schemeClr val="dk1"/>
+          </a:fillRef>
+          <a:effectRef idx="0">
+            <a:schemeClr val="dk1"/>
+          </a:effectRef>
+          <a:fontRef idx="minor">
+            <a:schemeClr val="tx1"/>
+          </a:fontRef>
+        </p:style>
+      </p:cxnSp>
+      <p:sp>
+        <p:nvSpPr>
+          <p:cNvPr id="76" name="TextBox 75">
+            <a:extLst>
+              <a:ext uri="{FF2B5EF4-FFF2-40B4-BE49-F238E27FC236}">
+                <a16:creationId xmlns:a16="http://schemas.microsoft.com/office/drawing/2014/main" id="{858AC02E-568B-A92E-C994-675D3D3C0440}"/>
+              </a:ext>
+            </a:extLst>
+          </p:cNvPr>
+          <p:cNvSpPr txBox="1"/>
+          <p:nvPr/>
+        </p:nvSpPr>
+        <p:spPr>
+          <a:xfrm>
+            <a:off x="875767" y="2382120"/>
+            <a:ext cx="646331" cy="276999"/>
+          </a:xfrm>
+          <a:prstGeom prst="rect">
+            <a:avLst/>
+          </a:prstGeom>
+          <a:noFill/>
+        </p:spPr>
+        <p:txBody>
+          <a:bodyPr wrap="none" rtlCol="0">
+            <a:spAutoFit/>
+          </a:bodyPr>
+          <a:lstStyle/>
+          <a:p>
+            <a:r>
+              <a:rPr lang="ko-KR" altLang="en-US" sz="1200" dirty="0"/>
+              <a:t>닉네임</a:t>
+            </a:r>
+          </a:p>
+        </p:txBody>
+      </p:sp>
+      <p:sp>
+        <p:nvSpPr>
+          <p:cNvPr id="77" name="TextBox 76">
+            <a:extLst>
+              <a:ext uri="{FF2B5EF4-FFF2-40B4-BE49-F238E27FC236}">
+                <a16:creationId xmlns:a16="http://schemas.microsoft.com/office/drawing/2014/main" id="{0AA74BC4-9213-132D-0244-0443B35D6DF9}"/>
+              </a:ext>
+            </a:extLst>
+          </p:cNvPr>
+          <p:cNvSpPr txBox="1"/>
+          <p:nvPr/>
+        </p:nvSpPr>
+        <p:spPr>
+          <a:xfrm>
+            <a:off x="1706949" y="2393661"/>
+            <a:ext cx="1592103" cy="253916"/>
+          </a:xfrm>
+          <a:prstGeom prst="rect">
+            <a:avLst/>
+          </a:prstGeom>
+          <a:noFill/>
+        </p:spPr>
+        <p:txBody>
+          <a:bodyPr wrap="none" rtlCol="0">
+            <a:spAutoFit/>
+          </a:bodyPr>
+          <a:lstStyle/>
+          <a:p>
+            <a:r>
+              <a:rPr lang="ko-KR" altLang="en-US" sz="1050" dirty="0">
+                <a:solidFill>
+                  <a:schemeClr val="bg1">
+                    <a:lumMod val="75000"/>
+                  </a:schemeClr>
+                </a:solidFill>
+              </a:rPr>
+              <a:t>닉네임을 입력해주세요</a:t>
+            </a:r>
+          </a:p>
+        </p:txBody>
+      </p:sp>
+      <p:cxnSp>
+        <p:nvCxnSpPr>
+          <p:cNvPr id="78" name="직선 연결선 27">
+            <a:extLst>
+              <a:ext uri="{FF2B5EF4-FFF2-40B4-BE49-F238E27FC236}">
+                <a16:creationId xmlns:a16="http://schemas.microsoft.com/office/drawing/2014/main" id="{40C16952-1E8B-5227-0F6A-BF0C5584FB1D}"/>
+              </a:ext>
+            </a:extLst>
+          </p:cNvPr>
+          <p:cNvCxnSpPr>
+            <a:cxnSpLocks/>
+          </p:cNvCxnSpPr>
+          <p:nvPr/>
+        </p:nvCxnSpPr>
+        <p:spPr>
+          <a:xfrm>
+            <a:off x="986603" y="3529115"/>
+            <a:ext cx="2995249" cy="0"/>
+          </a:xfrm>
+          <a:prstGeom prst="line">
+            <a:avLst/>
+          </a:prstGeom>
+        </p:spPr>
+        <p:style>
+          <a:lnRef idx="1">
+            <a:schemeClr val="dk1"/>
+          </a:lnRef>
+          <a:fillRef idx="0">
+            <a:schemeClr val="dk1"/>
+          </a:fillRef>
+          <a:effectRef idx="0">
+            <a:schemeClr val="dk1"/>
+          </a:effectRef>
+          <a:fontRef idx="minor">
+            <a:schemeClr val="tx1"/>
+          </a:fontRef>
+        </p:style>
+      </p:cxnSp>
+      <p:sp>
+        <p:nvSpPr>
+          <p:cNvPr id="79" name="TextBox 78">
+            <a:extLst>
+              <a:ext uri="{FF2B5EF4-FFF2-40B4-BE49-F238E27FC236}">
+                <a16:creationId xmlns:a16="http://schemas.microsoft.com/office/drawing/2014/main" id="{E30A714C-E991-6F43-8F73-D205ADAC6955}"/>
+              </a:ext>
+            </a:extLst>
+          </p:cNvPr>
+          <p:cNvSpPr txBox="1"/>
+          <p:nvPr/>
+        </p:nvSpPr>
+        <p:spPr>
+          <a:xfrm>
+            <a:off x="875767" y="3229631"/>
+            <a:ext cx="800219" cy="276999"/>
+          </a:xfrm>
+          <a:prstGeom prst="rect">
+            <a:avLst/>
+          </a:prstGeom>
+          <a:noFill/>
+        </p:spPr>
+        <p:txBody>
+          <a:bodyPr wrap="none" rtlCol="0">
+            <a:spAutoFit/>
+          </a:bodyPr>
+          <a:lstStyle/>
+          <a:p>
+            <a:r>
+              <a:rPr lang="ko-KR" altLang="en-US" sz="1200" dirty="0"/>
+              <a:t>비밀번호</a:t>
+            </a:r>
+          </a:p>
+        </p:txBody>
+      </p:sp>
+      <p:sp>
+        <p:nvSpPr>
+          <p:cNvPr id="80" name="TextBox 79">
+            <a:extLst>
+              <a:ext uri="{FF2B5EF4-FFF2-40B4-BE49-F238E27FC236}">
+                <a16:creationId xmlns:a16="http://schemas.microsoft.com/office/drawing/2014/main" id="{72816ACB-1F1C-BD91-4544-1E44498424F4}"/>
+              </a:ext>
+            </a:extLst>
+          </p:cNvPr>
+          <p:cNvSpPr txBox="1"/>
+          <p:nvPr/>
+        </p:nvSpPr>
+        <p:spPr>
+          <a:xfrm>
+            <a:off x="1706949" y="3241172"/>
+            <a:ext cx="1726755" cy="253916"/>
+          </a:xfrm>
+          <a:prstGeom prst="rect">
+            <a:avLst/>
+          </a:prstGeom>
+          <a:noFill/>
+        </p:spPr>
+        <p:txBody>
+          <a:bodyPr wrap="none" rtlCol="0">
+            <a:spAutoFit/>
+          </a:bodyPr>
+          <a:lstStyle/>
+          <a:p>
+            <a:r>
+              <a:rPr lang="ko-KR" altLang="en-US" sz="1050" dirty="0">
+                <a:solidFill>
+                  <a:schemeClr val="bg1">
+                    <a:lumMod val="75000"/>
+                  </a:schemeClr>
+                </a:solidFill>
+              </a:rPr>
+              <a:t>비밀번호를 입력해주세요</a:t>
+            </a:r>
+          </a:p>
+        </p:txBody>
+      </p:sp>
+      <p:sp>
+        <p:nvSpPr>
+          <p:cNvPr id="83" name="타원 82">
+            <a:extLst>
+              <a:ext uri="{FF2B5EF4-FFF2-40B4-BE49-F238E27FC236}">
+                <a16:creationId xmlns:a16="http://schemas.microsoft.com/office/drawing/2014/main" id="{0D796457-6468-AC4A-1165-009F09BFBA2B}"/>
+              </a:ext>
+            </a:extLst>
+          </p:cNvPr>
+          <p:cNvSpPr/>
+          <p:nvPr/>
+        </p:nvSpPr>
+        <p:spPr>
+          <a:xfrm>
+            <a:off x="3720476" y="5131012"/>
+            <a:ext cx="199505" cy="199505"/>
+          </a:xfrm>
+          <a:prstGeom prst="ellipse">
+            <a:avLst/>
+          </a:prstGeom>
+          <a:solidFill>
+            <a:srgbClr val="FF0000"/>
+          </a:solidFill>
+          <a:ln w="3175">
+            <a:noFill/>
+          </a:ln>
+        </p:spPr>
+        <p:style>
+          <a:lnRef idx="1">
+            <a:schemeClr val="accent1"/>
+          </a:lnRef>
+          <a:fillRef idx="0">
+            <a:schemeClr val="accent1"/>
+          </a:fillRef>
+          <a:effectRef idx="0">
+            <a:schemeClr val="accent1"/>
+          </a:effectRef>
+          <a:fontRef idx="minor">
+            <a:schemeClr val="tx1"/>
+          </a:fontRef>
+        </p:style>
+        <p:txBody>
+          <a:bodyPr rtlCol="0" anchor="ctr"/>
+          <a:lstStyle/>
+          <a:p>
+            <a:pPr algn="ctr"/>
+            <a:r>
+              <a:rPr lang="en-US" altLang="ko-KR" sz="1200" dirty="0">
+                <a:solidFill>
+                  <a:schemeClr val="bg1"/>
+                </a:solidFill>
+                <a:latin typeface="Noto Sans CJK KR Bold" panose="020B0800000000000000" pitchFamily="34" charset="-127"/>
+                <a:ea typeface="Noto Sans CJK KR Bold" panose="020B0800000000000000" pitchFamily="34" charset="-127"/>
+              </a:rPr>
+              <a:t>2</a:t>
+            </a:r>
+            <a:endParaRPr lang="ko-KR" altLang="en-US" sz="1200" dirty="0">
+              <a:solidFill>
+                <a:schemeClr val="bg1"/>
+              </a:solidFill>
+              <a:latin typeface="Noto Sans CJK KR Bold" panose="020B0800000000000000" pitchFamily="34" charset="-127"/>
+              <a:ea typeface="Noto Sans CJK KR Bold" panose="020B0800000000000000" pitchFamily="34" charset="-127"/>
+            </a:endParaRPr>
+          </a:p>
+        </p:txBody>
+      </p:sp>
+      <p:grpSp>
+        <p:nvGrpSpPr>
+          <p:cNvPr id="84" name="그룹 83">
+            <a:extLst>
+              <a:ext uri="{FF2B5EF4-FFF2-40B4-BE49-F238E27FC236}">
+                <a16:creationId xmlns:a16="http://schemas.microsoft.com/office/drawing/2014/main" id="{DD07BB98-D394-C408-6119-044228B46854}"/>
+              </a:ext>
+            </a:extLst>
+          </p:cNvPr>
+          <p:cNvGrpSpPr/>
+          <p:nvPr/>
+        </p:nvGrpSpPr>
+        <p:grpSpPr>
+          <a:xfrm>
+            <a:off x="1455931" y="2388120"/>
+            <a:ext cx="335348" cy="230832"/>
+            <a:chOff x="3382027" y="2856232"/>
+            <a:chExt cx="335348" cy="230832"/>
+          </a:xfrm>
+        </p:grpSpPr>
+        <p:sp>
+          <p:nvSpPr>
+            <p:cNvPr id="85" name="타원 84">
+              <a:extLst>
+                <a:ext uri="{FF2B5EF4-FFF2-40B4-BE49-F238E27FC236}">
+                  <a16:creationId xmlns:a16="http://schemas.microsoft.com/office/drawing/2014/main" id="{5A7B4A6C-0AEE-04F9-75CF-8D9FBF16CA81}"/>
+                </a:ext>
+              </a:extLst>
+            </p:cNvPr>
+            <p:cNvSpPr/>
+            <p:nvPr/>
+          </p:nvSpPr>
+          <p:spPr>
+            <a:xfrm>
+              <a:off x="3447155" y="2871896"/>
+              <a:ext cx="199505" cy="199505"/>
+            </a:xfrm>
+            <a:prstGeom prst="ellipse">
+              <a:avLst/>
+            </a:prstGeom>
+            <a:solidFill>
+              <a:srgbClr val="FF0000"/>
+            </a:solidFill>
+            <a:ln w="3175">
+              <a:noFill/>
+            </a:ln>
+          </p:spPr>
+          <p:style>
+            <a:lnRef idx="1">
+              <a:schemeClr val="accent1"/>
+            </a:lnRef>
+            <a:fillRef idx="0">
+              <a:schemeClr val="accent1"/>
+            </a:fillRef>
+            <a:effectRef idx="0">
+              <a:schemeClr val="accent1"/>
+            </a:effectRef>
+            <a:fontRef idx="minor">
+              <a:schemeClr val="tx1"/>
+            </a:fontRef>
+          </p:style>
+          <p:txBody>
+            <a:bodyPr rtlCol="0" anchor="ctr"/>
+            <a:lstStyle/>
+            <a:p>
+              <a:pPr algn="ctr"/>
+              <a:endParaRPr lang="ko-KR" altLang="en-US" sz="1100" dirty="0">
+                <a:solidFill>
+                  <a:schemeClr val="bg1"/>
+                </a:solidFill>
+                <a:latin typeface="Noto Sans CJK KR Bold" panose="020B0800000000000000" pitchFamily="34" charset="-127"/>
+                <a:ea typeface="Noto Sans CJK KR Bold" panose="020B0800000000000000" pitchFamily="34" charset="-127"/>
+              </a:endParaRPr>
+            </a:p>
+          </p:txBody>
+        </p:sp>
+        <p:sp>
+          <p:nvSpPr>
+            <p:cNvPr id="86" name="TextBox 85">
+              <a:extLst>
+                <a:ext uri="{FF2B5EF4-FFF2-40B4-BE49-F238E27FC236}">
+                  <a16:creationId xmlns:a16="http://schemas.microsoft.com/office/drawing/2014/main" id="{42CBB6CE-844E-6232-A511-D1FAB51A19EC}"/>
+                </a:ext>
+              </a:extLst>
+            </p:cNvPr>
+            <p:cNvSpPr txBox="1"/>
+            <p:nvPr/>
+          </p:nvSpPr>
+          <p:spPr>
+            <a:xfrm>
+              <a:off x="3382027" y="2856232"/>
+              <a:ext cx="335348" cy="230832"/>
+            </a:xfrm>
+            <a:prstGeom prst="rect">
+              <a:avLst/>
+            </a:prstGeom>
+            <a:noFill/>
+          </p:spPr>
+          <p:txBody>
+            <a:bodyPr wrap="none" rtlCol="0">
+              <a:spAutoFit/>
+            </a:bodyPr>
+            <a:lstStyle/>
+            <a:p>
+              <a:r>
+                <a:rPr lang="en-US" altLang="ko-KR" sz="900" dirty="0">
+                  <a:solidFill>
+                    <a:schemeClr val="bg1"/>
+                  </a:solidFill>
+                </a:rPr>
+                <a:t>1-1</a:t>
+              </a:r>
+              <a:endParaRPr lang="ko-KR" altLang="en-US" sz="900" dirty="0">
+                <a:solidFill>
+                  <a:schemeClr val="bg1"/>
+                </a:solidFill>
+              </a:endParaRPr>
+            </a:p>
+          </p:txBody>
+        </p:sp>
+      </p:grpSp>
+      <p:grpSp>
+        <p:nvGrpSpPr>
+          <p:cNvPr id="87" name="그룹 86">
+            <a:extLst>
+              <a:ext uri="{FF2B5EF4-FFF2-40B4-BE49-F238E27FC236}">
+                <a16:creationId xmlns:a16="http://schemas.microsoft.com/office/drawing/2014/main" id="{32E2006E-72B6-584E-239F-A0294431A24A}"/>
+              </a:ext>
+            </a:extLst>
+          </p:cNvPr>
+          <p:cNvGrpSpPr/>
+          <p:nvPr/>
+        </p:nvGrpSpPr>
+        <p:grpSpPr>
+          <a:xfrm>
+            <a:off x="1508222" y="3228437"/>
+            <a:ext cx="335348" cy="230832"/>
+            <a:chOff x="3382027" y="2856232"/>
+            <a:chExt cx="335348" cy="230832"/>
+          </a:xfrm>
+        </p:grpSpPr>
+        <p:sp>
+          <p:nvSpPr>
+            <p:cNvPr id="88" name="타원 87">
+              <a:extLst>
+                <a:ext uri="{FF2B5EF4-FFF2-40B4-BE49-F238E27FC236}">
+                  <a16:creationId xmlns:a16="http://schemas.microsoft.com/office/drawing/2014/main" id="{0FB97CF0-B8E5-1E91-0781-8A22984E105A}"/>
+                </a:ext>
+              </a:extLst>
+            </p:cNvPr>
+            <p:cNvSpPr/>
+            <p:nvPr/>
+          </p:nvSpPr>
+          <p:spPr>
+            <a:xfrm>
+              <a:off x="3447155" y="2871896"/>
+              <a:ext cx="199505" cy="199505"/>
+            </a:xfrm>
+            <a:prstGeom prst="ellipse">
+              <a:avLst/>
+            </a:prstGeom>
+            <a:solidFill>
+              <a:srgbClr val="FF0000"/>
+            </a:solidFill>
+            <a:ln w="3175">
+              <a:noFill/>
+            </a:ln>
+          </p:spPr>
+          <p:style>
+            <a:lnRef idx="1">
+              <a:schemeClr val="accent1"/>
+            </a:lnRef>
+            <a:fillRef idx="0">
+              <a:schemeClr val="accent1"/>
+            </a:fillRef>
+            <a:effectRef idx="0">
+              <a:schemeClr val="accent1"/>
+            </a:effectRef>
+            <a:fontRef idx="minor">
+              <a:schemeClr val="tx1"/>
+            </a:fontRef>
+          </p:style>
+          <p:txBody>
+            <a:bodyPr rtlCol="0" anchor="ctr"/>
+            <a:lstStyle/>
+            <a:p>
+              <a:pPr algn="ctr"/>
+              <a:endParaRPr lang="ko-KR" altLang="en-US" sz="1100" dirty="0">
+                <a:solidFill>
+                  <a:schemeClr val="bg1"/>
+                </a:solidFill>
+                <a:latin typeface="Noto Sans CJK KR Bold" panose="020B0800000000000000" pitchFamily="34" charset="-127"/>
+                <a:ea typeface="Noto Sans CJK KR Bold" panose="020B0800000000000000" pitchFamily="34" charset="-127"/>
+              </a:endParaRPr>
+            </a:p>
+          </p:txBody>
+        </p:sp>
+        <p:sp>
+          <p:nvSpPr>
+            <p:cNvPr id="89" name="TextBox 88">
+              <a:extLst>
+                <a:ext uri="{FF2B5EF4-FFF2-40B4-BE49-F238E27FC236}">
+                  <a16:creationId xmlns:a16="http://schemas.microsoft.com/office/drawing/2014/main" id="{4F828A5F-ABDD-7547-8A0A-F22A99FC26A8}"/>
+                </a:ext>
+              </a:extLst>
+            </p:cNvPr>
+            <p:cNvSpPr txBox="1"/>
+            <p:nvPr/>
+          </p:nvSpPr>
+          <p:spPr>
+            <a:xfrm>
+              <a:off x="3382027" y="2856232"/>
+              <a:ext cx="335348" cy="230832"/>
+            </a:xfrm>
+            <a:prstGeom prst="rect">
+              <a:avLst/>
+            </a:prstGeom>
+            <a:noFill/>
+          </p:spPr>
+          <p:txBody>
+            <a:bodyPr wrap="none" rtlCol="0">
+              <a:spAutoFit/>
+            </a:bodyPr>
+            <a:lstStyle/>
+            <a:p>
+              <a:r>
+                <a:rPr lang="en-US" altLang="ko-KR" sz="900" dirty="0">
+                  <a:solidFill>
+                    <a:schemeClr val="bg1"/>
+                  </a:solidFill>
+                </a:rPr>
+                <a:t>1-3</a:t>
+              </a:r>
+            </a:p>
+          </p:txBody>
+        </p:sp>
+      </p:grpSp>
+      <p:grpSp>
+        <p:nvGrpSpPr>
+          <p:cNvPr id="93" name="그룹 92">
+            <a:extLst>
+              <a:ext uri="{FF2B5EF4-FFF2-40B4-BE49-F238E27FC236}">
+                <a16:creationId xmlns:a16="http://schemas.microsoft.com/office/drawing/2014/main" id="{191E0494-749D-E48F-956E-0DC4A4EED631}"/>
+              </a:ext>
+            </a:extLst>
+          </p:cNvPr>
+          <p:cNvGrpSpPr/>
+          <p:nvPr/>
+        </p:nvGrpSpPr>
+        <p:grpSpPr>
+          <a:xfrm>
+            <a:off x="3423934" y="2820333"/>
+            <a:ext cx="824163" cy="200055"/>
+            <a:chOff x="4465334" y="3383128"/>
+            <a:chExt cx="824163" cy="200055"/>
+          </a:xfrm>
+        </p:grpSpPr>
+        <p:sp>
+          <p:nvSpPr>
+            <p:cNvPr id="94" name="사각형: 둥근 모서리 21">
+              <a:extLst>
+                <a:ext uri="{FF2B5EF4-FFF2-40B4-BE49-F238E27FC236}">
+                  <a16:creationId xmlns:a16="http://schemas.microsoft.com/office/drawing/2014/main" id="{36EAF46E-6C62-41C6-ED20-C25E4E2923BA}"/>
+                </a:ext>
+              </a:extLst>
+            </p:cNvPr>
+            <p:cNvSpPr/>
+            <p:nvPr/>
+          </p:nvSpPr>
+          <p:spPr>
+            <a:xfrm>
+              <a:off x="4465334" y="3391252"/>
+              <a:ext cx="578772" cy="174140"/>
+            </a:xfrm>
+            <a:prstGeom prst="roundRect">
+              <a:avLst>
+                <a:gd name="adj" fmla="val 50000"/>
+              </a:avLst>
+            </a:prstGeom>
+          </p:spPr>
+          <p:style>
+            <a:lnRef idx="2">
+              <a:schemeClr val="dk1">
+                <a:shade val="50000"/>
+              </a:schemeClr>
+            </a:lnRef>
+            <a:fillRef idx="1">
+              <a:schemeClr val="dk1"/>
+            </a:fillRef>
+            <a:effectRef idx="0">
+              <a:schemeClr val="dk1"/>
+            </a:effectRef>
+            <a:fontRef idx="minor">
+              <a:schemeClr val="lt1"/>
+            </a:fontRef>
+          </p:style>
+          <p:txBody>
+            <a:bodyPr rtlCol="0" anchor="ctr"/>
+            <a:lstStyle/>
+            <a:p>
+              <a:pPr algn="ctr"/>
+              <a:endParaRPr lang="ko-KR" altLang="en-US"/>
+            </a:p>
+          </p:txBody>
+        </p:sp>
+        <p:sp>
+          <p:nvSpPr>
+            <p:cNvPr id="95" name="TextBox 94">
+              <a:extLst>
+                <a:ext uri="{FF2B5EF4-FFF2-40B4-BE49-F238E27FC236}">
+                  <a16:creationId xmlns:a16="http://schemas.microsoft.com/office/drawing/2014/main" id="{F47986BF-E61D-7B3E-42F7-A2D436331E03}"/>
+                </a:ext>
+              </a:extLst>
+            </p:cNvPr>
+            <p:cNvSpPr txBox="1"/>
+            <p:nvPr/>
+          </p:nvSpPr>
+          <p:spPr>
+            <a:xfrm>
+              <a:off x="4489278" y="3383128"/>
+              <a:ext cx="800219" cy="200055"/>
+            </a:xfrm>
+            <a:prstGeom prst="rect">
+              <a:avLst/>
+            </a:prstGeom>
+            <a:noFill/>
+          </p:spPr>
+          <p:txBody>
+            <a:bodyPr wrap="square" rtlCol="0">
+              <a:spAutoFit/>
+            </a:bodyPr>
+            <a:lstStyle/>
+            <a:p>
+              <a:r>
+                <a:rPr lang="ko-KR" altLang="en-US" sz="700" dirty="0">
+                  <a:solidFill>
+                    <a:schemeClr val="bg1"/>
+                  </a:solidFill>
+                </a:rPr>
+                <a:t>중복확인</a:t>
+              </a:r>
+            </a:p>
+          </p:txBody>
+        </p:sp>
+      </p:grpSp>
+      <p:grpSp>
+        <p:nvGrpSpPr>
+          <p:cNvPr id="96" name="그룹 95">
+            <a:extLst>
+              <a:ext uri="{FF2B5EF4-FFF2-40B4-BE49-F238E27FC236}">
+                <a16:creationId xmlns:a16="http://schemas.microsoft.com/office/drawing/2014/main" id="{FD2BC93A-884C-1FC3-7E35-EE6EAD4F0972}"/>
+              </a:ext>
+            </a:extLst>
+          </p:cNvPr>
+          <p:cNvGrpSpPr/>
+          <p:nvPr/>
+        </p:nvGrpSpPr>
+        <p:grpSpPr>
+          <a:xfrm>
+            <a:off x="1458725" y="2800111"/>
+            <a:ext cx="335348" cy="230832"/>
+            <a:chOff x="3382027" y="2856232"/>
+            <a:chExt cx="335348" cy="230832"/>
+          </a:xfrm>
+        </p:grpSpPr>
+        <p:sp>
+          <p:nvSpPr>
+            <p:cNvPr id="97" name="타원 96">
+              <a:extLst>
+                <a:ext uri="{FF2B5EF4-FFF2-40B4-BE49-F238E27FC236}">
+                  <a16:creationId xmlns:a16="http://schemas.microsoft.com/office/drawing/2014/main" id="{5C9B54A5-EE46-858C-5525-61D7747474DE}"/>
+                </a:ext>
+              </a:extLst>
+            </p:cNvPr>
+            <p:cNvSpPr/>
+            <p:nvPr/>
+          </p:nvSpPr>
+          <p:spPr>
+            <a:xfrm>
+              <a:off x="3447155" y="2871896"/>
+              <a:ext cx="199505" cy="199505"/>
+            </a:xfrm>
+            <a:prstGeom prst="ellipse">
+              <a:avLst/>
+            </a:prstGeom>
+            <a:solidFill>
+              <a:srgbClr val="FF0000"/>
+            </a:solidFill>
+            <a:ln w="3175">
+              <a:noFill/>
+            </a:ln>
+          </p:spPr>
+          <p:style>
+            <a:lnRef idx="1">
+              <a:schemeClr val="accent1"/>
+            </a:lnRef>
+            <a:fillRef idx="0">
+              <a:schemeClr val="accent1"/>
+            </a:fillRef>
+            <a:effectRef idx="0">
+              <a:schemeClr val="accent1"/>
+            </a:effectRef>
+            <a:fontRef idx="minor">
+              <a:schemeClr val="tx1"/>
+            </a:fontRef>
+          </p:style>
+          <p:txBody>
+            <a:bodyPr rtlCol="0" anchor="ctr"/>
+            <a:lstStyle/>
+            <a:p>
+              <a:pPr algn="ctr"/>
+              <a:endParaRPr lang="ko-KR" altLang="en-US" sz="1100" dirty="0">
+                <a:solidFill>
+                  <a:schemeClr val="bg1"/>
+                </a:solidFill>
+                <a:latin typeface="Noto Sans CJK KR Bold" panose="020B0800000000000000" pitchFamily="34" charset="-127"/>
+                <a:ea typeface="Noto Sans CJK KR Bold" panose="020B0800000000000000" pitchFamily="34" charset="-127"/>
+              </a:endParaRPr>
+            </a:p>
+          </p:txBody>
+        </p:sp>
+        <p:sp>
+          <p:nvSpPr>
+            <p:cNvPr id="98" name="TextBox 97">
+              <a:extLst>
+                <a:ext uri="{FF2B5EF4-FFF2-40B4-BE49-F238E27FC236}">
+                  <a16:creationId xmlns:a16="http://schemas.microsoft.com/office/drawing/2014/main" id="{AAB9779E-A58E-97B9-93D9-2EEA8707EF50}"/>
+                </a:ext>
+              </a:extLst>
+            </p:cNvPr>
+            <p:cNvSpPr txBox="1"/>
+            <p:nvPr/>
+          </p:nvSpPr>
+          <p:spPr>
+            <a:xfrm>
+              <a:off x="3382027" y="2856232"/>
+              <a:ext cx="335348" cy="230832"/>
+            </a:xfrm>
+            <a:prstGeom prst="rect">
+              <a:avLst/>
+            </a:prstGeom>
+            <a:noFill/>
+          </p:spPr>
+          <p:txBody>
+            <a:bodyPr wrap="none" rtlCol="0">
+              <a:spAutoFit/>
+            </a:bodyPr>
+            <a:lstStyle/>
+            <a:p>
+              <a:r>
+                <a:rPr lang="en-US" altLang="ko-KR" sz="900" dirty="0">
+                  <a:solidFill>
+                    <a:schemeClr val="bg1"/>
+                  </a:solidFill>
+                </a:rPr>
+                <a:t>1-2</a:t>
+              </a:r>
+              <a:endParaRPr lang="ko-KR" altLang="en-US" sz="900" dirty="0">
+                <a:solidFill>
+                  <a:schemeClr val="bg1"/>
+                </a:solidFill>
+              </a:endParaRPr>
+            </a:p>
+          </p:txBody>
+        </p:sp>
+      </p:grpSp>
+      <p:sp>
+        <p:nvSpPr>
+          <p:cNvPr id="99" name="TextBox 98">
+            <a:extLst>
+              <a:ext uri="{FF2B5EF4-FFF2-40B4-BE49-F238E27FC236}">
+                <a16:creationId xmlns:a16="http://schemas.microsoft.com/office/drawing/2014/main" id="{439C5831-A939-C8F5-5922-0F70DFE235A7}"/>
+              </a:ext>
+            </a:extLst>
+          </p:cNvPr>
+          <p:cNvSpPr txBox="1"/>
+          <p:nvPr/>
+        </p:nvSpPr>
+        <p:spPr>
+          <a:xfrm>
+            <a:off x="855769" y="1625927"/>
+            <a:ext cx="2108269" cy="369332"/>
+          </a:xfrm>
+          <a:prstGeom prst="rect">
+            <a:avLst/>
+          </a:prstGeom>
+          <a:noFill/>
+        </p:spPr>
+        <p:txBody>
+          <a:bodyPr wrap="none" rtlCol="0">
+            <a:spAutoFit/>
+          </a:bodyPr>
+          <a:lstStyle/>
+          <a:p>
+            <a:r>
+              <a:rPr lang="ko-KR" altLang="en-US" sz="900" dirty="0"/>
+              <a:t>아이디는 </a:t>
+            </a:r>
+            <a:r>
+              <a:rPr lang="en-US" altLang="ko-KR" sz="900" dirty="0"/>
+              <a:t>10</a:t>
+            </a:r>
+            <a:r>
+              <a:rPr lang="ko-KR" altLang="en-US" sz="900" dirty="0"/>
+              <a:t>자 이하로 입력해주세요</a:t>
+            </a:r>
+            <a:endParaRPr lang="en-US" altLang="ko-KR" sz="900" dirty="0"/>
+          </a:p>
+          <a:p>
+            <a:r>
+              <a:rPr lang="ko-KR" altLang="en-US" sz="900" dirty="0"/>
+              <a:t>비밀번호는 </a:t>
+            </a:r>
+            <a:r>
+              <a:rPr lang="en-US" altLang="ko-KR" sz="900" dirty="0"/>
+              <a:t>8~15</a:t>
+            </a:r>
+            <a:r>
+              <a:rPr lang="ko-KR" altLang="en-US" sz="900" dirty="0"/>
+              <a:t>자리로 입력해주세요</a:t>
+            </a:r>
+          </a:p>
+        </p:txBody>
+      </p:sp>
+      <p:sp>
+        <p:nvSpPr>
+          <p:cNvPr id="100" name="TextBox 99">
+            <a:extLst>
+              <a:ext uri="{FF2B5EF4-FFF2-40B4-BE49-F238E27FC236}">
+                <a16:creationId xmlns:a16="http://schemas.microsoft.com/office/drawing/2014/main" id="{6E1124B0-B2E2-3C0B-FB3F-B700A02ABCBB}"/>
+              </a:ext>
+            </a:extLst>
+          </p:cNvPr>
+          <p:cNvSpPr txBox="1"/>
+          <p:nvPr/>
+        </p:nvSpPr>
+        <p:spPr>
+          <a:xfrm>
+            <a:off x="4374650" y="412673"/>
+            <a:ext cx="1409360" cy="230832"/>
+          </a:xfrm>
+          <a:prstGeom prst="rect">
+            <a:avLst/>
+          </a:prstGeom>
+          <a:noFill/>
+        </p:spPr>
+        <p:txBody>
+          <a:bodyPr wrap="none" rtlCol="0">
+            <a:spAutoFit/>
+          </a:bodyPr>
+          <a:lstStyle/>
+          <a:p>
+            <a:r>
+              <a:rPr lang="en-US" altLang="ko-KR" sz="900" dirty="0"/>
+              <a:t># </a:t>
+            </a:r>
+            <a:r>
+              <a:rPr lang="ko-KR" altLang="en-US" sz="900" dirty="0"/>
+              <a:t>입력 오류가 있을 경우</a:t>
+            </a:r>
+          </a:p>
+        </p:txBody>
+      </p:sp>
+      <p:sp>
+        <p:nvSpPr>
+          <p:cNvPr id="101" name="TextBox 100">
+            <a:extLst>
+              <a:ext uri="{FF2B5EF4-FFF2-40B4-BE49-F238E27FC236}">
+                <a16:creationId xmlns:a16="http://schemas.microsoft.com/office/drawing/2014/main" id="{F8B5460E-C884-B504-6154-C363421BEC43}"/>
+              </a:ext>
+            </a:extLst>
+          </p:cNvPr>
+          <p:cNvSpPr txBox="1"/>
+          <p:nvPr/>
+        </p:nvSpPr>
+        <p:spPr>
+          <a:xfrm>
+            <a:off x="706418" y="412673"/>
+            <a:ext cx="638316" cy="230832"/>
+          </a:xfrm>
+          <a:prstGeom prst="rect">
+            <a:avLst/>
+          </a:prstGeom>
+          <a:noFill/>
+        </p:spPr>
+        <p:txBody>
+          <a:bodyPr wrap="none" rtlCol="0">
+            <a:spAutoFit/>
+          </a:bodyPr>
+          <a:lstStyle/>
+          <a:p>
+            <a:r>
+              <a:rPr lang="en-US" altLang="ko-KR" sz="900" dirty="0"/>
+              <a:t># Default </a:t>
+            </a:r>
+            <a:endParaRPr lang="ko-KR" altLang="en-US" sz="900" dirty="0"/>
+          </a:p>
+        </p:txBody>
+      </p:sp>
+      <p:grpSp>
+        <p:nvGrpSpPr>
+          <p:cNvPr id="103" name="그룹 102">
+            <a:extLst>
+              <a:ext uri="{FF2B5EF4-FFF2-40B4-BE49-F238E27FC236}">
+                <a16:creationId xmlns:a16="http://schemas.microsoft.com/office/drawing/2014/main" id="{3A024944-8183-8861-D8AF-5478C33E6B01}"/>
+              </a:ext>
+            </a:extLst>
+          </p:cNvPr>
+          <p:cNvGrpSpPr/>
+          <p:nvPr/>
+        </p:nvGrpSpPr>
+        <p:grpSpPr>
+          <a:xfrm>
+            <a:off x="6717870" y="4165332"/>
+            <a:ext cx="335348" cy="230832"/>
+            <a:chOff x="3382027" y="2856232"/>
+            <a:chExt cx="335348" cy="230832"/>
+          </a:xfrm>
+        </p:grpSpPr>
+        <p:sp>
+          <p:nvSpPr>
+            <p:cNvPr id="104" name="타원 103">
+              <a:extLst>
+                <a:ext uri="{FF2B5EF4-FFF2-40B4-BE49-F238E27FC236}">
+                  <a16:creationId xmlns:a16="http://schemas.microsoft.com/office/drawing/2014/main" id="{CBE8C0B1-CB8F-A46B-7A1F-D55E85A9E487}"/>
+                </a:ext>
+              </a:extLst>
+            </p:cNvPr>
+            <p:cNvSpPr/>
+            <p:nvPr/>
+          </p:nvSpPr>
+          <p:spPr>
+            <a:xfrm>
+              <a:off x="3447155" y="2871896"/>
+              <a:ext cx="199505" cy="199505"/>
+            </a:xfrm>
+            <a:prstGeom prst="ellipse">
+              <a:avLst/>
+            </a:prstGeom>
+            <a:solidFill>
+              <a:srgbClr val="FF0000"/>
+            </a:solidFill>
+            <a:ln w="3175">
+              <a:noFill/>
+            </a:ln>
+          </p:spPr>
+          <p:style>
+            <a:lnRef idx="1">
+              <a:schemeClr val="accent1"/>
+            </a:lnRef>
+            <a:fillRef idx="0">
+              <a:schemeClr val="accent1"/>
+            </a:fillRef>
+            <a:effectRef idx="0">
+              <a:schemeClr val="accent1"/>
+            </a:effectRef>
+            <a:fontRef idx="minor">
+              <a:schemeClr val="tx1"/>
+            </a:fontRef>
+          </p:style>
+          <p:txBody>
+            <a:bodyPr rtlCol="0" anchor="ctr"/>
+            <a:lstStyle/>
+            <a:p>
+              <a:pPr algn="ctr"/>
+              <a:endParaRPr lang="ko-KR" altLang="en-US" sz="1100" dirty="0">
+                <a:solidFill>
+                  <a:schemeClr val="bg1"/>
+                </a:solidFill>
+                <a:latin typeface="Noto Sans CJK KR Bold" panose="020B0800000000000000" pitchFamily="34" charset="-127"/>
+                <a:ea typeface="Noto Sans CJK KR Bold" panose="020B0800000000000000" pitchFamily="34" charset="-127"/>
+              </a:endParaRPr>
+            </a:p>
+          </p:txBody>
+        </p:sp>
+        <p:sp>
+          <p:nvSpPr>
+            <p:cNvPr id="105" name="TextBox 104">
+              <a:extLst>
+                <a:ext uri="{FF2B5EF4-FFF2-40B4-BE49-F238E27FC236}">
+                  <a16:creationId xmlns:a16="http://schemas.microsoft.com/office/drawing/2014/main" id="{86DE407F-0AE1-DFFD-6CE0-46918A82E180}"/>
+                </a:ext>
+              </a:extLst>
+            </p:cNvPr>
+            <p:cNvSpPr txBox="1"/>
+            <p:nvPr/>
+          </p:nvSpPr>
+          <p:spPr>
+            <a:xfrm>
+              <a:off x="3382027" y="2856232"/>
+              <a:ext cx="335348" cy="230832"/>
+            </a:xfrm>
+            <a:prstGeom prst="rect">
+              <a:avLst/>
+            </a:prstGeom>
+            <a:noFill/>
+          </p:spPr>
+          <p:txBody>
+            <a:bodyPr wrap="none" rtlCol="0">
+              <a:spAutoFit/>
+            </a:bodyPr>
+            <a:lstStyle/>
+            <a:p>
+              <a:r>
+                <a:rPr lang="en-US" altLang="ko-KR" sz="900" dirty="0">
+                  <a:solidFill>
+                    <a:schemeClr val="bg1"/>
+                  </a:solidFill>
+                </a:rPr>
+                <a:t>1-5</a:t>
+              </a:r>
+            </a:p>
+          </p:txBody>
+        </p:sp>
+      </p:grpSp>
+    </p:spTree>
+    <p:extLst>
+      <p:ext uri="{BB962C8B-B14F-4D97-AF65-F5344CB8AC3E}">
+        <p14:creationId xmlns:p14="http://schemas.microsoft.com/office/powerpoint/2010/main" val="2993510039"/>
+      </p:ext>
+    </p:extLst>
+  </p:cSld>
+  <p:clrMapOvr>
+    <a:masterClrMapping/>
+  </p:clrMapOvr>
+</p:sld>
+</file>
+
+<file path=ppt/slides/slide8.xml><?xml version="1.0" encoding="utf-8"?>
+<p:sld xmlns:a="http://schemas.openxmlformats.org/drawingml/2006/main" xmlns:r="http://schemas.openxmlformats.org/officeDocument/2006/relationships" xmlns:p="http://schemas.openxmlformats.org/presentationml/2006/main">
+  <p:cSld>
+    <p:spTree>
+      <p:nvGrpSpPr>
+        <p:cNvPr id="1" name=""/>
+        <p:cNvGrpSpPr/>
+        <p:nvPr/>
+      </p:nvGrpSpPr>
+      <p:grpSpPr>
+        <a:xfrm>
+          <a:off x="0" y="0"/>
+          <a:ext cx="0" cy="0"/>
+          <a:chOff x="0" y="0"/>
+          <a:chExt cx="0" cy="0"/>
+        </a:xfrm>
+      </p:grpSpPr>
+      <p:sp>
+        <p:nvSpPr>
+          <p:cNvPr id="11" name="직사각형 10"/>
+          <p:cNvSpPr/>
+          <p:nvPr/>
+        </p:nvSpPr>
+        <p:spPr>
+          <a:xfrm>
             <a:off x="639584" y="630335"/>
             <a:ext cx="3351392" cy="5805376"/>
           </a:xfrm>
@@ -11124,11 +17449,17 @@
           <p:cNvGraphicFramePr>
             <a:graphicFrameLocks noGrp="1"/>
           </p:cNvGraphicFramePr>
-          <p:nvPr/>
+          <p:nvPr>
+            <p:extLst>
+              <p:ext uri="{D42A27DB-BD31-4B8C-83A1-F6EECF244321}">
+                <p14:modId xmlns:p14="http://schemas.microsoft.com/office/powerpoint/2010/main" val="3623959502"/>
+              </p:ext>
+            </p:extLst>
+          </p:nvPr>
         </p:nvGraphicFramePr>
         <p:xfrm>
           <a:off x="8743476" y="384630"/>
-          <a:ext cx="3255177" cy="4275120"/>
+          <a:ext cx="3255177" cy="2776080"/>
         </p:xfrm>
         <a:graphic>
           <a:graphicData uri="http://schemas.openxmlformats.org/drawingml/2006/table">
@@ -11442,7 +17773,7 @@
                     <a:p>
                       <a:pPr latinLnBrk="1"/>
                       <a:r>
-                        <a:rPr lang="en-US" altLang="ko-KR" sz="800" baseline="0" dirty="0">
+                        <a:rPr lang="ko-KR" altLang="en-US" sz="800" dirty="0">
                           <a:solidFill>
                             <a:schemeClr val="tx1">
                               <a:lumMod val="75000"/>
@@ -11452,8 +17783,18 @@
                           <a:latin typeface="Noto Sans CJK KR Light" panose="020B0300000000000000" pitchFamily="34" charset="-127"/>
                           <a:ea typeface="Noto Sans CJK KR Light" panose="020B0300000000000000" pitchFamily="34" charset="-127"/>
                         </a:rPr>
-                        <a:t>Text Field</a:t>
+                        <a:t>중복 확인</a:t>
                       </a:r>
+                      <a:endParaRPr lang="en-US" altLang="ko-KR" sz="800" dirty="0">
+                        <a:solidFill>
+                          <a:schemeClr val="tx1">
+                            <a:lumMod val="75000"/>
+                            <a:lumOff val="25000"/>
+                          </a:schemeClr>
+                        </a:solidFill>
+                        <a:latin typeface="Noto Sans CJK KR Light" panose="020B0300000000000000" pitchFamily="34" charset="-127"/>
+                        <a:ea typeface="Noto Sans CJK KR Light" panose="020B0300000000000000" pitchFamily="34" charset="-127"/>
+                      </a:endParaRPr>
                     </a:p>
                   </a:txBody>
                   <a:tcPr marL="54000" marR="54000" marT="36000" marB="36000">
@@ -11531,7 +17872,7 @@
                         <a:defRPr/>
                       </a:pPr>
                       <a:r>
-                        <a:rPr lang="en-US" altLang="ko-KR" sz="800" baseline="0" dirty="0">
+                        <a:rPr lang="ko-Kore-KR" altLang="en-US" sz="800" dirty="0">
                           <a:solidFill>
                             <a:schemeClr val="tx1">
                               <a:lumMod val="75000"/>
@@ -11541,10 +17882,10 @@
                           <a:latin typeface="Noto Sans CJK KR Light" panose="020B0300000000000000" pitchFamily="34" charset="-127"/>
                           <a:ea typeface="Noto Sans CJK KR Light" panose="020B0300000000000000" pitchFamily="34" charset="-127"/>
                         </a:rPr>
-                        <a:t>1-1 ) ID</a:t>
+                        <a:t>클릭 시 </a:t>
                       </a:r>
                       <a:r>
-                        <a:rPr lang="ko-KR" altLang="en-US" sz="800" baseline="0" dirty="0">
+                        <a:rPr lang="en-US" altLang="ko-Kore-KR" sz="800" dirty="0">
                           <a:solidFill>
                             <a:schemeClr val="tx1">
                               <a:lumMod val="75000"/>
@@ -11554,39 +17895,10 @@
                           <a:latin typeface="Noto Sans CJK KR Light" panose="020B0300000000000000" pitchFamily="34" charset="-127"/>
                           <a:ea typeface="Noto Sans CJK KR Light" panose="020B0300000000000000" pitchFamily="34" charset="-127"/>
                         </a:rPr>
-                        <a:t> 입력 폼</a:t>
+                        <a:t>id </a:t>
                       </a:r>
-                      <a:endParaRPr lang="en-US" altLang="ko-KR" sz="800" baseline="0" dirty="0">
-                        <a:solidFill>
-                          <a:schemeClr val="tx1">
-                            <a:lumMod val="75000"/>
-                            <a:lumOff val="25000"/>
-                          </a:schemeClr>
-                        </a:solidFill>
-                        <a:latin typeface="Noto Sans CJK KR Light" panose="020B0300000000000000" pitchFamily="34" charset="-127"/>
-                        <a:ea typeface="Noto Sans CJK KR Light" panose="020B0300000000000000" pitchFamily="34" charset="-127"/>
-                      </a:endParaRPr>
-                    </a:p>
-                    <a:p>
-                      <a:pPr marL="171450" marR="0" lvl="0" indent="-171450" algn="l" defTabSz="914400" rtl="0" eaLnBrk="1" fontAlgn="auto" latinLnBrk="1" hangingPunct="1">
-                        <a:lnSpc>
-                          <a:spcPct val="100000"/>
-                        </a:lnSpc>
-                        <a:spcBef>
-                          <a:spcPts val="0"/>
-                        </a:spcBef>
-                        <a:spcAft>
-                          <a:spcPts val="0"/>
-                        </a:spcAft>
-                        <a:buClrTx/>
-                        <a:buSzTx/>
-                        <a:buFontTx/>
-                        <a:buChar char="-"/>
-                        <a:tabLst/>
-                        <a:defRPr/>
-                      </a:pPr>
                       <a:r>
-                        <a:rPr lang="en-US" altLang="ko-KR" sz="800" baseline="0" dirty="0">
+                        <a:rPr lang="ko-Kore-KR" altLang="en-US" sz="800" dirty="0">
                           <a:solidFill>
                             <a:schemeClr val="tx1">
                               <a:lumMod val="75000"/>
@@ -11596,346 +17908,9 @@
                           <a:latin typeface="Noto Sans CJK KR Light" panose="020B0300000000000000" pitchFamily="34" charset="-127"/>
                           <a:ea typeface="Noto Sans CJK KR Light" panose="020B0300000000000000" pitchFamily="34" charset="-127"/>
                         </a:rPr>
-                        <a:t>Placeholder: “</a:t>
+                        <a:t>중복확인</a:t>
                       </a:r>
-                      <a:r>
-                        <a:rPr lang="ko-KR" altLang="en-US" sz="800" baseline="0" dirty="0">
-                          <a:solidFill>
-                            <a:schemeClr val="tx1">
-                              <a:lumMod val="75000"/>
-                              <a:lumOff val="25000"/>
-                            </a:schemeClr>
-                          </a:solidFill>
-                          <a:latin typeface="Noto Sans CJK KR Light" panose="020B0300000000000000" pitchFamily="34" charset="-127"/>
-                          <a:ea typeface="Noto Sans CJK KR Light" panose="020B0300000000000000" pitchFamily="34" charset="-127"/>
-                        </a:rPr>
-                        <a:t>아이디를 입력해주세요</a:t>
-                      </a:r>
-                      <a:r>
-                        <a:rPr lang="en-US" altLang="ko-KR" sz="800" baseline="0" dirty="0">
-                          <a:solidFill>
-                            <a:schemeClr val="tx1">
-                              <a:lumMod val="75000"/>
-                              <a:lumOff val="25000"/>
-                            </a:schemeClr>
-                          </a:solidFill>
-                          <a:latin typeface="Noto Sans CJK KR Light" panose="020B0300000000000000" pitchFamily="34" charset="-127"/>
-                          <a:ea typeface="Noto Sans CJK KR Light" panose="020B0300000000000000" pitchFamily="34" charset="-127"/>
-                        </a:rPr>
-                        <a:t>“</a:t>
-                      </a:r>
-                    </a:p>
-                    <a:p>
-                      <a:pPr marL="171450" marR="0" lvl="0" indent="-171450" algn="l" defTabSz="914400" rtl="0" eaLnBrk="1" fontAlgn="auto" latinLnBrk="1" hangingPunct="1">
-                        <a:lnSpc>
-                          <a:spcPct val="100000"/>
-                        </a:lnSpc>
-                        <a:spcBef>
-                          <a:spcPts val="0"/>
-                        </a:spcBef>
-                        <a:spcAft>
-                          <a:spcPts val="0"/>
-                        </a:spcAft>
-                        <a:buClrTx/>
-                        <a:buSzTx/>
-                        <a:buFontTx/>
-                        <a:buChar char="-"/>
-                        <a:tabLst/>
-                        <a:defRPr/>
-                      </a:pPr>
-                      <a:r>
-                        <a:rPr lang="en-US" altLang="ko-KR" sz="800" baseline="0" dirty="0">
-                          <a:solidFill>
-                            <a:schemeClr val="tx1">
-                              <a:lumMod val="75000"/>
-                              <a:lumOff val="25000"/>
-                            </a:schemeClr>
-                          </a:solidFill>
-                          <a:latin typeface="Noto Sans CJK KR Light" panose="020B0300000000000000" pitchFamily="34" charset="-127"/>
-                          <a:ea typeface="Noto Sans CJK KR Light" panose="020B0300000000000000" pitchFamily="34" charset="-127"/>
-                        </a:rPr>
-                        <a:t>Input type : text</a:t>
-                      </a:r>
-                    </a:p>
-                    <a:p>
-                      <a:pPr marL="0" marR="0" lvl="0" indent="0" algn="l" defTabSz="914400" rtl="0" eaLnBrk="1" fontAlgn="auto" latinLnBrk="1" hangingPunct="1">
-                        <a:lnSpc>
-                          <a:spcPct val="100000"/>
-                        </a:lnSpc>
-                        <a:spcBef>
-                          <a:spcPts val="0"/>
-                        </a:spcBef>
-                        <a:spcAft>
-                          <a:spcPts val="0"/>
-                        </a:spcAft>
-                        <a:buClrTx/>
-                        <a:buSzTx/>
-                        <a:buFontTx/>
-                        <a:buNone/>
-                        <a:tabLst/>
-                        <a:defRPr/>
-                      </a:pPr>
-                      <a:br>
-                        <a:rPr lang="en-US" altLang="ko-KR" sz="800" baseline="0" dirty="0">
-                          <a:solidFill>
-                            <a:schemeClr val="tx1">
-                              <a:lumMod val="75000"/>
-                              <a:lumOff val="25000"/>
-                            </a:schemeClr>
-                          </a:solidFill>
-                          <a:latin typeface="Noto Sans CJK KR Light" panose="020B0300000000000000" pitchFamily="34" charset="-127"/>
-                          <a:ea typeface="Noto Sans CJK KR Light" panose="020B0300000000000000" pitchFamily="34" charset="-127"/>
-                        </a:rPr>
-                      </a:br>
-                      <a:br>
-                        <a:rPr lang="en-US" altLang="ko-KR" sz="800" baseline="0" dirty="0">
-                          <a:solidFill>
-                            <a:schemeClr val="tx1">
-                              <a:lumMod val="75000"/>
-                              <a:lumOff val="25000"/>
-                            </a:schemeClr>
-                          </a:solidFill>
-                          <a:latin typeface="Noto Sans CJK KR Light" panose="020B0300000000000000" pitchFamily="34" charset="-127"/>
-                          <a:ea typeface="Noto Sans CJK KR Light" panose="020B0300000000000000" pitchFamily="34" charset="-127"/>
-                        </a:rPr>
-                      </a:br>
-                      <a:r>
-                        <a:rPr lang="en-US" altLang="ko-KR" sz="800" baseline="0" dirty="0">
-                          <a:solidFill>
-                            <a:schemeClr val="tx1">
-                              <a:lumMod val="75000"/>
-                              <a:lumOff val="25000"/>
-                            </a:schemeClr>
-                          </a:solidFill>
-                          <a:latin typeface="Noto Sans CJK KR Light" panose="020B0300000000000000" pitchFamily="34" charset="-127"/>
-                          <a:ea typeface="Noto Sans CJK KR Light" panose="020B0300000000000000" pitchFamily="34" charset="-127"/>
-                        </a:rPr>
-                        <a:t>1-2 ) PW</a:t>
-                      </a:r>
-                      <a:r>
-                        <a:rPr lang="ko-KR" altLang="en-US" sz="800" baseline="0" dirty="0">
-                          <a:solidFill>
-                            <a:schemeClr val="tx1">
-                              <a:lumMod val="75000"/>
-                              <a:lumOff val="25000"/>
-                            </a:schemeClr>
-                          </a:solidFill>
-                          <a:latin typeface="Noto Sans CJK KR Light" panose="020B0300000000000000" pitchFamily="34" charset="-127"/>
-                          <a:ea typeface="Noto Sans CJK KR Light" panose="020B0300000000000000" pitchFamily="34" charset="-127"/>
-                        </a:rPr>
-                        <a:t> </a:t>
-                      </a:r>
-                      <a:r>
-                        <a:rPr lang="ko-KR" altLang="en-US" sz="800" baseline="0" dirty="0" err="1">
-                          <a:solidFill>
-                            <a:schemeClr val="tx1">
-                              <a:lumMod val="75000"/>
-                              <a:lumOff val="25000"/>
-                            </a:schemeClr>
-                          </a:solidFill>
-                          <a:latin typeface="Noto Sans CJK KR Light" panose="020B0300000000000000" pitchFamily="34" charset="-127"/>
-                          <a:ea typeface="Noto Sans CJK KR Light" panose="020B0300000000000000" pitchFamily="34" charset="-127"/>
-                        </a:rPr>
-                        <a:t>입력폼</a:t>
-                      </a:r>
-                      <a:endParaRPr lang="en-US" altLang="ko-KR" sz="800" baseline="0" dirty="0">
-                        <a:solidFill>
-                          <a:schemeClr val="tx1">
-                            <a:lumMod val="75000"/>
-                            <a:lumOff val="25000"/>
-                          </a:schemeClr>
-                        </a:solidFill>
-                        <a:latin typeface="Noto Sans CJK KR Light" panose="020B0300000000000000" pitchFamily="34" charset="-127"/>
-                        <a:ea typeface="Noto Sans CJK KR Light" panose="020B0300000000000000" pitchFamily="34" charset="-127"/>
-                      </a:endParaRPr>
-                    </a:p>
-                    <a:p>
-                      <a:pPr marL="171450" marR="0" lvl="0" indent="-171450" algn="l" defTabSz="914400" rtl="0" eaLnBrk="1" fontAlgn="auto" latinLnBrk="1" hangingPunct="1">
-                        <a:lnSpc>
-                          <a:spcPct val="100000"/>
-                        </a:lnSpc>
-                        <a:spcBef>
-                          <a:spcPts val="0"/>
-                        </a:spcBef>
-                        <a:spcAft>
-                          <a:spcPts val="0"/>
-                        </a:spcAft>
-                        <a:buClrTx/>
-                        <a:buSzTx/>
-                        <a:buFontTx/>
-                        <a:buChar char="-"/>
-                        <a:tabLst/>
-                        <a:defRPr/>
-                      </a:pPr>
-                      <a:r>
-                        <a:rPr lang="en-US" altLang="ko-KR" sz="800" baseline="0" dirty="0">
-                          <a:solidFill>
-                            <a:schemeClr val="tx1">
-                              <a:lumMod val="75000"/>
-                              <a:lumOff val="25000"/>
-                            </a:schemeClr>
-                          </a:solidFill>
-                          <a:latin typeface="Noto Sans CJK KR Light" panose="020B0300000000000000" pitchFamily="34" charset="-127"/>
-                          <a:ea typeface="Noto Sans CJK KR Light" panose="020B0300000000000000" pitchFamily="34" charset="-127"/>
-                        </a:rPr>
-                        <a:t>Placeholder: “</a:t>
-                      </a:r>
-                      <a:r>
-                        <a:rPr lang="ko-KR" altLang="en-US" sz="800" baseline="0" dirty="0">
-                          <a:solidFill>
-                            <a:schemeClr val="tx1">
-                              <a:lumMod val="75000"/>
-                              <a:lumOff val="25000"/>
-                            </a:schemeClr>
-                          </a:solidFill>
-                          <a:latin typeface="Noto Sans CJK KR Light" panose="020B0300000000000000" pitchFamily="34" charset="-127"/>
-                          <a:ea typeface="Noto Sans CJK KR Light" panose="020B0300000000000000" pitchFamily="34" charset="-127"/>
-                        </a:rPr>
-                        <a:t>패스워드를 입력해주세요</a:t>
-                      </a:r>
-                      <a:r>
-                        <a:rPr lang="en-US" altLang="ko-KR" sz="800" baseline="0" dirty="0">
-                          <a:solidFill>
-                            <a:schemeClr val="tx1">
-                              <a:lumMod val="75000"/>
-                              <a:lumOff val="25000"/>
-                            </a:schemeClr>
-                          </a:solidFill>
-                          <a:latin typeface="Noto Sans CJK KR Light" panose="020B0300000000000000" pitchFamily="34" charset="-127"/>
-                          <a:ea typeface="Noto Sans CJK KR Light" panose="020B0300000000000000" pitchFamily="34" charset="-127"/>
-                        </a:rPr>
-                        <a:t>“</a:t>
-                      </a:r>
-                    </a:p>
-                    <a:p>
-                      <a:pPr marL="171450" marR="0" lvl="0" indent="-171450" algn="l" defTabSz="914400" rtl="0" eaLnBrk="1" fontAlgn="auto" latinLnBrk="1" hangingPunct="1">
-                        <a:lnSpc>
-                          <a:spcPct val="100000"/>
-                        </a:lnSpc>
-                        <a:spcBef>
-                          <a:spcPts val="0"/>
-                        </a:spcBef>
-                        <a:spcAft>
-                          <a:spcPts val="0"/>
-                        </a:spcAft>
-                        <a:buClrTx/>
-                        <a:buSzTx/>
-                        <a:buFontTx/>
-                        <a:buChar char="-"/>
-                        <a:tabLst/>
-                        <a:defRPr/>
-                      </a:pPr>
-                      <a:r>
-                        <a:rPr lang="en-US" altLang="ko-KR" sz="800" baseline="0" dirty="0">
-                          <a:solidFill>
-                            <a:schemeClr val="tx1">
-                              <a:lumMod val="75000"/>
-                              <a:lumOff val="25000"/>
-                            </a:schemeClr>
-                          </a:solidFill>
-                          <a:latin typeface="Noto Sans CJK KR Light" panose="020B0300000000000000" pitchFamily="34" charset="-127"/>
-                          <a:ea typeface="Noto Sans CJK KR Light" panose="020B0300000000000000" pitchFamily="34" charset="-127"/>
-                        </a:rPr>
-                        <a:t>Input</a:t>
-                      </a:r>
-                      <a:r>
-                        <a:rPr lang="ko-KR" altLang="en-US" sz="800" baseline="0" dirty="0">
-                          <a:solidFill>
-                            <a:schemeClr val="tx1">
-                              <a:lumMod val="75000"/>
-                              <a:lumOff val="25000"/>
-                            </a:schemeClr>
-                          </a:solidFill>
-                          <a:latin typeface="Noto Sans CJK KR Light" panose="020B0300000000000000" pitchFamily="34" charset="-127"/>
-                          <a:ea typeface="Noto Sans CJK KR Light" panose="020B0300000000000000" pitchFamily="34" charset="-127"/>
-                        </a:rPr>
-                        <a:t> </a:t>
-                      </a:r>
-                      <a:r>
-                        <a:rPr lang="en-US" altLang="ko-KR" sz="800" baseline="0" dirty="0">
-                          <a:solidFill>
-                            <a:schemeClr val="tx1">
-                              <a:lumMod val="75000"/>
-                              <a:lumOff val="25000"/>
-                            </a:schemeClr>
-                          </a:solidFill>
-                          <a:latin typeface="Noto Sans CJK KR Light" panose="020B0300000000000000" pitchFamily="34" charset="-127"/>
-                          <a:ea typeface="Noto Sans CJK KR Light" panose="020B0300000000000000" pitchFamily="34" charset="-127"/>
-                        </a:rPr>
-                        <a:t>type</a:t>
-                      </a:r>
-                      <a:r>
-                        <a:rPr lang="ko-KR" altLang="en-US" sz="800" baseline="0" dirty="0">
-                          <a:solidFill>
-                            <a:schemeClr val="tx1">
-                              <a:lumMod val="75000"/>
-                              <a:lumOff val="25000"/>
-                            </a:schemeClr>
-                          </a:solidFill>
-                          <a:latin typeface="Noto Sans CJK KR Light" panose="020B0300000000000000" pitchFamily="34" charset="-127"/>
-                          <a:ea typeface="Noto Sans CJK KR Light" panose="020B0300000000000000" pitchFamily="34" charset="-127"/>
-                        </a:rPr>
-                        <a:t> </a:t>
-                      </a:r>
-                      <a:r>
-                        <a:rPr lang="en-US" altLang="ko-KR" sz="800" baseline="0" dirty="0">
-                          <a:solidFill>
-                            <a:schemeClr val="tx1">
-                              <a:lumMod val="75000"/>
-                              <a:lumOff val="25000"/>
-                            </a:schemeClr>
-                          </a:solidFill>
-                          <a:latin typeface="Noto Sans CJK KR Light" panose="020B0300000000000000" pitchFamily="34" charset="-127"/>
-                          <a:ea typeface="Noto Sans CJK KR Light" panose="020B0300000000000000" pitchFamily="34" charset="-127"/>
-                        </a:rPr>
-                        <a:t>:</a:t>
-                      </a:r>
-                      <a:r>
-                        <a:rPr lang="ko-KR" altLang="en-US" sz="800" baseline="0" dirty="0">
-                          <a:solidFill>
-                            <a:schemeClr val="tx1">
-                              <a:lumMod val="75000"/>
-                              <a:lumOff val="25000"/>
-                            </a:schemeClr>
-                          </a:solidFill>
-                          <a:latin typeface="Noto Sans CJK KR Light" panose="020B0300000000000000" pitchFamily="34" charset="-127"/>
-                          <a:ea typeface="Noto Sans CJK KR Light" panose="020B0300000000000000" pitchFamily="34" charset="-127"/>
-                        </a:rPr>
-                        <a:t> </a:t>
-                      </a:r>
-                      <a:r>
-                        <a:rPr lang="en-US" altLang="ko-KR" sz="800" baseline="0" dirty="0">
-                          <a:solidFill>
-                            <a:schemeClr val="tx1">
-                              <a:lumMod val="75000"/>
-                              <a:lumOff val="25000"/>
-                            </a:schemeClr>
-                          </a:solidFill>
-                          <a:latin typeface="Noto Sans CJK KR Light" panose="020B0300000000000000" pitchFamily="34" charset="-127"/>
-                          <a:ea typeface="Noto Sans CJK KR Light" panose="020B0300000000000000" pitchFamily="34" charset="-127"/>
-                        </a:rPr>
-                        <a:t>Password</a:t>
-                      </a:r>
-                    </a:p>
-                    <a:p>
-                      <a:pPr marL="171450" marR="0" lvl="0" indent="-171450" algn="l" defTabSz="914400" rtl="0" eaLnBrk="1" fontAlgn="auto" latinLnBrk="1" hangingPunct="1">
-                        <a:lnSpc>
-                          <a:spcPct val="100000"/>
-                        </a:lnSpc>
-                        <a:spcBef>
-                          <a:spcPts val="0"/>
-                        </a:spcBef>
-                        <a:spcAft>
-                          <a:spcPts val="0"/>
-                        </a:spcAft>
-                        <a:buClrTx/>
-                        <a:buSzTx/>
-                        <a:buFontTx/>
-                        <a:buChar char="-"/>
-                        <a:tabLst/>
-                        <a:defRPr/>
-                      </a:pPr>
-                      <a:endParaRPr lang="en-US" altLang="ko-KR" sz="800" baseline="0" dirty="0">
+                      <a:endParaRPr lang="en-US" altLang="ko-Kore-KR" sz="800" dirty="0">
                         <a:solidFill>
                           <a:schemeClr val="tx1">
                             <a:lumMod val="75000"/>
@@ -11964,396 +17939,7 @@
                         <a:tabLst/>
                         <a:defRPr/>
                       </a:pPr>
-                      <a:br>
-                        <a:rPr lang="en-US" altLang="ko-KR" sz="800" baseline="0" dirty="0">
-                          <a:solidFill>
-                            <a:schemeClr val="tx1">
-                              <a:lumMod val="75000"/>
-                              <a:lumOff val="25000"/>
-                            </a:schemeClr>
-                          </a:solidFill>
-                          <a:latin typeface="Noto Sans CJK KR Light" panose="020B0300000000000000" pitchFamily="34" charset="-127"/>
-                          <a:ea typeface="Noto Sans CJK KR Light" panose="020B0300000000000000" pitchFamily="34" charset="-127"/>
-                        </a:rPr>
-                      </a:br>
-                      <a:br>
-                        <a:rPr lang="en-US" altLang="ko-KR" sz="800" baseline="0" dirty="0">
-                          <a:solidFill>
-                            <a:schemeClr val="tx1">
-                              <a:lumMod val="75000"/>
-                              <a:lumOff val="25000"/>
-                            </a:schemeClr>
-                          </a:solidFill>
-                          <a:latin typeface="Noto Sans CJK KR Light" panose="020B0300000000000000" pitchFamily="34" charset="-127"/>
-                          <a:ea typeface="Noto Sans CJK KR Light" panose="020B0300000000000000" pitchFamily="34" charset="-127"/>
-                        </a:rPr>
-                      </a:br>
-                      <a:endParaRPr lang="en-US" altLang="ko-KR" sz="800" baseline="0" dirty="0">
-                        <a:solidFill>
-                          <a:schemeClr val="tx1">
-                            <a:lumMod val="75000"/>
-                            <a:lumOff val="25000"/>
-                          </a:schemeClr>
-                        </a:solidFill>
-                        <a:latin typeface="Noto Sans CJK KR Light" panose="020B0300000000000000" pitchFamily="34" charset="-127"/>
-                        <a:ea typeface="Noto Sans CJK KR Light" panose="020B0300000000000000" pitchFamily="34" charset="-127"/>
-                      </a:endParaRPr>
-                    </a:p>
-                  </a:txBody>
-                  <a:tcPr marL="54000" marR="54000" marT="36000" marB="36000">
-                    <a:lnL w="3175" cap="flat" cmpd="sng" algn="ctr">
-                      <a:noFill/>
-                      <a:prstDash val="solid"/>
-                      <a:round/>
-                      <a:headEnd type="none" w="med" len="med"/>
-                      <a:tailEnd type="none" w="med" len="med"/>
-                    </a:lnL>
-                    <a:lnR w="3175" cap="flat" cmpd="sng" algn="ctr">
-                      <a:noFill/>
-                      <a:prstDash val="solid"/>
-                      <a:round/>
-                      <a:headEnd type="none" w="med" len="med"/>
-                      <a:tailEnd type="none" w="med" len="med"/>
-                    </a:lnR>
-                    <a:lnT w="3175" cap="flat" cmpd="sng" algn="ctr">
-                      <a:solidFill>
-                        <a:schemeClr val="bg1">
-                          <a:lumMod val="75000"/>
-                        </a:schemeClr>
-                      </a:solidFill>
-                      <a:prstDash val="solid"/>
-                      <a:round/>
-                      <a:headEnd type="none" w="med" len="med"/>
-                      <a:tailEnd type="none" w="med" len="med"/>
-                    </a:lnT>
-                    <a:lnB w="3175" cap="flat" cmpd="sng" algn="ctr">
-                      <a:solidFill>
-                        <a:schemeClr val="bg1">
-                          <a:lumMod val="75000"/>
-                        </a:schemeClr>
-                      </a:solidFill>
-                      <a:prstDash val="solid"/>
-                      <a:round/>
-                      <a:headEnd type="none" w="med" len="med"/>
-                      <a:tailEnd type="none" w="med" len="med"/>
-                    </a:lnB>
-                    <a:lnTlToBr w="12700" cmpd="sng">
-                      <a:noFill/>
-                      <a:prstDash val="solid"/>
-                    </a:lnTlToBr>
-                    <a:lnBlToTr w="12700" cmpd="sng">
-                      <a:noFill/>
-                      <a:prstDash val="solid"/>
-                    </a:lnBlToTr>
-                    <a:noFill/>
-                  </a:tcPr>
-                </a:tc>
-                <a:extLst>
-                  <a:ext uri="{0D108BD9-81ED-4DB2-BD59-A6C34878D82A}">
-                    <a16:rowId xmlns:a16="http://schemas.microsoft.com/office/drawing/2014/main" val="10001"/>
-                  </a:ext>
-                </a:extLst>
-              </a:tr>
-              <a:tr h="279840">
-                <a:tc>
-                  <a:txBody>
-                    <a:bodyPr/>
-                    <a:lstStyle/>
-                    <a:p>
-                      <a:pPr latinLnBrk="1"/>
-                      <a:r>
-                        <a:rPr lang="en-US" altLang="ko-KR" sz="800" dirty="0">
-                          <a:solidFill>
-                            <a:schemeClr val="tx1">
-                              <a:lumMod val="75000"/>
-                              <a:lumOff val="25000"/>
-                            </a:schemeClr>
-                          </a:solidFill>
-                          <a:latin typeface="Noto Sans CJK KR Light" panose="020B0300000000000000" pitchFamily="34" charset="-127"/>
-                          <a:ea typeface="Noto Sans CJK KR Light" panose="020B0300000000000000" pitchFamily="34" charset="-127"/>
-                        </a:rPr>
-                        <a:t>2</a:t>
-                      </a:r>
-                      <a:endParaRPr lang="ko-KR" altLang="en-US" sz="800" dirty="0">
-                        <a:solidFill>
-                          <a:schemeClr val="tx1">
-                            <a:lumMod val="75000"/>
-                            <a:lumOff val="25000"/>
-                          </a:schemeClr>
-                        </a:solidFill>
-                        <a:latin typeface="Noto Sans CJK KR Light" panose="020B0300000000000000" pitchFamily="34" charset="-127"/>
-                        <a:ea typeface="Noto Sans CJK KR Light" panose="020B0300000000000000" pitchFamily="34" charset="-127"/>
-                      </a:endParaRPr>
-                    </a:p>
-                  </a:txBody>
-                  <a:tcPr marL="54000" marR="54000" marT="36000" marB="36000">
-                    <a:lnL w="3175" cap="flat" cmpd="sng" algn="ctr">
-                      <a:noFill/>
-                      <a:prstDash val="solid"/>
-                      <a:round/>
-                      <a:headEnd type="none" w="med" len="med"/>
-                      <a:tailEnd type="none" w="med" len="med"/>
-                    </a:lnL>
-                    <a:lnR w="3175" cap="flat" cmpd="sng" algn="ctr">
-                      <a:solidFill>
-                        <a:schemeClr val="bg1">
-                          <a:lumMod val="75000"/>
-                        </a:schemeClr>
-                      </a:solidFill>
-                      <a:prstDash val="solid"/>
-                      <a:round/>
-                      <a:headEnd type="none" w="med" len="med"/>
-                      <a:tailEnd type="none" w="med" len="med"/>
-                    </a:lnR>
-                    <a:lnT w="3175" cap="flat" cmpd="sng" algn="ctr">
-                      <a:solidFill>
-                        <a:schemeClr val="bg1">
-                          <a:lumMod val="75000"/>
-                        </a:schemeClr>
-                      </a:solidFill>
-                      <a:prstDash val="solid"/>
-                      <a:round/>
-                      <a:headEnd type="none" w="med" len="med"/>
-                      <a:tailEnd type="none" w="med" len="med"/>
-                    </a:lnT>
-                    <a:lnB w="3175" cap="flat" cmpd="sng" algn="ctr">
-                      <a:solidFill>
-                        <a:schemeClr val="bg1">
-                          <a:lumMod val="75000"/>
-                        </a:schemeClr>
-                      </a:solidFill>
-                      <a:prstDash val="solid"/>
-                      <a:round/>
-                      <a:headEnd type="none" w="med" len="med"/>
-                      <a:tailEnd type="none" w="med" len="med"/>
-                    </a:lnB>
-                    <a:lnTlToBr w="12700" cmpd="sng">
-                      <a:noFill/>
-                      <a:prstDash val="solid"/>
-                    </a:lnTlToBr>
-                    <a:lnBlToTr w="12700" cmpd="sng">
-                      <a:noFill/>
-                      <a:prstDash val="solid"/>
-                    </a:lnBlToTr>
-                    <a:noFill/>
-                  </a:tcPr>
-                </a:tc>
-                <a:tc>
-                  <a:txBody>
-                    <a:bodyPr/>
-                    <a:lstStyle/>
-                    <a:p>
-                      <a:pPr latinLnBrk="1"/>
-                      <a:r>
-                        <a:rPr lang="en-US" altLang="ko-KR" sz="800" dirty="0">
-                          <a:solidFill>
-                            <a:schemeClr val="tx1">
-                              <a:lumMod val="75000"/>
-                              <a:lumOff val="25000"/>
-                            </a:schemeClr>
-                          </a:solidFill>
-                          <a:latin typeface="Noto Sans CJK KR Light" panose="020B0300000000000000" pitchFamily="34" charset="-127"/>
-                          <a:ea typeface="Noto Sans CJK KR Light" panose="020B0300000000000000" pitchFamily="34" charset="-127"/>
-                        </a:rPr>
-                        <a:t>Login </a:t>
-                      </a:r>
-                      <a:r>
-                        <a:rPr lang="en-US" altLang="ko-KR" sz="800" dirty="0" err="1">
-                          <a:solidFill>
-                            <a:schemeClr val="tx1">
-                              <a:lumMod val="75000"/>
-                              <a:lumOff val="25000"/>
-                            </a:schemeClr>
-                          </a:solidFill>
-                          <a:latin typeface="Noto Sans CJK KR Light" panose="020B0300000000000000" pitchFamily="34" charset="-127"/>
-                          <a:ea typeface="Noto Sans CJK KR Light" panose="020B0300000000000000" pitchFamily="34" charset="-127"/>
-                        </a:rPr>
-                        <a:t>btn</a:t>
-                      </a:r>
-                      <a:endParaRPr lang="en-US" altLang="ko-KR" sz="800" dirty="0">
-                        <a:solidFill>
-                          <a:schemeClr val="tx1">
-                            <a:lumMod val="75000"/>
-                            <a:lumOff val="25000"/>
-                          </a:schemeClr>
-                        </a:solidFill>
-                        <a:latin typeface="Noto Sans CJK KR Light" panose="020B0300000000000000" pitchFamily="34" charset="-127"/>
-                        <a:ea typeface="Noto Sans CJK KR Light" panose="020B0300000000000000" pitchFamily="34" charset="-127"/>
-                      </a:endParaRPr>
-                    </a:p>
-                  </a:txBody>
-                  <a:tcPr marL="54000" marR="54000" marT="36000" marB="36000">
-                    <a:lnL w="3175" cap="flat" cmpd="sng" algn="ctr">
-                      <a:solidFill>
-                        <a:schemeClr val="bg1">
-                          <a:lumMod val="75000"/>
-                        </a:schemeClr>
-                      </a:solidFill>
-                      <a:prstDash val="solid"/>
-                      <a:round/>
-                      <a:headEnd type="none" w="med" len="med"/>
-                      <a:tailEnd type="none" w="med" len="med"/>
-                    </a:lnL>
-                    <a:lnR w="3175" cap="flat" cmpd="sng" algn="ctr">
-                      <a:noFill/>
-                      <a:prstDash val="solid"/>
-                      <a:round/>
-                      <a:headEnd type="none" w="med" len="med"/>
-                      <a:tailEnd type="none" w="med" len="med"/>
-                    </a:lnR>
-                    <a:lnT w="3175" cap="flat" cmpd="sng" algn="ctr">
-                      <a:solidFill>
-                        <a:schemeClr val="bg1">
-                          <a:lumMod val="75000"/>
-                        </a:schemeClr>
-                      </a:solidFill>
-                      <a:prstDash val="solid"/>
-                      <a:round/>
-                      <a:headEnd type="none" w="med" len="med"/>
-                      <a:tailEnd type="none" w="med" len="med"/>
-                    </a:lnT>
-                    <a:lnB w="3175" cap="flat" cmpd="sng" algn="ctr">
-                      <a:solidFill>
-                        <a:schemeClr val="bg1">
-                          <a:lumMod val="75000"/>
-                        </a:schemeClr>
-                      </a:solidFill>
-                      <a:prstDash val="solid"/>
-                      <a:round/>
-                      <a:headEnd type="none" w="med" len="med"/>
-                      <a:tailEnd type="none" w="med" len="med"/>
-                    </a:lnB>
-                    <a:lnTlToBr w="12700" cmpd="sng">
-                      <a:noFill/>
-                      <a:prstDash val="solid"/>
-                    </a:lnTlToBr>
-                    <a:lnBlToTr w="12700" cmpd="sng">
-                      <a:noFill/>
-                      <a:prstDash val="solid"/>
-                    </a:lnBlToTr>
-                    <a:noFill/>
-                  </a:tcPr>
-                </a:tc>
-                <a:tc>
-                  <a:txBody>
-                    <a:bodyPr/>
-                    <a:lstStyle/>
-                    <a:p>
-                      <a:pPr marL="0" marR="0" lvl="0" indent="0" algn="l" defTabSz="914400" rtl="0" eaLnBrk="1" fontAlgn="auto" latinLnBrk="1" hangingPunct="1">
-                        <a:lnSpc>
-                          <a:spcPct val="100000"/>
-                        </a:lnSpc>
-                        <a:spcBef>
-                          <a:spcPts val="0"/>
-                        </a:spcBef>
-                        <a:spcAft>
-                          <a:spcPts val="0"/>
-                        </a:spcAft>
-                        <a:buClrTx/>
-                        <a:buSzTx/>
-                        <a:buFontTx/>
-                        <a:buNone/>
-                        <a:tabLst/>
-                        <a:defRPr/>
-                      </a:pPr>
-                      <a:r>
-                        <a:rPr lang="ko-KR" altLang="en-US" sz="800" dirty="0">
-                          <a:solidFill>
-                            <a:schemeClr val="tx1">
-                              <a:lumMod val="75000"/>
-                              <a:lumOff val="25000"/>
-                            </a:schemeClr>
-                          </a:solidFill>
-                          <a:latin typeface="Noto Sans CJK KR Light" panose="020B0300000000000000" pitchFamily="34" charset="-127"/>
-                          <a:ea typeface="Noto Sans CJK KR Light" panose="020B0300000000000000" pitchFamily="34" charset="-127"/>
-                        </a:rPr>
-                        <a:t>클릭 시 아래 경우에 따라 진행</a:t>
-                      </a:r>
-                      <a:endParaRPr lang="en-US" altLang="ko-KR" sz="800" dirty="0">
-                        <a:solidFill>
-                          <a:schemeClr val="tx1">
-                            <a:lumMod val="75000"/>
-                            <a:lumOff val="25000"/>
-                          </a:schemeClr>
-                        </a:solidFill>
-                        <a:latin typeface="Noto Sans CJK KR Light" panose="020B0300000000000000" pitchFamily="34" charset="-127"/>
-                        <a:ea typeface="Noto Sans CJK KR Light" panose="020B0300000000000000" pitchFamily="34" charset="-127"/>
-                      </a:endParaRPr>
-                    </a:p>
-                    <a:p>
-                      <a:pPr marL="0" marR="0" lvl="0" indent="0" algn="l" defTabSz="914400" rtl="0" eaLnBrk="1" fontAlgn="auto" latinLnBrk="1" hangingPunct="1">
-                        <a:lnSpc>
-                          <a:spcPct val="100000"/>
-                        </a:lnSpc>
-                        <a:spcBef>
-                          <a:spcPts val="0"/>
-                        </a:spcBef>
-                        <a:spcAft>
-                          <a:spcPts val="0"/>
-                        </a:spcAft>
-                        <a:buClrTx/>
-                        <a:buSzTx/>
-                        <a:buFontTx/>
-                        <a:buNone/>
-                        <a:tabLst/>
-                        <a:defRPr/>
-                      </a:pPr>
-                      <a:endParaRPr lang="en-US" altLang="ko-KR" sz="800" dirty="0">
-                        <a:solidFill>
-                          <a:schemeClr val="tx1">
-                            <a:lumMod val="75000"/>
-                            <a:lumOff val="25000"/>
-                          </a:schemeClr>
-                        </a:solidFill>
-                        <a:latin typeface="Noto Sans CJK KR Light" panose="020B0300000000000000" pitchFamily="34" charset="-127"/>
-                        <a:ea typeface="Noto Sans CJK KR Light" panose="020B0300000000000000" pitchFamily="34" charset="-127"/>
-                      </a:endParaRPr>
-                    </a:p>
-                    <a:p>
-                      <a:pPr marL="0" marR="0" lvl="0" indent="0" algn="l" defTabSz="914400" rtl="0" eaLnBrk="1" fontAlgn="auto" latinLnBrk="1" hangingPunct="1">
-                        <a:lnSpc>
-                          <a:spcPct val="100000"/>
-                        </a:lnSpc>
-                        <a:spcBef>
-                          <a:spcPts val="0"/>
-                        </a:spcBef>
-                        <a:spcAft>
-                          <a:spcPts val="0"/>
-                        </a:spcAft>
-                        <a:buClrTx/>
-                        <a:buSzTx/>
-                        <a:buFontTx/>
-                        <a:buNone/>
-                        <a:tabLst/>
-                        <a:defRPr/>
-                      </a:pPr>
-                      <a:r>
-                        <a:rPr lang="en-US" altLang="ko-KR" sz="800" dirty="0">
-                          <a:solidFill>
-                            <a:schemeClr val="tx1">
-                              <a:lumMod val="75000"/>
-                              <a:lumOff val="25000"/>
-                            </a:schemeClr>
-                          </a:solidFill>
-                          <a:latin typeface="Noto Sans CJK KR Light" panose="020B0300000000000000" pitchFamily="34" charset="-127"/>
-                          <a:ea typeface="Noto Sans CJK KR Light" panose="020B0300000000000000" pitchFamily="34" charset="-127"/>
-                        </a:rPr>
-                        <a:t>※ </a:t>
-                      </a:r>
-                      <a:r>
-                        <a:rPr lang="ko-KR" altLang="en-US" sz="800" dirty="0">
-                          <a:solidFill>
-                            <a:schemeClr val="tx1">
-                              <a:lumMod val="75000"/>
-                              <a:lumOff val="25000"/>
-                            </a:schemeClr>
-                          </a:solidFill>
-                          <a:latin typeface="Noto Sans CJK KR Light" panose="020B0300000000000000" pitchFamily="34" charset="-127"/>
-                          <a:ea typeface="Noto Sans CJK KR Light" panose="020B0300000000000000" pitchFamily="34" charset="-127"/>
-                        </a:rPr>
-                        <a:t>아이디 혹은 비밀번호가 틀렸을 경우</a:t>
-                      </a:r>
-                      <a:endParaRPr lang="en-US" altLang="ko-KR" sz="800" dirty="0">
+                      <a:endParaRPr lang="en-US" altLang="ko-KR" sz="800" b="0" dirty="0">
                         <a:solidFill>
                           <a:schemeClr val="tx1">
                             <a:lumMod val="75000"/>
@@ -12393,7 +17979,7 @@
                           <a:latin typeface="Noto Sans CJK KR Light" panose="020B0300000000000000" pitchFamily="34" charset="-127"/>
                           <a:ea typeface="Noto Sans CJK KR Light" panose="020B0300000000000000" pitchFamily="34" charset="-127"/>
                         </a:rPr>
-                        <a:t>1-3) </a:t>
+                        <a:t>※ </a:t>
                       </a:r>
                       <a:r>
                         <a:rPr lang="ko-KR" altLang="en-US" sz="800" b="0" baseline="0" dirty="0">
@@ -12406,37 +17992,8 @@
                           <a:latin typeface="Noto Sans CJK KR Light" panose="020B0300000000000000" pitchFamily="34" charset="-127"/>
                           <a:ea typeface="Noto Sans CJK KR Light" panose="020B0300000000000000" pitchFamily="34" charset="-127"/>
                         </a:rPr>
-                        <a:t>과 동일하게 진행</a:t>
+                        <a:t>아이디가 중복되어 있는 경우 </a:t>
                       </a:r>
-                      <a:endParaRPr lang="en-US" altLang="ko-KR" sz="800" b="0" baseline="0" dirty="0">
-                        <a:solidFill>
-                          <a:schemeClr val="tx1">
-                            <a:lumMod val="75000"/>
-                            <a:lumOff val="25000"/>
-                          </a:schemeClr>
-                        </a:solidFill>
-                        <a:latin typeface="Noto Sans CJK KR Light" panose="020B0300000000000000" pitchFamily="34" charset="-127"/>
-                        <a:ea typeface="Noto Sans CJK KR Light" panose="020B0300000000000000" pitchFamily="34" charset="-127"/>
-                      </a:endParaRPr>
-                    </a:p>
-                    <a:p>
-                      <a:pPr marL="0" marR="0" lvl="0" indent="0" algn="l" defTabSz="914400" rtl="0" eaLnBrk="1" fontAlgn="auto" latinLnBrk="1" hangingPunct="1">
-                        <a:lnSpc>
-                          <a:spcPct val="100000"/>
-                        </a:lnSpc>
-                        <a:spcBef>
-                          <a:spcPts val="0"/>
-                        </a:spcBef>
-                        <a:spcAft>
-                          <a:spcPts val="0"/>
-                        </a:spcAft>
-                        <a:buClrTx/>
-                        <a:buSzTx/>
-                        <a:buFontTx/>
-                        <a:buNone/>
-                        <a:tabLst/>
-                        <a:defRPr/>
-                      </a:pPr>
                       <a:r>
                         <a:rPr lang="en-US" altLang="ko-KR" sz="800" b="0" baseline="0" dirty="0">
                           <a:solidFill>
@@ -12448,7 +18005,7 @@
                           <a:latin typeface="Noto Sans CJK KR Light" panose="020B0300000000000000" pitchFamily="34" charset="-127"/>
                           <a:ea typeface="Noto Sans CJK KR Light" panose="020B0300000000000000" pitchFamily="34" charset="-127"/>
                         </a:rPr>
-                        <a:t>text : </a:t>
+                        <a:t>A) </a:t>
                       </a:r>
                       <a:r>
                         <a:rPr lang="ko-KR" altLang="en-US" sz="800" b="0" baseline="0" dirty="0">
@@ -12461,21 +18018,18 @@
                           <a:latin typeface="Noto Sans CJK KR Light" panose="020B0300000000000000" pitchFamily="34" charset="-127"/>
                           <a:ea typeface="Noto Sans CJK KR Light" panose="020B0300000000000000" pitchFamily="34" charset="-127"/>
                         </a:rPr>
-                        <a:t>아이디 혹은 비밀번호가 일치하지 않습니다</a:t>
+                        <a:t>팝업 노출</a:t>
                       </a:r>
-                      <a:r>
-                        <a:rPr lang="en-US" altLang="ko-KR" sz="800" b="0" baseline="0" dirty="0">
-                          <a:solidFill>
-                            <a:schemeClr val="tx1">
-                              <a:lumMod val="75000"/>
-                              <a:lumOff val="25000"/>
-                            </a:schemeClr>
-                          </a:solidFill>
-                          <a:latin typeface="Noto Sans CJK KR Light" panose="020B0300000000000000" pitchFamily="34" charset="-127"/>
-                          <a:ea typeface="Noto Sans CJK KR Light" panose="020B0300000000000000" pitchFamily="34" charset="-127"/>
-                        </a:rPr>
-                        <a:t>.</a:t>
-                      </a:r>
+                      <a:endParaRPr lang="en-US" altLang="ko-KR" sz="800" b="0" baseline="0" dirty="0">
+                        <a:solidFill>
+                          <a:schemeClr val="tx1">
+                            <a:lumMod val="75000"/>
+                            <a:lumOff val="25000"/>
+                          </a:schemeClr>
+                        </a:solidFill>
+                        <a:latin typeface="Noto Sans CJK KR Light" panose="020B0300000000000000" pitchFamily="34" charset="-127"/>
+                        <a:ea typeface="Noto Sans CJK KR Light" panose="020B0300000000000000" pitchFamily="34" charset="-127"/>
+                      </a:endParaRPr>
                     </a:p>
                     <a:p>
                       <a:pPr marL="0" marR="0" lvl="0" indent="0" algn="l" defTabSz="914400" rtl="0" eaLnBrk="1" fontAlgn="auto" latinLnBrk="1" hangingPunct="1">
@@ -12548,20 +18102,8 @@
                           <a:latin typeface="Noto Sans CJK KR Light" panose="020B0300000000000000" pitchFamily="34" charset="-127"/>
                           <a:ea typeface="Noto Sans CJK KR Light" panose="020B0300000000000000" pitchFamily="34" charset="-127"/>
                         </a:rPr>
-                        <a:t>정상적으로 아이디와 비밀번호를 입력 했을 경우</a:t>
+                        <a:t>아이디가 사용할 수 있는 경우 </a:t>
                       </a:r>
-                      <a:br>
-                        <a:rPr lang="en-US" altLang="ko-KR" sz="800" b="0" baseline="0" dirty="0">
-                          <a:solidFill>
-                            <a:schemeClr val="tx1">
-                              <a:lumMod val="75000"/>
-                              <a:lumOff val="25000"/>
-                            </a:schemeClr>
-                          </a:solidFill>
-                          <a:latin typeface="Noto Sans CJK KR Light" panose="020B0300000000000000" pitchFamily="34" charset="-127"/>
-                          <a:ea typeface="Noto Sans CJK KR Light" panose="020B0300000000000000" pitchFamily="34" charset="-127"/>
-                        </a:rPr>
-                      </a:br>
                       <a:r>
                         <a:rPr lang="en-US" altLang="ko-KR" sz="800" b="0" baseline="0" dirty="0">
                           <a:solidFill>
@@ -12573,7 +18115,7 @@
                           <a:latin typeface="Noto Sans CJK KR Light" panose="020B0300000000000000" pitchFamily="34" charset="-127"/>
                           <a:ea typeface="Noto Sans CJK KR Light" panose="020B0300000000000000" pitchFamily="34" charset="-127"/>
                         </a:rPr>
-                        <a:t>index.html </a:t>
+                        <a:t>B) </a:t>
                       </a:r>
                       <a:r>
                         <a:rPr lang="ko-KR" altLang="en-US" sz="800" b="0" baseline="0" dirty="0">
@@ -12586,9 +18128,280 @@
                           <a:latin typeface="Noto Sans CJK KR Light" panose="020B0300000000000000" pitchFamily="34" charset="-127"/>
                           <a:ea typeface="Noto Sans CJK KR Light" panose="020B0300000000000000" pitchFamily="34" charset="-127"/>
                         </a:rPr>
-                        <a:t>로 이동</a:t>
+                        <a:t>팝업 노출</a:t>
                       </a:r>
-                      <a:endParaRPr lang="en-US" altLang="ko-KR" sz="800" b="0" dirty="0">
+                      <a:endParaRPr lang="en-US" altLang="ko-KR" sz="800" b="0" baseline="0" dirty="0">
+                        <a:solidFill>
+                          <a:schemeClr val="tx1">
+                            <a:lumMod val="75000"/>
+                            <a:lumOff val="25000"/>
+                          </a:schemeClr>
+                        </a:solidFill>
+                        <a:latin typeface="Noto Sans CJK KR Light" panose="020B0300000000000000" pitchFamily="34" charset="-127"/>
+                        <a:ea typeface="Noto Sans CJK KR Light" panose="020B0300000000000000" pitchFamily="34" charset="-127"/>
+                      </a:endParaRPr>
+                    </a:p>
+                    <a:p>
+                      <a:pPr marL="0" marR="0" lvl="0" indent="0" algn="l" defTabSz="914400" rtl="0" eaLnBrk="1" fontAlgn="auto" latinLnBrk="1" hangingPunct="1">
+                        <a:lnSpc>
+                          <a:spcPct val="100000"/>
+                        </a:lnSpc>
+                        <a:spcBef>
+                          <a:spcPts val="0"/>
+                        </a:spcBef>
+                        <a:spcAft>
+                          <a:spcPts val="0"/>
+                        </a:spcAft>
+                        <a:buClrTx/>
+                        <a:buSzTx/>
+                        <a:buFontTx/>
+                        <a:buNone/>
+                        <a:tabLst/>
+                        <a:defRPr/>
+                      </a:pPr>
+                      <a:endParaRPr lang="en-US" altLang="ko-KR" sz="800" b="0" baseline="0" dirty="0">
+                        <a:solidFill>
+                          <a:schemeClr val="tx1">
+                            <a:lumMod val="75000"/>
+                            <a:lumOff val="25000"/>
+                          </a:schemeClr>
+                        </a:solidFill>
+                        <a:latin typeface="Noto Sans CJK KR Light" panose="020B0300000000000000" pitchFamily="34" charset="-127"/>
+                        <a:ea typeface="Noto Sans CJK KR Light" panose="020B0300000000000000" pitchFamily="34" charset="-127"/>
+                      </a:endParaRPr>
+                    </a:p>
+                  </a:txBody>
+                  <a:tcPr marL="54000" marR="54000" marT="36000" marB="36000">
+                    <a:lnL w="3175" cap="flat" cmpd="sng" algn="ctr">
+                      <a:noFill/>
+                      <a:prstDash val="solid"/>
+                      <a:round/>
+                      <a:headEnd type="none" w="med" len="med"/>
+                      <a:tailEnd type="none" w="med" len="med"/>
+                    </a:lnL>
+                    <a:lnR w="3175" cap="flat" cmpd="sng" algn="ctr">
+                      <a:noFill/>
+                      <a:prstDash val="solid"/>
+                      <a:round/>
+                      <a:headEnd type="none" w="med" len="med"/>
+                      <a:tailEnd type="none" w="med" len="med"/>
+                    </a:lnR>
+                    <a:lnT w="3175" cap="flat" cmpd="sng" algn="ctr">
+                      <a:solidFill>
+                        <a:schemeClr val="bg1">
+                          <a:lumMod val="75000"/>
+                        </a:schemeClr>
+                      </a:solidFill>
+                      <a:prstDash val="solid"/>
+                      <a:round/>
+                      <a:headEnd type="none" w="med" len="med"/>
+                      <a:tailEnd type="none" w="med" len="med"/>
+                    </a:lnT>
+                    <a:lnB w="3175" cap="flat" cmpd="sng" algn="ctr">
+                      <a:solidFill>
+                        <a:schemeClr val="bg1">
+                          <a:lumMod val="75000"/>
+                        </a:schemeClr>
+                      </a:solidFill>
+                      <a:prstDash val="solid"/>
+                      <a:round/>
+                      <a:headEnd type="none" w="med" len="med"/>
+                      <a:tailEnd type="none" w="med" len="med"/>
+                    </a:lnB>
+                    <a:lnTlToBr w="12700" cmpd="sng">
+                      <a:noFill/>
+                      <a:prstDash val="solid"/>
+                    </a:lnTlToBr>
+                    <a:lnBlToTr w="12700" cmpd="sng">
+                      <a:noFill/>
+                      <a:prstDash val="solid"/>
+                    </a:lnBlToTr>
+                    <a:noFill/>
+                  </a:tcPr>
+                </a:tc>
+                <a:extLst>
+                  <a:ext uri="{0D108BD9-81ED-4DB2-BD59-A6C34878D82A}">
+                    <a16:rowId xmlns:a16="http://schemas.microsoft.com/office/drawing/2014/main" val="10001"/>
+                  </a:ext>
+                </a:extLst>
+              </a:tr>
+              <a:tr h="279840">
+                <a:tc>
+                  <a:txBody>
+                    <a:bodyPr/>
+                    <a:lstStyle/>
+                    <a:p>
+                      <a:pPr latinLnBrk="1"/>
+                      <a:r>
+                        <a:rPr lang="en-US" altLang="ko-KR" sz="800" dirty="0">
+                          <a:solidFill>
+                            <a:schemeClr val="tx1">
+                              <a:lumMod val="75000"/>
+                              <a:lumOff val="25000"/>
+                            </a:schemeClr>
+                          </a:solidFill>
+                          <a:latin typeface="Noto Sans CJK KR Light" panose="020B0300000000000000" pitchFamily="34" charset="-127"/>
+                          <a:ea typeface="Noto Sans CJK KR Light" panose="020B0300000000000000" pitchFamily="34" charset="-127"/>
+                        </a:rPr>
+                        <a:t>2</a:t>
+                      </a:r>
+                      <a:endParaRPr lang="ko-KR" altLang="en-US" sz="800" dirty="0">
+                        <a:solidFill>
+                          <a:schemeClr val="tx1">
+                            <a:lumMod val="75000"/>
+                            <a:lumOff val="25000"/>
+                          </a:schemeClr>
+                        </a:solidFill>
+                        <a:latin typeface="Noto Sans CJK KR Light" panose="020B0300000000000000" pitchFamily="34" charset="-127"/>
+                        <a:ea typeface="Noto Sans CJK KR Light" panose="020B0300000000000000" pitchFamily="34" charset="-127"/>
+                      </a:endParaRPr>
+                    </a:p>
+                  </a:txBody>
+                  <a:tcPr marL="54000" marR="54000" marT="36000" marB="36000">
+                    <a:lnL w="3175" cap="flat" cmpd="sng" algn="ctr">
+                      <a:noFill/>
+                      <a:prstDash val="solid"/>
+                      <a:round/>
+                      <a:headEnd type="none" w="med" len="med"/>
+                      <a:tailEnd type="none" w="med" len="med"/>
+                    </a:lnL>
+                    <a:lnR w="3175" cap="flat" cmpd="sng" algn="ctr">
+                      <a:solidFill>
+                        <a:schemeClr val="bg1">
+                          <a:lumMod val="75000"/>
+                        </a:schemeClr>
+                      </a:solidFill>
+                      <a:prstDash val="solid"/>
+                      <a:round/>
+                      <a:headEnd type="none" w="med" len="med"/>
+                      <a:tailEnd type="none" w="med" len="med"/>
+                    </a:lnR>
+                    <a:lnT w="3175" cap="flat" cmpd="sng" algn="ctr">
+                      <a:solidFill>
+                        <a:schemeClr val="bg1">
+                          <a:lumMod val="75000"/>
+                        </a:schemeClr>
+                      </a:solidFill>
+                      <a:prstDash val="solid"/>
+                      <a:round/>
+                      <a:headEnd type="none" w="med" len="med"/>
+                      <a:tailEnd type="none" w="med" len="med"/>
+                    </a:lnT>
+                    <a:lnB w="3175" cap="flat" cmpd="sng" algn="ctr">
+                      <a:solidFill>
+                        <a:schemeClr val="bg1">
+                          <a:lumMod val="75000"/>
+                        </a:schemeClr>
+                      </a:solidFill>
+                      <a:prstDash val="solid"/>
+                      <a:round/>
+                      <a:headEnd type="none" w="med" len="med"/>
+                      <a:tailEnd type="none" w="med" len="med"/>
+                    </a:lnB>
+                    <a:lnTlToBr w="12700" cmpd="sng">
+                      <a:noFill/>
+                      <a:prstDash val="solid"/>
+                    </a:lnTlToBr>
+                    <a:lnBlToTr w="12700" cmpd="sng">
+                      <a:noFill/>
+                      <a:prstDash val="solid"/>
+                    </a:lnBlToTr>
+                    <a:noFill/>
+                  </a:tcPr>
+                </a:tc>
+                <a:tc>
+                  <a:txBody>
+                    <a:bodyPr/>
+                    <a:lstStyle/>
+                    <a:p>
+                      <a:pPr latinLnBrk="1"/>
+                      <a:endParaRPr lang="en-US" altLang="ko-KR" sz="800" dirty="0">
+                        <a:solidFill>
+                          <a:schemeClr val="tx1">
+                            <a:lumMod val="75000"/>
+                            <a:lumOff val="25000"/>
+                          </a:schemeClr>
+                        </a:solidFill>
+                        <a:latin typeface="Noto Sans CJK KR Light" panose="020B0300000000000000" pitchFamily="34" charset="-127"/>
+                        <a:ea typeface="Noto Sans CJK KR Light" panose="020B0300000000000000" pitchFamily="34" charset="-127"/>
+                      </a:endParaRPr>
+                    </a:p>
+                  </a:txBody>
+                  <a:tcPr marL="54000" marR="54000" marT="36000" marB="36000">
+                    <a:lnL w="3175" cap="flat" cmpd="sng" algn="ctr">
+                      <a:solidFill>
+                        <a:schemeClr val="bg1">
+                          <a:lumMod val="75000"/>
+                        </a:schemeClr>
+                      </a:solidFill>
+                      <a:prstDash val="solid"/>
+                      <a:round/>
+                      <a:headEnd type="none" w="med" len="med"/>
+                      <a:tailEnd type="none" w="med" len="med"/>
+                    </a:lnL>
+                    <a:lnR w="3175" cap="flat" cmpd="sng" algn="ctr">
+                      <a:noFill/>
+                      <a:prstDash val="solid"/>
+                      <a:round/>
+                      <a:headEnd type="none" w="med" len="med"/>
+                      <a:tailEnd type="none" w="med" len="med"/>
+                    </a:lnR>
+                    <a:lnT w="3175" cap="flat" cmpd="sng" algn="ctr">
+                      <a:solidFill>
+                        <a:schemeClr val="bg1">
+                          <a:lumMod val="75000"/>
+                        </a:schemeClr>
+                      </a:solidFill>
+                      <a:prstDash val="solid"/>
+                      <a:round/>
+                      <a:headEnd type="none" w="med" len="med"/>
+                      <a:tailEnd type="none" w="med" len="med"/>
+                    </a:lnT>
+                    <a:lnB w="3175" cap="flat" cmpd="sng" algn="ctr">
+                      <a:solidFill>
+                        <a:schemeClr val="bg1">
+                          <a:lumMod val="75000"/>
+                        </a:schemeClr>
+                      </a:solidFill>
+                      <a:prstDash val="solid"/>
+                      <a:round/>
+                      <a:headEnd type="none" w="med" len="med"/>
+                      <a:tailEnd type="none" w="med" len="med"/>
+                    </a:lnB>
+                    <a:lnTlToBr w="12700" cmpd="sng">
+                      <a:noFill/>
+                      <a:prstDash val="solid"/>
+                    </a:lnTlToBr>
+                    <a:lnBlToTr w="12700" cmpd="sng">
+                      <a:noFill/>
+                      <a:prstDash val="solid"/>
+                    </a:lnBlToTr>
+                    <a:noFill/>
+                  </a:tcPr>
+                </a:tc>
+                <a:tc>
+                  <a:txBody>
+                    <a:bodyPr/>
+                    <a:lstStyle/>
+                    <a:p>
+                      <a:pPr marL="0" marR="0" lvl="0" indent="0" algn="l" defTabSz="914400" rtl="0" eaLnBrk="1" fontAlgn="auto" latinLnBrk="1" hangingPunct="1">
+                        <a:lnSpc>
+                          <a:spcPct val="100000"/>
+                        </a:lnSpc>
+                        <a:spcBef>
+                          <a:spcPts val="0"/>
+                        </a:spcBef>
+                        <a:spcAft>
+                          <a:spcPts val="0"/>
+                        </a:spcAft>
+                        <a:buClrTx/>
+                        <a:buSzTx/>
+                        <a:buFontTx/>
+                        <a:buNone/>
+                        <a:tabLst/>
+                        <a:defRPr/>
+                      </a:pPr>
+                      <a:endParaRPr lang="en-US" altLang="ko-KR" sz="800" b="0" baseline="0" dirty="0">
                         <a:solidFill>
                           <a:schemeClr val="tx1">
                             <a:lumMod val="75000"/>
@@ -12760,32 +18573,6 @@
                         <a:tabLst/>
                         <a:defRPr/>
                       </a:pPr>
-                      <a:r>
-                        <a:rPr lang="en-US" altLang="ko-KR" sz="800" dirty="0">
-                          <a:solidFill>
-                            <a:schemeClr val="tx1">
-                              <a:lumMod val="75000"/>
-                              <a:lumOff val="25000"/>
-                            </a:schemeClr>
-                          </a:solidFill>
-                          <a:latin typeface="Noto Sans CJK KR Light" panose="020B0300000000000000" pitchFamily="34" charset="-127"/>
-                          <a:ea typeface="Noto Sans CJK KR Light" panose="020B0300000000000000" pitchFamily="34" charset="-127"/>
-                        </a:rPr>
-                        <a:t>Signup </a:t>
-                      </a:r>
-                      <a:r>
-                        <a:rPr lang="en-US" altLang="ko-KR" sz="800" dirty="0" err="1">
-                          <a:solidFill>
-                            <a:schemeClr val="tx1">
-                              <a:lumMod val="75000"/>
-                              <a:lumOff val="25000"/>
-                            </a:schemeClr>
-                          </a:solidFill>
-                          <a:latin typeface="Noto Sans CJK KR Light" panose="020B0300000000000000" pitchFamily="34" charset="-127"/>
-                          <a:ea typeface="Noto Sans CJK KR Light" panose="020B0300000000000000" pitchFamily="34" charset="-127"/>
-                        </a:rPr>
-                        <a:t>btn</a:t>
-                      </a:r>
                       <a:endParaRPr lang="en-US" altLang="ko-KR" sz="800" dirty="0">
                         <a:solidFill>
                           <a:schemeClr val="tx1">
@@ -12872,45 +18659,6 @@
                         <a:tabLst/>
                         <a:defRPr/>
                       </a:pPr>
-                      <a:r>
-                        <a:rPr lang="ko-KR" altLang="en-US" sz="800" dirty="0">
-                          <a:solidFill>
-                            <a:schemeClr val="tx1">
-                              <a:lumMod val="75000"/>
-                              <a:lumOff val="25000"/>
-                            </a:schemeClr>
-                          </a:solidFill>
-                          <a:latin typeface="Noto Sans CJK KR Light" panose="020B0300000000000000" pitchFamily="34" charset="-127"/>
-                          <a:ea typeface="Noto Sans CJK KR Light" panose="020B0300000000000000" pitchFamily="34" charset="-127"/>
-                        </a:rPr>
-                        <a:t>클릭 시 </a:t>
-                      </a:r>
-                      <a:r>
-                        <a:rPr lang="en-US" altLang="ko-KR" sz="800" dirty="0">
-                          <a:solidFill>
-                            <a:schemeClr val="tx1">
-                              <a:lumMod val="75000"/>
-                              <a:lumOff val="25000"/>
-                            </a:schemeClr>
-                          </a:solidFill>
-                          <a:latin typeface="Noto Sans CJK KR Light" panose="020B0300000000000000" pitchFamily="34" charset="-127"/>
-                          <a:ea typeface="Noto Sans CJK KR Light" panose="020B0300000000000000" pitchFamily="34" charset="-127"/>
-                        </a:rPr>
-                        <a:t>signup.html </a:t>
-                      </a:r>
-                      <a:r>
-                        <a:rPr lang="ko-KR" altLang="en-US" sz="800" dirty="0">
-                          <a:solidFill>
-                            <a:schemeClr val="tx1">
-                              <a:lumMod val="75000"/>
-                              <a:lumOff val="25000"/>
-                            </a:schemeClr>
-                          </a:solidFill>
-                          <a:latin typeface="Noto Sans CJK KR Light" panose="020B0300000000000000" pitchFamily="34" charset="-127"/>
-                          <a:ea typeface="Noto Sans CJK KR Light" panose="020B0300000000000000" pitchFamily="34" charset="-127"/>
-                        </a:rPr>
-                        <a:t>로 이동</a:t>
-                      </a:r>
                       <a:endParaRPr lang="en-US" altLang="ko-KR" sz="800" dirty="0">
                         <a:solidFill>
                           <a:schemeClr val="tx1">
@@ -14250,7 +19998,7 @@
         </p:nvCxnSpPr>
         <p:spPr>
           <a:xfrm>
-            <a:off x="852851" y="2776278"/>
+            <a:off x="852851" y="3104014"/>
             <a:ext cx="2995249" cy="0"/>
           </a:xfrm>
           <a:prstGeom prst="line">
@@ -14286,7 +20034,7 @@
         </p:nvSpPr>
         <p:spPr>
           <a:xfrm>
-            <a:off x="742015" y="2476794"/>
+            <a:off x="742015" y="2804530"/>
             <a:ext cx="646331" cy="276999"/>
           </a:xfrm>
           <a:prstGeom prst="rect">
@@ -14321,8 +20069,8 @@
         </p:nvSpPr>
         <p:spPr>
           <a:xfrm>
-            <a:off x="1573197" y="2488335"/>
-            <a:ext cx="1592103" cy="253916"/>
+            <a:off x="1573197" y="2816071"/>
+            <a:ext cx="612668" cy="253916"/>
           </a:xfrm>
           <a:prstGeom prst="rect">
             <a:avLst/>
@@ -14336,15 +20084,10 @@
           <a:lstStyle/>
           <a:p>
             <a:r>
-              <a:rPr lang="ko-KR" altLang="en-US" sz="1050" dirty="0">
-                <a:solidFill>
-                  <a:schemeClr val="bg1">
-                    <a:lumMod val="75000"/>
-                  </a:schemeClr>
-                </a:solidFill>
-              </a:rPr>
-              <a:t>아이디를 입력해주세요</a:t>
+              <a:rPr lang="en-US" altLang="ko-KR" sz="1050" dirty="0" err="1"/>
+              <a:t>Slrspdla</a:t>
             </a:r>
+            <a:endParaRPr lang="ko-KR" altLang="en-US" sz="1050" dirty="0"/>
           </a:p>
         </p:txBody>
       </p:sp>
@@ -14362,7 +20105,7 @@
         </p:nvSpPr>
         <p:spPr>
           <a:xfrm>
-            <a:off x="1132852" y="4752691"/>
+            <a:off x="1132852" y="5080427"/>
             <a:ext cx="2314303" cy="352527"/>
           </a:xfrm>
           <a:prstGeom prst="roundRect">
@@ -14410,7 +20153,7 @@
         </p:nvSpPr>
         <p:spPr>
           <a:xfrm>
-            <a:off x="2023469" y="4775177"/>
+            <a:off x="2023469" y="5102913"/>
             <a:ext cx="670376" cy="276999"/>
           </a:xfrm>
           <a:prstGeom prst="rect">
@@ -14442,72 +20185,6 @@
       </p:sp>
       <p:sp>
         <p:nvSpPr>
-          <p:cNvPr id="73" name="타원 72">
-            <a:extLst>
-              <a:ext uri="{FF2B5EF4-FFF2-40B4-BE49-F238E27FC236}">
-                <a16:creationId xmlns:a16="http://schemas.microsoft.com/office/drawing/2014/main" id="{5730D42C-9607-DB3D-2646-137B2A4F6412}"/>
-              </a:ext>
-            </a:extLst>
-          </p:cNvPr>
-          <p:cNvSpPr/>
-          <p:nvPr/>
-        </p:nvSpPr>
-        <p:spPr>
-          <a:xfrm>
-            <a:off x="3504027" y="4813923"/>
-            <a:ext cx="199505" cy="199505"/>
-          </a:xfrm>
-          <a:prstGeom prst="ellipse">
-            <a:avLst/>
-          </a:prstGeom>
-          <a:solidFill>
-            <a:srgbClr val="FF0000"/>
-          </a:solidFill>
-          <a:ln w="3175">
-            <a:noFill/>
-          </a:ln>
-        </p:spPr>
-        <p:style>
-          <a:lnRef idx="1">
-            <a:schemeClr val="accent1"/>
-          </a:lnRef>
-          <a:fillRef idx="0">
-            <a:schemeClr val="accent1"/>
-          </a:fillRef>
-          <a:effectRef idx="0">
-            <a:schemeClr val="accent1"/>
-          </a:effectRef>
-          <a:fontRef idx="minor">
-            <a:schemeClr val="tx1"/>
-          </a:fontRef>
-        </p:style>
-        <p:txBody>
-          <a:bodyPr rtlCol="0" anchor="ctr"/>
-          <a:lstStyle/>
-          <a:p>
-            <a:pPr algn="ctr"/>
-            <a:r>
-              <a:rPr lang="en-US" altLang="ko-KR" sz="1200" dirty="0">
-                <a:solidFill>
-                  <a:schemeClr val="bg1"/>
-                </a:solidFill>
-                <a:latin typeface="Noto Sans CJK KR Bold" panose="020B0800000000000000" pitchFamily="34" charset="-127"/>
-                <a:ea typeface="Noto Sans CJK KR Bold" panose="020B0800000000000000" pitchFamily="34" charset="-127"/>
-              </a:rPr>
-              <a:t>2</a:t>
-            </a:r>
-            <a:endParaRPr lang="ko-KR" altLang="en-US" sz="1200" dirty="0">
-              <a:solidFill>
-                <a:schemeClr val="bg1"/>
-              </a:solidFill>
-              <a:latin typeface="Noto Sans CJK KR Bold" panose="020B0800000000000000" pitchFamily="34" charset="-127"/>
-              <a:ea typeface="Noto Sans CJK KR Bold" panose="020B0800000000000000" pitchFamily="34" charset="-127"/>
-            </a:endParaRPr>
-          </a:p>
-        </p:txBody>
-      </p:sp>
-      <p:sp>
-        <p:nvSpPr>
           <p:cNvPr id="5" name="TextBox 4">
             <a:extLst>
               <a:ext uri="{FF2B5EF4-FFF2-40B4-BE49-F238E27FC236}">
@@ -14520,7 +20197,7 @@
         </p:nvSpPr>
         <p:spPr>
           <a:xfrm>
-            <a:off x="742015" y="1589584"/>
+            <a:off x="742015" y="1322390"/>
             <a:ext cx="800219" cy="276999"/>
           </a:xfrm>
           <a:prstGeom prst="rect">
@@ -14557,7 +20234,7 @@
         </p:nvCxnSpPr>
         <p:spPr>
           <a:xfrm>
-            <a:off x="852851" y="2353868"/>
+            <a:off x="852851" y="2681604"/>
             <a:ext cx="2995249" cy="0"/>
           </a:xfrm>
           <a:prstGeom prst="line">
@@ -14593,7 +20270,7 @@
         </p:nvSpPr>
         <p:spPr>
           <a:xfrm>
-            <a:off x="742015" y="2054384"/>
+            <a:off x="742015" y="2382120"/>
             <a:ext cx="646331" cy="276999"/>
           </a:xfrm>
           <a:prstGeom prst="rect">
@@ -14628,8 +20305,8 @@
         </p:nvSpPr>
         <p:spPr>
           <a:xfrm>
-            <a:off x="1573197" y="2065925"/>
-            <a:ext cx="1592103" cy="253916"/>
+            <a:off x="1573197" y="2393661"/>
+            <a:ext cx="588623" cy="253916"/>
           </a:xfrm>
           <a:prstGeom prst="rect">
             <a:avLst/>
@@ -14643,14 +20320,8 @@
           <a:lstStyle/>
           <a:p>
             <a:r>
-              <a:rPr lang="ko-KR" altLang="en-US" sz="1050" dirty="0">
-                <a:solidFill>
-                  <a:schemeClr val="bg1">
-                    <a:lumMod val="75000"/>
-                  </a:schemeClr>
-                </a:solidFill>
-              </a:rPr>
-              <a:t>닉네임을 입력해주세요</a:t>
+              <a:rPr lang="ko-KR" altLang="en-US" sz="1050" dirty="0"/>
+              <a:t>닉네임</a:t>
             </a:r>
           </a:p>
         </p:txBody>
@@ -14671,7 +20342,7 @@
         </p:nvCxnSpPr>
         <p:spPr>
           <a:xfrm>
-            <a:off x="852851" y="3744168"/>
+            <a:off x="852851" y="4071904"/>
             <a:ext cx="2995249" cy="0"/>
           </a:xfrm>
           <a:prstGeom prst="line">
@@ -14707,7 +20378,7 @@
         </p:nvSpPr>
         <p:spPr>
           <a:xfrm>
-            <a:off x="742015" y="3444684"/>
+            <a:off x="742015" y="3772420"/>
             <a:ext cx="800219" cy="276999"/>
           </a:xfrm>
           <a:prstGeom prst="rect">
@@ -14742,8 +20413,8 @@
         </p:nvSpPr>
         <p:spPr>
           <a:xfrm>
-            <a:off x="1573197" y="3456225"/>
-            <a:ext cx="1726755" cy="253916"/>
+            <a:off x="1573197" y="3783961"/>
+            <a:ext cx="790601" cy="253916"/>
           </a:xfrm>
           <a:prstGeom prst="rect">
             <a:avLst/>
@@ -14757,14 +20428,8 @@
           <a:lstStyle/>
           <a:p>
             <a:r>
-              <a:rPr lang="ko-KR" altLang="en-US" sz="1050" dirty="0">
-                <a:solidFill>
-                  <a:schemeClr val="bg1">
-                    <a:lumMod val="75000"/>
-                  </a:schemeClr>
-                </a:solidFill>
-              </a:rPr>
-              <a:t>비밀번호를 입력해주세요</a:t>
+              <a:rPr lang="ko-KR" altLang="en-US" sz="1050" dirty="0"/>
+              <a:t>*********</a:t>
             </a:r>
           </a:p>
         </p:txBody>
@@ -14783,7 +20448,7 @@
         </p:nvSpPr>
         <p:spPr>
           <a:xfrm>
-            <a:off x="852851" y="3835307"/>
+            <a:off x="852851" y="4163043"/>
             <a:ext cx="2191626" cy="230832"/>
           </a:xfrm>
           <a:prstGeom prst="rect">
@@ -14798,19 +20463,35 @@
           <a:lstStyle/>
           <a:p>
             <a:r>
-              <a:rPr lang="en-US" altLang="ko-KR" sz="900" dirty="0"/>
+              <a:rPr lang="en-US" altLang="ko-KR" sz="900" dirty="0">
+                <a:solidFill>
+                  <a:srgbClr val="FF0000"/>
+                </a:solidFill>
+              </a:rPr>
               <a:t>* </a:t>
             </a:r>
             <a:r>
-              <a:rPr lang="ko-KR" altLang="en-US" sz="900" dirty="0"/>
+              <a:rPr lang="ko-KR" altLang="en-US" sz="900" dirty="0">
+                <a:solidFill>
+                  <a:srgbClr val="FF0000"/>
+                </a:solidFill>
+              </a:rPr>
               <a:t>비밀번호는 </a:t>
             </a:r>
             <a:r>
-              <a:rPr lang="en-US" altLang="ko-KR" sz="900" dirty="0"/>
+              <a:rPr lang="en-US" altLang="ko-KR" sz="900" dirty="0">
+                <a:solidFill>
+                  <a:srgbClr val="FF0000"/>
+                </a:solidFill>
+              </a:rPr>
               <a:t>8~15</a:t>
             </a:r>
             <a:r>
-              <a:rPr lang="ko-KR" altLang="en-US" sz="900" dirty="0"/>
+              <a:rPr lang="ko-KR" altLang="en-US" sz="900" dirty="0">
+                <a:solidFill>
+                  <a:srgbClr val="FF0000"/>
+                </a:solidFill>
+              </a:rPr>
               <a:t>자리로 입력해주세요</a:t>
             </a:r>
           </a:p>
@@ -14830,7 +20511,7 @@
         </p:nvSpPr>
         <p:spPr>
           <a:xfrm>
-            <a:off x="852851" y="2834391"/>
+            <a:off x="852851" y="3162127"/>
             <a:ext cx="2127505" cy="369332"/>
           </a:xfrm>
           <a:prstGeom prst="rect">
@@ -14845,20 +20526,1004 @@
           <a:lstStyle/>
           <a:p>
             <a:r>
-              <a:rPr lang="en-US" altLang="ko-KR" sz="900" dirty="0"/>
+              <a:rPr lang="en-US" altLang="ko-KR" sz="900" dirty="0">
+                <a:solidFill>
+                  <a:srgbClr val="FF0000"/>
+                </a:solidFill>
+              </a:rPr>
               <a:t>* </a:t>
             </a:r>
             <a:r>
-              <a:rPr lang="ko-KR" altLang="en-US" sz="900" dirty="0"/>
+              <a:rPr lang="ko-KR" altLang="en-US" sz="900" dirty="0">
+                <a:solidFill>
+                  <a:srgbClr val="FF0000"/>
+                </a:solidFill>
+              </a:rPr>
               <a:t>아이디는 공백을 포함 할 수 없습니다</a:t>
             </a:r>
-            <a:endParaRPr lang="en-US" altLang="ko-KR" sz="900" dirty="0"/>
+            <a:endParaRPr lang="en-US" altLang="ko-KR" sz="900" dirty="0">
+              <a:solidFill>
+                <a:srgbClr val="FF0000"/>
+              </a:solidFill>
+            </a:endParaRPr>
           </a:p>
           <a:p>
             <a:r>
-              <a:rPr lang="en-US" altLang="ko-KR" sz="900" dirty="0"/>
+              <a:rPr lang="en-US" altLang="ko-KR" sz="900" dirty="0">
+                <a:solidFill>
+                  <a:srgbClr val="FF0000"/>
+                </a:solidFill>
+              </a:rPr>
               <a:t>* </a:t>
             </a:r>
+            <a:r>
+              <a:rPr lang="ko-KR" altLang="en-US" sz="900" dirty="0">
+                <a:solidFill>
+                  <a:srgbClr val="FF0000"/>
+                </a:solidFill>
+              </a:rPr>
+              <a:t>아이디는 </a:t>
+            </a:r>
+            <a:r>
+              <a:rPr lang="en-US" altLang="ko-KR" sz="900" dirty="0">
+                <a:solidFill>
+                  <a:srgbClr val="FF0000"/>
+                </a:solidFill>
+              </a:rPr>
+              <a:t>10</a:t>
+            </a:r>
+            <a:r>
+              <a:rPr lang="ko-KR" altLang="en-US" sz="900" dirty="0">
+                <a:solidFill>
+                  <a:srgbClr val="FF0000"/>
+                </a:solidFill>
+              </a:rPr>
+              <a:t>자 이하로 입력해주세요</a:t>
+            </a:r>
+          </a:p>
+        </p:txBody>
+      </p:sp>
+      <p:grpSp>
+        <p:nvGrpSpPr>
+          <p:cNvPr id="36" name="그룹 35">
+            <a:extLst>
+              <a:ext uri="{FF2B5EF4-FFF2-40B4-BE49-F238E27FC236}">
+                <a16:creationId xmlns:a16="http://schemas.microsoft.com/office/drawing/2014/main" id="{23DBEEF3-D503-CCFE-D4F7-409FAE9CF0D1}"/>
+              </a:ext>
+            </a:extLst>
+          </p:cNvPr>
+          <p:cNvGrpSpPr/>
+          <p:nvPr/>
+        </p:nvGrpSpPr>
+        <p:grpSpPr>
+          <a:xfrm>
+            <a:off x="3895915" y="2790008"/>
+            <a:ext cx="242374" cy="230832"/>
+            <a:chOff x="3425720" y="2856232"/>
+            <a:chExt cx="242374" cy="230832"/>
+          </a:xfrm>
+        </p:grpSpPr>
+        <p:sp>
+          <p:nvSpPr>
+            <p:cNvPr id="37" name="타원 36">
+              <a:extLst>
+                <a:ext uri="{FF2B5EF4-FFF2-40B4-BE49-F238E27FC236}">
+                  <a16:creationId xmlns:a16="http://schemas.microsoft.com/office/drawing/2014/main" id="{BB29B053-92DD-D857-2451-67EC6DF087AA}"/>
+                </a:ext>
+              </a:extLst>
+            </p:cNvPr>
+            <p:cNvSpPr/>
+            <p:nvPr/>
+          </p:nvSpPr>
+          <p:spPr>
+            <a:xfrm>
+              <a:off x="3447155" y="2871896"/>
+              <a:ext cx="199505" cy="199505"/>
+            </a:xfrm>
+            <a:prstGeom prst="ellipse">
+              <a:avLst/>
+            </a:prstGeom>
+            <a:solidFill>
+              <a:srgbClr val="FF0000"/>
+            </a:solidFill>
+            <a:ln w="3175">
+              <a:noFill/>
+            </a:ln>
+          </p:spPr>
+          <p:style>
+            <a:lnRef idx="1">
+              <a:schemeClr val="accent1"/>
+            </a:lnRef>
+            <a:fillRef idx="0">
+              <a:schemeClr val="accent1"/>
+            </a:fillRef>
+            <a:effectRef idx="0">
+              <a:schemeClr val="accent1"/>
+            </a:effectRef>
+            <a:fontRef idx="minor">
+              <a:schemeClr val="tx1"/>
+            </a:fontRef>
+          </p:style>
+          <p:txBody>
+            <a:bodyPr rtlCol="0" anchor="ctr"/>
+            <a:lstStyle/>
+            <a:p>
+              <a:pPr algn="ctr"/>
+              <a:endParaRPr lang="ko-KR" altLang="en-US" sz="1100" dirty="0">
+                <a:solidFill>
+                  <a:schemeClr val="bg1"/>
+                </a:solidFill>
+                <a:latin typeface="Noto Sans CJK KR Bold" panose="020B0800000000000000" pitchFamily="34" charset="-127"/>
+                <a:ea typeface="Noto Sans CJK KR Bold" panose="020B0800000000000000" pitchFamily="34" charset="-127"/>
+              </a:endParaRPr>
+            </a:p>
+          </p:txBody>
+        </p:sp>
+        <p:sp>
+          <p:nvSpPr>
+            <p:cNvPr id="38" name="TextBox 37">
+              <a:extLst>
+                <a:ext uri="{FF2B5EF4-FFF2-40B4-BE49-F238E27FC236}">
+                  <a16:creationId xmlns:a16="http://schemas.microsoft.com/office/drawing/2014/main" id="{CC7936DC-4D2F-27C0-123E-DBC51F26C8B2}"/>
+                </a:ext>
+              </a:extLst>
+            </p:cNvPr>
+            <p:cNvSpPr txBox="1"/>
+            <p:nvPr/>
+          </p:nvSpPr>
+          <p:spPr>
+            <a:xfrm>
+              <a:off x="3425720" y="2856232"/>
+              <a:ext cx="242374" cy="230832"/>
+            </a:xfrm>
+            <a:prstGeom prst="rect">
+              <a:avLst/>
+            </a:prstGeom>
+            <a:noFill/>
+          </p:spPr>
+          <p:txBody>
+            <a:bodyPr wrap="none" rtlCol="0">
+              <a:spAutoFit/>
+            </a:bodyPr>
+            <a:lstStyle/>
+            <a:p>
+              <a:r>
+                <a:rPr lang="en-US" altLang="ko-KR" sz="900" dirty="0">
+                  <a:solidFill>
+                    <a:schemeClr val="bg1"/>
+                  </a:solidFill>
+                </a:rPr>
+                <a:t>3</a:t>
+              </a:r>
+            </a:p>
+          </p:txBody>
+        </p:sp>
+      </p:grpSp>
+      <p:grpSp>
+        <p:nvGrpSpPr>
+          <p:cNvPr id="45" name="그룹 44">
+            <a:extLst>
+              <a:ext uri="{FF2B5EF4-FFF2-40B4-BE49-F238E27FC236}">
+                <a16:creationId xmlns:a16="http://schemas.microsoft.com/office/drawing/2014/main" id="{F6783637-A565-8700-6B3F-EF933C5CCAEA}"/>
+              </a:ext>
+            </a:extLst>
+          </p:cNvPr>
+          <p:cNvGrpSpPr/>
+          <p:nvPr/>
+        </p:nvGrpSpPr>
+        <p:grpSpPr>
+          <a:xfrm>
+            <a:off x="3290182" y="2820333"/>
+            <a:ext cx="824163" cy="200055"/>
+            <a:chOff x="4465334" y="3383128"/>
+            <a:chExt cx="824163" cy="200055"/>
+          </a:xfrm>
+        </p:grpSpPr>
+        <p:sp>
+          <p:nvSpPr>
+            <p:cNvPr id="42" name="사각형: 둥근 모서리 21">
+              <a:extLst>
+                <a:ext uri="{FF2B5EF4-FFF2-40B4-BE49-F238E27FC236}">
+                  <a16:creationId xmlns:a16="http://schemas.microsoft.com/office/drawing/2014/main" id="{EAA2E858-B542-9603-2B0D-C5F089E55945}"/>
+                </a:ext>
+              </a:extLst>
+            </p:cNvPr>
+            <p:cNvSpPr/>
+            <p:nvPr/>
+          </p:nvSpPr>
+          <p:spPr>
+            <a:xfrm>
+              <a:off x="4465334" y="3391252"/>
+              <a:ext cx="578772" cy="174140"/>
+            </a:xfrm>
+            <a:prstGeom prst="roundRect">
+              <a:avLst>
+                <a:gd name="adj" fmla="val 50000"/>
+              </a:avLst>
+            </a:prstGeom>
+          </p:spPr>
+          <p:style>
+            <a:lnRef idx="2">
+              <a:schemeClr val="dk1">
+                <a:shade val="50000"/>
+              </a:schemeClr>
+            </a:lnRef>
+            <a:fillRef idx="1">
+              <a:schemeClr val="dk1"/>
+            </a:fillRef>
+            <a:effectRef idx="0">
+              <a:schemeClr val="dk1"/>
+            </a:effectRef>
+            <a:fontRef idx="minor">
+              <a:schemeClr val="lt1"/>
+            </a:fontRef>
+          </p:style>
+          <p:txBody>
+            <a:bodyPr rtlCol="0" anchor="ctr"/>
+            <a:lstStyle/>
+            <a:p>
+              <a:pPr algn="ctr"/>
+              <a:endParaRPr lang="ko-KR" altLang="en-US"/>
+            </a:p>
+          </p:txBody>
+        </p:sp>
+        <p:sp>
+          <p:nvSpPr>
+            <p:cNvPr id="43" name="TextBox 42">
+              <a:extLst>
+                <a:ext uri="{FF2B5EF4-FFF2-40B4-BE49-F238E27FC236}">
+                  <a16:creationId xmlns:a16="http://schemas.microsoft.com/office/drawing/2014/main" id="{3C21CA9C-006A-34D6-3A41-43ACC6F03E51}"/>
+                </a:ext>
+              </a:extLst>
+            </p:cNvPr>
+            <p:cNvSpPr txBox="1"/>
+            <p:nvPr/>
+          </p:nvSpPr>
+          <p:spPr>
+            <a:xfrm>
+              <a:off x="4489278" y="3383128"/>
+              <a:ext cx="800219" cy="200055"/>
+            </a:xfrm>
+            <a:prstGeom prst="rect">
+              <a:avLst/>
+            </a:prstGeom>
+            <a:noFill/>
+          </p:spPr>
+          <p:txBody>
+            <a:bodyPr wrap="square" rtlCol="0">
+              <a:spAutoFit/>
+            </a:bodyPr>
+            <a:lstStyle/>
+            <a:p>
+              <a:r>
+                <a:rPr lang="ko-KR" altLang="en-US" sz="700" dirty="0">
+                  <a:solidFill>
+                    <a:schemeClr val="bg1"/>
+                  </a:solidFill>
+                </a:rPr>
+                <a:t>중복확인</a:t>
+              </a:r>
+            </a:p>
+          </p:txBody>
+        </p:sp>
+      </p:grpSp>
+      <p:sp>
+        <p:nvSpPr>
+          <p:cNvPr id="47" name="직사각형 46">
+            <a:extLst>
+              <a:ext uri="{FF2B5EF4-FFF2-40B4-BE49-F238E27FC236}">
+                <a16:creationId xmlns:a16="http://schemas.microsoft.com/office/drawing/2014/main" id="{61A8661B-1DFC-D8BB-E579-D8CE9E4502EB}"/>
+              </a:ext>
+            </a:extLst>
+          </p:cNvPr>
+          <p:cNvSpPr/>
+          <p:nvPr/>
+        </p:nvSpPr>
+        <p:spPr>
+          <a:xfrm>
+            <a:off x="4795888" y="1831940"/>
+            <a:ext cx="3351392" cy="1624285"/>
+          </a:xfrm>
+          <a:prstGeom prst="rect">
+            <a:avLst/>
+          </a:prstGeom>
+          <a:solidFill>
+            <a:schemeClr val="bg1"/>
+          </a:solidFill>
+          <a:ln w="3175">
+            <a:solidFill>
+              <a:schemeClr val="bg1">
+                <a:lumMod val="85000"/>
+              </a:schemeClr>
+            </a:solidFill>
+          </a:ln>
+          <a:effectLst/>
+        </p:spPr>
+        <p:style>
+          <a:lnRef idx="1">
+            <a:schemeClr val="accent1"/>
+          </a:lnRef>
+          <a:fillRef idx="0">
+            <a:schemeClr val="accent1"/>
+          </a:fillRef>
+          <a:effectRef idx="0">
+            <a:schemeClr val="accent1"/>
+          </a:effectRef>
+          <a:fontRef idx="minor">
+            <a:schemeClr val="tx1"/>
+          </a:fontRef>
+        </p:style>
+        <p:txBody>
+          <a:bodyPr rot="0" spcFirstLastPara="0" vertOverflow="overflow" horzOverflow="overflow" vert="horz" wrap="square" lIns="91440" tIns="45720" rIns="91440" bIns="45720" numCol="1" spcCol="0" rtlCol="0" fromWordArt="0" anchor="ctr" anchorCtr="0" forceAA="0" compatLnSpc="1">
+            <a:prstTxWarp prst="textNoShape">
+              <a:avLst/>
+            </a:prstTxWarp>
+            <a:noAutofit/>
+          </a:bodyPr>
+          <a:lstStyle/>
+          <a:p>
+            <a:pPr algn="ctr"/>
+            <a:endParaRPr lang="ko-KR" altLang="en-US" sz="1000"/>
+          </a:p>
+        </p:txBody>
+      </p:sp>
+      <p:sp>
+        <p:nvSpPr>
+          <p:cNvPr id="48" name="TextBox 47">
+            <a:extLst>
+              <a:ext uri="{FF2B5EF4-FFF2-40B4-BE49-F238E27FC236}">
+                <a16:creationId xmlns:a16="http://schemas.microsoft.com/office/drawing/2014/main" id="{C51AE91F-781F-7757-6032-52F02254B7EB}"/>
+              </a:ext>
+            </a:extLst>
+          </p:cNvPr>
+          <p:cNvSpPr txBox="1"/>
+          <p:nvPr/>
+        </p:nvSpPr>
+        <p:spPr>
+          <a:xfrm>
+            <a:off x="4722405" y="1561389"/>
+            <a:ext cx="1755609" cy="230832"/>
+          </a:xfrm>
+          <a:prstGeom prst="rect">
+            <a:avLst/>
+          </a:prstGeom>
+          <a:noFill/>
+        </p:spPr>
+        <p:txBody>
+          <a:bodyPr wrap="none" rtlCol="0">
+            <a:spAutoFit/>
+          </a:bodyPr>
+          <a:lstStyle/>
+          <a:p>
+            <a:r>
+              <a:rPr lang="en-US" altLang="ko-KR" sz="900" dirty="0"/>
+              <a:t># </a:t>
+            </a:r>
+            <a:r>
+              <a:rPr lang="ko-KR" altLang="en-US" sz="900" dirty="0"/>
+              <a:t>아이디가 중복되어 있는 경우</a:t>
+            </a:r>
+          </a:p>
+        </p:txBody>
+      </p:sp>
+      <p:sp>
+        <p:nvSpPr>
+          <p:cNvPr id="50" name="사각형: 둥근 모서리 21">
+            <a:extLst>
+              <a:ext uri="{FF2B5EF4-FFF2-40B4-BE49-F238E27FC236}">
+                <a16:creationId xmlns:a16="http://schemas.microsoft.com/office/drawing/2014/main" id="{35C9F8A6-99D6-79D1-DB5C-34A4C4825B5D}"/>
+              </a:ext>
+            </a:extLst>
+          </p:cNvPr>
+          <p:cNvSpPr/>
+          <p:nvPr/>
+        </p:nvSpPr>
+        <p:spPr>
+          <a:xfrm>
+            <a:off x="5322079" y="2776278"/>
+            <a:ext cx="2314303" cy="352527"/>
+          </a:xfrm>
+          <a:prstGeom prst="roundRect">
+            <a:avLst>
+              <a:gd name="adj" fmla="val 50000"/>
+            </a:avLst>
+          </a:prstGeom>
+        </p:spPr>
+        <p:style>
+          <a:lnRef idx="2">
+            <a:schemeClr val="dk1">
+              <a:shade val="50000"/>
+            </a:schemeClr>
+          </a:lnRef>
+          <a:fillRef idx="1">
+            <a:schemeClr val="dk1"/>
+          </a:fillRef>
+          <a:effectRef idx="0">
+            <a:schemeClr val="dk1"/>
+          </a:effectRef>
+          <a:fontRef idx="minor">
+            <a:schemeClr val="lt1"/>
+          </a:fontRef>
+        </p:style>
+        <p:txBody>
+          <a:bodyPr rtlCol="0" anchor="ctr"/>
+          <a:lstStyle/>
+          <a:p>
+            <a:pPr algn="ctr"/>
+            <a:endParaRPr lang="ko-KR" altLang="en-US"/>
+          </a:p>
+        </p:txBody>
+      </p:sp>
+      <p:sp>
+        <p:nvSpPr>
+          <p:cNvPr id="51" name="TextBox 50">
+            <a:extLst>
+              <a:ext uri="{FF2B5EF4-FFF2-40B4-BE49-F238E27FC236}">
+                <a16:creationId xmlns:a16="http://schemas.microsoft.com/office/drawing/2014/main" id="{724CBE70-B2DE-2C94-CAFF-62D36030BBA6}"/>
+              </a:ext>
+            </a:extLst>
+          </p:cNvPr>
+          <p:cNvSpPr txBox="1"/>
+          <p:nvPr/>
+        </p:nvSpPr>
+        <p:spPr>
+          <a:xfrm>
+            <a:off x="6256438" y="2818219"/>
+            <a:ext cx="492443" cy="276999"/>
+          </a:xfrm>
+          <a:prstGeom prst="rect">
+            <a:avLst/>
+          </a:prstGeom>
+          <a:noFill/>
+        </p:spPr>
+        <p:txBody>
+          <a:bodyPr wrap="none" rtlCol="0">
+            <a:spAutoFit/>
+          </a:bodyPr>
+          <a:lstStyle/>
+          <a:p>
+            <a:r>
+              <a:rPr lang="ko-KR" altLang="en-US" sz="1200" dirty="0">
+                <a:solidFill>
+                  <a:schemeClr val="bg1"/>
+                </a:solidFill>
+              </a:rPr>
+              <a:t>확인</a:t>
+            </a:r>
+          </a:p>
+        </p:txBody>
+      </p:sp>
+      <p:sp>
+        <p:nvSpPr>
+          <p:cNvPr id="52" name="TextBox 51">
+            <a:extLst>
+              <a:ext uri="{FF2B5EF4-FFF2-40B4-BE49-F238E27FC236}">
+                <a16:creationId xmlns:a16="http://schemas.microsoft.com/office/drawing/2014/main" id="{C548CCB3-5D78-917F-01BD-2EBB19D7FC9E}"/>
+              </a:ext>
+            </a:extLst>
+          </p:cNvPr>
+          <p:cNvSpPr txBox="1"/>
+          <p:nvPr/>
+        </p:nvSpPr>
+        <p:spPr>
+          <a:xfrm>
+            <a:off x="5653108" y="2175173"/>
+            <a:ext cx="1649811" cy="369332"/>
+          </a:xfrm>
+          <a:prstGeom prst="rect">
+            <a:avLst/>
+          </a:prstGeom>
+          <a:noFill/>
+        </p:spPr>
+        <p:txBody>
+          <a:bodyPr wrap="none" rtlCol="0">
+            <a:spAutoFit/>
+          </a:bodyPr>
+          <a:lstStyle/>
+          <a:p>
+            <a:r>
+              <a:rPr lang="ko-Kore-KR" altLang="en-US" sz="900" dirty="0"/>
+              <a:t>아이디가 중복되어 있습니다</a:t>
+            </a:r>
+            <a:r>
+              <a:rPr lang="en-US" altLang="ko-Kore-KR" sz="900" dirty="0"/>
+              <a:t>.</a:t>
+            </a:r>
+          </a:p>
+          <a:p>
+            <a:r>
+              <a:rPr lang="ko-KR" altLang="en-US" sz="900" dirty="0"/>
+              <a:t>다른 아이디를 사용해주세요</a:t>
+            </a:r>
+          </a:p>
+        </p:txBody>
+      </p:sp>
+      <p:grpSp>
+        <p:nvGrpSpPr>
+          <p:cNvPr id="53" name="그룹 52">
+            <a:extLst>
+              <a:ext uri="{FF2B5EF4-FFF2-40B4-BE49-F238E27FC236}">
+                <a16:creationId xmlns:a16="http://schemas.microsoft.com/office/drawing/2014/main" id="{F95E7060-826A-F86E-CC91-880A341051BA}"/>
+              </a:ext>
+            </a:extLst>
+          </p:cNvPr>
+          <p:cNvGrpSpPr/>
+          <p:nvPr/>
+        </p:nvGrpSpPr>
+        <p:grpSpPr>
+          <a:xfrm>
+            <a:off x="6395857" y="1504520"/>
+            <a:ext cx="251992" cy="230832"/>
+            <a:chOff x="3420911" y="2844777"/>
+            <a:chExt cx="251992" cy="230832"/>
+          </a:xfrm>
+        </p:grpSpPr>
+        <p:sp>
+          <p:nvSpPr>
+            <p:cNvPr id="54" name="타원 53">
+              <a:extLst>
+                <a:ext uri="{FF2B5EF4-FFF2-40B4-BE49-F238E27FC236}">
+                  <a16:creationId xmlns:a16="http://schemas.microsoft.com/office/drawing/2014/main" id="{DFB8DCA7-5033-DA8C-700E-8CC993ECD065}"/>
+                </a:ext>
+              </a:extLst>
+            </p:cNvPr>
+            <p:cNvSpPr/>
+            <p:nvPr/>
+          </p:nvSpPr>
+          <p:spPr>
+            <a:xfrm>
+              <a:off x="3447155" y="2871896"/>
+              <a:ext cx="199505" cy="199505"/>
+            </a:xfrm>
+            <a:prstGeom prst="ellipse">
+              <a:avLst/>
+            </a:prstGeom>
+            <a:solidFill>
+              <a:srgbClr val="FF0000"/>
+            </a:solidFill>
+            <a:ln w="3175">
+              <a:noFill/>
+            </a:ln>
+          </p:spPr>
+          <p:style>
+            <a:lnRef idx="1">
+              <a:schemeClr val="accent1"/>
+            </a:lnRef>
+            <a:fillRef idx="0">
+              <a:schemeClr val="accent1"/>
+            </a:fillRef>
+            <a:effectRef idx="0">
+              <a:schemeClr val="accent1"/>
+            </a:effectRef>
+            <a:fontRef idx="minor">
+              <a:schemeClr val="tx1"/>
+            </a:fontRef>
+          </p:style>
+          <p:txBody>
+            <a:bodyPr rtlCol="0" anchor="ctr"/>
+            <a:lstStyle/>
+            <a:p>
+              <a:pPr algn="ctr"/>
+              <a:endParaRPr lang="ko-KR" altLang="en-US" sz="1100" dirty="0">
+                <a:solidFill>
+                  <a:schemeClr val="bg1"/>
+                </a:solidFill>
+                <a:latin typeface="Noto Sans CJK KR Bold" panose="020B0800000000000000" pitchFamily="34" charset="-127"/>
+                <a:ea typeface="Noto Sans CJK KR Bold" panose="020B0800000000000000" pitchFamily="34" charset="-127"/>
+              </a:endParaRPr>
+            </a:p>
+          </p:txBody>
+        </p:sp>
+        <p:sp>
+          <p:nvSpPr>
+            <p:cNvPr id="55" name="TextBox 54">
+              <a:extLst>
+                <a:ext uri="{FF2B5EF4-FFF2-40B4-BE49-F238E27FC236}">
+                  <a16:creationId xmlns:a16="http://schemas.microsoft.com/office/drawing/2014/main" id="{A17AB862-ACE4-A6B9-04C0-0C9514D5E86A}"/>
+                </a:ext>
+              </a:extLst>
+            </p:cNvPr>
+            <p:cNvSpPr txBox="1"/>
+            <p:nvPr/>
+          </p:nvSpPr>
+          <p:spPr>
+            <a:xfrm>
+              <a:off x="3420911" y="2844777"/>
+              <a:ext cx="251992" cy="230832"/>
+            </a:xfrm>
+            <a:prstGeom prst="rect">
+              <a:avLst/>
+            </a:prstGeom>
+            <a:noFill/>
+          </p:spPr>
+          <p:txBody>
+            <a:bodyPr wrap="none" rtlCol="0">
+              <a:spAutoFit/>
+            </a:bodyPr>
+            <a:lstStyle/>
+            <a:p>
+              <a:r>
+                <a:rPr lang="en-US" altLang="ko-KR" sz="900" dirty="0">
+                  <a:solidFill>
+                    <a:schemeClr val="bg1"/>
+                  </a:solidFill>
+                </a:rPr>
+                <a:t>A</a:t>
+              </a:r>
+            </a:p>
+          </p:txBody>
+        </p:sp>
+      </p:grpSp>
+      <p:sp>
+        <p:nvSpPr>
+          <p:cNvPr id="56" name="직사각형 55">
+            <a:extLst>
+              <a:ext uri="{FF2B5EF4-FFF2-40B4-BE49-F238E27FC236}">
+                <a16:creationId xmlns:a16="http://schemas.microsoft.com/office/drawing/2014/main" id="{CD9094BD-5955-FCA5-4A52-F3CFF78A1427}"/>
+              </a:ext>
+            </a:extLst>
+          </p:cNvPr>
+          <p:cNvSpPr/>
+          <p:nvPr/>
+        </p:nvSpPr>
+        <p:spPr>
+          <a:xfrm>
+            <a:off x="4795888" y="4011614"/>
+            <a:ext cx="3351392" cy="1624285"/>
+          </a:xfrm>
+          <a:prstGeom prst="rect">
+            <a:avLst/>
+          </a:prstGeom>
+          <a:solidFill>
+            <a:schemeClr val="bg1"/>
+          </a:solidFill>
+          <a:ln w="3175">
+            <a:solidFill>
+              <a:schemeClr val="bg1">
+                <a:lumMod val="85000"/>
+              </a:schemeClr>
+            </a:solidFill>
+          </a:ln>
+          <a:effectLst/>
+        </p:spPr>
+        <p:style>
+          <a:lnRef idx="1">
+            <a:schemeClr val="accent1"/>
+          </a:lnRef>
+          <a:fillRef idx="0">
+            <a:schemeClr val="accent1"/>
+          </a:fillRef>
+          <a:effectRef idx="0">
+            <a:schemeClr val="accent1"/>
+          </a:effectRef>
+          <a:fontRef idx="minor">
+            <a:schemeClr val="tx1"/>
+          </a:fontRef>
+        </p:style>
+        <p:txBody>
+          <a:bodyPr rot="0" spcFirstLastPara="0" vertOverflow="overflow" horzOverflow="overflow" vert="horz" wrap="square" lIns="91440" tIns="45720" rIns="91440" bIns="45720" numCol="1" spcCol="0" rtlCol="0" fromWordArt="0" anchor="ctr" anchorCtr="0" forceAA="0" compatLnSpc="1">
+            <a:prstTxWarp prst="textNoShape">
+              <a:avLst/>
+            </a:prstTxWarp>
+            <a:noAutofit/>
+          </a:bodyPr>
+          <a:lstStyle/>
+          <a:p>
+            <a:pPr algn="ctr"/>
+            <a:endParaRPr lang="ko-KR" altLang="en-US" sz="1000"/>
+          </a:p>
+        </p:txBody>
+      </p:sp>
+      <p:sp>
+        <p:nvSpPr>
+          <p:cNvPr id="57" name="TextBox 56">
+            <a:extLst>
+              <a:ext uri="{FF2B5EF4-FFF2-40B4-BE49-F238E27FC236}">
+                <a16:creationId xmlns:a16="http://schemas.microsoft.com/office/drawing/2014/main" id="{C0AA38D4-E6D3-D578-BB2B-9F16AAC083EF}"/>
+              </a:ext>
+            </a:extLst>
+          </p:cNvPr>
+          <p:cNvSpPr txBox="1"/>
+          <p:nvPr/>
+        </p:nvSpPr>
+        <p:spPr>
+          <a:xfrm>
+            <a:off x="4722405" y="3741063"/>
+            <a:ext cx="1806905" cy="230832"/>
+          </a:xfrm>
+          <a:prstGeom prst="rect">
+            <a:avLst/>
+          </a:prstGeom>
+          <a:noFill/>
+        </p:spPr>
+        <p:txBody>
+          <a:bodyPr wrap="none" rtlCol="0">
+            <a:spAutoFit/>
+          </a:bodyPr>
+          <a:lstStyle/>
+          <a:p>
+            <a:r>
+              <a:rPr lang="en-US" altLang="ko-KR" sz="900" dirty="0"/>
+              <a:t># </a:t>
+            </a:r>
+            <a:r>
+              <a:rPr lang="ko-KR" altLang="en-US" sz="900" dirty="0"/>
+              <a:t>아이디를 사용 할 수 있을 경우</a:t>
+            </a:r>
+          </a:p>
+        </p:txBody>
+      </p:sp>
+      <p:sp>
+        <p:nvSpPr>
+          <p:cNvPr id="58" name="사각형: 둥근 모서리 21">
+            <a:extLst>
+              <a:ext uri="{FF2B5EF4-FFF2-40B4-BE49-F238E27FC236}">
+                <a16:creationId xmlns:a16="http://schemas.microsoft.com/office/drawing/2014/main" id="{387A8A92-C4D8-A499-92C6-E0F624F605D8}"/>
+              </a:ext>
+            </a:extLst>
+          </p:cNvPr>
+          <p:cNvSpPr/>
+          <p:nvPr/>
+        </p:nvSpPr>
+        <p:spPr>
+          <a:xfrm>
+            <a:off x="5322079" y="4955952"/>
+            <a:ext cx="2314303" cy="352527"/>
+          </a:xfrm>
+          <a:prstGeom prst="roundRect">
+            <a:avLst>
+              <a:gd name="adj" fmla="val 50000"/>
+            </a:avLst>
+          </a:prstGeom>
+        </p:spPr>
+        <p:style>
+          <a:lnRef idx="2">
+            <a:schemeClr val="dk1">
+              <a:shade val="50000"/>
+            </a:schemeClr>
+          </a:lnRef>
+          <a:fillRef idx="1">
+            <a:schemeClr val="dk1"/>
+          </a:fillRef>
+          <a:effectRef idx="0">
+            <a:schemeClr val="dk1"/>
+          </a:effectRef>
+          <a:fontRef idx="minor">
+            <a:schemeClr val="lt1"/>
+          </a:fontRef>
+        </p:style>
+        <p:txBody>
+          <a:bodyPr rtlCol="0" anchor="ctr"/>
+          <a:lstStyle/>
+          <a:p>
+            <a:pPr algn="ctr"/>
+            <a:endParaRPr lang="ko-KR" altLang="en-US"/>
+          </a:p>
+        </p:txBody>
+      </p:sp>
+      <p:sp>
+        <p:nvSpPr>
+          <p:cNvPr id="59" name="TextBox 58">
+            <a:extLst>
+              <a:ext uri="{FF2B5EF4-FFF2-40B4-BE49-F238E27FC236}">
+                <a16:creationId xmlns:a16="http://schemas.microsoft.com/office/drawing/2014/main" id="{8D5D4BE7-0125-3443-C185-0519F0E7B9EF}"/>
+              </a:ext>
+            </a:extLst>
+          </p:cNvPr>
+          <p:cNvSpPr txBox="1"/>
+          <p:nvPr/>
+        </p:nvSpPr>
+        <p:spPr>
+          <a:xfrm>
+            <a:off x="6256438" y="4997893"/>
+            <a:ext cx="492443" cy="276999"/>
+          </a:xfrm>
+          <a:prstGeom prst="rect">
+            <a:avLst/>
+          </a:prstGeom>
+          <a:noFill/>
+        </p:spPr>
+        <p:txBody>
+          <a:bodyPr wrap="none" rtlCol="0">
+            <a:spAutoFit/>
+          </a:bodyPr>
+          <a:lstStyle/>
+          <a:p>
+            <a:r>
+              <a:rPr lang="ko-KR" altLang="en-US" sz="1200" dirty="0">
+                <a:solidFill>
+                  <a:schemeClr val="bg1"/>
+                </a:solidFill>
+              </a:rPr>
+              <a:t>확인</a:t>
+            </a:r>
+          </a:p>
+        </p:txBody>
+      </p:sp>
+      <p:sp>
+        <p:nvSpPr>
+          <p:cNvPr id="60" name="TextBox 59">
+            <a:extLst>
+              <a:ext uri="{FF2B5EF4-FFF2-40B4-BE49-F238E27FC236}">
+                <a16:creationId xmlns:a16="http://schemas.microsoft.com/office/drawing/2014/main" id="{66CFA06D-E32D-FFDB-07F9-A2AF48A7F215}"/>
+              </a:ext>
+            </a:extLst>
+          </p:cNvPr>
+          <p:cNvSpPr txBox="1"/>
+          <p:nvPr/>
+        </p:nvSpPr>
+        <p:spPr>
+          <a:xfrm>
+            <a:off x="5616239" y="4350791"/>
+            <a:ext cx="1723549" cy="230832"/>
+          </a:xfrm>
+          <a:prstGeom prst="rect">
+            <a:avLst/>
+          </a:prstGeom>
+          <a:noFill/>
+        </p:spPr>
+        <p:txBody>
+          <a:bodyPr wrap="none" rtlCol="0">
+            <a:spAutoFit/>
+          </a:bodyPr>
+          <a:lstStyle/>
+          <a:p>
+            <a:r>
+              <a:rPr lang="ko-Kore-KR" altLang="en-US" sz="900" dirty="0"/>
+              <a:t>사용 할 수 있는 아이디 입니다</a:t>
+            </a:r>
+            <a:r>
+              <a:rPr lang="en-US" altLang="ko-Kore-KR" sz="900" dirty="0"/>
+              <a:t>.</a:t>
+            </a:r>
+            <a:endParaRPr lang="ko-KR" altLang="en-US" sz="900" dirty="0"/>
+          </a:p>
+        </p:txBody>
+      </p:sp>
+      <p:grpSp>
+        <p:nvGrpSpPr>
+          <p:cNvPr id="61" name="그룹 60">
+            <a:extLst>
+              <a:ext uri="{FF2B5EF4-FFF2-40B4-BE49-F238E27FC236}">
+                <a16:creationId xmlns:a16="http://schemas.microsoft.com/office/drawing/2014/main" id="{AFFB75E5-0A9B-8BD4-0C4F-8FDAE46EFF29}"/>
+              </a:ext>
+            </a:extLst>
+          </p:cNvPr>
+          <p:cNvGrpSpPr/>
+          <p:nvPr/>
+        </p:nvGrpSpPr>
+        <p:grpSpPr>
+          <a:xfrm>
+            <a:off x="6411468" y="3698439"/>
+            <a:ext cx="247184" cy="230832"/>
+            <a:chOff x="3436522" y="2859022"/>
+            <a:chExt cx="247184" cy="230832"/>
+          </a:xfrm>
+        </p:grpSpPr>
+        <p:sp>
+          <p:nvSpPr>
+            <p:cNvPr id="62" name="타원 61">
+              <a:extLst>
+                <a:ext uri="{FF2B5EF4-FFF2-40B4-BE49-F238E27FC236}">
+                  <a16:creationId xmlns:a16="http://schemas.microsoft.com/office/drawing/2014/main" id="{97F30815-9B6F-45C6-808C-E5AB0E78B52D}"/>
+                </a:ext>
+              </a:extLst>
+            </p:cNvPr>
+            <p:cNvSpPr/>
+            <p:nvPr/>
+          </p:nvSpPr>
+          <p:spPr>
+            <a:xfrm>
+              <a:off x="3447155" y="2871896"/>
+              <a:ext cx="199505" cy="199505"/>
+            </a:xfrm>
+            <a:prstGeom prst="ellipse">
+              <a:avLst/>
+            </a:prstGeom>
+            <a:solidFill>
+              <a:srgbClr val="FF0000"/>
+            </a:solidFill>
+            <a:ln w="3175">
+              <a:noFill/>
+            </a:ln>
+          </p:spPr>
+          <p:style>
+            <a:lnRef idx="1">
+              <a:schemeClr val="accent1"/>
+            </a:lnRef>
+            <a:fillRef idx="0">
+              <a:schemeClr val="accent1"/>
+            </a:fillRef>
+            <a:effectRef idx="0">
+              <a:schemeClr val="accent1"/>
+            </a:effectRef>
+            <a:fontRef idx="minor">
+              <a:schemeClr val="tx1"/>
+            </a:fontRef>
+          </p:style>
+          <p:txBody>
+            <a:bodyPr rtlCol="0" anchor="ctr"/>
+            <a:lstStyle/>
+            <a:p>
+              <a:pPr algn="ctr"/>
+              <a:endParaRPr lang="ko-KR" altLang="en-US" sz="1100" dirty="0">
+                <a:solidFill>
+                  <a:schemeClr val="bg1"/>
+                </a:solidFill>
+                <a:latin typeface="Noto Sans CJK KR Bold" panose="020B0800000000000000" pitchFamily="34" charset="-127"/>
+                <a:ea typeface="Noto Sans CJK KR Bold" panose="020B0800000000000000" pitchFamily="34" charset="-127"/>
+              </a:endParaRPr>
+            </a:p>
+          </p:txBody>
+        </p:sp>
+        <p:sp>
+          <p:nvSpPr>
+            <p:cNvPr id="63" name="TextBox 62">
+              <a:extLst>
+                <a:ext uri="{FF2B5EF4-FFF2-40B4-BE49-F238E27FC236}">
+                  <a16:creationId xmlns:a16="http://schemas.microsoft.com/office/drawing/2014/main" id="{99414FF2-8E32-27D7-A1DB-55E0B91D7C74}"/>
+                </a:ext>
+              </a:extLst>
+            </p:cNvPr>
+            <p:cNvSpPr txBox="1"/>
+            <p:nvPr/>
+          </p:nvSpPr>
+          <p:spPr>
+            <a:xfrm>
+              <a:off x="3436522" y="2859022"/>
+              <a:ext cx="247184" cy="230832"/>
+            </a:xfrm>
+            <a:prstGeom prst="rect">
+              <a:avLst/>
+            </a:prstGeom>
+            <a:noFill/>
+          </p:spPr>
+          <p:txBody>
+            <a:bodyPr wrap="none" rtlCol="0">
+              <a:spAutoFit/>
+            </a:bodyPr>
+            <a:lstStyle/>
+            <a:p>
+              <a:r>
+                <a:rPr lang="en-US" altLang="ko-KR" sz="900" dirty="0">
+                  <a:solidFill>
+                    <a:schemeClr val="bg1"/>
+                  </a:solidFill>
+                </a:rPr>
+                <a:t>B</a:t>
+              </a:r>
+            </a:p>
+          </p:txBody>
+        </p:sp>
+      </p:grpSp>
+      <p:sp>
+        <p:nvSpPr>
+          <p:cNvPr id="64" name="TextBox 63">
+            <a:extLst>
+              <a:ext uri="{FF2B5EF4-FFF2-40B4-BE49-F238E27FC236}">
+                <a16:creationId xmlns:a16="http://schemas.microsoft.com/office/drawing/2014/main" id="{65A5C828-8D06-5479-0395-7719AEA8EE38}"/>
+              </a:ext>
+            </a:extLst>
+          </p:cNvPr>
+          <p:cNvSpPr txBox="1"/>
+          <p:nvPr/>
+        </p:nvSpPr>
+        <p:spPr>
+          <a:xfrm>
+            <a:off x="722017" y="1625927"/>
+            <a:ext cx="2108269" cy="369332"/>
+          </a:xfrm>
+          <a:prstGeom prst="rect">
+            <a:avLst/>
+          </a:prstGeom>
+          <a:noFill/>
+        </p:spPr>
+        <p:txBody>
+          <a:bodyPr wrap="none" rtlCol="0">
+            <a:spAutoFit/>
+          </a:bodyPr>
+          <a:lstStyle/>
+          <a:p>
             <a:r>
               <a:rPr lang="ko-KR" altLang="en-US" sz="900" dirty="0"/>
               <a:t>아이디는 </a:t>
@@ -14871,13 +21536,108 @@
               <a:rPr lang="ko-KR" altLang="en-US" sz="900" dirty="0"/>
               <a:t>자 이하로 입력해주세요</a:t>
             </a:r>
+            <a:endParaRPr lang="en-US" altLang="ko-KR" sz="900" dirty="0"/>
+          </a:p>
+          <a:p>
+            <a:r>
+              <a:rPr lang="ko-KR" altLang="en-US" sz="900" dirty="0"/>
+              <a:t>비밀번호는 </a:t>
+            </a:r>
+            <a:r>
+              <a:rPr lang="en-US" altLang="ko-KR" sz="900" dirty="0"/>
+              <a:t>8~15</a:t>
+            </a:r>
+            <a:r>
+              <a:rPr lang="ko-KR" altLang="en-US" sz="900" dirty="0"/>
+              <a:t>자리로 입력해주세요</a:t>
+            </a:r>
           </a:p>
         </p:txBody>
       </p:sp>
+      <p:cxnSp>
+        <p:nvCxnSpPr>
+          <p:cNvPr id="14" name="직선 화살표 연결선 13">
+            <a:extLst>
+              <a:ext uri="{FF2B5EF4-FFF2-40B4-BE49-F238E27FC236}">
+                <a16:creationId xmlns:a16="http://schemas.microsoft.com/office/drawing/2014/main" id="{B568AA87-5B5E-498A-1700-FB371C5E834E}"/>
+              </a:ext>
+            </a:extLst>
+          </p:cNvPr>
+          <p:cNvCxnSpPr/>
+          <p:nvPr/>
+        </p:nvCxnSpPr>
+        <p:spPr>
+          <a:xfrm flipV="1">
+            <a:off x="4231758" y="2275367"/>
+            <a:ext cx="304763" cy="514641"/>
+          </a:xfrm>
+          <a:prstGeom prst="straightConnector1">
+            <a:avLst/>
+          </a:prstGeom>
+          <a:ln>
+            <a:tailEnd type="triangle"/>
+          </a:ln>
+        </p:spPr>
+        <p:style>
+          <a:lnRef idx="1">
+            <a:schemeClr val="dk1"/>
+          </a:lnRef>
+          <a:fillRef idx="0">
+            <a:schemeClr val="dk1"/>
+          </a:fillRef>
+          <a:effectRef idx="0">
+            <a:schemeClr val="dk1"/>
+          </a:effectRef>
+          <a:fontRef idx="minor">
+            <a:schemeClr val="tx1"/>
+          </a:fontRef>
+        </p:style>
+      </p:cxnSp>
+      <p:cxnSp>
+        <p:nvCxnSpPr>
+          <p:cNvPr id="18" name="직선 화살표 연결선 17">
+            <a:extLst>
+              <a:ext uri="{FF2B5EF4-FFF2-40B4-BE49-F238E27FC236}">
+                <a16:creationId xmlns:a16="http://schemas.microsoft.com/office/drawing/2014/main" id="{0B61BB84-2D06-E7A7-7EA0-50E5C7C0DD49}"/>
+              </a:ext>
+            </a:extLst>
+          </p:cNvPr>
+          <p:cNvCxnSpPr>
+            <a:cxnSpLocks/>
+          </p:cNvCxnSpPr>
+          <p:nvPr/>
+        </p:nvCxnSpPr>
+        <p:spPr>
+          <a:xfrm>
+            <a:off x="4146656" y="3045245"/>
+            <a:ext cx="608060" cy="1358098"/>
+          </a:xfrm>
+          <a:prstGeom prst="straightConnector1">
+            <a:avLst/>
+          </a:prstGeom>
+          <a:ln>
+            <a:tailEnd type="triangle"/>
+          </a:ln>
+        </p:spPr>
+        <p:style>
+          <a:lnRef idx="1">
+            <a:schemeClr val="dk1"/>
+          </a:lnRef>
+          <a:fillRef idx="0">
+            <a:schemeClr val="dk1"/>
+          </a:fillRef>
+          <a:effectRef idx="0">
+            <a:schemeClr val="dk1"/>
+          </a:effectRef>
+          <a:fontRef idx="minor">
+            <a:schemeClr val="tx1"/>
+          </a:fontRef>
+        </p:style>
+      </p:cxnSp>
     </p:spTree>
     <p:extLst>
       <p:ext uri="{BB962C8B-B14F-4D97-AF65-F5344CB8AC3E}">
-        <p14:creationId xmlns:p14="http://schemas.microsoft.com/office/powerpoint/2010/main" val="2993510039"/>
+        <p14:creationId xmlns:p14="http://schemas.microsoft.com/office/powerpoint/2010/main" val="1805349788"/>
       </p:ext>
     </p:extLst>
   </p:cSld>
